--- a/SLIDES.pptx
+++ b/SLIDES.pptx
@@ -5,7 +5,7 @@
     <p:sldMasterId id="2147483648" r:id="rId1"/>
   </p:sldMasterIdLst>
   <p:notesMasterIdLst>
-    <p:notesMasterId r:id="rId31"/>
+    <p:notesMasterId r:id="rId30"/>
   </p:notesMasterIdLst>
   <p:sldIdLst>
     <p:sldId id="256" r:id="rId2"/>
@@ -34,9 +34,8 @@
     <p:sldId id="284" r:id="rId25"/>
     <p:sldId id="285" r:id="rId26"/>
     <p:sldId id="286" r:id="rId27"/>
-    <p:sldId id="271" r:id="rId28"/>
-    <p:sldId id="272" r:id="rId29"/>
-    <p:sldId id="273" r:id="rId30"/>
+    <p:sldId id="272" r:id="rId28"/>
+    <p:sldId id="273" r:id="rId29"/>
   </p:sldIdLst>
   <p:sldSz cx="9144000" cy="6858000" type="screen4x3"/>
   <p:notesSz cx="6858000" cy="9144000"/>
@@ -137,7 +136,7 @@
   </p:defaultTextStyle>
   <p:extLst>
     <p:ext uri="{EFAFB233-063F-42B5-8137-9DF3F51BA10A}">
-      <p15:sldGuideLst xmlns:p15="http://schemas.microsoft.com/office/powerpoint/2012/main">
+      <p15:sldGuideLst xmlns:p15="http://schemas.microsoft.com/office/powerpoint/2012/main" xmlns="">
         <p15:guide id="1" orient="horz" pos="2160">
           <p15:clr>
             <a:srgbClr val="A4A3A4"/>
@@ -236,7 +235,7 @@
           <a:p>
             <a:fld id="{8565FF9D-CD23-418B-A39E-AD575E57D064}" type="datetimeFigureOut">
               <a:rPr lang="en-GB" smtClean="0"/>
-              <a:t>09/10/2013</a:t>
+              <a:t>12/10/2013</a:t>
             </a:fld>
             <a:endParaRPr lang="en-GB"/>
           </a:p>
@@ -1334,7 +1333,7 @@
     </p:spTree>
     <p:extLst>
       <p:ext uri="{BB962C8B-B14F-4D97-AF65-F5344CB8AC3E}">
-        <p14:creationId xmlns:p14="http://schemas.microsoft.com/office/powerpoint/2010/main" val="2304798417"/>
+        <p14:creationId xmlns:p14="http://schemas.microsoft.com/office/powerpoint/2010/main" val="2287453238"/>
       </p:ext>
     </p:extLst>
   </p:cSld>
@@ -1418,7 +1417,7 @@
     </p:spTree>
     <p:extLst>
       <p:ext uri="{BB962C8B-B14F-4D97-AF65-F5344CB8AC3E}">
-        <p14:creationId xmlns:p14="http://schemas.microsoft.com/office/powerpoint/2010/main" val="2287453238"/>
+        <p14:creationId xmlns:p14="http://schemas.microsoft.com/office/powerpoint/2010/main" val="1416940022"/>
       </p:ext>
     </p:extLst>
   </p:cSld>
@@ -1503,90 +1502,6 @@
     <p:extLst>
       <p:ext uri="{BB962C8B-B14F-4D97-AF65-F5344CB8AC3E}">
         <p14:creationId xmlns:p14="http://schemas.microsoft.com/office/powerpoint/2010/main" val="2026866247"/>
-      </p:ext>
-    </p:extLst>
-  </p:cSld>
-  <p:clrMapOvr>
-    <a:masterClrMapping/>
-  </p:clrMapOvr>
-</p:notes>
-</file>
-
-<file path=ppt/notesSlides/notesSlide20.xml><?xml version="1.0" encoding="utf-8"?>
-<p:notes xmlns:a="http://schemas.openxmlformats.org/drawingml/2006/main" xmlns:r="http://schemas.openxmlformats.org/officeDocument/2006/relationships" xmlns:p="http://schemas.openxmlformats.org/presentationml/2006/main">
-  <p:cSld>
-    <p:spTree>
-      <p:nvGrpSpPr>
-        <p:cNvPr id="1" name=""/>
-        <p:cNvGrpSpPr/>
-        <p:nvPr/>
-      </p:nvGrpSpPr>
-      <p:grpSpPr>
-        <a:xfrm>
-          <a:off x="0" y="0"/>
-          <a:ext cx="0" cy="0"/>
-          <a:chOff x="0" y="0"/>
-          <a:chExt cx="0" cy="0"/>
-        </a:xfrm>
-      </p:grpSpPr>
-      <p:sp>
-        <p:nvSpPr>
-          <p:cNvPr id="2" name="Slide Image Placeholder 1"/>
-          <p:cNvSpPr>
-            <a:spLocks noGrp="1" noRot="1" noChangeAspect="1"/>
-          </p:cNvSpPr>
-          <p:nvPr>
-            <p:ph type="sldImg"/>
-          </p:nvPr>
-        </p:nvSpPr>
-        <p:spPr/>
-      </p:sp>
-      <p:sp>
-        <p:nvSpPr>
-          <p:cNvPr id="3" name="Notes Placeholder 2"/>
-          <p:cNvSpPr>
-            <a:spLocks noGrp="1"/>
-          </p:cNvSpPr>
-          <p:nvPr>
-            <p:ph type="body" idx="1"/>
-          </p:nvPr>
-        </p:nvSpPr>
-        <p:spPr/>
-        <p:txBody>
-          <a:bodyPr/>
-          <a:lstStyle/>
-          <a:p>
-            <a:endParaRPr lang="en-GB"/>
-          </a:p>
-        </p:txBody>
-      </p:sp>
-      <p:sp>
-        <p:nvSpPr>
-          <p:cNvPr id="4" name="Slide Number Placeholder 3"/>
-          <p:cNvSpPr>
-            <a:spLocks noGrp="1"/>
-          </p:cNvSpPr>
-          <p:nvPr>
-            <p:ph type="sldNum" sz="quarter" idx="10"/>
-          </p:nvPr>
-        </p:nvSpPr>
-        <p:spPr/>
-        <p:txBody>
-          <a:bodyPr/>
-          <a:lstStyle/>
-          <a:p>
-            <a:fld id="{6852825C-51E9-4757-B22D-4B5D302C42F1}" type="slidenum">
-              <a:rPr lang="en-GB" smtClean="0"/>
-              <a:t>29</a:t>
-            </a:fld>
-            <a:endParaRPr lang="en-GB"/>
-          </a:p>
-        </p:txBody>
-      </p:sp>
-    </p:spTree>
-    <p:extLst>
-      <p:ext uri="{BB962C8B-B14F-4D97-AF65-F5344CB8AC3E}">
-        <p14:creationId xmlns:p14="http://schemas.microsoft.com/office/powerpoint/2010/main" val="1416940022"/>
       </p:ext>
     </p:extLst>
   </p:cSld>
@@ -2438,7 +2353,7 @@
             <a:fld id="{34D8DEE8-7A87-4E01-8ADE-4C49CDD43F74}" type="datetime1">
               <a:rPr lang="en-US" smtClean="0"/>
               <a:pPr/>
-              <a:t>10/9/2013</a:t>
+              <a:t>12/10/2013</a:t>
             </a:fld>
             <a:endParaRPr lang="en-US" dirty="0"/>
           </a:p>
@@ -2654,7 +2569,7 @@
             <a:fld id="{7F8F9461-E3EB-40CD-B93F-E5CBBBD8E0BA}" type="datetimeFigureOut">
               <a:rPr lang="en-US" smtClean="0"/>
               <a:pPr/>
-              <a:t>10/9/2013</a:t>
+              <a:t>12/10/2013</a:t>
             </a:fld>
             <a:endParaRPr lang="en-US"/>
           </a:p>
@@ -2923,7 +2838,7 @@
             <a:fld id="{60578FA3-38AD-400D-A4D2-18E8EF129E5F}" type="datetime1">
               <a:rPr lang="en-US" smtClean="0"/>
               <a:pPr/>
-              <a:t>10/9/2013</a:t>
+              <a:t>12/10/2013</a:t>
             </a:fld>
             <a:endParaRPr lang="en-US"/>
           </a:p>
@@ -3075,7 +2990,7 @@
             <a:fld id="{A2EFF424-F111-43CB-9C75-D52325012943}" type="datetime1">
               <a:rPr lang="en-US" smtClean="0"/>
               <a:pPr/>
-              <a:t>10/9/2013</a:t>
+              <a:t>12/10/2013</a:t>
             </a:fld>
             <a:endParaRPr lang="en-US"/>
           </a:p>
@@ -3407,7 +3322,7 @@
             <a:fld id="{74A8BBF0-342D-409A-9C0A-B1B451E92883}" type="datetime1">
               <a:rPr lang="en-US" smtClean="0"/>
               <a:pPr/>
-              <a:t>10/9/2013</a:t>
+              <a:t>12/10/2013</a:t>
             </a:fld>
             <a:endParaRPr lang="en-US" dirty="0"/>
           </a:p>
@@ -3718,7 +3633,7 @@
             <a:fld id="{345DA190-4BDC-4D39-B5BB-A14B3E8B1B3D}" type="datetime1">
               <a:rPr lang="en-US" smtClean="0"/>
               <a:pPr/>
-              <a:t>10/9/2013</a:t>
+              <a:t>12/10/2013</a:t>
             </a:fld>
             <a:endParaRPr lang="en-US"/>
           </a:p>
@@ -4141,7 +4056,7 @@
             <a:fld id="{581D52F2-9B11-4FC0-9217-7D20B3AC9849}" type="datetime1">
               <a:rPr lang="en-US" smtClean="0"/>
               <a:pPr/>
-              <a:t>10/9/2013</a:t>
+              <a:t>12/10/2013</a:t>
             </a:fld>
             <a:endParaRPr lang="en-US"/>
           </a:p>
@@ -4256,7 +4171,7 @@
             <a:fld id="{4CF13737-8506-438E-ABC0-0BE7E06DCCA6}" type="datetime1">
               <a:rPr lang="en-US" smtClean="0"/>
               <a:pPr/>
-              <a:t>10/9/2013</a:t>
+              <a:t>12/10/2013</a:t>
             </a:fld>
             <a:endParaRPr lang="en-US"/>
           </a:p>
@@ -4417,7 +4332,7 @@
             <a:fld id="{941D58AA-1C84-40C9-BFEE-631CCB17636C}" type="datetime1">
               <a:rPr lang="en-US" smtClean="0"/>
               <a:pPr/>
-              <a:t>10/9/2013</a:t>
+              <a:t>12/10/2013</a:t>
             </a:fld>
             <a:endParaRPr lang="en-US"/>
           </a:p>
@@ -4803,7 +4718,7 @@
             <a:fld id="{936542C1-4E96-413B-B72E-6C4B39D85C9D}" type="datetime1">
               <a:rPr lang="en-US" smtClean="0"/>
               <a:pPr/>
-              <a:t>10/9/2013</a:t>
+              <a:t>12/10/2013</a:t>
             </a:fld>
             <a:endParaRPr lang="en-US"/>
           </a:p>
@@ -5167,7 +5082,7 @@
             <a:fld id="{F0542AA2-D442-471A-9D69-80392E1E581D}" type="datetime1">
               <a:rPr lang="en-US" smtClean="0"/>
               <a:pPr/>
-              <a:t>10/9/2013</a:t>
+              <a:t>12/10/2013</a:t>
             </a:fld>
             <a:endParaRPr lang="en-US" dirty="0"/>
           </a:p>
@@ -5503,7 +5418,7 @@
             <a:fld id="{EC43563C-D9B3-4432-B336-144C997D6215}" type="datetime1">
               <a:rPr lang="en-US" smtClean="0"/>
               <a:pPr/>
-              <a:t>10/9/2013</a:t>
+              <a:t>12/10/2013</a:t>
             </a:fld>
             <a:endParaRPr lang="en-US" dirty="0"/>
           </a:p>
@@ -5971,7 +5886,7 @@
   <p:timing>
     <p:tnLst>
       <p:par>
-        <p:cTn id="1" dur="indefinite" restart="never" nodeType="tmRoot"/>
+        <p:cTn xmlns:p14="http://schemas.microsoft.com/office/powerpoint/2010/main" id="1" dur="indefinite" restart="never" nodeType="tmRoot"/>
       </p:par>
     </p:tnLst>
   </p:timing>
@@ -6072,7 +5987,6 @@
               <a:rPr lang="en-GB" b="1" dirty="0"/>
               <a:t>Mule</a:t>
             </a:r>
-            <a:endParaRPr lang="en-GB" b="1" dirty="0"/>
           </a:p>
         </p:txBody>
       </p:sp>
@@ -6089,7 +6003,7 @@
   <p:timing>
     <p:tnLst>
       <p:par>
-        <p:cTn id="1" dur="indefinite" restart="never" nodeType="tmRoot"/>
+        <p:cTn xmlns:p14="http://schemas.microsoft.com/office/powerpoint/2010/main" id="1" dur="indefinite" restart="never" nodeType="tmRoot"/>
       </p:par>
     </p:tnLst>
   </p:timing>
@@ -6126,7 +6040,7 @@
         <p:spPr>
           <a:xfrm>
             <a:off x="380999" y="1732719"/>
-            <a:ext cx="8191767" cy="4170776"/>
+            <a:ext cx="8191767" cy="535138"/>
           </a:xfrm>
         </p:spPr>
         <p:txBody>
@@ -6147,6 +6061,11 @@
               <a:rPr lang="en-GB" dirty="0" smtClean="0"/>
               <a:t>EIPs</a:t>
             </a:r>
+          </a:p>
+          <a:p>
+            <a:pPr marL="45720" indent="0">
+              <a:buNone/>
+            </a:pPr>
             <a:endParaRPr lang="en-GB" b="1" dirty="0"/>
           </a:p>
           <a:p>
@@ -6184,896 +6103,21 @@
               <a:rPr lang="en-GB" b="1" dirty="0"/>
               <a:t>)</a:t>
             </a:r>
-            <a:endParaRPr lang="en-GB" b="1" dirty="0"/>
-          </a:p>
-        </p:txBody>
-      </p:sp>
-    </p:spTree>
-    <p:extLst>
-      <p:ext uri="{BB962C8B-B14F-4D97-AF65-F5344CB8AC3E}">
-        <p14:creationId xmlns:p14="http://schemas.microsoft.com/office/powerpoint/2010/main" val="3077950799"/>
-      </p:ext>
-    </p:extLst>
-  </p:cSld>
-  <p:clrMapOvr>
-    <a:masterClrMapping/>
-  </p:clrMapOvr>
-  <p:timing>
-    <p:tnLst>
-      <p:par>
-        <p:cTn id="1" dur="indefinite" restart="never" nodeType="tmRoot"/>
-      </p:par>
-    </p:tnLst>
-  </p:timing>
-</p:sld>
-</file>
-
-<file path=ppt/slides/slide12.xml><?xml version="1.0" encoding="utf-8"?>
-<p:sld xmlns:a="http://schemas.openxmlformats.org/drawingml/2006/main" xmlns:r="http://schemas.openxmlformats.org/officeDocument/2006/relationships" xmlns:p="http://schemas.openxmlformats.org/presentationml/2006/main">
-  <p:cSld>
-    <p:spTree>
-      <p:nvGrpSpPr>
-        <p:cNvPr id="1" name=""/>
-        <p:cNvGrpSpPr/>
-        <p:nvPr/>
-      </p:nvGrpSpPr>
-      <p:grpSpPr>
-        <a:xfrm>
-          <a:off x="0" y="0"/>
-          <a:ext cx="0" cy="0"/>
-          <a:chOff x="0" y="0"/>
-          <a:chExt cx="0" cy="0"/>
-        </a:xfrm>
-      </p:grpSpPr>
-      <p:sp>
-        <p:nvSpPr>
-          <p:cNvPr id="2" name="Content Placeholder 1"/>
-          <p:cNvSpPr>
-            <a:spLocks noGrp="1"/>
-          </p:cNvSpPr>
-          <p:nvPr>
-            <p:ph idx="1"/>
-          </p:nvPr>
+          </a:p>
+        </p:txBody>
+      </p:sp>
+      <p:sp>
+        <p:nvSpPr>
+          <p:cNvPr id="4" name="Content Placeholder 1"/>
+          <p:cNvSpPr txBox="1">
+            <a:spLocks/>
+          </p:cNvSpPr>
+          <p:nvPr/>
         </p:nvSpPr>
         <p:spPr>
           <a:xfrm>
-            <a:off x="380999" y="1732719"/>
-            <a:ext cx="8191767" cy="4170776"/>
-          </a:xfrm>
-        </p:spPr>
-        <p:txBody>
-          <a:bodyPr>
-            <a:normAutofit/>
-          </a:bodyPr>
-          <a:lstStyle/>
-          <a:p>
-            <a:r>
-              <a:rPr lang="en-GB" dirty="0"/>
-              <a:t>Lot's of adaptors</a:t>
-            </a:r>
-          </a:p>
-          <a:p>
-            <a:r>
-              <a:rPr lang="en-GB" dirty="0"/>
-              <a:t>It will satisfy most message brokers</a:t>
-            </a:r>
-          </a:p>
-          <a:p>
-            <a:r>
-              <a:rPr lang="en-GB" dirty="0"/>
-              <a:t>Has a number of built-in adaptors for HTTP send/receive, file system </a:t>
-            </a:r>
-            <a:r>
-              <a:rPr lang="en-GB" dirty="0" err="1"/>
-              <a:t>etc</a:t>
-            </a:r>
-            <a:endParaRPr lang="en-GB" dirty="0"/>
-          </a:p>
-          <a:p>
-            <a:endParaRPr lang="en-GB" b="1" dirty="0"/>
-          </a:p>
-          <a:p>
-            <a:pPr marL="45720" indent="0">
-              <a:buNone/>
-            </a:pPr>
-            <a:endParaRPr lang="en-GB" dirty="0" smtClean="0"/>
-          </a:p>
-        </p:txBody>
-      </p:sp>
-      <p:sp>
-        <p:nvSpPr>
-          <p:cNvPr id="3" name="Title 2"/>
-          <p:cNvSpPr>
-            <a:spLocks noGrp="1"/>
-          </p:cNvSpPr>
-          <p:nvPr>
-            <p:ph type="title"/>
-          </p:nvPr>
-        </p:nvSpPr>
-        <p:spPr/>
-        <p:txBody>
-          <a:bodyPr/>
-          <a:lstStyle/>
-          <a:p>
-            <a:r>
-              <a:rPr lang="en-GB" b="1" dirty="0"/>
-              <a:t>Apache </a:t>
-            </a:r>
-            <a:r>
-              <a:rPr lang="en-GB" b="1" dirty="0" smtClean="0"/>
-              <a:t>Camel: </a:t>
-            </a:r>
-            <a:r>
-              <a:rPr lang="en-GB" b="1" dirty="0"/>
-              <a:t>Systems Integration</a:t>
-            </a:r>
-          </a:p>
-        </p:txBody>
-      </p:sp>
-    </p:spTree>
-    <p:extLst>
-      <p:ext uri="{BB962C8B-B14F-4D97-AF65-F5344CB8AC3E}">
-        <p14:creationId xmlns:p14="http://schemas.microsoft.com/office/powerpoint/2010/main" val="3639255610"/>
-      </p:ext>
-    </p:extLst>
-  </p:cSld>
-  <p:clrMapOvr>
-    <a:masterClrMapping/>
-  </p:clrMapOvr>
-  <p:timing>
-    <p:tnLst>
-      <p:par>
-        <p:cTn id="1" dur="indefinite" restart="never" nodeType="tmRoot"/>
-      </p:par>
-    </p:tnLst>
-  </p:timing>
-</p:sld>
-</file>
-
-<file path=ppt/slides/slide13.xml><?xml version="1.0" encoding="utf-8"?>
-<p:sld xmlns:a="http://schemas.openxmlformats.org/drawingml/2006/main" xmlns:r="http://schemas.openxmlformats.org/officeDocument/2006/relationships" xmlns:p="http://schemas.openxmlformats.org/presentationml/2006/main">
-  <p:cSld>
-    <p:spTree>
-      <p:nvGrpSpPr>
-        <p:cNvPr id="1" name=""/>
-        <p:cNvGrpSpPr/>
-        <p:nvPr/>
-      </p:nvGrpSpPr>
-      <p:grpSpPr>
-        <a:xfrm>
-          <a:off x="0" y="0"/>
-          <a:ext cx="0" cy="0"/>
-          <a:chOff x="0" y="0"/>
-          <a:chExt cx="0" cy="0"/>
-        </a:xfrm>
-      </p:grpSpPr>
-      <p:sp>
-        <p:nvSpPr>
-          <p:cNvPr id="2" name="Content Placeholder 1"/>
-          <p:cNvSpPr>
-            <a:spLocks noGrp="1"/>
-          </p:cNvSpPr>
-          <p:nvPr>
-            <p:ph idx="1"/>
-          </p:nvPr>
-        </p:nvSpPr>
-        <p:spPr>
-          <a:xfrm>
-            <a:off x="380999" y="1732719"/>
-            <a:ext cx="8191767" cy="4170776"/>
-          </a:xfrm>
-        </p:spPr>
-        <p:txBody>
-          <a:bodyPr>
-            <a:normAutofit/>
-          </a:bodyPr>
-          <a:lstStyle/>
-          <a:p>
-            <a:r>
-              <a:rPr lang="en-GB" dirty="0"/>
-              <a:t>Not bad</a:t>
-            </a:r>
-          </a:p>
-          <a:p>
-            <a:r>
-              <a:rPr lang="en-GB" dirty="0" err="1"/>
-              <a:t>HolyGrail</a:t>
-            </a:r>
-            <a:r>
-              <a:rPr lang="en-GB" dirty="0"/>
-              <a:t> transforms method chaining DSL into </a:t>
-            </a:r>
-            <a:r>
-              <a:rPr lang="en-GB" dirty="0" err="1"/>
-              <a:t>clojure</a:t>
-            </a:r>
-            <a:r>
-              <a:rPr lang="en-GB" dirty="0"/>
-              <a:t> like syntax</a:t>
-            </a:r>
-          </a:p>
-          <a:p>
-            <a:r>
-              <a:rPr lang="en-GB" dirty="0" err="1"/>
-              <a:t>HolyGrail</a:t>
-            </a:r>
-            <a:r>
-              <a:rPr lang="en-GB" dirty="0"/>
-              <a:t> DSL is </a:t>
-            </a:r>
-            <a:r>
-              <a:rPr lang="en-GB" dirty="0" err="1"/>
-              <a:t>homoiconic</a:t>
-            </a:r>
-            <a:r>
-              <a:rPr lang="en-GB" dirty="0"/>
-              <a:t> so you can build visualisations on top of it</a:t>
-            </a:r>
-          </a:p>
-          <a:p>
-            <a:r>
-              <a:rPr lang="en-GB" dirty="0"/>
-              <a:t>No killer visualisation without a spring configuration</a:t>
-            </a:r>
-          </a:p>
-          <a:p>
-            <a:endParaRPr lang="en-GB" b="1" dirty="0"/>
-          </a:p>
-          <a:p>
-            <a:pPr marL="45720" indent="0">
-              <a:buNone/>
-            </a:pPr>
-            <a:endParaRPr lang="en-GB" dirty="0" smtClean="0"/>
-          </a:p>
-        </p:txBody>
-      </p:sp>
-      <p:sp>
-        <p:nvSpPr>
-          <p:cNvPr id="3" name="Title 2"/>
-          <p:cNvSpPr>
-            <a:spLocks noGrp="1"/>
-          </p:cNvSpPr>
-          <p:nvPr>
-            <p:ph type="title"/>
-          </p:nvPr>
-        </p:nvSpPr>
-        <p:spPr/>
-        <p:txBody>
-          <a:bodyPr/>
-          <a:lstStyle/>
-          <a:p>
-            <a:r>
-              <a:rPr lang="en-GB" b="1" dirty="0"/>
-              <a:t>Apache </a:t>
-            </a:r>
-            <a:r>
-              <a:rPr lang="en-GB" b="1" dirty="0" smtClean="0"/>
-              <a:t>Camel</a:t>
-            </a:r>
-            <a:r>
-              <a:rPr lang="en-GB" b="1" dirty="0"/>
-              <a:t>: Business rules </a:t>
-            </a:r>
-            <a:r>
-              <a:rPr lang="en-GB" b="1" dirty="0" smtClean="0"/>
-              <a:t>capture</a:t>
-            </a:r>
-            <a:endParaRPr lang="en-GB" b="1" dirty="0"/>
-          </a:p>
-        </p:txBody>
-      </p:sp>
-    </p:spTree>
-    <p:extLst>
-      <p:ext uri="{BB962C8B-B14F-4D97-AF65-F5344CB8AC3E}">
-        <p14:creationId xmlns:p14="http://schemas.microsoft.com/office/powerpoint/2010/main" val="3997196967"/>
-      </p:ext>
-    </p:extLst>
-  </p:cSld>
-  <p:clrMapOvr>
-    <a:masterClrMapping/>
-  </p:clrMapOvr>
-  <p:timing>
-    <p:tnLst>
-      <p:par>
-        <p:cTn id="1" dur="indefinite" restart="never" nodeType="tmRoot"/>
-      </p:par>
-    </p:tnLst>
-  </p:timing>
-</p:sld>
-</file>
-
-<file path=ppt/slides/slide14.xml><?xml version="1.0" encoding="utf-8"?>
-<p:sld xmlns:a="http://schemas.openxmlformats.org/drawingml/2006/main" xmlns:r="http://schemas.openxmlformats.org/officeDocument/2006/relationships" xmlns:p="http://schemas.openxmlformats.org/presentationml/2006/main">
-  <p:cSld>
-    <p:spTree>
-      <p:nvGrpSpPr>
-        <p:cNvPr id="1" name=""/>
-        <p:cNvGrpSpPr/>
-        <p:nvPr/>
-      </p:nvGrpSpPr>
-      <p:grpSpPr>
-        <a:xfrm>
-          <a:off x="0" y="0"/>
-          <a:ext cx="0" cy="0"/>
-          <a:chOff x="0" y="0"/>
-          <a:chExt cx="0" cy="0"/>
-        </a:xfrm>
-      </p:grpSpPr>
-      <p:sp>
-        <p:nvSpPr>
-          <p:cNvPr id="2" name="Content Placeholder 1"/>
-          <p:cNvSpPr>
-            <a:spLocks noGrp="1"/>
-          </p:cNvSpPr>
-          <p:nvPr>
-            <p:ph idx="1"/>
-          </p:nvPr>
-        </p:nvSpPr>
-        <p:spPr>
-          <a:xfrm>
-            <a:off x="380999" y="1732719"/>
-            <a:ext cx="8191767" cy="4170776"/>
-          </a:xfrm>
-        </p:spPr>
-        <p:txBody>
-          <a:bodyPr>
-            <a:normAutofit fontScale="70000" lnSpcReduction="20000"/>
-          </a:bodyPr>
-          <a:lstStyle/>
-          <a:p>
-            <a:r>
-              <a:rPr lang="en-GB" dirty="0"/>
-              <a:t>Message</a:t>
-            </a:r>
-          </a:p>
-          <a:p>
-            <a:pPr lvl="1"/>
-            <a:r>
-              <a:rPr lang="en-GB" dirty="0" err="1"/>
-              <a:t>MessageInterface</a:t>
-            </a:r>
-            <a:endParaRPr lang="en-GB" dirty="0"/>
-          </a:p>
-          <a:p>
-            <a:r>
-              <a:rPr lang="en-GB" dirty="0"/>
-              <a:t>Message Channel</a:t>
-            </a:r>
-          </a:p>
-          <a:p>
-            <a:pPr lvl="1"/>
-            <a:r>
-              <a:rPr lang="en-GB" dirty="0"/>
-              <a:t>nice, initialised from URLs</a:t>
-            </a:r>
-          </a:p>
-          <a:p>
-            <a:r>
-              <a:rPr lang="en-GB" dirty="0"/>
-              <a:t>Message Broker</a:t>
-            </a:r>
-          </a:p>
-          <a:p>
-            <a:pPr lvl="1"/>
-            <a:r>
-              <a:rPr lang="en-GB" dirty="0"/>
-              <a:t>required for distributed operation</a:t>
-            </a:r>
-          </a:p>
-          <a:p>
-            <a:r>
-              <a:rPr lang="en-GB" dirty="0"/>
-              <a:t>Message Router</a:t>
-            </a:r>
-          </a:p>
-          <a:p>
-            <a:pPr lvl="1"/>
-            <a:r>
-              <a:rPr lang="en-GB" dirty="0"/>
-              <a:t>via when construct</a:t>
-            </a:r>
-          </a:p>
-          <a:p>
-            <a:r>
-              <a:rPr lang="en-GB" dirty="0"/>
-              <a:t>Content Enricher</a:t>
-            </a:r>
-          </a:p>
-          <a:p>
-            <a:pPr lvl="1"/>
-            <a:r>
-              <a:rPr lang="en-GB" dirty="0"/>
-              <a:t>via custom processor</a:t>
-            </a:r>
-          </a:p>
-          <a:p>
-            <a:r>
-              <a:rPr lang="en-GB" dirty="0"/>
-              <a:t>Pipeline</a:t>
-            </a:r>
-          </a:p>
-          <a:p>
-            <a:pPr lvl="1"/>
-            <a:r>
-              <a:rPr lang="en-GB" dirty="0"/>
-              <a:t>default behaviour of the DSL</a:t>
-            </a:r>
-          </a:p>
-          <a:p>
-            <a:r>
-              <a:rPr lang="en-GB" dirty="0"/>
-              <a:t>Splitter</a:t>
-            </a:r>
-          </a:p>
-          <a:p>
-            <a:pPr lvl="1"/>
-            <a:r>
-              <a:rPr lang="en-GB" dirty="0"/>
-              <a:t>via split construct</a:t>
-            </a:r>
-          </a:p>
-          <a:p>
-            <a:r>
-              <a:rPr lang="en-GB" dirty="0"/>
-              <a:t>Aggregator</a:t>
-            </a:r>
-          </a:p>
-          <a:p>
-            <a:pPr lvl="1"/>
-            <a:r>
-              <a:rPr lang="en-GB" dirty="0"/>
-              <a:t>Not shown, not suitable for this case</a:t>
-            </a:r>
-          </a:p>
-          <a:p>
-            <a:r>
-              <a:rPr lang="en-GB" dirty="0"/>
-              <a:t>Dead Letter Channel</a:t>
-            </a:r>
-          </a:p>
-          <a:p>
-            <a:pPr lvl="1"/>
-            <a:r>
-              <a:rPr lang="en-GB" dirty="0"/>
-              <a:t>error handler comes for free</a:t>
-            </a:r>
-          </a:p>
-          <a:p>
-            <a:pPr lvl="1"/>
-            <a:r>
-              <a:rPr lang="en-GB" dirty="0"/>
-              <a:t>bit hard to modify, customize</a:t>
-            </a:r>
-          </a:p>
-        </p:txBody>
-      </p:sp>
-      <p:sp>
-        <p:nvSpPr>
-          <p:cNvPr id="3" name="Title 2"/>
-          <p:cNvSpPr>
-            <a:spLocks noGrp="1"/>
-          </p:cNvSpPr>
-          <p:nvPr>
-            <p:ph type="title"/>
-          </p:nvPr>
-        </p:nvSpPr>
-        <p:spPr/>
-        <p:txBody>
-          <a:bodyPr/>
-          <a:lstStyle/>
-          <a:p>
-            <a:r>
-              <a:rPr lang="en-GB" b="1" dirty="0"/>
-              <a:t>Apache </a:t>
-            </a:r>
-            <a:r>
-              <a:rPr lang="en-GB" b="1" dirty="0" smtClean="0"/>
-              <a:t>Camel</a:t>
-            </a:r>
-            <a:r>
-              <a:rPr lang="en-GB" b="1" dirty="0"/>
-              <a:t>: Distributed Systems orchestration</a:t>
-            </a:r>
-          </a:p>
-        </p:txBody>
-      </p:sp>
-    </p:spTree>
-    <p:extLst>
-      <p:ext uri="{BB962C8B-B14F-4D97-AF65-F5344CB8AC3E}">
-        <p14:creationId xmlns:p14="http://schemas.microsoft.com/office/powerpoint/2010/main" val="123610373"/>
-      </p:ext>
-    </p:extLst>
-  </p:cSld>
-  <p:clrMapOvr>
-    <a:masterClrMapping/>
-  </p:clrMapOvr>
-  <p:timing>
-    <p:tnLst>
-      <p:par>
-        <p:cTn id="1" dur="indefinite" restart="never" nodeType="tmRoot"/>
-      </p:par>
-    </p:tnLst>
-  </p:timing>
-</p:sld>
-</file>
-
-<file path=ppt/slides/slide15.xml><?xml version="1.0" encoding="utf-8"?>
-<p:sld xmlns:a="http://schemas.openxmlformats.org/drawingml/2006/main" xmlns:r="http://schemas.openxmlformats.org/officeDocument/2006/relationships" xmlns:p="http://schemas.openxmlformats.org/presentationml/2006/main">
-  <p:cSld>
-    <p:spTree>
-      <p:nvGrpSpPr>
-        <p:cNvPr id="1" name=""/>
-        <p:cNvGrpSpPr/>
-        <p:nvPr/>
-      </p:nvGrpSpPr>
-      <p:grpSpPr>
-        <a:xfrm>
-          <a:off x="0" y="0"/>
-          <a:ext cx="0" cy="0"/>
-          <a:chOff x="0" y="0"/>
-          <a:chExt cx="0" cy="0"/>
-        </a:xfrm>
-      </p:grpSpPr>
-      <p:sp>
-        <p:nvSpPr>
-          <p:cNvPr id="2" name="Content Placeholder 1"/>
-          <p:cNvSpPr>
-            <a:spLocks noGrp="1"/>
-          </p:cNvSpPr>
-          <p:nvPr>
-            <p:ph idx="1"/>
-          </p:nvPr>
-        </p:nvSpPr>
-        <p:spPr>
-          <a:xfrm>
-            <a:off x="380999" y="1732719"/>
-            <a:ext cx="8191767" cy="4170776"/>
-          </a:xfrm>
-        </p:spPr>
-        <p:txBody>
-          <a:bodyPr vert="horz" lIns="91440" tIns="45720" rIns="91440" bIns="45720" rtlCol="0">
-            <a:normAutofit/>
-          </a:bodyPr>
-          <a:lstStyle/>
-          <a:p>
-            <a:r>
-              <a:rPr lang="en-GB" dirty="0"/>
-              <a:t>An elegant approach using idiomatic </a:t>
-            </a:r>
-            <a:r>
-              <a:rPr lang="en-GB" dirty="0" err="1"/>
-              <a:t>clojure</a:t>
-            </a:r>
-            <a:endParaRPr lang="en-GB" dirty="0"/>
-          </a:p>
-          <a:p>
-            <a:r>
-              <a:rPr lang="en-GB" dirty="0"/>
-              <a:t>Leverages the power of </a:t>
-            </a:r>
-            <a:r>
-              <a:rPr lang="en-GB" dirty="0" err="1"/>
-              <a:t>clojure.core</a:t>
-            </a:r>
-            <a:r>
-              <a:rPr lang="en-GB" dirty="0"/>
-              <a:t> rather than </a:t>
-            </a:r>
-            <a:r>
-              <a:rPr lang="en-GB" dirty="0" err="1"/>
-              <a:t>adherance</a:t>
-            </a:r>
-            <a:r>
-              <a:rPr lang="en-GB" dirty="0"/>
-              <a:t> to patterns</a:t>
-            </a:r>
-          </a:p>
-          <a:p>
-            <a:r>
-              <a:rPr lang="en-GB" dirty="0"/>
-              <a:t>Well documented, seems like a strong community</a:t>
-            </a:r>
-          </a:p>
-          <a:p>
-            <a:pPr marL="45720" indent="0">
-              <a:buNone/>
-            </a:pPr>
-            <a:endParaRPr lang="en-GB" dirty="0"/>
-          </a:p>
-        </p:txBody>
-      </p:sp>
-      <p:sp>
-        <p:nvSpPr>
-          <p:cNvPr id="3" name="Title 2"/>
-          <p:cNvSpPr>
-            <a:spLocks noGrp="1"/>
-          </p:cNvSpPr>
-          <p:nvPr>
-            <p:ph type="title"/>
-          </p:nvPr>
-        </p:nvSpPr>
-        <p:spPr/>
-        <p:txBody>
-          <a:bodyPr/>
-          <a:lstStyle/>
-          <a:p>
-            <a:r>
-              <a:rPr lang="en-GB" b="1" dirty="0"/>
-              <a:t>Lamina</a:t>
-            </a:r>
-            <a:endParaRPr lang="en-GB" b="1" dirty="0"/>
-          </a:p>
-        </p:txBody>
-      </p:sp>
-    </p:spTree>
-    <p:extLst>
-      <p:ext uri="{BB962C8B-B14F-4D97-AF65-F5344CB8AC3E}">
-        <p14:creationId xmlns:p14="http://schemas.microsoft.com/office/powerpoint/2010/main" val="1484282607"/>
-      </p:ext>
-    </p:extLst>
-  </p:cSld>
-  <p:clrMapOvr>
-    <a:masterClrMapping/>
-  </p:clrMapOvr>
-  <p:timing>
-    <p:tnLst>
-      <p:par>
-        <p:cTn id="1" dur="indefinite" restart="never" nodeType="tmRoot"/>
-      </p:par>
-    </p:tnLst>
-  </p:timing>
-</p:sld>
-</file>
-
-<file path=ppt/slides/slide16.xml><?xml version="1.0" encoding="utf-8"?>
-<p:sld xmlns:a="http://schemas.openxmlformats.org/drawingml/2006/main" xmlns:r="http://schemas.openxmlformats.org/officeDocument/2006/relationships" xmlns:p="http://schemas.openxmlformats.org/presentationml/2006/main">
-  <p:cSld>
-    <p:spTree>
-      <p:nvGrpSpPr>
-        <p:cNvPr id="1" name=""/>
-        <p:cNvGrpSpPr/>
-        <p:nvPr/>
-      </p:nvGrpSpPr>
-      <p:grpSpPr>
-        <a:xfrm>
-          <a:off x="0" y="0"/>
-          <a:ext cx="0" cy="0"/>
-          <a:chOff x="0" y="0"/>
-          <a:chExt cx="0" cy="0"/>
-        </a:xfrm>
-      </p:grpSpPr>
-      <p:sp>
-        <p:nvSpPr>
-          <p:cNvPr id="2" name="Content Placeholder 1"/>
-          <p:cNvSpPr>
-            <a:spLocks noGrp="1"/>
-          </p:cNvSpPr>
-          <p:nvPr>
-            <p:ph idx="1"/>
-          </p:nvPr>
-        </p:nvSpPr>
-        <p:spPr>
-          <a:xfrm>
-            <a:off x="380999" y="1732719"/>
-            <a:ext cx="8191767" cy="4170776"/>
-          </a:xfrm>
-        </p:spPr>
-        <p:txBody>
-          <a:bodyPr>
-            <a:normAutofit/>
-          </a:bodyPr>
-          <a:lstStyle/>
-          <a:p>
-            <a:r>
-              <a:rPr lang="en-GB" dirty="0"/>
-              <a:t>Aleph, built on top of lamina</a:t>
-            </a:r>
-          </a:p>
-          <a:p>
-            <a:r>
-              <a:rPr lang="en-GB" dirty="0"/>
-              <a:t>Provides adaptors based on Lamina channels</a:t>
-            </a:r>
-          </a:p>
-          <a:p>
-            <a:r>
-              <a:rPr lang="en-GB" dirty="0"/>
-              <a:t>A bit lightweight right now</a:t>
-            </a:r>
-          </a:p>
-          <a:p>
-            <a:r>
-              <a:rPr lang="en-GB" dirty="0"/>
-              <a:t>I've used </a:t>
-            </a:r>
-            <a:r>
-              <a:rPr lang="en-GB" dirty="0" err="1"/>
-              <a:t>clamq</a:t>
-            </a:r>
-            <a:r>
-              <a:rPr lang="en-GB" dirty="0"/>
-              <a:t>, </a:t>
-            </a:r>
-            <a:r>
-              <a:rPr lang="en-GB" dirty="0" err="1"/>
-              <a:t>compojure</a:t>
-            </a:r>
-            <a:r>
-              <a:rPr lang="en-GB" dirty="0"/>
-              <a:t> and quartzite</a:t>
-            </a:r>
-          </a:p>
-          <a:p>
-            <a:pPr marL="45720" indent="0">
-              <a:buNone/>
-            </a:pPr>
-            <a:r>
-              <a:rPr lang="en-GB" b="1" dirty="0" smtClean="0"/>
-              <a:t> </a:t>
-            </a:r>
-            <a:endParaRPr lang="en-GB" b="1" dirty="0"/>
-          </a:p>
-          <a:p>
-            <a:pPr marL="45720" indent="0">
-              <a:buNone/>
-            </a:pPr>
-            <a:endParaRPr lang="en-GB" dirty="0" smtClean="0"/>
-          </a:p>
-        </p:txBody>
-      </p:sp>
-      <p:sp>
-        <p:nvSpPr>
-          <p:cNvPr id="3" name="Title 2"/>
-          <p:cNvSpPr>
-            <a:spLocks noGrp="1"/>
-          </p:cNvSpPr>
-          <p:nvPr>
-            <p:ph type="title"/>
-          </p:nvPr>
-        </p:nvSpPr>
-        <p:spPr/>
-        <p:txBody>
-          <a:bodyPr/>
-          <a:lstStyle/>
-          <a:p>
-            <a:r>
-              <a:rPr lang="en-GB" b="1" dirty="0" smtClean="0"/>
-              <a:t>Lamina: System integration</a:t>
-            </a:r>
-            <a:endParaRPr lang="en-GB" b="1" dirty="0"/>
-          </a:p>
-        </p:txBody>
-      </p:sp>
-    </p:spTree>
-    <p:extLst>
-      <p:ext uri="{BB962C8B-B14F-4D97-AF65-F5344CB8AC3E}">
-        <p14:creationId xmlns:p14="http://schemas.microsoft.com/office/powerpoint/2010/main" val="4243604117"/>
-      </p:ext>
-    </p:extLst>
-  </p:cSld>
-  <p:clrMapOvr>
-    <a:masterClrMapping/>
-  </p:clrMapOvr>
-  <p:timing>
-    <p:tnLst>
-      <p:par>
-        <p:cTn id="1" dur="indefinite" restart="never" nodeType="tmRoot"/>
-      </p:par>
-    </p:tnLst>
-  </p:timing>
-</p:sld>
-</file>
-
-<file path=ppt/slides/slide17.xml><?xml version="1.0" encoding="utf-8"?>
-<p:sld xmlns:a="http://schemas.openxmlformats.org/drawingml/2006/main" xmlns:r="http://schemas.openxmlformats.org/officeDocument/2006/relationships" xmlns:p="http://schemas.openxmlformats.org/presentationml/2006/main">
-  <p:cSld>
-    <p:spTree>
-      <p:nvGrpSpPr>
-        <p:cNvPr id="1" name=""/>
-        <p:cNvGrpSpPr/>
-        <p:nvPr/>
-      </p:nvGrpSpPr>
-      <p:grpSpPr>
-        <a:xfrm>
-          <a:off x="0" y="0"/>
-          <a:ext cx="0" cy="0"/>
-          <a:chOff x="0" y="0"/>
-          <a:chExt cx="0" cy="0"/>
-        </a:xfrm>
-      </p:grpSpPr>
-      <p:sp>
-        <p:nvSpPr>
-          <p:cNvPr id="2" name="Content Placeholder 1"/>
-          <p:cNvSpPr>
-            <a:spLocks noGrp="1"/>
-          </p:cNvSpPr>
-          <p:nvPr>
-            <p:ph idx="1"/>
-          </p:nvPr>
-        </p:nvSpPr>
-        <p:spPr>
-          <a:xfrm>
-            <a:off x="380999" y="1732719"/>
-            <a:ext cx="8191767" cy="914947"/>
-          </a:xfrm>
-        </p:spPr>
-        <p:txBody>
-          <a:bodyPr>
-            <a:normAutofit/>
-          </a:bodyPr>
-          <a:lstStyle/>
-          <a:p>
-            <a:r>
-              <a:rPr lang="en-GB" dirty="0"/>
-              <a:t>Routes are very nicely captured in succinct </a:t>
-            </a:r>
-            <a:r>
-              <a:rPr lang="en-GB" dirty="0" err="1"/>
-              <a:t>clojure</a:t>
-            </a:r>
-            <a:r>
-              <a:rPr lang="en-GB" dirty="0"/>
-              <a:t> blocks</a:t>
-            </a:r>
-          </a:p>
-          <a:p>
-            <a:r>
-              <a:rPr lang="en-GB" dirty="0"/>
-              <a:t>has nice integration with </a:t>
-            </a:r>
-            <a:r>
-              <a:rPr lang="en-GB" dirty="0" err="1" smtClean="0"/>
-              <a:t>graphviz</a:t>
-            </a:r>
-            <a:r>
-              <a:rPr lang="en-GB" b="1" dirty="0" smtClean="0"/>
-              <a:t> </a:t>
-            </a:r>
-            <a:endParaRPr lang="en-GB" b="1" dirty="0"/>
-          </a:p>
-          <a:p>
-            <a:pPr marL="45720" indent="0">
-              <a:buNone/>
-            </a:pPr>
-            <a:endParaRPr lang="en-GB" dirty="0" smtClean="0"/>
-          </a:p>
-        </p:txBody>
-      </p:sp>
-      <p:sp>
-        <p:nvSpPr>
-          <p:cNvPr id="3" name="Title 2"/>
-          <p:cNvSpPr>
-            <a:spLocks noGrp="1"/>
-          </p:cNvSpPr>
-          <p:nvPr>
-            <p:ph type="title"/>
-          </p:nvPr>
-        </p:nvSpPr>
-        <p:spPr/>
-        <p:txBody>
-          <a:bodyPr/>
-          <a:lstStyle/>
-          <a:p>
-            <a:r>
-              <a:rPr lang="en-GB" b="1" dirty="0" smtClean="0"/>
-              <a:t>Lamina: business rule capture</a:t>
-            </a:r>
-            <a:endParaRPr lang="en-GB" b="1" dirty="0"/>
-          </a:p>
-        </p:txBody>
-      </p:sp>
-      <p:sp>
-        <p:nvSpPr>
-          <p:cNvPr id="6" name="Content Placeholder 1"/>
-          <p:cNvSpPr txBox="1">
-            <a:spLocks/>
-          </p:cNvSpPr>
-          <p:nvPr/>
-        </p:nvSpPr>
-        <p:spPr>
-          <a:xfrm>
-            <a:off x="383271" y="4805747"/>
-            <a:ext cx="8191767" cy="914947"/>
+            <a:off x="380999" y="2275114"/>
+            <a:ext cx="8191767" cy="535138"/>
           </a:xfrm>
           <a:prstGeom prst="rect">
             <a:avLst/>
@@ -7249,392 +6293,32 @@
           </a:lstStyle>
           <a:p>
             <a:r>
-              <a:rPr lang="en-GB" dirty="0"/>
-              <a:t>Breaks down a bit with the proliferation of anon </a:t>
-            </a:r>
-            <a:r>
               <a:rPr lang="en-GB" dirty="0" smtClean="0"/>
-              <a:t>function</a:t>
-            </a:r>
-            <a:endParaRPr lang="en-GB" dirty="0"/>
-          </a:p>
-        </p:txBody>
-      </p:sp>
-      <p:pic>
-        <p:nvPicPr>
-          <p:cNvPr id="5124" name="Picture 4" descr="Alt text"/>
-          <p:cNvPicPr>
-            <a:picLocks noChangeAspect="1" noChangeArrowheads="1"/>
-          </p:cNvPicPr>
-          <p:nvPr/>
-        </p:nvPicPr>
-        <p:blipFill>
-          <a:blip r:embed="rId3">
-            <a:extLst>
-              <a:ext uri="{28A0092B-C50C-407E-A947-70E740481C1C}">
-                <a14:useLocalDpi xmlns:a14="http://schemas.microsoft.com/office/drawing/2010/main" val="0"/>
-              </a:ext>
-            </a:extLst>
-          </a:blip>
-          <a:srcRect/>
-          <a:stretch>
-            <a:fillRect/>
-          </a:stretch>
-        </p:blipFill>
-        <p:spPr bwMode="auto">
-          <a:xfrm>
-            <a:off x="1992573" y="2590124"/>
-            <a:ext cx="4185495" cy="2104706"/>
-          </a:xfrm>
-          <a:prstGeom prst="rect">
-            <a:avLst/>
-          </a:prstGeom>
-          <a:noFill/>
-        </p:spPr>
-      </p:pic>
-    </p:spTree>
-    <p:extLst>
-      <p:ext uri="{BB962C8B-B14F-4D97-AF65-F5344CB8AC3E}">
-        <p14:creationId xmlns:p14="http://schemas.microsoft.com/office/powerpoint/2010/main" val="2611263500"/>
-      </p:ext>
-    </p:extLst>
-  </p:cSld>
-  <p:clrMapOvr>
-    <a:masterClrMapping/>
-  </p:clrMapOvr>
-  <p:timing>
-    <p:tnLst>
-      <p:par>
-        <p:cTn id="1" dur="indefinite" restart="never" nodeType="tmRoot"/>
-      </p:par>
-    </p:tnLst>
-  </p:timing>
-</p:sld>
-</file>
-
-<file path=ppt/slides/slide18.xml><?xml version="1.0" encoding="utf-8"?>
-<p:sld xmlns:a="http://schemas.openxmlformats.org/drawingml/2006/main" xmlns:r="http://schemas.openxmlformats.org/officeDocument/2006/relationships" xmlns:p="http://schemas.openxmlformats.org/presentationml/2006/main">
-  <p:cSld>
-    <p:spTree>
-      <p:nvGrpSpPr>
-        <p:cNvPr id="1" name=""/>
-        <p:cNvGrpSpPr/>
-        <p:nvPr/>
-      </p:nvGrpSpPr>
-      <p:grpSpPr>
-        <a:xfrm>
-          <a:off x="0" y="0"/>
-          <a:ext cx="0" cy="0"/>
-          <a:chOff x="0" y="0"/>
-          <a:chExt cx="0" cy="0"/>
-        </a:xfrm>
-      </p:grpSpPr>
-      <p:sp>
-        <p:nvSpPr>
-          <p:cNvPr id="2" name="Content Placeholder 1"/>
-          <p:cNvSpPr>
-            <a:spLocks noGrp="1"/>
-          </p:cNvSpPr>
-          <p:nvPr>
-            <p:ph idx="1"/>
-          </p:nvPr>
-        </p:nvSpPr>
-        <p:spPr>
-          <a:xfrm>
-            <a:off x="380999" y="1732718"/>
-            <a:ext cx="8191767" cy="4913741"/>
-          </a:xfrm>
-        </p:spPr>
-        <p:txBody>
-          <a:bodyPr>
-            <a:normAutofit fontScale="77500" lnSpcReduction="20000"/>
-          </a:bodyPr>
-          <a:lstStyle/>
-          <a:p>
-            <a:r>
-              <a:rPr lang="en-GB" dirty="0"/>
-              <a:t>Message Channel</a:t>
-            </a:r>
-          </a:p>
-          <a:p>
-            <a:pPr lvl="1"/>
-            <a:r>
-              <a:rPr lang="en-GB" dirty="0"/>
-              <a:t>Lamina provides it's own channels</a:t>
-            </a:r>
-          </a:p>
-          <a:p>
-            <a:r>
-              <a:rPr lang="en-GB" dirty="0"/>
-              <a:t>Message Broker</a:t>
-            </a:r>
-          </a:p>
-          <a:p>
-            <a:pPr lvl="1"/>
-            <a:r>
-              <a:rPr lang="en-GB" dirty="0"/>
-              <a:t>transformed to an </a:t>
+              <a:t>A java project with a </a:t>
             </a:r>
             <a:r>
               <a:rPr lang="en-GB" dirty="0" err="1"/>
-              <a:t>activemq</a:t>
-            </a:r>
-            <a:r>
-              <a:rPr lang="en-GB" dirty="0"/>
-              <a:t> channel via clam in 3 lines</a:t>
-            </a:r>
-          </a:p>
-          <a:p>
-            <a:r>
-              <a:rPr lang="en-GB" dirty="0"/>
-              <a:t>Message Router</a:t>
-            </a:r>
-          </a:p>
-          <a:p>
-            <a:pPr lvl="1"/>
-            <a:r>
-              <a:rPr lang="en-GB" dirty="0" err="1"/>
-              <a:t>clojure</a:t>
-            </a:r>
-            <a:r>
-              <a:rPr lang="en-GB" dirty="0"/>
-              <a:t> flow control operators inside pipelines</a:t>
-            </a:r>
-          </a:p>
-          <a:p>
-            <a:pPr lvl="1"/>
-            <a:r>
-              <a:rPr lang="en-GB" dirty="0"/>
-              <a:t>also some constructs for dispatching to different pipelines (IE exec style behaviour)</a:t>
-            </a:r>
-          </a:p>
-          <a:p>
-            <a:r>
-              <a:rPr lang="en-GB" dirty="0"/>
-              <a:t>Content Enricher</a:t>
-            </a:r>
-          </a:p>
-          <a:p>
-            <a:pPr lvl="1"/>
-            <a:r>
-              <a:rPr lang="en-GB" dirty="0"/>
-              <a:t>map</a:t>
-            </a:r>
-          </a:p>
-          <a:p>
-            <a:r>
-              <a:rPr lang="en-GB" dirty="0"/>
-              <a:t>Pipeline</a:t>
-            </a:r>
-          </a:p>
-          <a:p>
-            <a:pPr lvl="1"/>
-            <a:r>
-              <a:rPr lang="en-GB" dirty="0"/>
-              <a:t>that's the name of the construct</a:t>
-            </a:r>
-          </a:p>
-          <a:p>
-            <a:r>
-              <a:rPr lang="en-GB" dirty="0"/>
-              <a:t>Splitter</a:t>
-            </a:r>
-          </a:p>
-          <a:p>
-            <a:pPr lvl="1"/>
-            <a:r>
-              <a:rPr lang="en-GB" dirty="0"/>
-              <a:t>(map named-pipeline collection)</a:t>
-            </a:r>
-          </a:p>
-          <a:p>
-            <a:pPr lvl="1"/>
-            <a:r>
-              <a:rPr lang="en-GB" dirty="0"/>
-              <a:t>enforces a break in pipelines where there may not logically be one</a:t>
-            </a:r>
-          </a:p>
-          <a:p>
-            <a:r>
-              <a:rPr lang="en-GB" dirty="0"/>
-              <a:t>Aggregator</a:t>
-            </a:r>
-          </a:p>
-          <a:p>
-            <a:pPr lvl="1"/>
-            <a:r>
-              <a:rPr lang="en-GB" dirty="0"/>
-              <a:t>there's a merge results construct</a:t>
-            </a:r>
-          </a:p>
-          <a:p>
-            <a:pPr lvl="1"/>
-            <a:r>
-              <a:rPr lang="en-GB" dirty="0"/>
-              <a:t>not explored, because it doesn't solve our distributed problem</a:t>
-            </a:r>
-          </a:p>
-          <a:p>
-            <a:r>
-              <a:rPr lang="en-GB" dirty="0"/>
-              <a:t>Dead Letter Channel</a:t>
-            </a:r>
-          </a:p>
-          <a:p>
-            <a:pPr lvl="1"/>
-            <a:r>
-              <a:rPr lang="en-GB" dirty="0"/>
-              <a:t>via the :error-handler</a:t>
-            </a:r>
-          </a:p>
-          <a:p>
-            <a:pPr lvl="1"/>
-            <a:r>
-              <a:rPr lang="en-GB" dirty="0"/>
-              <a:t>but handling resubmission, incremental </a:t>
-            </a:r>
-            <a:r>
-              <a:rPr lang="en-GB" dirty="0" err="1"/>
-              <a:t>backoff</a:t>
-            </a:r>
-            <a:r>
-              <a:rPr lang="en-GB" dirty="0"/>
-              <a:t> is all on the </a:t>
+              <a:t>C</a:t>
+            </a:r>
+            <a:r>
+              <a:rPr lang="en-GB" dirty="0" err="1" smtClean="0"/>
+              <a:t>lojure</a:t>
             </a:r>
             <a:r>
               <a:rPr lang="en-GB" dirty="0" smtClean="0"/>
-              <a:t>developer</a:t>
-            </a:r>
-            <a:endParaRPr lang="en-GB" dirty="0"/>
-          </a:p>
-        </p:txBody>
-      </p:sp>
-      <p:sp>
-        <p:nvSpPr>
-          <p:cNvPr id="3" name="Title 2"/>
-          <p:cNvSpPr>
-            <a:spLocks noGrp="1"/>
-          </p:cNvSpPr>
-          <p:nvPr>
-            <p:ph type="title"/>
-          </p:nvPr>
-        </p:nvSpPr>
-        <p:spPr/>
-        <p:txBody>
-          <a:bodyPr/>
-          <a:lstStyle/>
-          <a:p>
-            <a:r>
-              <a:rPr lang="en-GB" b="1" dirty="0" smtClean="0"/>
-              <a:t>Lamina: </a:t>
-            </a:r>
-            <a:r>
-              <a:rPr lang="en-GB" b="1" dirty="0"/>
-              <a:t>Distributed Systems Orchestration</a:t>
-            </a:r>
-          </a:p>
-        </p:txBody>
-      </p:sp>
-    </p:spTree>
-    <p:extLst>
-      <p:ext uri="{BB962C8B-B14F-4D97-AF65-F5344CB8AC3E}">
-        <p14:creationId xmlns:p14="http://schemas.microsoft.com/office/powerpoint/2010/main" val="3125864291"/>
-      </p:ext>
-    </p:extLst>
-  </p:cSld>
-  <p:clrMapOvr>
-    <a:masterClrMapping/>
-  </p:clrMapOvr>
-  <p:timing>
-    <p:tnLst>
-      <p:par>
-        <p:cTn id="1" dur="indefinite" restart="never" nodeType="tmRoot"/>
-      </p:par>
-    </p:tnLst>
-  </p:timing>
-</p:sld>
-</file>
-
-<file path=ppt/slides/slide19.xml><?xml version="1.0" encoding="utf-8"?>
-<p:sld xmlns:a="http://schemas.openxmlformats.org/drawingml/2006/main" xmlns:r="http://schemas.openxmlformats.org/officeDocument/2006/relationships" xmlns:p="http://schemas.openxmlformats.org/presentationml/2006/main">
-  <p:cSld>
-    <p:spTree>
-      <p:nvGrpSpPr>
-        <p:cNvPr id="1" name=""/>
-        <p:cNvGrpSpPr/>
-        <p:nvPr/>
-      </p:nvGrpSpPr>
-      <p:grpSpPr>
-        <a:xfrm>
-          <a:off x="0" y="0"/>
-          <a:ext cx="0" cy="0"/>
-          <a:chOff x="0" y="0"/>
-          <a:chExt cx="0" cy="0"/>
-        </a:xfrm>
-      </p:grpSpPr>
-      <p:sp>
-        <p:nvSpPr>
-          <p:cNvPr id="2" name="Content Placeholder 1"/>
-          <p:cNvSpPr>
-            <a:spLocks noGrp="1"/>
-          </p:cNvSpPr>
-          <p:nvPr>
-            <p:ph idx="1"/>
-          </p:nvPr>
-        </p:nvSpPr>
-        <p:spPr>
-          <a:xfrm>
-            <a:off x="380999" y="1732719"/>
-            <a:ext cx="8191767" cy="4170776"/>
-          </a:xfrm>
-        </p:spPr>
-        <p:txBody>
-          <a:bodyPr>
-            <a:normAutofit/>
-          </a:bodyPr>
-          <a:lstStyle/>
-          <a:p>
-            <a:r>
-              <a:rPr lang="en-GB" dirty="0"/>
-              <a:t>A quite young framework</a:t>
-            </a:r>
-          </a:p>
-          <a:p>
-            <a:r>
-              <a:rPr lang="en-GB" dirty="0"/>
-              <a:t>Idiomatic </a:t>
-            </a:r>
-            <a:r>
-              <a:rPr lang="en-GB" dirty="0" err="1"/>
-              <a:t>clojure</a:t>
-            </a:r>
-            <a:r>
-              <a:rPr lang="en-GB" dirty="0"/>
-              <a:t> again, no yucky </a:t>
-            </a:r>
-            <a:r>
-              <a:rPr lang="en-GB" dirty="0" err="1"/>
-              <a:t>interop</a:t>
-            </a:r>
-            <a:endParaRPr lang="en-GB" dirty="0"/>
-          </a:p>
-          <a:p>
-            <a:r>
-              <a:rPr lang="en-GB" dirty="0"/>
-              <a:t>Not advertised as an integration solution</a:t>
-            </a:r>
-          </a:p>
-          <a:p>
-            <a:r>
-              <a:rPr lang="en-GB" dirty="0"/>
-              <a:t>But there's overlap</a:t>
-            </a:r>
-          </a:p>
-          <a:p>
-            <a:endParaRPr lang="en-GB" b="1" dirty="0"/>
+              <a:t> DSL</a:t>
+            </a:r>
           </a:p>
           <a:p>
             <a:pPr marL="45720" indent="0">
+              <a:buFont typeface="Wingdings 2" pitchFamily="18" charset="2"/>
+              <a:buNone/>
+            </a:pPr>
+            <a:endParaRPr lang="en-GB" b="1" dirty="0" smtClean="0"/>
+          </a:p>
+          <a:p>
+            <a:pPr marL="45720" indent="0">
+              <a:buFont typeface="Wingdings 2" pitchFamily="18" charset="2"/>
               <a:buNone/>
             </a:pPr>
             <a:endParaRPr lang="en-GB" dirty="0" smtClean="0"/>
@@ -7643,129 +6327,16 @@
       </p:sp>
       <p:sp>
         <p:nvSpPr>
-          <p:cNvPr id="3" name="Title 2"/>
-          <p:cNvSpPr>
-            <a:spLocks noGrp="1"/>
-          </p:cNvSpPr>
-          <p:nvPr>
-            <p:ph type="title"/>
-          </p:nvPr>
-        </p:nvSpPr>
-        <p:spPr/>
-        <p:txBody>
-          <a:bodyPr/>
-          <a:lstStyle/>
-          <a:p>
-            <a:r>
-              <a:rPr lang="en-GB" b="1" dirty="0"/>
-              <a:t>EEP</a:t>
-            </a:r>
-            <a:endParaRPr lang="en-GB" b="1" dirty="0"/>
-          </a:p>
-        </p:txBody>
-      </p:sp>
-    </p:spTree>
-    <p:extLst>
-      <p:ext uri="{BB962C8B-B14F-4D97-AF65-F5344CB8AC3E}">
-        <p14:creationId xmlns:p14="http://schemas.microsoft.com/office/powerpoint/2010/main" val="3764844731"/>
-      </p:ext>
-    </p:extLst>
-  </p:cSld>
-  <p:clrMapOvr>
-    <a:masterClrMapping/>
-  </p:clrMapOvr>
-  <p:timing>
-    <p:tnLst>
-      <p:par>
-        <p:cTn id="1" dur="indefinite" restart="never" nodeType="tmRoot"/>
-      </p:par>
-    </p:tnLst>
-  </p:timing>
-</p:sld>
-</file>
-
-<file path=ppt/slides/slide2.xml><?xml version="1.0" encoding="utf-8"?>
-<p:sld xmlns:a="http://schemas.openxmlformats.org/drawingml/2006/main" xmlns:r="http://schemas.openxmlformats.org/officeDocument/2006/relationships" xmlns:p="http://schemas.openxmlformats.org/presentationml/2006/main">
-  <p:cSld>
-    <p:spTree>
-      <p:nvGrpSpPr>
-        <p:cNvPr id="1" name=""/>
-        <p:cNvGrpSpPr/>
-        <p:nvPr/>
-      </p:nvGrpSpPr>
-      <p:grpSpPr>
-        <a:xfrm>
-          <a:off x="0" y="0"/>
-          <a:ext cx="0" cy="0"/>
-          <a:chOff x="0" y="0"/>
-          <a:chExt cx="0" cy="0"/>
-        </a:xfrm>
-      </p:grpSpPr>
-      <p:sp>
-        <p:nvSpPr>
-          <p:cNvPr id="2" name="Content Placeholder 1"/>
-          <p:cNvSpPr>
-            <a:spLocks noGrp="1"/>
-          </p:cNvSpPr>
-          <p:nvPr>
-            <p:ph idx="1"/>
-          </p:nvPr>
+          <p:cNvPr id="5" name="Content Placeholder 1"/>
+          <p:cNvSpPr txBox="1">
+            <a:spLocks/>
+          </p:cNvSpPr>
+          <p:nvPr/>
         </p:nvSpPr>
         <p:spPr>
           <a:xfrm>
-            <a:off x="380999" y="1719071"/>
-            <a:ext cx="8191767" cy="514953"/>
-          </a:xfrm>
-        </p:spPr>
-        <p:txBody>
-          <a:bodyPr>
-            <a:noAutofit/>
-          </a:bodyPr>
-          <a:lstStyle/>
-          <a:p>
-            <a:r>
-              <a:rPr lang="en-GB" dirty="0"/>
-              <a:t>The voodoo of making systems communicate reliably and predictably using messages.</a:t>
-            </a:r>
-            <a:endParaRPr lang="en-US" dirty="0" smtClean="0"/>
-          </a:p>
-        </p:txBody>
-      </p:sp>
-      <p:sp>
-        <p:nvSpPr>
-          <p:cNvPr id="3" name="Title 2"/>
-          <p:cNvSpPr>
-            <a:spLocks noGrp="1"/>
-          </p:cNvSpPr>
-          <p:nvPr>
-            <p:ph type="title"/>
-          </p:nvPr>
-        </p:nvSpPr>
-        <p:spPr/>
-        <p:txBody>
-          <a:bodyPr/>
-          <a:lstStyle/>
-          <a:p>
-            <a:r>
-              <a:rPr lang="en-US" dirty="0" smtClean="0"/>
-              <a:t>Intro</a:t>
-            </a:r>
-            <a:endParaRPr lang="en-US" dirty="0"/>
-          </a:p>
-        </p:txBody>
-      </p:sp>
-      <p:sp>
-        <p:nvSpPr>
-          <p:cNvPr id="8" name="Content Placeholder 1"/>
-          <p:cNvSpPr txBox="1">
-            <a:spLocks/>
-          </p:cNvSpPr>
-          <p:nvPr/>
-        </p:nvSpPr>
-        <p:spPr>
-          <a:xfrm>
-            <a:off x="385979" y="3214260"/>
-            <a:ext cx="8191767" cy="514953"/>
+            <a:off x="381000" y="2833761"/>
+            <a:ext cx="8191767" cy="535138"/>
           </a:xfrm>
           <a:prstGeom prst="rect">
             <a:avLst/>
@@ -7940,6 +6511,2607 @@
             </a:lvl9pPr>
           </a:lstStyle>
           <a:p>
+            <a:r>
+              <a:rPr lang="en-GB" dirty="0" smtClean="0"/>
+              <a:t>What we use in production</a:t>
+            </a:r>
+          </a:p>
+          <a:p>
+            <a:pPr marL="45720" indent="0">
+              <a:buFont typeface="Wingdings 2" pitchFamily="18" charset="2"/>
+              <a:buNone/>
+            </a:pPr>
+            <a:endParaRPr lang="en-GB" b="1" dirty="0" smtClean="0"/>
+          </a:p>
+          <a:p>
+            <a:pPr marL="45720" indent="0">
+              <a:buFont typeface="Wingdings 2" pitchFamily="18" charset="2"/>
+              <a:buNone/>
+            </a:pPr>
+            <a:endParaRPr lang="en-GB" dirty="0" smtClean="0"/>
+          </a:p>
+        </p:txBody>
+      </p:sp>
+      <p:sp>
+        <p:nvSpPr>
+          <p:cNvPr id="6" name="Content Placeholder 1"/>
+          <p:cNvSpPr txBox="1">
+            <a:spLocks/>
+          </p:cNvSpPr>
+          <p:nvPr/>
+        </p:nvSpPr>
+        <p:spPr>
+          <a:xfrm>
+            <a:off x="381000" y="3379479"/>
+            <a:ext cx="8191767" cy="535138"/>
+          </a:xfrm>
+          <a:prstGeom prst="rect">
+            <a:avLst/>
+          </a:prstGeom>
+        </p:spPr>
+        <p:txBody>
+          <a:bodyPr vert="horz" lIns="91440" tIns="45720" rIns="91440" bIns="45720" rtlCol="0">
+            <a:normAutofit/>
+          </a:bodyPr>
+          <a:lstStyle>
+            <a:lvl1pPr marL="274320" indent="-228600" algn="l" defTabSz="914400" rtl="0" eaLnBrk="1" latinLnBrk="0" hangingPunct="1">
+              <a:spcBef>
+                <a:spcPct val="20000"/>
+              </a:spcBef>
+              <a:buClr>
+                <a:schemeClr val="accent1"/>
+              </a:buClr>
+              <a:buFont typeface="Wingdings 2" pitchFamily="18" charset="2"/>
+              <a:buChar char=""/>
+              <a:defRPr sz="2000" kern="1200" spc="150" baseline="0">
+                <a:solidFill>
+                  <a:schemeClr val="tx2"/>
+                </a:solidFill>
+                <a:latin typeface="+mn-lt"/>
+                <a:ea typeface="+mn-ea"/>
+                <a:cs typeface="+mn-cs"/>
+              </a:defRPr>
+            </a:lvl1pPr>
+            <a:lvl2pPr marL="548640" indent="-182880" algn="l" defTabSz="914400" rtl="0" eaLnBrk="1" latinLnBrk="0" hangingPunct="1">
+              <a:spcBef>
+                <a:spcPct val="20000"/>
+              </a:spcBef>
+              <a:buClr>
+                <a:schemeClr val="accent2"/>
+              </a:buClr>
+              <a:buFont typeface="Wingdings" pitchFamily="2" charset="2"/>
+              <a:buChar char="§"/>
+              <a:defRPr sz="1800" kern="1200" spc="100" baseline="0">
+                <a:solidFill>
+                  <a:schemeClr val="tx2"/>
+                </a:solidFill>
+                <a:latin typeface="+mn-lt"/>
+                <a:ea typeface="+mn-ea"/>
+                <a:cs typeface="+mn-cs"/>
+              </a:defRPr>
+            </a:lvl2pPr>
+            <a:lvl3pPr marL="822960" indent="-182880" algn="l" defTabSz="914400" rtl="0" eaLnBrk="1" latinLnBrk="0" hangingPunct="1">
+              <a:spcBef>
+                <a:spcPct val="20000"/>
+              </a:spcBef>
+              <a:buClr>
+                <a:schemeClr val="accent3"/>
+              </a:buClr>
+              <a:buFont typeface="Wingdings" pitchFamily="2" charset="2"/>
+              <a:buChar char="§"/>
+              <a:defRPr sz="1600" kern="1200" spc="100" baseline="0">
+                <a:solidFill>
+                  <a:schemeClr val="tx2"/>
+                </a:solidFill>
+                <a:latin typeface="+mn-lt"/>
+                <a:ea typeface="+mn-ea"/>
+                <a:cs typeface="+mn-cs"/>
+              </a:defRPr>
+            </a:lvl3pPr>
+            <a:lvl4pPr marL="1097280" indent="-182880" algn="l" defTabSz="914400" rtl="0" eaLnBrk="1" latinLnBrk="0" hangingPunct="1">
+              <a:spcBef>
+                <a:spcPct val="20000"/>
+              </a:spcBef>
+              <a:buClr>
+                <a:schemeClr val="accent4"/>
+              </a:buClr>
+              <a:buFont typeface="Wingdings" pitchFamily="2" charset="2"/>
+              <a:buChar char="§"/>
+              <a:defRPr sz="1400" kern="1200">
+                <a:solidFill>
+                  <a:schemeClr val="tx2"/>
+                </a:solidFill>
+                <a:latin typeface="+mn-lt"/>
+                <a:ea typeface="+mn-ea"/>
+                <a:cs typeface="+mn-cs"/>
+              </a:defRPr>
+            </a:lvl4pPr>
+            <a:lvl5pPr marL="1280160" indent="-182880" algn="l" defTabSz="914400" rtl="0" eaLnBrk="1" latinLnBrk="0" hangingPunct="1">
+              <a:spcBef>
+                <a:spcPct val="20000"/>
+              </a:spcBef>
+              <a:buClr>
+                <a:schemeClr val="accent6"/>
+              </a:buClr>
+              <a:buFont typeface="Wingdings" pitchFamily="2" charset="2"/>
+              <a:buChar char="§"/>
+              <a:defRPr sz="1300" kern="1200" spc="100" baseline="0">
+                <a:solidFill>
+                  <a:schemeClr val="tx2"/>
+                </a:solidFill>
+                <a:latin typeface="+mn-lt"/>
+                <a:ea typeface="+mn-ea"/>
+                <a:cs typeface="+mn-cs"/>
+              </a:defRPr>
+            </a:lvl5pPr>
+            <a:lvl6pPr marL="1554480" indent="-182880" algn="l" defTabSz="914400" rtl="0" eaLnBrk="1" latinLnBrk="0" hangingPunct="1">
+              <a:spcBef>
+                <a:spcPct val="20000"/>
+              </a:spcBef>
+              <a:buClr>
+                <a:schemeClr val="accent1"/>
+              </a:buClr>
+              <a:buFont typeface="Wingdings" pitchFamily="2" charset="2"/>
+              <a:buChar char="§"/>
+              <a:defRPr sz="1200" kern="1200">
+                <a:solidFill>
+                  <a:schemeClr val="tx2"/>
+                </a:solidFill>
+                <a:latin typeface="+mn-lt"/>
+                <a:ea typeface="+mn-ea"/>
+                <a:cs typeface="+mn-cs"/>
+              </a:defRPr>
+            </a:lvl6pPr>
+            <a:lvl7pPr marL="1828800" indent="-182880" algn="l" defTabSz="914400" rtl="0" eaLnBrk="1" latinLnBrk="0" hangingPunct="1">
+              <a:spcBef>
+                <a:spcPct val="20000"/>
+              </a:spcBef>
+              <a:buClr>
+                <a:schemeClr val="accent2"/>
+              </a:buClr>
+              <a:buFont typeface="Wingdings" pitchFamily="2" charset="2"/>
+              <a:buChar char="§"/>
+              <a:defRPr sz="1200" kern="1200">
+                <a:solidFill>
+                  <a:schemeClr val="tx2"/>
+                </a:solidFill>
+                <a:latin typeface="+mn-lt"/>
+                <a:ea typeface="+mn-ea"/>
+                <a:cs typeface="+mn-cs"/>
+              </a:defRPr>
+            </a:lvl7pPr>
+            <a:lvl8pPr marL="2103120" indent="-182880" algn="l" defTabSz="914400" rtl="0" eaLnBrk="1" latinLnBrk="0" hangingPunct="1">
+              <a:spcBef>
+                <a:spcPct val="20000"/>
+              </a:spcBef>
+              <a:buClr>
+                <a:schemeClr val="accent3"/>
+              </a:buClr>
+              <a:buFont typeface="Wingdings" pitchFamily="2" charset="2"/>
+              <a:buChar char="§"/>
+              <a:defRPr sz="1200" kern="1200">
+                <a:solidFill>
+                  <a:schemeClr val="tx2"/>
+                </a:solidFill>
+                <a:latin typeface="+mn-lt"/>
+                <a:ea typeface="+mn-ea"/>
+                <a:cs typeface="+mn-cs"/>
+              </a:defRPr>
+            </a:lvl8pPr>
+            <a:lvl9pPr marL="2377440" indent="-182880" algn="l" defTabSz="914400" rtl="0" eaLnBrk="1" latinLnBrk="0" hangingPunct="1">
+              <a:spcBef>
+                <a:spcPct val="20000"/>
+              </a:spcBef>
+              <a:buClr>
+                <a:schemeClr val="accent5"/>
+              </a:buClr>
+              <a:buFont typeface="Wingdings" pitchFamily="2" charset="2"/>
+              <a:buChar char="§"/>
+              <a:defRPr sz="1200" kern="1200">
+                <a:solidFill>
+                  <a:schemeClr val="tx2"/>
+                </a:solidFill>
+                <a:latin typeface="+mn-lt"/>
+                <a:ea typeface="+mn-ea"/>
+                <a:cs typeface="+mn-cs"/>
+              </a:defRPr>
+            </a:lvl9pPr>
+          </a:lstStyle>
+          <a:p>
+            <a:r>
+              <a:rPr lang="en-GB" dirty="0" smtClean="0"/>
+              <a:t>Mature framework</a:t>
+            </a:r>
+          </a:p>
+          <a:p>
+            <a:pPr marL="45720" indent="0">
+              <a:buFont typeface="Wingdings 2" pitchFamily="18" charset="2"/>
+              <a:buNone/>
+            </a:pPr>
+            <a:endParaRPr lang="en-GB" b="1" dirty="0" smtClean="0"/>
+          </a:p>
+          <a:p>
+            <a:pPr marL="45720" indent="0">
+              <a:buFont typeface="Wingdings 2" pitchFamily="18" charset="2"/>
+              <a:buNone/>
+            </a:pPr>
+            <a:endParaRPr lang="en-GB" dirty="0" smtClean="0"/>
+          </a:p>
+        </p:txBody>
+      </p:sp>
+    </p:spTree>
+    <p:extLst>
+      <p:ext uri="{BB962C8B-B14F-4D97-AF65-F5344CB8AC3E}">
+        <p14:creationId xmlns:p14="http://schemas.microsoft.com/office/powerpoint/2010/main" val="3077950799"/>
+      </p:ext>
+    </p:extLst>
+  </p:cSld>
+  <p:clrMapOvr>
+    <a:masterClrMapping/>
+  </p:clrMapOvr>
+  <p:timing>
+    <p:tnLst>
+      <p:par>
+        <p:cTn xmlns:p14="http://schemas.microsoft.com/office/powerpoint/2010/main" id="1" dur="indefinite" restart="never" nodeType="tmRoot"/>
+      </p:par>
+    </p:tnLst>
+  </p:timing>
+</p:sld>
+</file>
+
+<file path=ppt/slides/slide12.xml><?xml version="1.0" encoding="utf-8"?>
+<p:sld xmlns:a="http://schemas.openxmlformats.org/drawingml/2006/main" xmlns:r="http://schemas.openxmlformats.org/officeDocument/2006/relationships" xmlns:p="http://schemas.openxmlformats.org/presentationml/2006/main">
+  <p:cSld>
+    <p:spTree>
+      <p:nvGrpSpPr>
+        <p:cNvPr id="1" name=""/>
+        <p:cNvGrpSpPr/>
+        <p:nvPr/>
+      </p:nvGrpSpPr>
+      <p:grpSpPr>
+        <a:xfrm>
+          <a:off x="0" y="0"/>
+          <a:ext cx="0" cy="0"/>
+          <a:chOff x="0" y="0"/>
+          <a:chExt cx="0" cy="0"/>
+        </a:xfrm>
+      </p:grpSpPr>
+      <p:sp>
+        <p:nvSpPr>
+          <p:cNvPr id="2" name="Content Placeholder 1"/>
+          <p:cNvSpPr>
+            <a:spLocks noGrp="1"/>
+          </p:cNvSpPr>
+          <p:nvPr>
+            <p:ph idx="1"/>
+          </p:nvPr>
+        </p:nvSpPr>
+        <p:spPr>
+          <a:xfrm>
+            <a:off x="380999" y="1732719"/>
+            <a:ext cx="8191767" cy="4170776"/>
+          </a:xfrm>
+        </p:spPr>
+        <p:txBody>
+          <a:bodyPr>
+            <a:normAutofit/>
+          </a:bodyPr>
+          <a:lstStyle/>
+          <a:p>
+            <a:r>
+              <a:rPr lang="en-GB" dirty="0"/>
+              <a:t>Lot's of adaptors</a:t>
+            </a:r>
+          </a:p>
+          <a:p>
+            <a:r>
+              <a:rPr lang="en-GB" dirty="0"/>
+              <a:t>It will satisfy most message </a:t>
+            </a:r>
+            <a:r>
+              <a:rPr lang="en-GB" dirty="0" smtClean="0"/>
+              <a:t>brokers</a:t>
+            </a:r>
+            <a:endParaRPr lang="en-GB" dirty="0"/>
+          </a:p>
+          <a:p>
+            <a:r>
+              <a:rPr lang="en-GB" dirty="0"/>
+              <a:t>Has a number of built-in adaptors for HTTP send/receive, file system </a:t>
+            </a:r>
+            <a:r>
+              <a:rPr lang="en-GB" dirty="0" err="1" smtClean="0"/>
+              <a:t>etc</a:t>
+            </a:r>
+            <a:endParaRPr lang="en-GB" dirty="0" smtClean="0"/>
+          </a:p>
+          <a:p>
+            <a:r>
+              <a:rPr lang="en-GB" dirty="0" smtClean="0"/>
+              <a:t>Can reify </a:t>
+            </a:r>
+            <a:r>
+              <a:rPr lang="en-GB" dirty="0" err="1" smtClean="0"/>
+              <a:t>EndPoint</a:t>
+            </a:r>
+            <a:r>
+              <a:rPr lang="en-GB" dirty="0" smtClean="0"/>
+              <a:t> </a:t>
+            </a:r>
+            <a:r>
+              <a:rPr lang="en-GB" dirty="0" err="1" smtClean="0"/>
+              <a:t>iface</a:t>
+            </a:r>
+            <a:r>
+              <a:rPr lang="en-GB" dirty="0" smtClean="0"/>
+              <a:t> to make your own</a:t>
+            </a:r>
+          </a:p>
+          <a:p>
+            <a:r>
+              <a:rPr lang="en-GB" dirty="0" smtClean="0"/>
+              <a:t>Quite mature </a:t>
+            </a:r>
+          </a:p>
+          <a:p>
+            <a:pPr marL="45720" indent="0">
+              <a:buNone/>
+            </a:pPr>
+            <a:endParaRPr lang="en-GB" dirty="0" smtClean="0"/>
+          </a:p>
+          <a:p>
+            <a:endParaRPr lang="en-GB" b="1" dirty="0"/>
+          </a:p>
+          <a:p>
+            <a:pPr marL="45720" indent="0">
+              <a:buNone/>
+            </a:pPr>
+            <a:endParaRPr lang="en-GB" dirty="0" smtClean="0"/>
+          </a:p>
+        </p:txBody>
+      </p:sp>
+      <p:sp>
+        <p:nvSpPr>
+          <p:cNvPr id="3" name="Title 2"/>
+          <p:cNvSpPr>
+            <a:spLocks noGrp="1"/>
+          </p:cNvSpPr>
+          <p:nvPr>
+            <p:ph type="title"/>
+          </p:nvPr>
+        </p:nvSpPr>
+        <p:spPr/>
+        <p:txBody>
+          <a:bodyPr/>
+          <a:lstStyle/>
+          <a:p>
+            <a:r>
+              <a:rPr lang="en-GB" b="1" dirty="0"/>
+              <a:t>Apache </a:t>
+            </a:r>
+            <a:r>
+              <a:rPr lang="en-GB" b="1" dirty="0" smtClean="0"/>
+              <a:t>Camel: </a:t>
+            </a:r>
+            <a:r>
+              <a:rPr lang="en-GB" b="1" dirty="0"/>
+              <a:t>Systems Integration</a:t>
+            </a:r>
+          </a:p>
+        </p:txBody>
+      </p:sp>
+    </p:spTree>
+    <p:extLst>
+      <p:ext uri="{BB962C8B-B14F-4D97-AF65-F5344CB8AC3E}">
+        <p14:creationId xmlns:p14="http://schemas.microsoft.com/office/powerpoint/2010/main" val="3639255610"/>
+      </p:ext>
+    </p:extLst>
+  </p:cSld>
+  <p:clrMapOvr>
+    <a:masterClrMapping/>
+  </p:clrMapOvr>
+  <p:timing>
+    <p:tnLst>
+      <p:par>
+        <p:cTn xmlns:p14="http://schemas.microsoft.com/office/powerpoint/2010/main" id="1" dur="indefinite" restart="never" nodeType="tmRoot"/>
+      </p:par>
+    </p:tnLst>
+  </p:timing>
+</p:sld>
+</file>
+
+<file path=ppt/slides/slide13.xml><?xml version="1.0" encoding="utf-8"?>
+<p:sld xmlns:a="http://schemas.openxmlformats.org/drawingml/2006/main" xmlns:r="http://schemas.openxmlformats.org/officeDocument/2006/relationships" xmlns:p="http://schemas.openxmlformats.org/presentationml/2006/main">
+  <p:cSld>
+    <p:spTree>
+      <p:nvGrpSpPr>
+        <p:cNvPr id="1" name=""/>
+        <p:cNvGrpSpPr/>
+        <p:nvPr/>
+      </p:nvGrpSpPr>
+      <p:grpSpPr>
+        <a:xfrm>
+          <a:off x="0" y="0"/>
+          <a:ext cx="0" cy="0"/>
+          <a:chOff x="0" y="0"/>
+          <a:chExt cx="0" cy="0"/>
+        </a:xfrm>
+      </p:grpSpPr>
+      <p:sp>
+        <p:nvSpPr>
+          <p:cNvPr id="2" name="Content Placeholder 1"/>
+          <p:cNvSpPr>
+            <a:spLocks noGrp="1"/>
+          </p:cNvSpPr>
+          <p:nvPr>
+            <p:ph idx="1"/>
+          </p:nvPr>
+        </p:nvSpPr>
+        <p:spPr>
+          <a:xfrm>
+            <a:off x="380999" y="1732719"/>
+            <a:ext cx="8191767" cy="4170776"/>
+          </a:xfrm>
+        </p:spPr>
+        <p:txBody>
+          <a:bodyPr>
+            <a:normAutofit/>
+          </a:bodyPr>
+          <a:lstStyle/>
+          <a:p>
+            <a:r>
+              <a:rPr lang="en-GB" dirty="0"/>
+              <a:t>Not bad</a:t>
+            </a:r>
+          </a:p>
+          <a:p>
+            <a:r>
+              <a:rPr lang="en-GB" dirty="0" err="1"/>
+              <a:t>HolyGrail</a:t>
+            </a:r>
+            <a:r>
+              <a:rPr lang="en-GB" dirty="0"/>
+              <a:t> transforms method chaining DSL into </a:t>
+            </a:r>
+            <a:r>
+              <a:rPr lang="en-GB" dirty="0" err="1"/>
+              <a:t>clojure</a:t>
+            </a:r>
+            <a:r>
+              <a:rPr lang="en-GB" dirty="0"/>
+              <a:t> like </a:t>
+            </a:r>
+            <a:r>
+              <a:rPr lang="en-GB" dirty="0" smtClean="0"/>
+              <a:t>syntax</a:t>
+            </a:r>
+            <a:br>
+              <a:rPr lang="en-GB" dirty="0" smtClean="0"/>
+            </a:br>
+            <a:r>
+              <a:rPr lang="en-GB" dirty="0" smtClean="0"/>
+              <a:t>from(“source”).process(</a:t>
+            </a:r>
+            <a:r>
+              <a:rPr lang="en-GB" dirty="0" err="1" smtClean="0"/>
+              <a:t>MyBean.class</a:t>
+            </a:r>
+            <a:r>
+              <a:rPr lang="en-GB" dirty="0" smtClean="0"/>
+              <a:t>).to(“</a:t>
+            </a:r>
+            <a:r>
+              <a:rPr lang="en-GB" dirty="0" err="1" smtClean="0"/>
+              <a:t>dest</a:t>
+            </a:r>
+            <a:r>
+              <a:rPr lang="en-GB" dirty="0" smtClean="0"/>
+              <a:t>)</a:t>
+            </a:r>
+            <a:br>
+              <a:rPr lang="en-GB" dirty="0" smtClean="0"/>
+            </a:br>
+            <a:r>
+              <a:rPr lang="en-GB" dirty="0" smtClean="0"/>
+              <a:t>(from “source”) (process (processor </a:t>
+            </a:r>
+            <a:r>
+              <a:rPr lang="en-US" dirty="0" smtClean="0"/>
+              <a:t>…</a:t>
+            </a:r>
+            <a:r>
+              <a:rPr lang="en-GB" dirty="0" smtClean="0"/>
+              <a:t>)) (to “</a:t>
+            </a:r>
+            <a:r>
+              <a:rPr lang="en-GB" dirty="0" err="1" smtClean="0"/>
+              <a:t>dest</a:t>
+            </a:r>
+            <a:r>
+              <a:rPr lang="en-GB" dirty="0" smtClean="0"/>
+              <a:t>”)</a:t>
+            </a:r>
+            <a:endParaRPr lang="en-GB" dirty="0"/>
+          </a:p>
+          <a:p>
+            <a:r>
+              <a:rPr lang="en-GB" dirty="0" err="1" smtClean="0"/>
+              <a:t>HolyGrail</a:t>
+            </a:r>
+            <a:r>
+              <a:rPr lang="en-GB" dirty="0" smtClean="0"/>
+              <a:t> DSL is </a:t>
+            </a:r>
+            <a:r>
+              <a:rPr lang="en-GB" dirty="0" err="1" smtClean="0"/>
+              <a:t>EDNish</a:t>
+            </a:r>
+            <a:r>
+              <a:rPr lang="en-GB" dirty="0" smtClean="0"/>
+              <a:t> </a:t>
+            </a:r>
+            <a:r>
+              <a:rPr lang="en-GB" dirty="0" smtClean="0"/>
+              <a:t>so you can build visualisations on top of it</a:t>
+            </a:r>
+          </a:p>
+          <a:p>
+            <a:r>
+              <a:rPr lang="en-GB" dirty="0" smtClean="0"/>
+              <a:t>No </a:t>
+            </a:r>
+            <a:r>
+              <a:rPr lang="en-GB" dirty="0"/>
+              <a:t>killer visualisation without a spring </a:t>
+            </a:r>
+            <a:r>
+              <a:rPr lang="en-GB" dirty="0" smtClean="0"/>
+              <a:t>configuration</a:t>
+            </a:r>
+            <a:endParaRPr lang="en-GB" dirty="0"/>
+          </a:p>
+        </p:txBody>
+      </p:sp>
+      <p:sp>
+        <p:nvSpPr>
+          <p:cNvPr id="3" name="Title 2"/>
+          <p:cNvSpPr>
+            <a:spLocks noGrp="1"/>
+          </p:cNvSpPr>
+          <p:nvPr>
+            <p:ph type="title"/>
+          </p:nvPr>
+        </p:nvSpPr>
+        <p:spPr/>
+        <p:txBody>
+          <a:bodyPr/>
+          <a:lstStyle/>
+          <a:p>
+            <a:r>
+              <a:rPr lang="en-GB" b="1" dirty="0"/>
+              <a:t>Apache </a:t>
+            </a:r>
+            <a:r>
+              <a:rPr lang="en-GB" b="1" dirty="0" smtClean="0"/>
+              <a:t>Camel</a:t>
+            </a:r>
+            <a:r>
+              <a:rPr lang="en-GB" b="1" dirty="0"/>
+              <a:t>: Business rules </a:t>
+            </a:r>
+            <a:r>
+              <a:rPr lang="en-GB" b="1" dirty="0" smtClean="0"/>
+              <a:t>capture</a:t>
+            </a:r>
+            <a:endParaRPr lang="en-GB" b="1" dirty="0"/>
+          </a:p>
+        </p:txBody>
+      </p:sp>
+    </p:spTree>
+    <p:extLst>
+      <p:ext uri="{BB962C8B-B14F-4D97-AF65-F5344CB8AC3E}">
+        <p14:creationId xmlns:p14="http://schemas.microsoft.com/office/powerpoint/2010/main" val="3997196967"/>
+      </p:ext>
+    </p:extLst>
+  </p:cSld>
+  <p:clrMapOvr>
+    <a:masterClrMapping/>
+  </p:clrMapOvr>
+  <p:timing>
+    <p:tnLst>
+      <p:par>
+        <p:cTn xmlns:p14="http://schemas.microsoft.com/office/powerpoint/2010/main" id="1" dur="indefinite" restart="never" nodeType="tmRoot"/>
+      </p:par>
+    </p:tnLst>
+  </p:timing>
+</p:sld>
+</file>
+
+<file path=ppt/slides/slide14.xml><?xml version="1.0" encoding="utf-8"?>
+<p:sld xmlns:a="http://schemas.openxmlformats.org/drawingml/2006/main" xmlns:r="http://schemas.openxmlformats.org/officeDocument/2006/relationships" xmlns:p="http://schemas.openxmlformats.org/presentationml/2006/main">
+  <p:cSld>
+    <p:spTree>
+      <p:nvGrpSpPr>
+        <p:cNvPr id="1" name=""/>
+        <p:cNvGrpSpPr/>
+        <p:nvPr/>
+      </p:nvGrpSpPr>
+      <p:grpSpPr>
+        <a:xfrm>
+          <a:off x="0" y="0"/>
+          <a:ext cx="0" cy="0"/>
+          <a:chOff x="0" y="0"/>
+          <a:chExt cx="0" cy="0"/>
+        </a:xfrm>
+      </p:grpSpPr>
+      <p:sp>
+        <p:nvSpPr>
+          <p:cNvPr id="2" name="Content Placeholder 1"/>
+          <p:cNvSpPr>
+            <a:spLocks noGrp="1"/>
+          </p:cNvSpPr>
+          <p:nvPr>
+            <p:ph idx="1"/>
+          </p:nvPr>
+        </p:nvSpPr>
+        <p:spPr>
+          <a:xfrm>
+            <a:off x="380999" y="1732719"/>
+            <a:ext cx="8191767" cy="4170776"/>
+          </a:xfrm>
+        </p:spPr>
+        <p:txBody>
+          <a:bodyPr>
+            <a:normAutofit fontScale="77500" lnSpcReduction="20000"/>
+          </a:bodyPr>
+          <a:lstStyle/>
+          <a:p>
+            <a:r>
+              <a:rPr lang="en-GB" dirty="0"/>
+              <a:t>Message</a:t>
+            </a:r>
+          </a:p>
+          <a:p>
+            <a:pPr lvl="1"/>
+            <a:r>
+              <a:rPr lang="en-GB" dirty="0" err="1"/>
+              <a:t>MessageInterface</a:t>
+            </a:r>
+            <a:endParaRPr lang="en-GB" dirty="0"/>
+          </a:p>
+          <a:p>
+            <a:r>
+              <a:rPr lang="en-GB" dirty="0"/>
+              <a:t>Message Channel</a:t>
+            </a:r>
+          </a:p>
+          <a:p>
+            <a:pPr lvl="1"/>
+            <a:r>
+              <a:rPr lang="en-US" dirty="0" smtClean="0"/>
+              <a:t>S</a:t>
+            </a:r>
+            <a:r>
+              <a:rPr lang="en-GB" dirty="0" err="1" smtClean="0"/>
+              <a:t>imple</a:t>
+            </a:r>
+            <a:r>
+              <a:rPr lang="en-GB" dirty="0" smtClean="0"/>
+              <a:t> as URLs</a:t>
+            </a:r>
+            <a:r>
+              <a:rPr lang="en-GB" dirty="0"/>
+              <a:t>, provides </a:t>
+            </a:r>
+            <a:r>
+              <a:rPr lang="en-GB" dirty="0" smtClean="0"/>
+              <a:t>stream </a:t>
+            </a:r>
+            <a:r>
+              <a:rPr lang="en-GB" dirty="0"/>
+              <a:t>merging</a:t>
+            </a:r>
+            <a:endParaRPr lang="en-GB" dirty="0"/>
+          </a:p>
+          <a:p>
+            <a:r>
+              <a:rPr lang="en-GB" dirty="0"/>
+              <a:t>Message Broker</a:t>
+            </a:r>
+          </a:p>
+          <a:p>
+            <a:pPr lvl="1"/>
+            <a:r>
+              <a:rPr lang="en-GB" dirty="0"/>
+              <a:t>required for distributed </a:t>
+            </a:r>
+            <a:r>
+              <a:rPr lang="en-GB" dirty="0" smtClean="0"/>
+              <a:t>processing</a:t>
+            </a:r>
+            <a:endParaRPr lang="en-GB" dirty="0"/>
+          </a:p>
+          <a:p>
+            <a:r>
+              <a:rPr lang="en-GB" dirty="0"/>
+              <a:t>Message Router</a:t>
+            </a:r>
+          </a:p>
+          <a:p>
+            <a:pPr lvl="1"/>
+            <a:r>
+              <a:rPr lang="en-GB" dirty="0"/>
+              <a:t>via when </a:t>
+            </a:r>
+            <a:r>
+              <a:rPr lang="en-GB" dirty="0" smtClean="0"/>
+              <a:t>construct, recipient list</a:t>
+            </a:r>
+            <a:endParaRPr lang="en-GB" dirty="0"/>
+          </a:p>
+          <a:p>
+            <a:r>
+              <a:rPr lang="en-GB" dirty="0"/>
+              <a:t>Content Enricher</a:t>
+            </a:r>
+          </a:p>
+          <a:p>
+            <a:pPr lvl="1"/>
+            <a:r>
+              <a:rPr lang="en-GB" dirty="0"/>
+              <a:t>via custom processor</a:t>
+            </a:r>
+          </a:p>
+          <a:p>
+            <a:r>
+              <a:rPr lang="en-GB" dirty="0"/>
+              <a:t>Pipeline</a:t>
+            </a:r>
+          </a:p>
+          <a:p>
+            <a:pPr lvl="1"/>
+            <a:r>
+              <a:rPr lang="en-US" dirty="0" smtClean="0"/>
+              <a:t>T</a:t>
+            </a:r>
+            <a:r>
+              <a:rPr lang="en-GB" dirty="0" smtClean="0"/>
+              <a:t>op to bottom in the topology</a:t>
+            </a:r>
+            <a:endParaRPr lang="en-GB" dirty="0"/>
+          </a:p>
+          <a:p>
+            <a:r>
+              <a:rPr lang="en-GB" dirty="0"/>
+              <a:t>Splitter</a:t>
+            </a:r>
+          </a:p>
+          <a:p>
+            <a:pPr lvl="1"/>
+            <a:r>
+              <a:rPr lang="en-US" dirty="0" smtClean="0"/>
+              <a:t>(s</a:t>
+            </a:r>
+            <a:r>
+              <a:rPr lang="en-GB" dirty="0" err="1" smtClean="0"/>
+              <a:t>plit</a:t>
+            </a:r>
+            <a:r>
+              <a:rPr lang="en-GB" dirty="0" smtClean="0"/>
+              <a:t> &lt;expression&gt;)</a:t>
+            </a:r>
+            <a:endParaRPr lang="en-GB" dirty="0"/>
+          </a:p>
+          <a:p>
+            <a:r>
+              <a:rPr lang="en-GB" dirty="0"/>
+              <a:t>Aggregator</a:t>
+            </a:r>
+          </a:p>
+          <a:p>
+            <a:pPr lvl="1"/>
+            <a:r>
+              <a:rPr lang="en-GB" dirty="0"/>
+              <a:t>Not shown, </a:t>
+            </a:r>
+            <a:r>
+              <a:rPr lang="en-GB" dirty="0" smtClean="0"/>
+              <a:t>because it doesn’t help our </a:t>
+            </a:r>
+            <a:r>
+              <a:rPr lang="en-GB" dirty="0" err="1" smtClean="0"/>
+              <a:t>problm</a:t>
+            </a:r>
+            <a:endParaRPr lang="en-GB" dirty="0"/>
+          </a:p>
+          <a:p>
+            <a:r>
+              <a:rPr lang="en-GB" dirty="0"/>
+              <a:t>Dead Letter Channel</a:t>
+            </a:r>
+          </a:p>
+          <a:p>
+            <a:pPr lvl="1"/>
+            <a:r>
+              <a:rPr lang="en-GB" dirty="0"/>
+              <a:t>error handler comes for </a:t>
+            </a:r>
+            <a:r>
+              <a:rPr lang="en-GB" dirty="0" smtClean="0"/>
+              <a:t>free</a:t>
+            </a:r>
+            <a:endParaRPr lang="en-GB" dirty="0"/>
+          </a:p>
+        </p:txBody>
+      </p:sp>
+      <p:sp>
+        <p:nvSpPr>
+          <p:cNvPr id="3" name="Title 2"/>
+          <p:cNvSpPr>
+            <a:spLocks noGrp="1"/>
+          </p:cNvSpPr>
+          <p:nvPr>
+            <p:ph type="title"/>
+          </p:nvPr>
+        </p:nvSpPr>
+        <p:spPr/>
+        <p:txBody>
+          <a:bodyPr/>
+          <a:lstStyle/>
+          <a:p>
+            <a:r>
+              <a:rPr lang="en-GB" b="1" dirty="0"/>
+              <a:t>Apache </a:t>
+            </a:r>
+            <a:r>
+              <a:rPr lang="en-GB" b="1" dirty="0" smtClean="0"/>
+              <a:t>Camel</a:t>
+            </a:r>
+            <a:r>
+              <a:rPr lang="en-GB" b="1" dirty="0"/>
+              <a:t>: Distributed Systems orchestration</a:t>
+            </a:r>
+          </a:p>
+        </p:txBody>
+      </p:sp>
+    </p:spTree>
+    <p:extLst>
+      <p:ext uri="{BB962C8B-B14F-4D97-AF65-F5344CB8AC3E}">
+        <p14:creationId xmlns:p14="http://schemas.microsoft.com/office/powerpoint/2010/main" val="123610373"/>
+      </p:ext>
+    </p:extLst>
+  </p:cSld>
+  <p:clrMapOvr>
+    <a:masterClrMapping/>
+  </p:clrMapOvr>
+  <p:timing>
+    <p:tnLst>
+      <p:par>
+        <p:cTn xmlns:p14="http://schemas.microsoft.com/office/powerpoint/2010/main" id="1" dur="indefinite" restart="never" nodeType="tmRoot"/>
+      </p:par>
+    </p:tnLst>
+  </p:timing>
+</p:sld>
+</file>
+
+<file path=ppt/slides/slide15.xml><?xml version="1.0" encoding="utf-8"?>
+<p:sld xmlns:a="http://schemas.openxmlformats.org/drawingml/2006/main" xmlns:r="http://schemas.openxmlformats.org/officeDocument/2006/relationships" xmlns:p="http://schemas.openxmlformats.org/presentationml/2006/main">
+  <p:cSld>
+    <p:spTree>
+      <p:nvGrpSpPr>
+        <p:cNvPr id="1" name=""/>
+        <p:cNvGrpSpPr/>
+        <p:nvPr/>
+      </p:nvGrpSpPr>
+      <p:grpSpPr>
+        <a:xfrm>
+          <a:off x="0" y="0"/>
+          <a:ext cx="0" cy="0"/>
+          <a:chOff x="0" y="0"/>
+          <a:chExt cx="0" cy="0"/>
+        </a:xfrm>
+      </p:grpSpPr>
+      <p:sp>
+        <p:nvSpPr>
+          <p:cNvPr id="2" name="Content Placeholder 1"/>
+          <p:cNvSpPr>
+            <a:spLocks noGrp="1"/>
+          </p:cNvSpPr>
+          <p:nvPr>
+            <p:ph idx="1"/>
+          </p:nvPr>
+        </p:nvSpPr>
+        <p:spPr>
+          <a:xfrm>
+            <a:off x="380999" y="1732719"/>
+            <a:ext cx="8191767" cy="4170776"/>
+          </a:xfrm>
+        </p:spPr>
+        <p:txBody>
+          <a:bodyPr vert="horz" lIns="91440" tIns="45720" rIns="91440" bIns="45720" rtlCol="0">
+            <a:normAutofit/>
+          </a:bodyPr>
+          <a:lstStyle/>
+          <a:p>
+            <a:r>
+              <a:rPr lang="en-GB" dirty="0"/>
+              <a:t>An elegant approach using idiomatic </a:t>
+            </a:r>
+            <a:r>
+              <a:rPr lang="en-GB" dirty="0" err="1" smtClean="0"/>
+              <a:t>Clojure</a:t>
+            </a:r>
+            <a:endParaRPr lang="en-GB" dirty="0"/>
+          </a:p>
+          <a:p>
+            <a:r>
+              <a:rPr lang="en-GB" dirty="0"/>
+              <a:t>Leverages the power of </a:t>
+            </a:r>
+            <a:r>
+              <a:rPr lang="en-GB" dirty="0" err="1"/>
+              <a:t>clojure.core</a:t>
+            </a:r>
+            <a:r>
+              <a:rPr lang="en-GB" dirty="0"/>
+              <a:t> rather than </a:t>
+            </a:r>
+            <a:r>
+              <a:rPr lang="en-GB" dirty="0" err="1"/>
+              <a:t>adherance</a:t>
+            </a:r>
+            <a:r>
+              <a:rPr lang="en-GB" dirty="0"/>
+              <a:t> to patterns</a:t>
+            </a:r>
+          </a:p>
+          <a:p>
+            <a:r>
+              <a:rPr lang="en-GB" dirty="0"/>
+              <a:t>Well documented, seems like a strong </a:t>
+            </a:r>
+            <a:r>
+              <a:rPr lang="en-GB" dirty="0" smtClean="0"/>
+              <a:t>community</a:t>
+            </a:r>
+            <a:endParaRPr lang="en-GB" dirty="0"/>
+          </a:p>
+          <a:p>
+            <a:pPr marL="45720" indent="0">
+              <a:buNone/>
+            </a:pPr>
+            <a:endParaRPr lang="en-GB" dirty="0"/>
+          </a:p>
+        </p:txBody>
+      </p:sp>
+      <p:sp>
+        <p:nvSpPr>
+          <p:cNvPr id="3" name="Title 2"/>
+          <p:cNvSpPr>
+            <a:spLocks noGrp="1"/>
+          </p:cNvSpPr>
+          <p:nvPr>
+            <p:ph type="title"/>
+          </p:nvPr>
+        </p:nvSpPr>
+        <p:spPr/>
+        <p:txBody>
+          <a:bodyPr/>
+          <a:lstStyle/>
+          <a:p>
+            <a:r>
+              <a:rPr lang="en-GB" b="1" dirty="0"/>
+              <a:t>Lamina</a:t>
+            </a:r>
+          </a:p>
+        </p:txBody>
+      </p:sp>
+    </p:spTree>
+    <p:extLst>
+      <p:ext uri="{BB962C8B-B14F-4D97-AF65-F5344CB8AC3E}">
+        <p14:creationId xmlns:p14="http://schemas.microsoft.com/office/powerpoint/2010/main" val="1484282607"/>
+      </p:ext>
+    </p:extLst>
+  </p:cSld>
+  <p:clrMapOvr>
+    <a:masterClrMapping/>
+  </p:clrMapOvr>
+  <p:timing>
+    <p:tnLst>
+      <p:par>
+        <p:cTn xmlns:p14="http://schemas.microsoft.com/office/powerpoint/2010/main" id="1" dur="indefinite" restart="never" nodeType="tmRoot"/>
+      </p:par>
+    </p:tnLst>
+  </p:timing>
+</p:sld>
+</file>
+
+<file path=ppt/slides/slide16.xml><?xml version="1.0" encoding="utf-8"?>
+<p:sld xmlns:a="http://schemas.openxmlformats.org/drawingml/2006/main" xmlns:r="http://schemas.openxmlformats.org/officeDocument/2006/relationships" xmlns:p="http://schemas.openxmlformats.org/presentationml/2006/main">
+  <p:cSld>
+    <p:spTree>
+      <p:nvGrpSpPr>
+        <p:cNvPr id="1" name=""/>
+        <p:cNvGrpSpPr/>
+        <p:nvPr/>
+      </p:nvGrpSpPr>
+      <p:grpSpPr>
+        <a:xfrm>
+          <a:off x="0" y="0"/>
+          <a:ext cx="0" cy="0"/>
+          <a:chOff x="0" y="0"/>
+          <a:chExt cx="0" cy="0"/>
+        </a:xfrm>
+      </p:grpSpPr>
+      <p:sp>
+        <p:nvSpPr>
+          <p:cNvPr id="2" name="Content Placeholder 1"/>
+          <p:cNvSpPr>
+            <a:spLocks noGrp="1"/>
+          </p:cNvSpPr>
+          <p:nvPr>
+            <p:ph idx="1"/>
+          </p:nvPr>
+        </p:nvSpPr>
+        <p:spPr>
+          <a:xfrm>
+            <a:off x="380999" y="1732719"/>
+            <a:ext cx="8191767" cy="4170776"/>
+          </a:xfrm>
+        </p:spPr>
+        <p:txBody>
+          <a:bodyPr>
+            <a:normAutofit/>
+          </a:bodyPr>
+          <a:lstStyle/>
+          <a:p>
+            <a:r>
+              <a:rPr lang="en-GB" dirty="0"/>
+              <a:t>Aleph, built on top of </a:t>
+            </a:r>
+            <a:r>
+              <a:rPr lang="en-GB" dirty="0" smtClean="0"/>
+              <a:t>Lamina</a:t>
+            </a:r>
+            <a:endParaRPr lang="en-GB" dirty="0"/>
+          </a:p>
+          <a:p>
+            <a:r>
+              <a:rPr lang="en-GB" dirty="0"/>
+              <a:t>Provides adaptors based on Lamina channels</a:t>
+            </a:r>
+          </a:p>
+          <a:p>
+            <a:r>
+              <a:rPr lang="en-GB" dirty="0"/>
+              <a:t>A bit lightweight right now</a:t>
+            </a:r>
+          </a:p>
+          <a:p>
+            <a:r>
+              <a:rPr lang="en-GB" dirty="0"/>
+              <a:t>I've used </a:t>
+            </a:r>
+            <a:r>
+              <a:rPr lang="en-GB" dirty="0" err="1"/>
+              <a:t>clamq</a:t>
+            </a:r>
+            <a:r>
+              <a:rPr lang="en-GB" dirty="0"/>
+              <a:t>, </a:t>
+            </a:r>
+            <a:r>
+              <a:rPr lang="en-GB" dirty="0" err="1"/>
+              <a:t>compojure</a:t>
+            </a:r>
+            <a:r>
+              <a:rPr lang="en-GB" dirty="0"/>
+              <a:t> and quartzite</a:t>
+            </a:r>
+          </a:p>
+          <a:p>
+            <a:pPr marL="45720" indent="0">
+              <a:buNone/>
+            </a:pPr>
+            <a:r>
+              <a:rPr lang="en-GB" b="1" dirty="0" smtClean="0"/>
+              <a:t> </a:t>
+            </a:r>
+            <a:endParaRPr lang="en-GB" b="1" dirty="0"/>
+          </a:p>
+          <a:p>
+            <a:pPr marL="45720" indent="0">
+              <a:buNone/>
+            </a:pPr>
+            <a:endParaRPr lang="en-GB" dirty="0" smtClean="0"/>
+          </a:p>
+        </p:txBody>
+      </p:sp>
+      <p:sp>
+        <p:nvSpPr>
+          <p:cNvPr id="3" name="Title 2"/>
+          <p:cNvSpPr>
+            <a:spLocks noGrp="1"/>
+          </p:cNvSpPr>
+          <p:nvPr>
+            <p:ph type="title"/>
+          </p:nvPr>
+        </p:nvSpPr>
+        <p:spPr/>
+        <p:txBody>
+          <a:bodyPr/>
+          <a:lstStyle/>
+          <a:p>
+            <a:r>
+              <a:rPr lang="en-GB" b="1" dirty="0" smtClean="0"/>
+              <a:t>Lamina: System integration</a:t>
+            </a:r>
+            <a:endParaRPr lang="en-GB" b="1" dirty="0"/>
+          </a:p>
+        </p:txBody>
+      </p:sp>
+    </p:spTree>
+    <p:extLst>
+      <p:ext uri="{BB962C8B-B14F-4D97-AF65-F5344CB8AC3E}">
+        <p14:creationId xmlns:p14="http://schemas.microsoft.com/office/powerpoint/2010/main" val="4243604117"/>
+      </p:ext>
+    </p:extLst>
+  </p:cSld>
+  <p:clrMapOvr>
+    <a:masterClrMapping/>
+  </p:clrMapOvr>
+  <p:timing>
+    <p:tnLst>
+      <p:par>
+        <p:cTn xmlns:p14="http://schemas.microsoft.com/office/powerpoint/2010/main" id="1" dur="indefinite" restart="never" nodeType="tmRoot"/>
+      </p:par>
+    </p:tnLst>
+  </p:timing>
+</p:sld>
+</file>
+
+<file path=ppt/slides/slide17.xml><?xml version="1.0" encoding="utf-8"?>
+<p:sld xmlns:a="http://schemas.openxmlformats.org/drawingml/2006/main" xmlns:r="http://schemas.openxmlformats.org/officeDocument/2006/relationships" xmlns:p="http://schemas.openxmlformats.org/presentationml/2006/main">
+  <p:cSld>
+    <p:spTree>
+      <p:nvGrpSpPr>
+        <p:cNvPr id="1" name=""/>
+        <p:cNvGrpSpPr/>
+        <p:nvPr/>
+      </p:nvGrpSpPr>
+      <p:grpSpPr>
+        <a:xfrm>
+          <a:off x="0" y="0"/>
+          <a:ext cx="0" cy="0"/>
+          <a:chOff x="0" y="0"/>
+          <a:chExt cx="0" cy="0"/>
+        </a:xfrm>
+      </p:grpSpPr>
+      <p:sp>
+        <p:nvSpPr>
+          <p:cNvPr id="2" name="Content Placeholder 1"/>
+          <p:cNvSpPr>
+            <a:spLocks noGrp="1"/>
+          </p:cNvSpPr>
+          <p:nvPr>
+            <p:ph idx="1"/>
+          </p:nvPr>
+        </p:nvSpPr>
+        <p:spPr>
+          <a:xfrm>
+            <a:off x="380999" y="1732719"/>
+            <a:ext cx="8191767" cy="914947"/>
+          </a:xfrm>
+        </p:spPr>
+        <p:txBody>
+          <a:bodyPr>
+            <a:normAutofit/>
+          </a:bodyPr>
+          <a:lstStyle/>
+          <a:p>
+            <a:r>
+              <a:rPr lang="en-GB" dirty="0"/>
+              <a:t>Routes are very nicely captured in succinct </a:t>
+            </a:r>
+            <a:r>
+              <a:rPr lang="en-GB" dirty="0" err="1" smtClean="0"/>
+              <a:t>Clojure</a:t>
+            </a:r>
+            <a:r>
+              <a:rPr lang="en-GB" dirty="0" smtClean="0"/>
+              <a:t> </a:t>
+            </a:r>
+            <a:r>
+              <a:rPr lang="en-GB" dirty="0"/>
+              <a:t>blocks</a:t>
+            </a:r>
+          </a:p>
+          <a:p>
+            <a:r>
+              <a:rPr lang="en-GB" dirty="0"/>
+              <a:t>has nice integration with </a:t>
+            </a:r>
+            <a:r>
+              <a:rPr lang="en-GB" dirty="0" err="1" smtClean="0"/>
+              <a:t>graphviz</a:t>
+            </a:r>
+            <a:r>
+              <a:rPr lang="en-GB" b="1" dirty="0" smtClean="0"/>
+              <a:t> </a:t>
+            </a:r>
+            <a:endParaRPr lang="en-GB" b="1" dirty="0"/>
+          </a:p>
+          <a:p>
+            <a:pPr marL="45720" indent="0">
+              <a:buNone/>
+            </a:pPr>
+            <a:endParaRPr lang="en-GB" dirty="0" smtClean="0"/>
+          </a:p>
+        </p:txBody>
+      </p:sp>
+      <p:sp>
+        <p:nvSpPr>
+          <p:cNvPr id="3" name="Title 2"/>
+          <p:cNvSpPr>
+            <a:spLocks noGrp="1"/>
+          </p:cNvSpPr>
+          <p:nvPr>
+            <p:ph type="title"/>
+          </p:nvPr>
+        </p:nvSpPr>
+        <p:spPr/>
+        <p:txBody>
+          <a:bodyPr/>
+          <a:lstStyle/>
+          <a:p>
+            <a:r>
+              <a:rPr lang="en-GB" b="1" dirty="0" smtClean="0"/>
+              <a:t>Lamina: business rule capture</a:t>
+            </a:r>
+            <a:endParaRPr lang="en-GB" b="1" dirty="0"/>
+          </a:p>
+        </p:txBody>
+      </p:sp>
+      <p:sp>
+        <p:nvSpPr>
+          <p:cNvPr id="6" name="Content Placeholder 1"/>
+          <p:cNvSpPr txBox="1">
+            <a:spLocks/>
+          </p:cNvSpPr>
+          <p:nvPr/>
+        </p:nvSpPr>
+        <p:spPr>
+          <a:xfrm>
+            <a:off x="383271" y="4805747"/>
+            <a:ext cx="8191767" cy="914947"/>
+          </a:xfrm>
+          <a:prstGeom prst="rect">
+            <a:avLst/>
+          </a:prstGeom>
+        </p:spPr>
+        <p:txBody>
+          <a:bodyPr vert="horz" lIns="91440" tIns="45720" rIns="91440" bIns="45720" rtlCol="0">
+            <a:normAutofit/>
+          </a:bodyPr>
+          <a:lstStyle>
+            <a:lvl1pPr marL="274320" indent="-228600" algn="l" defTabSz="914400" rtl="0" eaLnBrk="1" latinLnBrk="0" hangingPunct="1">
+              <a:spcBef>
+                <a:spcPct val="20000"/>
+              </a:spcBef>
+              <a:buClr>
+                <a:schemeClr val="accent1"/>
+              </a:buClr>
+              <a:buFont typeface="Wingdings 2" pitchFamily="18" charset="2"/>
+              <a:buChar char=""/>
+              <a:defRPr sz="2000" kern="1200" spc="150" baseline="0">
+                <a:solidFill>
+                  <a:schemeClr val="tx2"/>
+                </a:solidFill>
+                <a:latin typeface="+mn-lt"/>
+                <a:ea typeface="+mn-ea"/>
+                <a:cs typeface="+mn-cs"/>
+              </a:defRPr>
+            </a:lvl1pPr>
+            <a:lvl2pPr marL="548640" indent="-182880" algn="l" defTabSz="914400" rtl="0" eaLnBrk="1" latinLnBrk="0" hangingPunct="1">
+              <a:spcBef>
+                <a:spcPct val="20000"/>
+              </a:spcBef>
+              <a:buClr>
+                <a:schemeClr val="accent2"/>
+              </a:buClr>
+              <a:buFont typeface="Wingdings" pitchFamily="2" charset="2"/>
+              <a:buChar char="§"/>
+              <a:defRPr sz="1800" kern="1200" spc="100" baseline="0">
+                <a:solidFill>
+                  <a:schemeClr val="tx2"/>
+                </a:solidFill>
+                <a:latin typeface="+mn-lt"/>
+                <a:ea typeface="+mn-ea"/>
+                <a:cs typeface="+mn-cs"/>
+              </a:defRPr>
+            </a:lvl2pPr>
+            <a:lvl3pPr marL="822960" indent="-182880" algn="l" defTabSz="914400" rtl="0" eaLnBrk="1" latinLnBrk="0" hangingPunct="1">
+              <a:spcBef>
+                <a:spcPct val="20000"/>
+              </a:spcBef>
+              <a:buClr>
+                <a:schemeClr val="accent3"/>
+              </a:buClr>
+              <a:buFont typeface="Wingdings" pitchFamily="2" charset="2"/>
+              <a:buChar char="§"/>
+              <a:defRPr sz="1600" kern="1200" spc="100" baseline="0">
+                <a:solidFill>
+                  <a:schemeClr val="tx2"/>
+                </a:solidFill>
+                <a:latin typeface="+mn-lt"/>
+                <a:ea typeface="+mn-ea"/>
+                <a:cs typeface="+mn-cs"/>
+              </a:defRPr>
+            </a:lvl3pPr>
+            <a:lvl4pPr marL="1097280" indent="-182880" algn="l" defTabSz="914400" rtl="0" eaLnBrk="1" latinLnBrk="0" hangingPunct="1">
+              <a:spcBef>
+                <a:spcPct val="20000"/>
+              </a:spcBef>
+              <a:buClr>
+                <a:schemeClr val="accent4"/>
+              </a:buClr>
+              <a:buFont typeface="Wingdings" pitchFamily="2" charset="2"/>
+              <a:buChar char="§"/>
+              <a:defRPr sz="1400" kern="1200">
+                <a:solidFill>
+                  <a:schemeClr val="tx2"/>
+                </a:solidFill>
+                <a:latin typeface="+mn-lt"/>
+                <a:ea typeface="+mn-ea"/>
+                <a:cs typeface="+mn-cs"/>
+              </a:defRPr>
+            </a:lvl4pPr>
+            <a:lvl5pPr marL="1280160" indent="-182880" algn="l" defTabSz="914400" rtl="0" eaLnBrk="1" latinLnBrk="0" hangingPunct="1">
+              <a:spcBef>
+                <a:spcPct val="20000"/>
+              </a:spcBef>
+              <a:buClr>
+                <a:schemeClr val="accent6"/>
+              </a:buClr>
+              <a:buFont typeface="Wingdings" pitchFamily="2" charset="2"/>
+              <a:buChar char="§"/>
+              <a:defRPr sz="1300" kern="1200" spc="100" baseline="0">
+                <a:solidFill>
+                  <a:schemeClr val="tx2"/>
+                </a:solidFill>
+                <a:latin typeface="+mn-lt"/>
+                <a:ea typeface="+mn-ea"/>
+                <a:cs typeface="+mn-cs"/>
+              </a:defRPr>
+            </a:lvl5pPr>
+            <a:lvl6pPr marL="1554480" indent="-182880" algn="l" defTabSz="914400" rtl="0" eaLnBrk="1" latinLnBrk="0" hangingPunct="1">
+              <a:spcBef>
+                <a:spcPct val="20000"/>
+              </a:spcBef>
+              <a:buClr>
+                <a:schemeClr val="accent1"/>
+              </a:buClr>
+              <a:buFont typeface="Wingdings" pitchFamily="2" charset="2"/>
+              <a:buChar char="§"/>
+              <a:defRPr sz="1200" kern="1200">
+                <a:solidFill>
+                  <a:schemeClr val="tx2"/>
+                </a:solidFill>
+                <a:latin typeface="+mn-lt"/>
+                <a:ea typeface="+mn-ea"/>
+                <a:cs typeface="+mn-cs"/>
+              </a:defRPr>
+            </a:lvl6pPr>
+            <a:lvl7pPr marL="1828800" indent="-182880" algn="l" defTabSz="914400" rtl="0" eaLnBrk="1" latinLnBrk="0" hangingPunct="1">
+              <a:spcBef>
+                <a:spcPct val="20000"/>
+              </a:spcBef>
+              <a:buClr>
+                <a:schemeClr val="accent2"/>
+              </a:buClr>
+              <a:buFont typeface="Wingdings" pitchFamily="2" charset="2"/>
+              <a:buChar char="§"/>
+              <a:defRPr sz="1200" kern="1200">
+                <a:solidFill>
+                  <a:schemeClr val="tx2"/>
+                </a:solidFill>
+                <a:latin typeface="+mn-lt"/>
+                <a:ea typeface="+mn-ea"/>
+                <a:cs typeface="+mn-cs"/>
+              </a:defRPr>
+            </a:lvl7pPr>
+            <a:lvl8pPr marL="2103120" indent="-182880" algn="l" defTabSz="914400" rtl="0" eaLnBrk="1" latinLnBrk="0" hangingPunct="1">
+              <a:spcBef>
+                <a:spcPct val="20000"/>
+              </a:spcBef>
+              <a:buClr>
+                <a:schemeClr val="accent3"/>
+              </a:buClr>
+              <a:buFont typeface="Wingdings" pitchFamily="2" charset="2"/>
+              <a:buChar char="§"/>
+              <a:defRPr sz="1200" kern="1200">
+                <a:solidFill>
+                  <a:schemeClr val="tx2"/>
+                </a:solidFill>
+                <a:latin typeface="+mn-lt"/>
+                <a:ea typeface="+mn-ea"/>
+                <a:cs typeface="+mn-cs"/>
+              </a:defRPr>
+            </a:lvl8pPr>
+            <a:lvl9pPr marL="2377440" indent="-182880" algn="l" defTabSz="914400" rtl="0" eaLnBrk="1" latinLnBrk="0" hangingPunct="1">
+              <a:spcBef>
+                <a:spcPct val="20000"/>
+              </a:spcBef>
+              <a:buClr>
+                <a:schemeClr val="accent5"/>
+              </a:buClr>
+              <a:buFont typeface="Wingdings" pitchFamily="2" charset="2"/>
+              <a:buChar char="§"/>
+              <a:defRPr sz="1200" kern="1200">
+                <a:solidFill>
+                  <a:schemeClr val="tx2"/>
+                </a:solidFill>
+                <a:latin typeface="+mn-lt"/>
+                <a:ea typeface="+mn-ea"/>
+                <a:cs typeface="+mn-cs"/>
+              </a:defRPr>
+            </a:lvl9pPr>
+          </a:lstStyle>
+          <a:p>
+            <a:r>
+              <a:rPr lang="en-GB" dirty="0"/>
+              <a:t>Breaks down a bit with the proliferation of anon </a:t>
+            </a:r>
+            <a:r>
+              <a:rPr lang="en-GB" dirty="0" smtClean="0"/>
+              <a:t>function</a:t>
+            </a:r>
+            <a:endParaRPr lang="en-GB" dirty="0"/>
+          </a:p>
+        </p:txBody>
+      </p:sp>
+      <p:pic>
+        <p:nvPicPr>
+          <p:cNvPr id="5124" name="Picture 4" descr="Alt text"/>
+          <p:cNvPicPr>
+            <a:picLocks noChangeAspect="1" noChangeArrowheads="1"/>
+          </p:cNvPicPr>
+          <p:nvPr/>
+        </p:nvPicPr>
+        <p:blipFill>
+          <a:blip r:embed="rId3">
+            <a:extLst>
+              <a:ext uri="{28A0092B-C50C-407E-A947-70E740481C1C}">
+                <a14:useLocalDpi xmlns:a14="http://schemas.microsoft.com/office/drawing/2010/main" val="0"/>
+              </a:ext>
+            </a:extLst>
+          </a:blip>
+          <a:srcRect/>
+          <a:stretch>
+            <a:fillRect/>
+          </a:stretch>
+        </p:blipFill>
+        <p:spPr bwMode="auto">
+          <a:xfrm>
+            <a:off x="1992573" y="2590124"/>
+            <a:ext cx="4185495" cy="2104706"/>
+          </a:xfrm>
+          <a:prstGeom prst="rect">
+            <a:avLst/>
+          </a:prstGeom>
+          <a:noFill/>
+        </p:spPr>
+      </p:pic>
+    </p:spTree>
+    <p:extLst>
+      <p:ext uri="{BB962C8B-B14F-4D97-AF65-F5344CB8AC3E}">
+        <p14:creationId xmlns:p14="http://schemas.microsoft.com/office/powerpoint/2010/main" val="2611263500"/>
+      </p:ext>
+    </p:extLst>
+  </p:cSld>
+  <p:clrMapOvr>
+    <a:masterClrMapping/>
+  </p:clrMapOvr>
+  <p:timing>
+    <p:tnLst>
+      <p:par>
+        <p:cTn xmlns:p14="http://schemas.microsoft.com/office/powerpoint/2010/main" id="1" dur="indefinite" restart="never" nodeType="tmRoot"/>
+      </p:par>
+    </p:tnLst>
+  </p:timing>
+</p:sld>
+</file>
+
+<file path=ppt/slides/slide18.xml><?xml version="1.0" encoding="utf-8"?>
+<p:sld xmlns:a="http://schemas.openxmlformats.org/drawingml/2006/main" xmlns:r="http://schemas.openxmlformats.org/officeDocument/2006/relationships" xmlns:p="http://schemas.openxmlformats.org/presentationml/2006/main">
+  <p:cSld>
+    <p:spTree>
+      <p:nvGrpSpPr>
+        <p:cNvPr id="1" name=""/>
+        <p:cNvGrpSpPr/>
+        <p:nvPr/>
+      </p:nvGrpSpPr>
+      <p:grpSpPr>
+        <a:xfrm>
+          <a:off x="0" y="0"/>
+          <a:ext cx="0" cy="0"/>
+          <a:chOff x="0" y="0"/>
+          <a:chExt cx="0" cy="0"/>
+        </a:xfrm>
+      </p:grpSpPr>
+      <p:sp>
+        <p:nvSpPr>
+          <p:cNvPr id="2" name="Content Placeholder 1"/>
+          <p:cNvSpPr>
+            <a:spLocks noGrp="1"/>
+          </p:cNvSpPr>
+          <p:nvPr>
+            <p:ph idx="1"/>
+          </p:nvPr>
+        </p:nvSpPr>
+        <p:spPr>
+          <a:xfrm>
+            <a:off x="380999" y="1732718"/>
+            <a:ext cx="8191767" cy="4913741"/>
+          </a:xfrm>
+        </p:spPr>
+        <p:txBody>
+          <a:bodyPr>
+            <a:normAutofit fontScale="92500"/>
+          </a:bodyPr>
+          <a:lstStyle/>
+          <a:p>
+            <a:r>
+              <a:rPr lang="en-GB" dirty="0"/>
+              <a:t>Message Channel</a:t>
+            </a:r>
+          </a:p>
+          <a:p>
+            <a:pPr lvl="1"/>
+            <a:r>
+              <a:rPr lang="en-GB" dirty="0"/>
+              <a:t>Lamina provides it's own </a:t>
+            </a:r>
+            <a:r>
+              <a:rPr lang="en-GB" dirty="0" smtClean="0"/>
+              <a:t>channel construct</a:t>
+            </a:r>
+          </a:p>
+          <a:p>
+            <a:pPr lvl="1"/>
+            <a:r>
+              <a:rPr lang="en-GB" dirty="0" smtClean="0"/>
+              <a:t>Memory only</a:t>
+            </a:r>
+            <a:endParaRPr lang="en-GB" dirty="0"/>
+          </a:p>
+          <a:p>
+            <a:r>
+              <a:rPr lang="en-GB" dirty="0"/>
+              <a:t>Message Broker</a:t>
+            </a:r>
+          </a:p>
+          <a:p>
+            <a:pPr lvl="1"/>
+            <a:r>
+              <a:rPr lang="en-GB" dirty="0" smtClean="0"/>
+              <a:t>Without this, we’re not distributed</a:t>
+            </a:r>
+          </a:p>
+          <a:p>
+            <a:pPr lvl="1"/>
+            <a:r>
+              <a:rPr lang="en-GB" dirty="0" smtClean="0"/>
+              <a:t>Used </a:t>
+            </a:r>
+            <a:r>
+              <a:rPr lang="en-GB" dirty="0" err="1" smtClean="0"/>
+              <a:t>Clamq</a:t>
+            </a:r>
+            <a:r>
+              <a:rPr lang="en-GB" dirty="0" smtClean="0"/>
+              <a:t> to get us out of a jiffy</a:t>
+            </a:r>
+            <a:endParaRPr lang="en-GB" dirty="0" smtClean="0"/>
+          </a:p>
+          <a:p>
+            <a:r>
+              <a:rPr lang="en-GB" dirty="0" smtClean="0"/>
+              <a:t>Pipeline</a:t>
+            </a:r>
+            <a:endParaRPr lang="en-GB" dirty="0"/>
+          </a:p>
+          <a:p>
+            <a:pPr lvl="1"/>
+            <a:r>
+              <a:rPr lang="en-US" dirty="0" smtClean="0"/>
+              <a:t>S</a:t>
+            </a:r>
+            <a:r>
+              <a:rPr lang="en-GB" dirty="0" err="1" smtClean="0"/>
+              <a:t>ee</a:t>
+            </a:r>
+            <a:r>
+              <a:rPr lang="en-GB" dirty="0" smtClean="0"/>
+              <a:t> (pipeline) </a:t>
+            </a:r>
+            <a:r>
+              <a:rPr lang="en-US" dirty="0" smtClean="0">
+                <a:sym typeface="Wingdings"/>
+              </a:rPr>
+              <a:t></a:t>
+            </a:r>
+            <a:endParaRPr lang="en-GB" dirty="0"/>
+          </a:p>
+          <a:p>
+            <a:r>
+              <a:rPr lang="en-GB" dirty="0" smtClean="0"/>
+              <a:t>Dead </a:t>
+            </a:r>
+            <a:r>
+              <a:rPr lang="en-GB" dirty="0"/>
+              <a:t>Letter Channel</a:t>
+            </a:r>
+          </a:p>
+          <a:p>
+            <a:pPr lvl="1"/>
+            <a:r>
+              <a:rPr lang="en-GB" dirty="0"/>
+              <a:t>via the :error-handler</a:t>
+            </a:r>
+          </a:p>
+          <a:p>
+            <a:pPr lvl="1"/>
+            <a:r>
+              <a:rPr lang="en-GB" dirty="0"/>
+              <a:t>but handling resubmission, incremental </a:t>
+            </a:r>
+            <a:r>
+              <a:rPr lang="en-GB" dirty="0" err="1"/>
+              <a:t>backoff</a:t>
+            </a:r>
+            <a:r>
+              <a:rPr lang="en-GB" dirty="0"/>
+              <a:t> is all on the </a:t>
+            </a:r>
+            <a:r>
+              <a:rPr lang="en-GB" dirty="0" smtClean="0"/>
+              <a:t>developer</a:t>
+            </a:r>
+          </a:p>
+          <a:p>
+            <a:r>
+              <a:rPr lang="en-GB" dirty="0" smtClean="0"/>
+              <a:t>Not needed</a:t>
+            </a:r>
+          </a:p>
+          <a:p>
+            <a:pPr lvl="1"/>
+            <a:r>
+              <a:rPr lang="en-GB" dirty="0"/>
+              <a:t>Content Enricher</a:t>
+            </a:r>
+          </a:p>
+          <a:p>
+            <a:pPr lvl="1"/>
+            <a:r>
+              <a:rPr lang="en-GB" dirty="0" smtClean="0"/>
+              <a:t>Splitter</a:t>
+            </a:r>
+          </a:p>
+          <a:p>
+            <a:pPr lvl="1"/>
+            <a:r>
+              <a:rPr lang="en-GB" dirty="0" smtClean="0"/>
+              <a:t>Message Router</a:t>
+            </a:r>
+            <a:endParaRPr lang="en-GB" dirty="0"/>
+          </a:p>
+        </p:txBody>
+      </p:sp>
+      <p:sp>
+        <p:nvSpPr>
+          <p:cNvPr id="3" name="Title 2"/>
+          <p:cNvSpPr>
+            <a:spLocks noGrp="1"/>
+          </p:cNvSpPr>
+          <p:nvPr>
+            <p:ph type="title"/>
+          </p:nvPr>
+        </p:nvSpPr>
+        <p:spPr/>
+        <p:txBody>
+          <a:bodyPr/>
+          <a:lstStyle/>
+          <a:p>
+            <a:r>
+              <a:rPr lang="en-GB" b="1" dirty="0" smtClean="0"/>
+              <a:t>Lamina: </a:t>
+            </a:r>
+            <a:r>
+              <a:rPr lang="en-GB" b="1" dirty="0"/>
+              <a:t>Distributed Systems Orchestration</a:t>
+            </a:r>
+          </a:p>
+        </p:txBody>
+      </p:sp>
+    </p:spTree>
+    <p:extLst>
+      <p:ext uri="{BB962C8B-B14F-4D97-AF65-F5344CB8AC3E}">
+        <p14:creationId xmlns:p14="http://schemas.microsoft.com/office/powerpoint/2010/main" val="3125864291"/>
+      </p:ext>
+    </p:extLst>
+  </p:cSld>
+  <p:clrMapOvr>
+    <a:masterClrMapping/>
+  </p:clrMapOvr>
+  <p:timing>
+    <p:tnLst>
+      <p:par>
+        <p:cTn xmlns:p14="http://schemas.microsoft.com/office/powerpoint/2010/main" id="1" dur="indefinite" restart="never" nodeType="tmRoot"/>
+      </p:par>
+    </p:tnLst>
+  </p:timing>
+</p:sld>
+</file>
+
+<file path=ppt/slides/slide19.xml><?xml version="1.0" encoding="utf-8"?>
+<p:sld xmlns:a="http://schemas.openxmlformats.org/drawingml/2006/main" xmlns:r="http://schemas.openxmlformats.org/officeDocument/2006/relationships" xmlns:p="http://schemas.openxmlformats.org/presentationml/2006/main">
+  <p:cSld>
+    <p:spTree>
+      <p:nvGrpSpPr>
+        <p:cNvPr id="1" name=""/>
+        <p:cNvGrpSpPr/>
+        <p:nvPr/>
+      </p:nvGrpSpPr>
+      <p:grpSpPr>
+        <a:xfrm>
+          <a:off x="0" y="0"/>
+          <a:ext cx="0" cy="0"/>
+          <a:chOff x="0" y="0"/>
+          <a:chExt cx="0" cy="0"/>
+        </a:xfrm>
+      </p:grpSpPr>
+      <p:sp>
+        <p:nvSpPr>
+          <p:cNvPr id="2" name="Content Placeholder 1"/>
+          <p:cNvSpPr>
+            <a:spLocks noGrp="1"/>
+          </p:cNvSpPr>
+          <p:nvPr>
+            <p:ph idx="1"/>
+          </p:nvPr>
+        </p:nvSpPr>
+        <p:spPr>
+          <a:xfrm>
+            <a:off x="380999" y="1732719"/>
+            <a:ext cx="8191767" cy="4170776"/>
+          </a:xfrm>
+        </p:spPr>
+        <p:txBody>
+          <a:bodyPr>
+            <a:normAutofit/>
+          </a:bodyPr>
+          <a:lstStyle/>
+          <a:p>
+            <a:r>
+              <a:rPr lang="en-GB" dirty="0"/>
+              <a:t>A quite young framework</a:t>
+            </a:r>
+          </a:p>
+          <a:p>
+            <a:r>
+              <a:rPr lang="en-GB" dirty="0"/>
+              <a:t>Idiomatic </a:t>
+            </a:r>
+            <a:r>
+              <a:rPr lang="en-GB" dirty="0" err="1"/>
+              <a:t>C</a:t>
+            </a:r>
+            <a:r>
+              <a:rPr lang="en-GB" dirty="0" err="1" smtClean="0"/>
+              <a:t>lojure</a:t>
+            </a:r>
+            <a:r>
+              <a:rPr lang="en-GB" dirty="0" smtClean="0"/>
+              <a:t> </a:t>
+            </a:r>
+            <a:r>
+              <a:rPr lang="en-GB" dirty="0"/>
+              <a:t>again, no yucky </a:t>
+            </a:r>
+            <a:r>
+              <a:rPr lang="en-GB" dirty="0" err="1"/>
+              <a:t>interop</a:t>
+            </a:r>
+            <a:endParaRPr lang="en-GB" dirty="0"/>
+          </a:p>
+          <a:p>
+            <a:r>
+              <a:rPr lang="en-GB" dirty="0"/>
+              <a:t>Not advertised as an integration solution</a:t>
+            </a:r>
+          </a:p>
+          <a:p>
+            <a:r>
+              <a:rPr lang="en-GB" dirty="0"/>
+              <a:t>But there's </a:t>
+            </a:r>
+            <a:r>
+              <a:rPr lang="en-GB" dirty="0" smtClean="0"/>
+              <a:t>overlap</a:t>
+            </a:r>
+          </a:p>
+          <a:p>
+            <a:r>
+              <a:rPr lang="en-GB" dirty="0" smtClean="0"/>
+              <a:t>See also Riemann </a:t>
+            </a:r>
+            <a:r>
+              <a:rPr lang="en-GB" dirty="0" err="1" smtClean="0"/>
+              <a:t>etc</a:t>
+            </a:r>
+            <a:endParaRPr lang="en-GB" dirty="0"/>
+          </a:p>
+          <a:p>
+            <a:endParaRPr lang="en-GB" b="1" dirty="0"/>
+          </a:p>
+          <a:p>
+            <a:pPr marL="45720" indent="0">
+              <a:buNone/>
+            </a:pPr>
+            <a:endParaRPr lang="en-GB" dirty="0" smtClean="0"/>
+          </a:p>
+        </p:txBody>
+      </p:sp>
+      <p:sp>
+        <p:nvSpPr>
+          <p:cNvPr id="3" name="Title 2"/>
+          <p:cNvSpPr>
+            <a:spLocks noGrp="1"/>
+          </p:cNvSpPr>
+          <p:nvPr>
+            <p:ph type="title"/>
+          </p:nvPr>
+        </p:nvSpPr>
+        <p:spPr/>
+        <p:txBody>
+          <a:bodyPr/>
+          <a:lstStyle/>
+          <a:p>
+            <a:r>
+              <a:rPr lang="en-GB" b="1" dirty="0"/>
+              <a:t>EEP</a:t>
+            </a:r>
+          </a:p>
+        </p:txBody>
+      </p:sp>
+    </p:spTree>
+    <p:extLst>
+      <p:ext uri="{BB962C8B-B14F-4D97-AF65-F5344CB8AC3E}">
+        <p14:creationId xmlns:p14="http://schemas.microsoft.com/office/powerpoint/2010/main" val="3764844731"/>
+      </p:ext>
+    </p:extLst>
+  </p:cSld>
+  <p:clrMapOvr>
+    <a:masterClrMapping/>
+  </p:clrMapOvr>
+  <p:timing>
+    <p:tnLst>
+      <p:par>
+        <p:cTn xmlns:p14="http://schemas.microsoft.com/office/powerpoint/2010/main" id="1" dur="indefinite" restart="never" nodeType="tmRoot"/>
+      </p:par>
+    </p:tnLst>
+  </p:timing>
+</p:sld>
+</file>
+
+<file path=ppt/slides/slide2.xml><?xml version="1.0" encoding="utf-8"?>
+<p:sld xmlns:a="http://schemas.openxmlformats.org/drawingml/2006/main" xmlns:r="http://schemas.openxmlformats.org/officeDocument/2006/relationships" xmlns:p="http://schemas.openxmlformats.org/presentationml/2006/main">
+  <p:cSld>
+    <p:spTree>
+      <p:nvGrpSpPr>
+        <p:cNvPr id="1" name=""/>
+        <p:cNvGrpSpPr/>
+        <p:nvPr/>
+      </p:nvGrpSpPr>
+      <p:grpSpPr>
+        <a:xfrm>
+          <a:off x="0" y="0"/>
+          <a:ext cx="0" cy="0"/>
+          <a:chOff x="0" y="0"/>
+          <a:chExt cx="0" cy="0"/>
+        </a:xfrm>
+      </p:grpSpPr>
+      <p:sp>
+        <p:nvSpPr>
+          <p:cNvPr id="2" name="Content Placeholder 1"/>
+          <p:cNvSpPr>
+            <a:spLocks noGrp="1"/>
+          </p:cNvSpPr>
+          <p:nvPr>
+            <p:ph idx="1"/>
+          </p:nvPr>
+        </p:nvSpPr>
+        <p:spPr>
+          <a:xfrm>
+            <a:off x="380999" y="1719071"/>
+            <a:ext cx="8191767" cy="514953"/>
+          </a:xfrm>
+        </p:spPr>
+        <p:txBody>
+          <a:bodyPr>
+            <a:noAutofit/>
+          </a:bodyPr>
+          <a:lstStyle/>
+          <a:p>
+            <a:r>
+              <a:rPr lang="en-US" dirty="0" smtClean="0"/>
+              <a:t>http://</a:t>
+            </a:r>
+            <a:r>
+              <a:rPr lang="en-US" dirty="0" err="1" smtClean="0"/>
+              <a:t>github.com</a:t>
+            </a:r>
+            <a:r>
+              <a:rPr lang="en-US" dirty="0" smtClean="0"/>
+              <a:t>/</a:t>
+            </a:r>
+            <a:r>
+              <a:rPr lang="en-US" dirty="0" err="1" smtClean="0"/>
+              <a:t>clumsyjedi</a:t>
+            </a:r>
+            <a:r>
+              <a:rPr lang="en-US" dirty="0" smtClean="0"/>
+              <a:t>/euroclojure2013</a:t>
+            </a:r>
+          </a:p>
+          <a:p>
+            <a:r>
+              <a:rPr lang="en-US" dirty="0" smtClean="0"/>
+              <a:t>A</a:t>
+            </a:r>
+            <a:r>
+              <a:rPr lang="en-GB" dirty="0" err="1" smtClean="0"/>
+              <a:t>ims</a:t>
+            </a:r>
+            <a:r>
+              <a:rPr lang="en-GB" dirty="0" smtClean="0"/>
+              <a:t> to connect and combines people, processes, systems, and technologies to ensure that the right people and the right processes have the right information at the right time </a:t>
+            </a:r>
+            <a:r>
+              <a:rPr lang="en-US" dirty="0" smtClean="0"/>
+              <a:t>–</a:t>
+            </a:r>
+            <a:r>
+              <a:rPr lang="en-GB" dirty="0" smtClean="0"/>
+              <a:t> </a:t>
+            </a:r>
+            <a:r>
+              <a:rPr lang="en-GB" dirty="0" err="1" smtClean="0"/>
+              <a:t>Brosey</a:t>
+            </a:r>
+            <a:r>
+              <a:rPr lang="en-GB" dirty="0" smtClean="0"/>
+              <a:t> et al</a:t>
+            </a:r>
+            <a:r>
+              <a:rPr lang="en-GB" dirty="0" smtClean="0"/>
+              <a:t>.</a:t>
+            </a:r>
+            <a:endParaRPr lang="en-US" dirty="0" smtClean="0"/>
+          </a:p>
+        </p:txBody>
+      </p:sp>
+      <p:sp>
+        <p:nvSpPr>
+          <p:cNvPr id="3" name="Title 2"/>
+          <p:cNvSpPr>
+            <a:spLocks noGrp="1"/>
+          </p:cNvSpPr>
+          <p:nvPr>
+            <p:ph type="title"/>
+          </p:nvPr>
+        </p:nvSpPr>
+        <p:spPr/>
+        <p:txBody>
+          <a:bodyPr/>
+          <a:lstStyle/>
+          <a:p>
+            <a:r>
+              <a:rPr lang="en-US" dirty="0" smtClean="0"/>
+              <a:t>Intro</a:t>
+            </a:r>
+            <a:endParaRPr lang="en-US" dirty="0"/>
+          </a:p>
+        </p:txBody>
+      </p:sp>
+      <p:sp>
+        <p:nvSpPr>
+          <p:cNvPr id="8" name="Content Placeholder 1"/>
+          <p:cNvSpPr txBox="1">
+            <a:spLocks/>
+          </p:cNvSpPr>
+          <p:nvPr/>
+        </p:nvSpPr>
+        <p:spPr>
+          <a:xfrm>
+            <a:off x="385979" y="3214260"/>
+            <a:ext cx="8191767" cy="514953"/>
+          </a:xfrm>
+          <a:prstGeom prst="rect">
+            <a:avLst/>
+          </a:prstGeom>
+        </p:spPr>
+        <p:txBody>
+          <a:bodyPr vert="horz" lIns="91440" tIns="45720" rIns="91440" bIns="45720" rtlCol="0">
+            <a:normAutofit/>
+          </a:bodyPr>
+          <a:lstStyle>
+            <a:lvl1pPr marL="274320" indent="-228600" algn="l" defTabSz="914400" rtl="0" eaLnBrk="1" latinLnBrk="0" hangingPunct="1">
+              <a:spcBef>
+                <a:spcPct val="20000"/>
+              </a:spcBef>
+              <a:buClr>
+                <a:schemeClr val="accent1"/>
+              </a:buClr>
+              <a:buFont typeface="Wingdings 2" pitchFamily="18" charset="2"/>
+              <a:buChar char=""/>
+              <a:defRPr sz="2000" kern="1200" spc="150" baseline="0">
+                <a:solidFill>
+                  <a:schemeClr val="tx2"/>
+                </a:solidFill>
+                <a:latin typeface="+mn-lt"/>
+                <a:ea typeface="+mn-ea"/>
+                <a:cs typeface="+mn-cs"/>
+              </a:defRPr>
+            </a:lvl1pPr>
+            <a:lvl2pPr marL="548640" indent="-182880" algn="l" defTabSz="914400" rtl="0" eaLnBrk="1" latinLnBrk="0" hangingPunct="1">
+              <a:spcBef>
+                <a:spcPct val="20000"/>
+              </a:spcBef>
+              <a:buClr>
+                <a:schemeClr val="accent2"/>
+              </a:buClr>
+              <a:buFont typeface="Wingdings" pitchFamily="2" charset="2"/>
+              <a:buChar char="§"/>
+              <a:defRPr sz="1800" kern="1200" spc="100" baseline="0">
+                <a:solidFill>
+                  <a:schemeClr val="tx2"/>
+                </a:solidFill>
+                <a:latin typeface="+mn-lt"/>
+                <a:ea typeface="+mn-ea"/>
+                <a:cs typeface="+mn-cs"/>
+              </a:defRPr>
+            </a:lvl2pPr>
+            <a:lvl3pPr marL="822960" indent="-182880" algn="l" defTabSz="914400" rtl="0" eaLnBrk="1" latinLnBrk="0" hangingPunct="1">
+              <a:spcBef>
+                <a:spcPct val="20000"/>
+              </a:spcBef>
+              <a:buClr>
+                <a:schemeClr val="accent3"/>
+              </a:buClr>
+              <a:buFont typeface="Wingdings" pitchFamily="2" charset="2"/>
+              <a:buChar char="§"/>
+              <a:defRPr sz="1600" kern="1200" spc="100" baseline="0">
+                <a:solidFill>
+                  <a:schemeClr val="tx2"/>
+                </a:solidFill>
+                <a:latin typeface="+mn-lt"/>
+                <a:ea typeface="+mn-ea"/>
+                <a:cs typeface="+mn-cs"/>
+              </a:defRPr>
+            </a:lvl3pPr>
+            <a:lvl4pPr marL="1097280" indent="-182880" algn="l" defTabSz="914400" rtl="0" eaLnBrk="1" latinLnBrk="0" hangingPunct="1">
+              <a:spcBef>
+                <a:spcPct val="20000"/>
+              </a:spcBef>
+              <a:buClr>
+                <a:schemeClr val="accent4"/>
+              </a:buClr>
+              <a:buFont typeface="Wingdings" pitchFamily="2" charset="2"/>
+              <a:buChar char="§"/>
+              <a:defRPr sz="1400" kern="1200">
+                <a:solidFill>
+                  <a:schemeClr val="tx2"/>
+                </a:solidFill>
+                <a:latin typeface="+mn-lt"/>
+                <a:ea typeface="+mn-ea"/>
+                <a:cs typeface="+mn-cs"/>
+              </a:defRPr>
+            </a:lvl4pPr>
+            <a:lvl5pPr marL="1280160" indent="-182880" algn="l" defTabSz="914400" rtl="0" eaLnBrk="1" latinLnBrk="0" hangingPunct="1">
+              <a:spcBef>
+                <a:spcPct val="20000"/>
+              </a:spcBef>
+              <a:buClr>
+                <a:schemeClr val="accent6"/>
+              </a:buClr>
+              <a:buFont typeface="Wingdings" pitchFamily="2" charset="2"/>
+              <a:buChar char="§"/>
+              <a:defRPr sz="1300" kern="1200" spc="100" baseline="0">
+                <a:solidFill>
+                  <a:schemeClr val="tx2"/>
+                </a:solidFill>
+                <a:latin typeface="+mn-lt"/>
+                <a:ea typeface="+mn-ea"/>
+                <a:cs typeface="+mn-cs"/>
+              </a:defRPr>
+            </a:lvl5pPr>
+            <a:lvl6pPr marL="1554480" indent="-182880" algn="l" defTabSz="914400" rtl="0" eaLnBrk="1" latinLnBrk="0" hangingPunct="1">
+              <a:spcBef>
+                <a:spcPct val="20000"/>
+              </a:spcBef>
+              <a:buClr>
+                <a:schemeClr val="accent1"/>
+              </a:buClr>
+              <a:buFont typeface="Wingdings" pitchFamily="2" charset="2"/>
+              <a:buChar char="§"/>
+              <a:defRPr sz="1200" kern="1200">
+                <a:solidFill>
+                  <a:schemeClr val="tx2"/>
+                </a:solidFill>
+                <a:latin typeface="+mn-lt"/>
+                <a:ea typeface="+mn-ea"/>
+                <a:cs typeface="+mn-cs"/>
+              </a:defRPr>
+            </a:lvl6pPr>
+            <a:lvl7pPr marL="1828800" indent="-182880" algn="l" defTabSz="914400" rtl="0" eaLnBrk="1" latinLnBrk="0" hangingPunct="1">
+              <a:spcBef>
+                <a:spcPct val="20000"/>
+              </a:spcBef>
+              <a:buClr>
+                <a:schemeClr val="accent2"/>
+              </a:buClr>
+              <a:buFont typeface="Wingdings" pitchFamily="2" charset="2"/>
+              <a:buChar char="§"/>
+              <a:defRPr sz="1200" kern="1200">
+                <a:solidFill>
+                  <a:schemeClr val="tx2"/>
+                </a:solidFill>
+                <a:latin typeface="+mn-lt"/>
+                <a:ea typeface="+mn-ea"/>
+                <a:cs typeface="+mn-cs"/>
+              </a:defRPr>
+            </a:lvl7pPr>
+            <a:lvl8pPr marL="2103120" indent="-182880" algn="l" defTabSz="914400" rtl="0" eaLnBrk="1" latinLnBrk="0" hangingPunct="1">
+              <a:spcBef>
+                <a:spcPct val="20000"/>
+              </a:spcBef>
+              <a:buClr>
+                <a:schemeClr val="accent3"/>
+              </a:buClr>
+              <a:buFont typeface="Wingdings" pitchFamily="2" charset="2"/>
+              <a:buChar char="§"/>
+              <a:defRPr sz="1200" kern="1200">
+                <a:solidFill>
+                  <a:schemeClr val="tx2"/>
+                </a:solidFill>
+                <a:latin typeface="+mn-lt"/>
+                <a:ea typeface="+mn-ea"/>
+                <a:cs typeface="+mn-cs"/>
+              </a:defRPr>
+            </a:lvl8pPr>
+            <a:lvl9pPr marL="2377440" indent="-182880" algn="l" defTabSz="914400" rtl="0" eaLnBrk="1" latinLnBrk="0" hangingPunct="1">
+              <a:spcBef>
+                <a:spcPct val="20000"/>
+              </a:spcBef>
+              <a:buClr>
+                <a:schemeClr val="accent5"/>
+              </a:buClr>
+              <a:buFont typeface="Wingdings" pitchFamily="2" charset="2"/>
+              <a:buChar char="§"/>
+              <a:defRPr sz="1200" kern="1200">
+                <a:solidFill>
+                  <a:schemeClr val="tx2"/>
+                </a:solidFill>
+                <a:latin typeface="+mn-lt"/>
+                <a:ea typeface="+mn-ea"/>
+                <a:cs typeface="+mn-cs"/>
+              </a:defRPr>
+            </a:lvl9pPr>
+          </a:lstStyle>
+          <a:p>
+            <a:endParaRPr lang="en-US" dirty="0" smtClean="0"/>
+          </a:p>
+        </p:txBody>
+      </p:sp>
+      <p:sp>
+        <p:nvSpPr>
+          <p:cNvPr id="5" name="Content Placeholder 1"/>
+          <p:cNvSpPr txBox="1">
+            <a:spLocks/>
+          </p:cNvSpPr>
+          <p:nvPr/>
+        </p:nvSpPr>
+        <p:spPr>
+          <a:xfrm>
+            <a:off x="399142" y="3256996"/>
+            <a:ext cx="8191767" cy="514953"/>
+          </a:xfrm>
+          <a:prstGeom prst="rect">
+            <a:avLst/>
+          </a:prstGeom>
+        </p:spPr>
+        <p:txBody>
+          <a:bodyPr vert="horz" lIns="91440" tIns="45720" rIns="91440" bIns="45720" rtlCol="0">
+            <a:noAutofit/>
+          </a:bodyPr>
+          <a:lstStyle>
+            <a:lvl1pPr marL="274320" indent="-228600" algn="l" defTabSz="914400" rtl="0" eaLnBrk="1" latinLnBrk="0" hangingPunct="1">
+              <a:spcBef>
+                <a:spcPct val="20000"/>
+              </a:spcBef>
+              <a:buClr>
+                <a:schemeClr val="accent1"/>
+              </a:buClr>
+              <a:buFont typeface="Wingdings 2" pitchFamily="18" charset="2"/>
+              <a:buChar char=""/>
+              <a:defRPr sz="2000" kern="1200" spc="150" baseline="0">
+                <a:solidFill>
+                  <a:schemeClr val="tx2"/>
+                </a:solidFill>
+                <a:latin typeface="+mn-lt"/>
+                <a:ea typeface="+mn-ea"/>
+                <a:cs typeface="+mn-cs"/>
+              </a:defRPr>
+            </a:lvl1pPr>
+            <a:lvl2pPr marL="548640" indent="-182880" algn="l" defTabSz="914400" rtl="0" eaLnBrk="1" latinLnBrk="0" hangingPunct="1">
+              <a:spcBef>
+                <a:spcPct val="20000"/>
+              </a:spcBef>
+              <a:buClr>
+                <a:schemeClr val="accent2"/>
+              </a:buClr>
+              <a:buFont typeface="Wingdings" pitchFamily="2" charset="2"/>
+              <a:buChar char="§"/>
+              <a:defRPr sz="1800" kern="1200" spc="100" baseline="0">
+                <a:solidFill>
+                  <a:schemeClr val="tx2"/>
+                </a:solidFill>
+                <a:latin typeface="+mn-lt"/>
+                <a:ea typeface="+mn-ea"/>
+                <a:cs typeface="+mn-cs"/>
+              </a:defRPr>
+            </a:lvl2pPr>
+            <a:lvl3pPr marL="822960" indent="-182880" algn="l" defTabSz="914400" rtl="0" eaLnBrk="1" latinLnBrk="0" hangingPunct="1">
+              <a:spcBef>
+                <a:spcPct val="20000"/>
+              </a:spcBef>
+              <a:buClr>
+                <a:schemeClr val="accent3"/>
+              </a:buClr>
+              <a:buFont typeface="Wingdings" pitchFamily="2" charset="2"/>
+              <a:buChar char="§"/>
+              <a:defRPr sz="1600" kern="1200" spc="100" baseline="0">
+                <a:solidFill>
+                  <a:schemeClr val="tx2"/>
+                </a:solidFill>
+                <a:latin typeface="+mn-lt"/>
+                <a:ea typeface="+mn-ea"/>
+                <a:cs typeface="+mn-cs"/>
+              </a:defRPr>
+            </a:lvl3pPr>
+            <a:lvl4pPr marL="1097280" indent="-182880" algn="l" defTabSz="914400" rtl="0" eaLnBrk="1" latinLnBrk="0" hangingPunct="1">
+              <a:spcBef>
+                <a:spcPct val="20000"/>
+              </a:spcBef>
+              <a:buClr>
+                <a:schemeClr val="accent4"/>
+              </a:buClr>
+              <a:buFont typeface="Wingdings" pitchFamily="2" charset="2"/>
+              <a:buChar char="§"/>
+              <a:defRPr sz="1400" kern="1200">
+                <a:solidFill>
+                  <a:schemeClr val="tx2"/>
+                </a:solidFill>
+                <a:latin typeface="+mn-lt"/>
+                <a:ea typeface="+mn-ea"/>
+                <a:cs typeface="+mn-cs"/>
+              </a:defRPr>
+            </a:lvl4pPr>
+            <a:lvl5pPr marL="1280160" indent="-182880" algn="l" defTabSz="914400" rtl="0" eaLnBrk="1" latinLnBrk="0" hangingPunct="1">
+              <a:spcBef>
+                <a:spcPct val="20000"/>
+              </a:spcBef>
+              <a:buClr>
+                <a:schemeClr val="accent6"/>
+              </a:buClr>
+              <a:buFont typeface="Wingdings" pitchFamily="2" charset="2"/>
+              <a:buChar char="§"/>
+              <a:defRPr sz="1300" kern="1200" spc="100" baseline="0">
+                <a:solidFill>
+                  <a:schemeClr val="tx2"/>
+                </a:solidFill>
+                <a:latin typeface="+mn-lt"/>
+                <a:ea typeface="+mn-ea"/>
+                <a:cs typeface="+mn-cs"/>
+              </a:defRPr>
+            </a:lvl5pPr>
+            <a:lvl6pPr marL="1554480" indent="-182880" algn="l" defTabSz="914400" rtl="0" eaLnBrk="1" latinLnBrk="0" hangingPunct="1">
+              <a:spcBef>
+                <a:spcPct val="20000"/>
+              </a:spcBef>
+              <a:buClr>
+                <a:schemeClr val="accent1"/>
+              </a:buClr>
+              <a:buFont typeface="Wingdings" pitchFamily="2" charset="2"/>
+              <a:buChar char="§"/>
+              <a:defRPr sz="1200" kern="1200">
+                <a:solidFill>
+                  <a:schemeClr val="tx2"/>
+                </a:solidFill>
+                <a:latin typeface="+mn-lt"/>
+                <a:ea typeface="+mn-ea"/>
+                <a:cs typeface="+mn-cs"/>
+              </a:defRPr>
+            </a:lvl6pPr>
+            <a:lvl7pPr marL="1828800" indent="-182880" algn="l" defTabSz="914400" rtl="0" eaLnBrk="1" latinLnBrk="0" hangingPunct="1">
+              <a:spcBef>
+                <a:spcPct val="20000"/>
+              </a:spcBef>
+              <a:buClr>
+                <a:schemeClr val="accent2"/>
+              </a:buClr>
+              <a:buFont typeface="Wingdings" pitchFamily="2" charset="2"/>
+              <a:buChar char="§"/>
+              <a:defRPr sz="1200" kern="1200">
+                <a:solidFill>
+                  <a:schemeClr val="tx2"/>
+                </a:solidFill>
+                <a:latin typeface="+mn-lt"/>
+                <a:ea typeface="+mn-ea"/>
+                <a:cs typeface="+mn-cs"/>
+              </a:defRPr>
+            </a:lvl7pPr>
+            <a:lvl8pPr marL="2103120" indent="-182880" algn="l" defTabSz="914400" rtl="0" eaLnBrk="1" latinLnBrk="0" hangingPunct="1">
+              <a:spcBef>
+                <a:spcPct val="20000"/>
+              </a:spcBef>
+              <a:buClr>
+                <a:schemeClr val="accent3"/>
+              </a:buClr>
+              <a:buFont typeface="Wingdings" pitchFamily="2" charset="2"/>
+              <a:buChar char="§"/>
+              <a:defRPr sz="1200" kern="1200">
+                <a:solidFill>
+                  <a:schemeClr val="tx2"/>
+                </a:solidFill>
+                <a:latin typeface="+mn-lt"/>
+                <a:ea typeface="+mn-ea"/>
+                <a:cs typeface="+mn-cs"/>
+              </a:defRPr>
+            </a:lvl8pPr>
+            <a:lvl9pPr marL="2377440" indent="-182880" algn="l" defTabSz="914400" rtl="0" eaLnBrk="1" latinLnBrk="0" hangingPunct="1">
+              <a:spcBef>
+                <a:spcPct val="20000"/>
+              </a:spcBef>
+              <a:buClr>
+                <a:schemeClr val="accent5"/>
+              </a:buClr>
+              <a:buFont typeface="Wingdings" pitchFamily="2" charset="2"/>
+              <a:buChar char="§"/>
+              <a:defRPr sz="1200" kern="1200">
+                <a:solidFill>
+                  <a:schemeClr val="tx2"/>
+                </a:solidFill>
+                <a:latin typeface="+mn-lt"/>
+                <a:ea typeface="+mn-ea"/>
+                <a:cs typeface="+mn-cs"/>
+              </a:defRPr>
+            </a:lvl9pPr>
+          </a:lstStyle>
+          <a:p>
+            <a:r>
+              <a:rPr lang="en-GB" dirty="0" smtClean="0"/>
+              <a:t>The voodoo of making systems communicate reliably and predictably using asynchronous messaging - Me</a:t>
+            </a:r>
+            <a:endParaRPr lang="en-US" dirty="0" smtClean="0"/>
+          </a:p>
+        </p:txBody>
+      </p:sp>
+      <p:sp>
+        <p:nvSpPr>
+          <p:cNvPr id="6" name="Content Placeholder 1"/>
+          <p:cNvSpPr txBox="1">
+            <a:spLocks/>
+          </p:cNvSpPr>
+          <p:nvPr/>
+        </p:nvSpPr>
+        <p:spPr>
+          <a:xfrm>
+            <a:off x="538379" y="4201231"/>
+            <a:ext cx="8191767" cy="514953"/>
+          </a:xfrm>
+          <a:prstGeom prst="rect">
+            <a:avLst/>
+          </a:prstGeom>
+        </p:spPr>
+        <p:txBody>
+          <a:bodyPr vert="horz" lIns="91440" tIns="45720" rIns="91440" bIns="45720" rtlCol="0">
+            <a:normAutofit/>
+          </a:bodyPr>
+          <a:lstStyle>
+            <a:lvl1pPr marL="274320" indent="-228600" algn="l" defTabSz="914400" rtl="0" eaLnBrk="1" latinLnBrk="0" hangingPunct="1">
+              <a:spcBef>
+                <a:spcPct val="20000"/>
+              </a:spcBef>
+              <a:buClr>
+                <a:schemeClr val="accent1"/>
+              </a:buClr>
+              <a:buFont typeface="Wingdings 2" pitchFamily="18" charset="2"/>
+              <a:buChar char=""/>
+              <a:defRPr sz="2000" kern="1200" spc="150" baseline="0">
+                <a:solidFill>
+                  <a:schemeClr val="tx2"/>
+                </a:solidFill>
+                <a:latin typeface="+mn-lt"/>
+                <a:ea typeface="+mn-ea"/>
+                <a:cs typeface="+mn-cs"/>
+              </a:defRPr>
+            </a:lvl1pPr>
+            <a:lvl2pPr marL="548640" indent="-182880" algn="l" defTabSz="914400" rtl="0" eaLnBrk="1" latinLnBrk="0" hangingPunct="1">
+              <a:spcBef>
+                <a:spcPct val="20000"/>
+              </a:spcBef>
+              <a:buClr>
+                <a:schemeClr val="accent2"/>
+              </a:buClr>
+              <a:buFont typeface="Wingdings" pitchFamily="2" charset="2"/>
+              <a:buChar char="§"/>
+              <a:defRPr sz="1800" kern="1200" spc="100" baseline="0">
+                <a:solidFill>
+                  <a:schemeClr val="tx2"/>
+                </a:solidFill>
+                <a:latin typeface="+mn-lt"/>
+                <a:ea typeface="+mn-ea"/>
+                <a:cs typeface="+mn-cs"/>
+              </a:defRPr>
+            </a:lvl2pPr>
+            <a:lvl3pPr marL="822960" indent="-182880" algn="l" defTabSz="914400" rtl="0" eaLnBrk="1" latinLnBrk="0" hangingPunct="1">
+              <a:spcBef>
+                <a:spcPct val="20000"/>
+              </a:spcBef>
+              <a:buClr>
+                <a:schemeClr val="accent3"/>
+              </a:buClr>
+              <a:buFont typeface="Wingdings" pitchFamily="2" charset="2"/>
+              <a:buChar char="§"/>
+              <a:defRPr sz="1600" kern="1200" spc="100" baseline="0">
+                <a:solidFill>
+                  <a:schemeClr val="tx2"/>
+                </a:solidFill>
+                <a:latin typeface="+mn-lt"/>
+                <a:ea typeface="+mn-ea"/>
+                <a:cs typeface="+mn-cs"/>
+              </a:defRPr>
+            </a:lvl3pPr>
+            <a:lvl4pPr marL="1097280" indent="-182880" algn="l" defTabSz="914400" rtl="0" eaLnBrk="1" latinLnBrk="0" hangingPunct="1">
+              <a:spcBef>
+                <a:spcPct val="20000"/>
+              </a:spcBef>
+              <a:buClr>
+                <a:schemeClr val="accent4"/>
+              </a:buClr>
+              <a:buFont typeface="Wingdings" pitchFamily="2" charset="2"/>
+              <a:buChar char="§"/>
+              <a:defRPr sz="1400" kern="1200">
+                <a:solidFill>
+                  <a:schemeClr val="tx2"/>
+                </a:solidFill>
+                <a:latin typeface="+mn-lt"/>
+                <a:ea typeface="+mn-ea"/>
+                <a:cs typeface="+mn-cs"/>
+              </a:defRPr>
+            </a:lvl4pPr>
+            <a:lvl5pPr marL="1280160" indent="-182880" algn="l" defTabSz="914400" rtl="0" eaLnBrk="1" latinLnBrk="0" hangingPunct="1">
+              <a:spcBef>
+                <a:spcPct val="20000"/>
+              </a:spcBef>
+              <a:buClr>
+                <a:schemeClr val="accent6"/>
+              </a:buClr>
+              <a:buFont typeface="Wingdings" pitchFamily="2" charset="2"/>
+              <a:buChar char="§"/>
+              <a:defRPr sz="1300" kern="1200" spc="100" baseline="0">
+                <a:solidFill>
+                  <a:schemeClr val="tx2"/>
+                </a:solidFill>
+                <a:latin typeface="+mn-lt"/>
+                <a:ea typeface="+mn-ea"/>
+                <a:cs typeface="+mn-cs"/>
+              </a:defRPr>
+            </a:lvl5pPr>
+            <a:lvl6pPr marL="1554480" indent="-182880" algn="l" defTabSz="914400" rtl="0" eaLnBrk="1" latinLnBrk="0" hangingPunct="1">
+              <a:spcBef>
+                <a:spcPct val="20000"/>
+              </a:spcBef>
+              <a:buClr>
+                <a:schemeClr val="accent1"/>
+              </a:buClr>
+              <a:buFont typeface="Wingdings" pitchFamily="2" charset="2"/>
+              <a:buChar char="§"/>
+              <a:defRPr sz="1200" kern="1200">
+                <a:solidFill>
+                  <a:schemeClr val="tx2"/>
+                </a:solidFill>
+                <a:latin typeface="+mn-lt"/>
+                <a:ea typeface="+mn-ea"/>
+                <a:cs typeface="+mn-cs"/>
+              </a:defRPr>
+            </a:lvl6pPr>
+            <a:lvl7pPr marL="1828800" indent="-182880" algn="l" defTabSz="914400" rtl="0" eaLnBrk="1" latinLnBrk="0" hangingPunct="1">
+              <a:spcBef>
+                <a:spcPct val="20000"/>
+              </a:spcBef>
+              <a:buClr>
+                <a:schemeClr val="accent2"/>
+              </a:buClr>
+              <a:buFont typeface="Wingdings" pitchFamily="2" charset="2"/>
+              <a:buChar char="§"/>
+              <a:defRPr sz="1200" kern="1200">
+                <a:solidFill>
+                  <a:schemeClr val="tx2"/>
+                </a:solidFill>
+                <a:latin typeface="+mn-lt"/>
+                <a:ea typeface="+mn-ea"/>
+                <a:cs typeface="+mn-cs"/>
+              </a:defRPr>
+            </a:lvl7pPr>
+            <a:lvl8pPr marL="2103120" indent="-182880" algn="l" defTabSz="914400" rtl="0" eaLnBrk="1" latinLnBrk="0" hangingPunct="1">
+              <a:spcBef>
+                <a:spcPct val="20000"/>
+              </a:spcBef>
+              <a:buClr>
+                <a:schemeClr val="accent3"/>
+              </a:buClr>
+              <a:buFont typeface="Wingdings" pitchFamily="2" charset="2"/>
+              <a:buChar char="§"/>
+              <a:defRPr sz="1200" kern="1200">
+                <a:solidFill>
+                  <a:schemeClr val="tx2"/>
+                </a:solidFill>
+                <a:latin typeface="+mn-lt"/>
+                <a:ea typeface="+mn-ea"/>
+                <a:cs typeface="+mn-cs"/>
+              </a:defRPr>
+            </a:lvl8pPr>
+            <a:lvl9pPr marL="2377440" indent="-182880" algn="l" defTabSz="914400" rtl="0" eaLnBrk="1" latinLnBrk="0" hangingPunct="1">
+              <a:spcBef>
+                <a:spcPct val="20000"/>
+              </a:spcBef>
+              <a:buClr>
+                <a:schemeClr val="accent5"/>
+              </a:buClr>
+              <a:buFont typeface="Wingdings" pitchFamily="2" charset="2"/>
+              <a:buChar char="§"/>
+              <a:defRPr sz="1200" kern="1200">
+                <a:solidFill>
+                  <a:schemeClr val="tx2"/>
+                </a:solidFill>
+                <a:latin typeface="+mn-lt"/>
+                <a:ea typeface="+mn-ea"/>
+                <a:cs typeface="+mn-cs"/>
+              </a:defRPr>
+            </a:lvl9pPr>
+          </a:lstStyle>
+          <a:p>
+            <a:r>
+              <a:rPr lang="en-US" dirty="0" smtClean="0"/>
+              <a:t>It’s just middleware dude – </a:t>
+            </a:r>
+            <a:r>
+              <a:rPr lang="en-US" dirty="0" err="1" smtClean="0"/>
+              <a:t>Lize</a:t>
+            </a:r>
+            <a:r>
+              <a:rPr lang="en-US" dirty="0" smtClean="0"/>
+              <a:t> </a:t>
+            </a:r>
+            <a:r>
+              <a:rPr lang="en-US" dirty="0" err="1" smtClean="0"/>
+              <a:t>Wize</a:t>
+            </a:r>
             <a:endParaRPr lang="en-US" dirty="0" smtClean="0"/>
           </a:p>
         </p:txBody>
@@ -7957,7 +9129,7 @@
   <p:timing>
     <p:tnLst>
       <p:par>
-        <p:cTn id="1" dur="indefinite" restart="never" nodeType="tmRoot">
+        <p:cTn xmlns:p14="http://schemas.microsoft.com/office/powerpoint/2010/main" id="1" dur="indefinite" restart="never" nodeType="tmRoot">
           <p:childTnLst>
             <p:seq concurrent="1" nextAc="seek">
               <p:cTn id="2" dur="indefinite" nodeType="mainSeq">
@@ -8020,6 +9192,59 @@
                       </p:childTnLst>
                     </p:cTn>
                   </p:par>
+                  <p:par>
+                    <p:cTn id="8" fill="hold">
+                      <p:stCondLst>
+                        <p:cond delay="indefinite"/>
+                      </p:stCondLst>
+                      <p:childTnLst>
+                        <p:par>
+                          <p:cTn id="9" fill="hold">
+                            <p:stCondLst>
+                              <p:cond delay="0"/>
+                            </p:stCondLst>
+                            <p:childTnLst>
+                              <p:par>
+                                <p:cTn id="10" presetID="9" presetClass="entr" presetSubtype="0" fill="hold" grpId="0" nodeType="clickEffect">
+                                  <p:stCondLst>
+                                    <p:cond delay="0"/>
+                                  </p:stCondLst>
+                                  <p:childTnLst>
+                                    <p:set>
+                                      <p:cBhvr>
+                                        <p:cTn id="11" dur="1" fill="hold">
+                                          <p:stCondLst>
+                                            <p:cond delay="0"/>
+                                          </p:stCondLst>
+                                        </p:cTn>
+                                        <p:tgtEl>
+                                          <p:spTgt spid="6"/>
+                                        </p:tgtEl>
+                                        <p:attrNameLst>
+                                          <p:attrName>style.visibility</p:attrName>
+                                        </p:attrNameLst>
+                                      </p:cBhvr>
+                                      <p:to>
+                                        <p:strVal val="visible"/>
+                                      </p:to>
+                                    </p:set>
+                                    <p:animEffect transition="in" filter="dissolve">
+                                      <p:cBhvr>
+                                        <p:cTn id="12" dur="500"/>
+                                        <p:tgtEl>
+                                          <p:spTgt spid="6"/>
+                                        </p:tgtEl>
+                                      </p:cBhvr>
+                                    </p:animEffect>
+                                  </p:childTnLst>
+                                </p:cTn>
+                              </p:par>
+                            </p:childTnLst>
+                          </p:cTn>
+                        </p:par>
+                      </p:childTnLst>
+                    </p:cTn>
+                  </p:par>
                 </p:childTnLst>
               </p:cTn>
               <p:prevCondLst>
@@ -8043,6 +9268,7 @@
     </p:tnLst>
     <p:bldLst>
       <p:bldP spid="8" grpId="0"/>
+      <p:bldP spid="6" grpId="0"/>
     </p:bldLst>
   </p:timing>
 </p:sld>
@@ -8104,12 +9330,12 @@
               <a:t>We can simulate this using </a:t>
             </a:r>
             <a:r>
-              <a:rPr lang="en-GB" dirty="0" err="1"/>
-              <a:t>emmiters</a:t>
-            </a:r>
-            <a:r>
-              <a:rPr lang="en-GB" dirty="0"/>
-              <a:t> and observers</a:t>
+              <a:rPr lang="en-GB" dirty="0" smtClean="0"/>
+              <a:t>emitters </a:t>
+            </a:r>
+            <a:r>
+              <a:rPr lang="en-GB" dirty="0"/>
+              <a:t>and observers</a:t>
             </a:r>
           </a:p>
           <a:p>
@@ -8131,7 +9357,19 @@
             </a:r>
             <a:r>
               <a:rPr lang="en-GB" dirty="0"/>
-              <a:t>, clam, and </a:t>
+              <a:t>, </a:t>
+            </a:r>
+            <a:r>
+              <a:rPr lang="en-GB" dirty="0" err="1" smtClean="0"/>
+              <a:t>clamq</a:t>
+            </a:r>
+            <a:r>
+              <a:rPr lang="en-GB" dirty="0" smtClean="0"/>
+              <a:t>, </a:t>
+            </a:r>
+            <a:r>
+              <a:rPr lang="en-GB" dirty="0"/>
+              <a:t>and </a:t>
             </a:r>
             <a:r>
               <a:rPr lang="en-GB" dirty="0" smtClean="0"/>
@@ -8191,7 +9429,7 @@
   <p:timing>
     <p:tnLst>
       <p:par>
-        <p:cTn id="1" dur="indefinite" restart="never" nodeType="tmRoot"/>
+        <p:cTn xmlns:p14="http://schemas.microsoft.com/office/powerpoint/2010/main" id="1" dur="indefinite" restart="never" nodeType="tmRoot"/>
       </p:par>
     </p:tnLst>
   </p:timing>
@@ -8233,66 +9471,66 @@
         </p:spPr>
         <p:txBody>
           <a:bodyPr>
-            <a:normAutofit fontScale="92500" lnSpcReduction="20000"/>
+            <a:normAutofit fontScale="85000" lnSpcReduction="10000"/>
           </a:bodyPr>
           <a:lstStyle/>
           <a:p>
             <a:r>
-              <a:rPr lang="en-GB" dirty="0"/>
-              <a:t>No, by design</a:t>
-            </a:r>
-          </a:p>
-          <a:p>
-            <a:r>
-              <a:rPr lang="en-GB" dirty="0"/>
-              <a:t>There's no channel or queue construct per se</a:t>
-            </a:r>
-          </a:p>
-          <a:p>
-            <a:r>
-              <a:rPr lang="en-GB" dirty="0"/>
-              <a:t>We can simulate this using </a:t>
-            </a:r>
-            <a:r>
-              <a:rPr lang="en-GB" dirty="0" err="1"/>
-              <a:t>emmiters</a:t>
-            </a:r>
-            <a:r>
-              <a:rPr lang="en-GB" dirty="0"/>
-              <a:t> and observers</a:t>
-            </a:r>
-          </a:p>
-          <a:p>
-            <a:r>
-              <a:rPr lang="en-GB" dirty="0"/>
-              <a:t>Again, adaptors to brokers </a:t>
-            </a:r>
-            <a:r>
-              <a:rPr lang="en-GB" dirty="0" err="1"/>
-              <a:t>etc</a:t>
-            </a:r>
-            <a:r>
-              <a:rPr lang="en-GB" dirty="0"/>
-              <a:t> provided by </a:t>
-            </a:r>
-            <a:r>
-              <a:rPr lang="en-GB" dirty="0" err="1"/>
-              <a:t>compojure</a:t>
-            </a:r>
-            <a:r>
-              <a:rPr lang="en-GB" dirty="0"/>
-              <a:t>, clam, and </a:t>
-            </a:r>
-            <a:r>
-              <a:rPr lang="en-GB" dirty="0" smtClean="0"/>
-              <a:t>quartzite</a:t>
-            </a:r>
-            <a:endParaRPr lang="en-GB" b="1" dirty="0"/>
-          </a:p>
-          <a:p>
-            <a:pPr marL="45720" indent="0">
-              <a:buNone/>
-            </a:pPr>
+              <a:rPr lang="en-US" dirty="0" smtClean="0"/>
+              <a:t>It's </a:t>
+            </a:r>
+            <a:r>
+              <a:rPr lang="en-US" dirty="0"/>
+              <a:t>better than anything we've seen so far</a:t>
+            </a:r>
+          </a:p>
+          <a:p>
+            <a:r>
+              <a:rPr lang="en-US" dirty="0" smtClean="0"/>
+              <a:t>Because </a:t>
+            </a:r>
+            <a:r>
+              <a:rPr lang="en-US" dirty="0"/>
+              <a:t>the topologies </a:t>
+            </a:r>
+            <a:r>
+              <a:rPr lang="en-US" dirty="0" smtClean="0"/>
+              <a:t>consist of a few constructs with predictable </a:t>
+            </a:r>
+            <a:r>
+              <a:rPr lang="en-US" dirty="0" err="1" smtClean="0"/>
+              <a:t>behaviours</a:t>
+            </a:r>
+            <a:r>
+              <a:rPr lang="en-US" dirty="0" smtClean="0"/>
+              <a:t>)</a:t>
+            </a:r>
+            <a:endParaRPr lang="en-US" dirty="0"/>
+          </a:p>
+          <a:p>
+            <a:r>
+              <a:rPr lang="en-US" dirty="0" smtClean="0"/>
+              <a:t>Because </a:t>
+            </a:r>
+            <a:r>
+              <a:rPr lang="en-US" dirty="0"/>
+              <a:t>the </a:t>
+            </a:r>
+            <a:r>
+              <a:rPr lang="en-US" dirty="0" smtClean="0"/>
+              <a:t>processors reference each other</a:t>
+            </a:r>
+            <a:endParaRPr lang="en-US" dirty="0"/>
+          </a:p>
+          <a:p>
+            <a:r>
+              <a:rPr lang="en-US" dirty="0" smtClean="0"/>
+              <a:t>You </a:t>
+            </a:r>
+            <a:r>
+              <a:rPr lang="en-US" dirty="0"/>
+              <a:t>can graph the entire topology, not just the path taken by one event</a:t>
+            </a:r>
             <a:endParaRPr lang="en-GB" dirty="0" smtClean="0"/>
           </a:p>
         </p:txBody>
@@ -8359,7 +9597,7 @@
           </a:prstGeom>
           <a:noFill/>
           <a:extLst>
-            <a:ext uri="{909E8E84-426E-40DD-AFC4-6F175D3DCCD1}">
+            <a:ext uri="{909E8E84-426E-40dd-AFC4-6F175D3DCCD1}">
               <a14:hiddenFill xmlns:a14="http://schemas.microsoft.com/office/drawing/2010/main">
                 <a:solidFill>
                   <a:srgbClr val="FFFFFF"/>
@@ -8400,7 +9638,7 @@
           </a:prstGeom>
           <a:noFill/>
           <a:extLst>
-            <a:ext uri="{909E8E84-426E-40DD-AFC4-6F175D3DCCD1}">
+            <a:ext uri="{909E8E84-426E-40dd-AFC4-6F175D3DCCD1}">
               <a14:hiddenFill xmlns:a14="http://schemas.microsoft.com/office/drawing/2010/main">
                 <a:solidFill>
                   <a:srgbClr val="FFFFFF"/>
@@ -8423,7 +9661,7 @@
   <p:timing>
     <p:tnLst>
       <p:par>
-        <p:cTn id="1" dur="indefinite" restart="never" nodeType="tmRoot"/>
+        <p:cTn xmlns:p14="http://schemas.microsoft.com/office/powerpoint/2010/main" id="1" dur="indefinite" restart="never" nodeType="tmRoot"/>
       </p:par>
     </p:tnLst>
   </p:timing>
@@ -8465,66 +9703,74 @@
         </p:spPr>
         <p:txBody>
           <a:bodyPr>
-            <a:normAutofit fontScale="55000" lnSpcReduction="20000"/>
+            <a:normAutofit fontScale="70000" lnSpcReduction="20000"/>
           </a:bodyPr>
           <a:lstStyle/>
           <a:p>
             <a:r>
+              <a:rPr lang="en-GB" sz="2900" dirty="0" smtClean="0"/>
+              <a:t>Message </a:t>
+            </a:r>
+            <a:r>
               <a:rPr lang="en-GB" sz="2900" dirty="0"/>
-              <a:t>Message Channel</a:t>
+              <a:t>Broker</a:t>
             </a:r>
           </a:p>
           <a:p>
             <a:pPr lvl="1"/>
             <a:r>
+              <a:rPr lang="en-GB" sz="2500" dirty="0" smtClean="0"/>
+              <a:t>Not distributed without it</a:t>
+            </a:r>
+          </a:p>
+          <a:p>
+            <a:r>
+              <a:rPr lang="en-GB" sz="2900" dirty="0" smtClean="0"/>
+              <a:t>Message </a:t>
+            </a:r>
+            <a:r>
+              <a:rPr lang="en-GB" sz="2900" dirty="0"/>
+              <a:t>Router</a:t>
+            </a:r>
+          </a:p>
+          <a:p>
+            <a:pPr lvl="1"/>
+            <a:r>
+              <a:rPr lang="en-GB" sz="2500" dirty="0" smtClean="0"/>
+              <a:t>Via </a:t>
+            </a:r>
+            <a:r>
               <a:rPr lang="en-GB" sz="2500" dirty="0"/>
-              <a:t>Nope, make your own if you need it</a:t>
-            </a:r>
-          </a:p>
-          <a:p>
+              <a:t>dispatching to different </a:t>
+            </a:r>
+            <a:r>
+              <a:rPr lang="en-GB" sz="2500" dirty="0" smtClean="0"/>
+              <a:t>streams via </a:t>
+            </a:r>
+            <a:r>
+              <a:rPr lang="en-GB" sz="2500" dirty="0" err="1" smtClean="0"/>
+              <a:t>defsplitter</a:t>
+            </a:r>
+            <a:endParaRPr lang="en-GB" sz="2500" dirty="0"/>
+          </a:p>
+          <a:p>
+            <a:r>
+              <a:rPr lang="en-GB" sz="2900" dirty="0" smtClean="0"/>
+              <a:t>Content </a:t>
+            </a:r>
             <a:r>
               <a:rPr lang="en-GB" sz="2900" dirty="0"/>
-              <a:t>Message Broker</a:t>
+              <a:t>Enricher</a:t>
             </a:r>
           </a:p>
           <a:p>
             <a:pPr lvl="1"/>
             <a:r>
-              <a:rPr lang="en-GB" sz="2500" dirty="0"/>
-              <a:t>Nope, make your own if you have to</a:t>
-            </a:r>
-          </a:p>
-          <a:p>
-            <a:r>
-              <a:rPr lang="en-GB" sz="2900" dirty="0"/>
-              <a:t>Message Router</a:t>
-            </a:r>
-          </a:p>
-          <a:p>
-            <a:pPr lvl="1"/>
-            <a:r>
-              <a:rPr lang="en-GB" sz="2500" dirty="0"/>
-              <a:t>Yes, via dispatching to different streams</a:t>
-            </a:r>
-          </a:p>
-          <a:p>
-            <a:pPr lvl="1"/>
-            <a:r>
-              <a:rPr lang="en-GB" sz="2500" dirty="0" err="1"/>
-              <a:t>defsplitter</a:t>
-            </a:r>
-            <a:endParaRPr lang="en-GB" sz="2500" dirty="0"/>
-          </a:p>
-          <a:p>
-            <a:r>
-              <a:rPr lang="en-GB" sz="2900" dirty="0"/>
-              <a:t>Content Enricher</a:t>
-            </a:r>
-          </a:p>
-          <a:p>
-            <a:pPr lvl="1"/>
-            <a:r>
-              <a:rPr lang="en-GB" sz="2500" dirty="0" err="1"/>
+              <a:rPr lang="en-GB" sz="2500" dirty="0" smtClean="0"/>
+              <a:t>Via </a:t>
+            </a:r>
+            <a:r>
+              <a:rPr lang="en-GB" sz="2500" dirty="0" err="1" smtClean="0"/>
               <a:t>deftransformer</a:t>
             </a:r>
             <a:endParaRPr lang="en-GB" sz="2500" dirty="0"/>
@@ -8544,63 +9790,42 @@
           </a:p>
           <a:p>
             <a:r>
+              <a:rPr lang="en-GB" sz="2900" dirty="0" smtClean="0"/>
+              <a:t>Aggregator</a:t>
+            </a:r>
+          </a:p>
+          <a:p>
+            <a:pPr lvl="1"/>
+            <a:r>
+              <a:rPr lang="en-GB" sz="2700" dirty="0" smtClean="0"/>
+              <a:t>Good instrumentation around aggregation, but without </a:t>
+            </a:r>
+            <a:r>
+              <a:rPr lang="en-GB" sz="2700" dirty="0" err="1" smtClean="0"/>
+              <a:t>brokr</a:t>
+            </a:r>
+            <a:r>
+              <a:rPr lang="en-GB" sz="2700" dirty="0" smtClean="0"/>
+              <a:t> backed channels we can’t solve the WPS </a:t>
+            </a:r>
+            <a:r>
+              <a:rPr lang="en-GB" sz="2700" dirty="0" err="1" smtClean="0"/>
+              <a:t>callback</a:t>
+            </a:r>
+            <a:r>
+              <a:rPr lang="en-GB" sz="2700" dirty="0" smtClean="0"/>
+              <a:t> problem</a:t>
+            </a:r>
+            <a:endParaRPr lang="en-GB" sz="2700" dirty="0"/>
+          </a:p>
+          <a:p>
+            <a:r>
+              <a:rPr lang="en-GB" sz="2900" dirty="0" smtClean="0"/>
+              <a:t>Dead </a:t>
+            </a:r>
+            <a:r>
               <a:rPr lang="en-GB" sz="2900" dirty="0"/>
-              <a:t>Splitter</a:t>
-            </a:r>
-          </a:p>
-          <a:p>
-            <a:pPr lvl="1"/>
-            <a:r>
-              <a:rPr lang="en-GB" sz="2500" dirty="0"/>
-              <a:t>Seems to go against the grain of EEP, which is to aggregate</a:t>
-            </a:r>
-          </a:p>
-          <a:p>
-            <a:r>
-              <a:rPr lang="en-GB" sz="2900" dirty="0"/>
-              <a:t>Aggregator</a:t>
-            </a:r>
-          </a:p>
-          <a:p>
-            <a:pPr lvl="1"/>
-            <a:r>
-              <a:rPr lang="en-GB" sz="2500" dirty="0"/>
-              <a:t>treats this as a math problem</a:t>
-            </a:r>
-          </a:p>
-          <a:p>
-            <a:pPr lvl="1"/>
-            <a:r>
-              <a:rPr lang="en-GB" sz="2500" dirty="0"/>
-              <a:t>stream dispatch mechanism allow us to separate </a:t>
-            </a:r>
-            <a:r>
-              <a:rPr lang="en-GB" sz="2500" dirty="0" err="1"/>
-              <a:t>aggregatable</a:t>
-            </a:r>
-            <a:r>
-              <a:rPr lang="en-GB" sz="2500" dirty="0"/>
-              <a:t> events from similar events</a:t>
-            </a:r>
-          </a:p>
-          <a:p>
-            <a:pPr lvl="1"/>
-            <a:r>
-              <a:rPr lang="en-GB" sz="2500" dirty="0"/>
-              <a:t>it definitely solves the problem in a single node/process</a:t>
-            </a:r>
-          </a:p>
-          <a:p>
-            <a:pPr lvl="1"/>
-            <a:r>
-              <a:rPr lang="en-GB" sz="2500" dirty="0"/>
-              <a:t>without the patterns around channels and brokers this solution cannot be distributed</a:t>
-            </a:r>
-          </a:p>
-          <a:p>
-            <a:r>
-              <a:rPr lang="en-GB" sz="2900" dirty="0"/>
-              <a:t>Dead Letter Channel</a:t>
+              <a:t>Letter Channel</a:t>
             </a:r>
           </a:p>
           <a:p>
@@ -8613,6 +9838,34 @@
               <a:rPr lang="en-GB" sz="2500" dirty="0" smtClean="0"/>
               <a:t>handling</a:t>
             </a:r>
+          </a:p>
+          <a:p>
+            <a:r>
+              <a:rPr lang="en-GB" sz="2700" dirty="0" smtClean="0"/>
+              <a:t>Not used</a:t>
+            </a:r>
+          </a:p>
+          <a:p>
+            <a:pPr lvl="1"/>
+            <a:r>
+              <a:rPr lang="en-GB" sz="2800" dirty="0"/>
+              <a:t>Message </a:t>
+            </a:r>
+            <a:r>
+              <a:rPr lang="en-GB" sz="2800" dirty="0" smtClean="0"/>
+              <a:t>Channel</a:t>
+            </a:r>
+          </a:p>
+          <a:p>
+            <a:pPr lvl="1"/>
+            <a:r>
+              <a:rPr lang="en-GB" sz="2800" dirty="0" smtClean="0"/>
+              <a:t>Splitter</a:t>
+            </a:r>
+            <a:endParaRPr lang="en-GB" sz="2800" dirty="0"/>
+          </a:p>
+          <a:p>
+            <a:pPr lvl="1"/>
             <a:endParaRPr lang="en-GB" sz="2500" dirty="0"/>
           </a:p>
         </p:txBody>
@@ -8661,7 +9914,7 @@
   <p:timing>
     <p:tnLst>
       <p:par>
-        <p:cTn id="1" dur="indefinite" restart="never" nodeType="tmRoot"/>
+        <p:cTn xmlns:p14="http://schemas.microsoft.com/office/powerpoint/2010/main" id="1" dur="indefinite" restart="never" nodeType="tmRoot"/>
       </p:par>
     </p:tnLst>
   </p:timing>
@@ -8715,15 +9968,23 @@
           <a:p>
             <a:r>
               <a:rPr lang="en-GB" dirty="0"/>
-              <a:t>A java/</a:t>
-            </a:r>
-            <a:r>
-              <a:rPr lang="en-GB" dirty="0" err="1"/>
-              <a:t>clojure</a:t>
-            </a:r>
-            <a:r>
-              <a:rPr lang="en-GB" dirty="0"/>
-              <a:t> hybrid</a:t>
+              <a:t>A java</a:t>
+            </a:r>
+            <a:r>
+              <a:rPr lang="en-GB" dirty="0" smtClean="0"/>
+              <a:t>/</a:t>
+            </a:r>
+            <a:r>
+              <a:rPr lang="en-GB" dirty="0" err="1" smtClean="0"/>
+              <a:t>Clojure</a:t>
+            </a:r>
+            <a:r>
+              <a:rPr lang="en-GB" dirty="0" smtClean="0"/>
+              <a:t> </a:t>
+            </a:r>
+            <a:r>
+              <a:rPr lang="en-GB" dirty="0"/>
+              <a:t>hybrid</a:t>
             </a:r>
           </a:p>
           <a:p>
@@ -8732,12 +9993,12 @@
               <a:t>Allows </a:t>
             </a:r>
             <a:r>
-              <a:rPr lang="en-GB" dirty="0" err="1"/>
-              <a:t>componnts</a:t>
-            </a:r>
-            <a:r>
-              <a:rPr lang="en-GB" dirty="0"/>
-              <a:t> to be written in other languages</a:t>
+              <a:rPr lang="en-GB" dirty="0" smtClean="0"/>
+              <a:t>components </a:t>
+            </a:r>
+            <a:r>
+              <a:rPr lang="en-GB" dirty="0"/>
+              <a:t>to be written in other languages</a:t>
             </a:r>
           </a:p>
           <a:p>
@@ -8783,7 +10044,7 @@
   <p:timing>
     <p:tnLst>
       <p:par>
-        <p:cTn id="1" dur="indefinite" restart="never" nodeType="tmRoot"/>
+        <p:cTn xmlns:p14="http://schemas.microsoft.com/office/powerpoint/2010/main" id="1" dur="indefinite" restart="never" nodeType="tmRoot"/>
       </p:par>
     </p:tnLst>
   </p:timing>
@@ -8847,7 +10108,11 @@
             </a:r>
             <a:r>
               <a:rPr lang="en-GB" dirty="0" err="1"/>
-              <a:t>compojure</a:t>
+              <a:t>C</a:t>
+            </a:r>
+            <a:r>
+              <a:rPr lang="en-GB" dirty="0" err="1" smtClean="0"/>
+              <a:t>ompojure</a:t>
             </a:r>
             <a:endParaRPr lang="en-GB" dirty="0"/>
           </a:p>
@@ -8903,7 +10168,7 @@
   <p:timing>
     <p:tnLst>
       <p:par>
-        <p:cTn id="1" dur="indefinite" restart="never" nodeType="tmRoot"/>
+        <p:cTn xmlns:p14="http://schemas.microsoft.com/office/powerpoint/2010/main" id="1" dur="indefinite" restart="never" nodeType="tmRoot"/>
       </p:par>
     </p:tnLst>
   </p:timing>
@@ -9011,7 +10276,7 @@
   <p:timing>
     <p:tnLst>
       <p:par>
-        <p:cTn id="1" dur="indefinite" restart="never" nodeType="tmRoot"/>
+        <p:cTn xmlns:p14="http://schemas.microsoft.com/office/powerpoint/2010/main" id="1" dur="indefinite" restart="never" nodeType="tmRoot"/>
       </p:par>
     </p:tnLst>
   </p:timing>
@@ -9053,84 +10318,58 @@
         </p:spPr>
         <p:txBody>
           <a:bodyPr>
-            <a:normAutofit fontScale="77500" lnSpcReduction="20000"/>
+            <a:normAutofit fontScale="85000" lnSpcReduction="20000"/>
           </a:bodyPr>
           <a:lstStyle/>
           <a:p>
             <a:r>
-              <a:rPr lang="en-GB" dirty="0"/>
-              <a:t>Message Channel</a:t>
+              <a:rPr lang="en-GB" dirty="0" smtClean="0"/>
+              <a:t>Message</a:t>
             </a:r>
           </a:p>
           <a:p>
             <a:pPr lvl="1"/>
             <a:r>
-              <a:rPr lang="en-GB" dirty="0"/>
-              <a:t>Not as such</a:t>
+              <a:rPr lang="en-GB" dirty="0" smtClean="0"/>
+              <a:t>Tuple, must be </a:t>
+            </a:r>
+            <a:r>
+              <a:rPr lang="en-GB" dirty="0" err="1" smtClean="0"/>
+              <a:t>serializable</a:t>
+            </a:r>
+            <a:endParaRPr lang="en-GB" dirty="0" smtClean="0"/>
+          </a:p>
+          <a:p>
+            <a:r>
+              <a:rPr lang="en-GB" dirty="0" smtClean="0"/>
+              <a:t>Content </a:t>
+            </a:r>
+            <a:r>
+              <a:rPr lang="en-GB" dirty="0"/>
+              <a:t>Enricher</a:t>
             </a:r>
           </a:p>
           <a:p>
             <a:pPr lvl="1"/>
             <a:r>
-              <a:rPr lang="en-GB" dirty="0"/>
-              <a:t>Spouts and bolts fill this role as well as being transformers</a:t>
-            </a:r>
-          </a:p>
-          <a:p>
-            <a:r>
-              <a:rPr lang="en-GB" dirty="0"/>
-              <a:t>Message Broker</a:t>
+              <a:rPr lang="en-GB" dirty="0" smtClean="0"/>
+              <a:t>Bolt emits a modified tuple</a:t>
+            </a:r>
+            <a:endParaRPr lang="en-GB" dirty="0"/>
+          </a:p>
+          <a:p>
+            <a:r>
+              <a:rPr lang="en-GB" dirty="0"/>
+              <a:t>Pipeline</a:t>
             </a:r>
           </a:p>
           <a:p>
             <a:pPr lvl="1"/>
             <a:r>
-              <a:rPr lang="en-GB" dirty="0"/>
-              <a:t>Nope, distribution according to the stream grouping parameters</a:t>
-            </a:r>
-          </a:p>
-          <a:p>
-            <a:r>
-              <a:rPr lang="en-GB" dirty="0"/>
-              <a:t>Message Router</a:t>
-            </a:r>
-          </a:p>
-          <a:p>
-            <a:pPr lvl="1"/>
-            <a:r>
-              <a:rPr lang="en-GB" dirty="0" err="1"/>
-              <a:t>Ummmmmmmm</a:t>
-            </a:r>
-            <a:r>
-              <a:rPr lang="en-GB" dirty="0"/>
-              <a:t> Direct grouping</a:t>
-            </a:r>
-          </a:p>
-          <a:p>
-            <a:r>
-              <a:rPr lang="en-GB" dirty="0"/>
-              <a:t>Content Enricher</a:t>
-            </a:r>
-          </a:p>
-          <a:p>
-            <a:pPr lvl="1"/>
-            <a:r>
-              <a:rPr lang="en-GB" dirty="0"/>
-              <a:t>Yep, any bolt</a:t>
-            </a:r>
-          </a:p>
-          <a:p>
-            <a:r>
-              <a:rPr lang="en-GB" dirty="0"/>
-              <a:t>Pipeline</a:t>
-            </a:r>
-          </a:p>
-          <a:p>
-            <a:pPr lvl="1"/>
-            <a:r>
-              <a:rPr lang="en-GB" dirty="0"/>
-              <a:t>Yes, but parallel operation is the default</a:t>
-            </a:r>
+              <a:rPr lang="en-GB" dirty="0" smtClean="0"/>
+              <a:t>Reverse of EEP, nodes specify where they read from</a:t>
+            </a:r>
+            <a:endParaRPr lang="en-GB" dirty="0"/>
           </a:p>
           <a:p>
             <a:r>
@@ -9225,6 +10464,26 @@
             <a:r>
               <a:rPr lang="en-GB" dirty="0" smtClean="0"/>
               <a:t>)</a:t>
+            </a:r>
+          </a:p>
+          <a:p>
+            <a:r>
+              <a:rPr lang="en-GB" dirty="0" smtClean="0"/>
+              <a:t>Not Used</a:t>
+            </a:r>
+          </a:p>
+          <a:p>
+            <a:pPr lvl="1"/>
+            <a:r>
+              <a:rPr lang="en-GB" dirty="0"/>
+              <a:t>Message Channel</a:t>
+            </a:r>
+          </a:p>
+          <a:p>
+            <a:pPr lvl="1"/>
+            <a:r>
+              <a:rPr lang="en-GB" dirty="0" smtClean="0"/>
+              <a:t>Message broker</a:t>
             </a:r>
             <a:endParaRPr lang="en-GB" dirty="0"/>
           </a:p>
@@ -9274,7 +10533,7 @@
   <p:timing>
     <p:tnLst>
       <p:par>
-        <p:cTn id="1" dur="indefinite" restart="never" nodeType="tmRoot"/>
+        <p:cTn xmlns:p14="http://schemas.microsoft.com/office/powerpoint/2010/main" id="1" dur="indefinite" restart="never" nodeType="tmRoot"/>
       </p:par>
     </p:tnLst>
   </p:timing>
@@ -9322,91 +10581,81 @@
           <a:p>
             <a:r>
               <a:rPr lang="en-GB" dirty="0"/>
-              <a:t>Many libraries solving </a:t>
-            </a:r>
-            <a:r>
-              <a:rPr lang="en-GB" dirty="0" err="1"/>
-              <a:t>th</a:t>
-            </a:r>
-            <a:r>
-              <a:rPr lang="en-GB" dirty="0"/>
-              <a:t> problem of channels/queues</a:t>
-            </a:r>
+              <a:t>Most of these projects have eschewed the language of patterns</a:t>
+            </a:r>
+          </a:p>
+          <a:p>
+            <a:r>
+              <a:rPr lang="en-GB" dirty="0"/>
+              <a:t>Patterns can be </a:t>
+            </a:r>
+            <a:r>
+              <a:rPr lang="en-GB" dirty="0" smtClean="0"/>
+              <a:t>seen in the samples</a:t>
+            </a:r>
+            <a:endParaRPr lang="en-GB" dirty="0"/>
+          </a:p>
+          <a:p>
+            <a:r>
+              <a:rPr lang="en-GB" dirty="0" smtClean="0"/>
+              <a:t>Also places where the patterns are not noticeable</a:t>
+            </a:r>
+            <a:endParaRPr lang="en-GB" dirty="0"/>
           </a:p>
           <a:p>
             <a:pPr lvl="1"/>
             <a:r>
-              <a:rPr lang="en-GB" dirty="0" err="1"/>
-              <a:t>PipeSeq</a:t>
-            </a:r>
-            <a:r>
-              <a:rPr lang="en-GB" dirty="0"/>
-              <a:t>: Queues for parallel processing of blocking code</a:t>
+              <a:rPr lang="en-GB" dirty="0" smtClean="0"/>
+              <a:t>Better for code clarity</a:t>
             </a:r>
           </a:p>
           <a:p>
             <a:pPr lvl="1"/>
             <a:r>
-              <a:rPr lang="en-GB" dirty="0" err="1"/>
-              <a:t>Pipejine</a:t>
-            </a:r>
-            <a:r>
-              <a:rPr lang="en-GB" dirty="0"/>
-              <a:t>: In memory pipelining and queues. Similar in scope to lamina.</a:t>
-            </a:r>
+              <a:rPr lang="en-GB" dirty="0" smtClean="0"/>
+              <a:t>Worse for topology clarity</a:t>
+            </a:r>
+            <a:endParaRPr lang="en-GB" dirty="0"/>
+          </a:p>
+          <a:p>
+            <a:r>
+              <a:rPr lang="en-US" dirty="0" err="1" smtClean="0"/>
+              <a:t>Ev</a:t>
+            </a:r>
+            <a:r>
+              <a:rPr lang="en-GB" dirty="0" err="1" smtClean="0"/>
+              <a:t>olution</a:t>
+            </a:r>
+            <a:r>
+              <a:rPr lang="en-GB" dirty="0" smtClean="0"/>
+              <a:t> beyond patterns</a:t>
+            </a:r>
+            <a:endParaRPr lang="en-GB" dirty="0"/>
           </a:p>
           <a:p>
             <a:pPr lvl="1"/>
             <a:r>
-              <a:rPr lang="en-GB" dirty="0" err="1"/>
-              <a:t>core.async</a:t>
-            </a:r>
-            <a:r>
-              <a:rPr lang="en-GB" dirty="0"/>
-              <a:t>: Queues for parallel processing of CPU bound code</a:t>
+              <a:rPr lang="en-GB" dirty="0" smtClean="0"/>
+              <a:t>Storm </a:t>
+            </a:r>
+            <a:r>
+              <a:rPr lang="en-GB" dirty="0" smtClean="0"/>
+              <a:t>IPC</a:t>
             </a:r>
           </a:p>
           <a:p>
             <a:pPr lvl="1"/>
             <a:r>
-              <a:rPr lang="en-GB" dirty="0"/>
-              <a:t>We're using this in the Storm example to give asynchronous communication of HTTP messages to </a:t>
-            </a:r>
-            <a:r>
-              <a:rPr lang="en-GB" dirty="0" err="1"/>
-              <a:t>th</a:t>
-            </a:r>
-            <a:r>
-              <a:rPr lang="en-GB" dirty="0"/>
-              <a:t> storm layer</a:t>
-            </a:r>
-          </a:p>
-          <a:p>
-            <a:pPr lvl="1"/>
-            <a:r>
-              <a:rPr lang="en-GB" dirty="0" err="1"/>
-              <a:t>Clamq</a:t>
-            </a:r>
-            <a:r>
-              <a:rPr lang="en-GB" dirty="0"/>
-              <a:t>: Adaptors for JMS, </a:t>
-            </a:r>
-            <a:r>
-              <a:rPr lang="en-GB" dirty="0" err="1"/>
-              <a:t>activemq</a:t>
-            </a:r>
-            <a:r>
-              <a:rPr lang="en-GB" dirty="0"/>
-              <a:t> and </a:t>
-            </a:r>
-            <a:r>
-              <a:rPr lang="en-GB" dirty="0" err="1"/>
-              <a:t>othr</a:t>
-            </a:r>
-            <a:r>
-              <a:rPr lang="en-GB" dirty="0"/>
-              <a:t> message brokers. We're using this to for our AMQ operations.</a:t>
-            </a:r>
+              <a:rPr lang="en-GB" dirty="0" smtClean="0"/>
+              <a:t>Storm error handling (possibly)</a:t>
+            </a:r>
+          </a:p>
+          <a:p>
+            <a:r>
+              <a:rPr lang="en-GB" dirty="0" smtClean="0"/>
+              <a:t>Where patterns are not explicitly defined, there’s mileage in winging it</a:t>
+            </a:r>
+            <a:endParaRPr lang="en-GB" dirty="0"/>
           </a:p>
           <a:p>
             <a:pPr marL="45720" indent="0">
@@ -9433,7 +10682,7 @@
           <a:p>
             <a:r>
               <a:rPr lang="en-GB" b="1" dirty="0"/>
-              <a:t>Some Others in brief</a:t>
+              <a:t>Beyond Patterns</a:t>
             </a:r>
           </a:p>
         </p:txBody>
@@ -9441,7 +10690,7 @@
     </p:spTree>
     <p:extLst>
       <p:ext uri="{BB962C8B-B14F-4D97-AF65-F5344CB8AC3E}">
-        <p14:creationId xmlns:p14="http://schemas.microsoft.com/office/powerpoint/2010/main" val="2520230947"/>
+        <p14:creationId xmlns:p14="http://schemas.microsoft.com/office/powerpoint/2010/main" val="1907417913"/>
       </p:ext>
     </p:extLst>
   </p:cSld>
@@ -9451,7 +10700,7 @@
   <p:timing>
     <p:tnLst>
       <p:par>
-        <p:cTn id="1" dur="indefinite" restart="never" nodeType="tmRoot"/>
+        <p:cTn xmlns:p14="http://schemas.microsoft.com/office/powerpoint/2010/main" id="1" dur="indefinite" restart="never" nodeType="tmRoot"/>
       </p:par>
     </p:tnLst>
   </p:timing>
@@ -9499,48 +10748,78 @@
           <a:p>
             <a:r>
               <a:rPr lang="en-GB" dirty="0"/>
-              <a:t>Most of these projects have eschewed the language of patterns</a:t>
-            </a:r>
-          </a:p>
-          <a:p>
-            <a:r>
-              <a:rPr lang="en-GB" dirty="0"/>
-              <a:t>Patterns can be implied in </a:t>
-            </a:r>
-            <a:r>
-              <a:rPr lang="en-GB" dirty="0" err="1"/>
-              <a:t>th</a:t>
-            </a:r>
-            <a:r>
-              <a:rPr lang="en-GB" dirty="0"/>
-              <a:t> solutions above</a:t>
-            </a:r>
-          </a:p>
-          <a:p>
-            <a:r>
-              <a:rPr lang="en-GB" dirty="0"/>
-              <a:t>Storm gave us a solution that worked without message channels and brokers\</a:t>
+              <a:t>No clear winner</a:t>
+            </a:r>
+          </a:p>
+          <a:p>
+            <a:r>
+              <a:rPr lang="en-GB" dirty="0"/>
+              <a:t>Clear winners for different priorities though</a:t>
+            </a:r>
+          </a:p>
+          <a:p>
+            <a:r>
+              <a:rPr lang="en-GB" dirty="0"/>
+              <a:t>Lamina is the most well-rounded product here</a:t>
+            </a:r>
+          </a:p>
+          <a:p>
+            <a:r>
+              <a:rPr lang="en-GB" dirty="0"/>
+              <a:t>Camel </a:t>
+            </a:r>
+            <a:r>
+              <a:rPr lang="en-GB" dirty="0" smtClean="0"/>
+              <a:t>gives </a:t>
+            </a:r>
+            <a:r>
+              <a:rPr lang="en-GB" dirty="0"/>
+              <a:t>the best adaptor support</a:t>
+            </a:r>
+          </a:p>
+          <a:p>
+            <a:r>
+              <a:rPr lang="en-GB" dirty="0"/>
+              <a:t>If you need an ESB you will probably need to stick with java</a:t>
             </a:r>
           </a:p>
           <a:p>
             <a:pPr lvl="1"/>
             <a:r>
               <a:rPr lang="en-GB" dirty="0"/>
-              <a:t>solved a problem</a:t>
-            </a:r>
-          </a:p>
-          <a:p>
-            <a:r>
-              <a:rPr lang="en-GB" dirty="0"/>
-              <a:t>Also gave us what I believe is a superior mechanism to DLQ</a:t>
+              <a:t>or write your own ;)</a:t>
+            </a:r>
+          </a:p>
+          <a:p>
+            <a:r>
+              <a:rPr lang="en-GB" dirty="0"/>
+              <a:t>Storm has by far the best distributed systems orchestration</a:t>
             </a:r>
           </a:p>
           <a:p>
             <a:pPr lvl="1"/>
             <a:r>
               <a:rPr lang="en-GB" dirty="0"/>
-              <a:t>But this is subjective</a:t>
-            </a:r>
+              <a:t>Does this by breaking out of traditional orchestration paradigms</a:t>
+            </a:r>
+          </a:p>
+          <a:p>
+            <a:r>
+              <a:rPr lang="en-GB" dirty="0"/>
+              <a:t>EEP actually gave the best topology visualisation</a:t>
+            </a:r>
+          </a:p>
+          <a:p>
+            <a:pPr lvl="1"/>
+            <a:r>
+              <a:rPr lang="en-GB" dirty="0"/>
+              <a:t>Not even designed for </a:t>
+            </a:r>
+            <a:r>
+              <a:rPr lang="en-GB" dirty="0" smtClean="0"/>
+              <a:t>integration</a:t>
+            </a:r>
+            <a:endParaRPr lang="en-GB" dirty="0"/>
           </a:p>
           <a:p>
             <a:pPr marL="45720" indent="0">
@@ -9567,169 +10846,8 @@
           <a:p>
             <a:r>
               <a:rPr lang="en-GB" b="1" dirty="0"/>
-              <a:t>Beyond Patterns</a:t>
-            </a:r>
-            <a:endParaRPr lang="en-GB" b="1" dirty="0"/>
-          </a:p>
-        </p:txBody>
-      </p:sp>
-    </p:spTree>
-    <p:extLst>
-      <p:ext uri="{BB962C8B-B14F-4D97-AF65-F5344CB8AC3E}">
-        <p14:creationId xmlns:p14="http://schemas.microsoft.com/office/powerpoint/2010/main" val="1907417913"/>
-      </p:ext>
-    </p:extLst>
-  </p:cSld>
-  <p:clrMapOvr>
-    <a:masterClrMapping/>
-  </p:clrMapOvr>
-  <p:timing>
-    <p:tnLst>
-      <p:par>
-        <p:cTn id="1" dur="indefinite" restart="never" nodeType="tmRoot"/>
-      </p:par>
-    </p:tnLst>
-  </p:timing>
-</p:sld>
-</file>
-
-<file path=ppt/slides/slide29.xml><?xml version="1.0" encoding="utf-8"?>
-<p:sld xmlns:a="http://schemas.openxmlformats.org/drawingml/2006/main" xmlns:r="http://schemas.openxmlformats.org/officeDocument/2006/relationships" xmlns:p="http://schemas.openxmlformats.org/presentationml/2006/main">
-  <p:cSld>
-    <p:spTree>
-      <p:nvGrpSpPr>
-        <p:cNvPr id="1" name=""/>
-        <p:cNvGrpSpPr/>
-        <p:nvPr/>
-      </p:nvGrpSpPr>
-      <p:grpSpPr>
-        <a:xfrm>
-          <a:off x="0" y="0"/>
-          <a:ext cx="0" cy="0"/>
-          <a:chOff x="0" y="0"/>
-          <a:chExt cx="0" cy="0"/>
-        </a:xfrm>
-      </p:grpSpPr>
-      <p:sp>
-        <p:nvSpPr>
-          <p:cNvPr id="2" name="Content Placeholder 1"/>
-          <p:cNvSpPr>
-            <a:spLocks noGrp="1"/>
-          </p:cNvSpPr>
-          <p:nvPr>
-            <p:ph idx="1"/>
-          </p:nvPr>
-        </p:nvSpPr>
-        <p:spPr>
-          <a:xfrm>
-            <a:off x="380999" y="1732719"/>
-            <a:ext cx="8191767" cy="4170776"/>
-          </a:xfrm>
-        </p:spPr>
-        <p:txBody>
-          <a:bodyPr>
-            <a:normAutofit/>
-          </a:bodyPr>
-          <a:lstStyle/>
-          <a:p>
-            <a:r>
-              <a:rPr lang="en-GB" dirty="0"/>
-              <a:t>No clear winner</a:t>
-            </a:r>
-          </a:p>
-          <a:p>
-            <a:r>
-              <a:rPr lang="en-GB" dirty="0"/>
-              <a:t>Clear winners for different priorities though</a:t>
-            </a:r>
-          </a:p>
-          <a:p>
-            <a:r>
-              <a:rPr lang="en-GB" dirty="0"/>
-              <a:t>Lamina is the most well-rounded product here</a:t>
-            </a:r>
-          </a:p>
-          <a:p>
-            <a:r>
-              <a:rPr lang="en-GB" dirty="0"/>
-              <a:t>Camel </a:t>
-            </a:r>
-            <a:r>
-              <a:rPr lang="en-GB" dirty="0" err="1"/>
-              <a:t>givs</a:t>
-            </a:r>
-            <a:r>
-              <a:rPr lang="en-GB" dirty="0"/>
-              <a:t> the best adaptor support</a:t>
-            </a:r>
-          </a:p>
-          <a:p>
-            <a:r>
-              <a:rPr lang="en-GB" dirty="0"/>
-              <a:t>If you need an ESB you will probably need to stick with java</a:t>
-            </a:r>
-          </a:p>
-          <a:p>
-            <a:pPr lvl="1"/>
-            <a:r>
-              <a:rPr lang="en-GB" dirty="0"/>
-              <a:t>or write your own ;)</a:t>
-            </a:r>
-          </a:p>
-          <a:p>
-            <a:r>
-              <a:rPr lang="en-GB" dirty="0"/>
-              <a:t>Storm has by far the best distributed systems orchestration</a:t>
-            </a:r>
-          </a:p>
-          <a:p>
-            <a:pPr lvl="1"/>
-            <a:r>
-              <a:rPr lang="en-GB" dirty="0"/>
-              <a:t>Does this by breaking out of traditional orchestration paradigms</a:t>
-            </a:r>
-          </a:p>
-          <a:p>
-            <a:r>
-              <a:rPr lang="en-GB" dirty="0"/>
-              <a:t>EEP actually gave the best topology visualisation</a:t>
-            </a:r>
-          </a:p>
-          <a:p>
-            <a:pPr lvl="1"/>
-            <a:r>
-              <a:rPr lang="en-GB" dirty="0"/>
-              <a:t>Not even designed for integration</a:t>
-            </a:r>
-          </a:p>
-          <a:p>
-            <a:pPr marL="45720" indent="0">
-              <a:buNone/>
-            </a:pPr>
-            <a:endParaRPr lang="en-GB" dirty="0" smtClean="0"/>
-          </a:p>
-        </p:txBody>
-      </p:sp>
-      <p:sp>
-        <p:nvSpPr>
-          <p:cNvPr id="3" name="Title 2"/>
-          <p:cNvSpPr>
-            <a:spLocks noGrp="1"/>
-          </p:cNvSpPr>
-          <p:nvPr>
-            <p:ph type="title"/>
-          </p:nvPr>
-        </p:nvSpPr>
-        <p:spPr/>
-        <p:txBody>
-          <a:bodyPr/>
-          <a:lstStyle/>
-          <a:p>
-            <a:r>
-              <a:rPr lang="en-GB" b="1" dirty="0"/>
               <a:t>Conclusions</a:t>
             </a:r>
-            <a:endParaRPr lang="en-GB" b="1" dirty="0"/>
           </a:p>
         </p:txBody>
       </p:sp>
@@ -9746,7 +10864,7 @@
   <p:timing>
     <p:tnLst>
       <p:par>
-        <p:cTn id="1" dur="indefinite" restart="never" nodeType="tmRoot"/>
+        <p:cTn xmlns:p14="http://schemas.microsoft.com/office/powerpoint/2010/main" id="1" dur="indefinite" restart="never" nodeType="tmRoot"/>
       </p:par>
     </p:tnLst>
   </p:timing>
@@ -9783,7 +10901,7 @@
         <p:spPr>
           <a:xfrm>
             <a:off x="380999" y="1732719"/>
-            <a:ext cx="8191767" cy="2454270"/>
+            <a:ext cx="8191767" cy="4290710"/>
           </a:xfrm>
         </p:spPr>
         <p:txBody>
@@ -9794,26 +10912,109 @@
           <a:p>
             <a:r>
               <a:rPr lang="en-GB" dirty="0"/>
-              <a:t>Systems Integration</a:t>
-            </a:r>
-          </a:p>
-          <a:p>
-            <a:r>
-              <a:rPr lang="en-GB" dirty="0"/>
-              <a:t>Business Rules Capture</a:t>
-            </a:r>
-          </a:p>
-          <a:p>
-            <a:r>
-              <a:rPr lang="en-GB" dirty="0"/>
-              <a:t>Distributed Systems Orchestration</a:t>
-            </a:r>
-          </a:p>
-          <a:p>
-            <a:pPr marL="45720" indent="0">
-              <a:buNone/>
-            </a:pPr>
-            <a:endParaRPr lang="en-US" dirty="0" smtClean="0"/>
+              <a:t>Systems </a:t>
+            </a:r>
+            <a:r>
+              <a:rPr lang="en-GB" dirty="0" smtClean="0"/>
+              <a:t>Integration</a:t>
+            </a:r>
+            <a:br>
+              <a:rPr lang="en-GB" dirty="0" smtClean="0"/>
+            </a:br>
+            <a:r>
+              <a:rPr lang="en-GB" dirty="0" smtClean="0"/>
+              <a:t>Message Broker Adaptors</a:t>
+            </a:r>
+            <a:br>
+              <a:rPr lang="en-GB" dirty="0" smtClean="0"/>
+            </a:br>
+            <a:r>
+              <a:rPr lang="en-GB" dirty="0" smtClean="0"/>
+              <a:t>Database Adaptors </a:t>
+            </a:r>
+            <a:r>
+              <a:rPr lang="en-GB" dirty="0" err="1" smtClean="0"/>
+              <a:t>etc</a:t>
+            </a:r>
+            <a:r>
+              <a:rPr lang="en-GB" dirty="0" smtClean="0"/>
+              <a:t/>
+            </a:r>
+            <a:br>
+              <a:rPr lang="en-GB" dirty="0" smtClean="0"/>
+            </a:br>
+            <a:endParaRPr lang="en-GB" dirty="0"/>
+          </a:p>
+          <a:p>
+            <a:r>
+              <a:rPr lang="en-GB" dirty="0"/>
+              <a:t>Business Rules </a:t>
+            </a:r>
+            <a:r>
+              <a:rPr lang="en-GB" dirty="0" smtClean="0"/>
+              <a:t>Capture</a:t>
+            </a:r>
+            <a:br>
+              <a:rPr lang="en-GB" dirty="0" smtClean="0"/>
+            </a:br>
+            <a:r>
+              <a:rPr lang="en-GB" dirty="0" smtClean="0"/>
+              <a:t>Topology now hold lots of biz logic formerly in apps</a:t>
+            </a:r>
+            <a:br>
+              <a:rPr lang="en-GB" dirty="0" smtClean="0"/>
+            </a:br>
+            <a:r>
+              <a:rPr lang="en-GB" dirty="0" smtClean="0"/>
+              <a:t>Topology descriptions</a:t>
+            </a:r>
+            <a:br>
+              <a:rPr lang="en-GB" dirty="0" smtClean="0"/>
+            </a:br>
+            <a:r>
+              <a:rPr lang="en-GB" dirty="0" smtClean="0"/>
+              <a:t>Topology visualisation</a:t>
+            </a:r>
+            <a:br>
+              <a:rPr lang="en-GB" dirty="0" smtClean="0"/>
+            </a:br>
+            <a:endParaRPr lang="en-GB" dirty="0"/>
+          </a:p>
+          <a:p>
+            <a:r>
+              <a:rPr lang="en-GB" dirty="0"/>
+              <a:t>Distributed Systems </a:t>
+            </a:r>
+            <a:r>
+              <a:rPr lang="en-GB" dirty="0" smtClean="0"/>
+              <a:t>Orchestration</a:t>
+            </a:r>
+            <a:br>
+              <a:rPr lang="en-GB" dirty="0" smtClean="0"/>
+            </a:br>
+            <a:r>
+              <a:rPr lang="en-GB" dirty="0" smtClean="0"/>
+              <a:t>Ensured delivery</a:t>
+            </a:r>
+            <a:br>
+              <a:rPr lang="en-GB" dirty="0" smtClean="0"/>
+            </a:br>
+            <a:r>
+              <a:rPr lang="en-GB" dirty="0" smtClean="0"/>
+              <a:t>Distributed workload</a:t>
+            </a:r>
+            <a:br>
+              <a:rPr lang="en-GB" dirty="0" smtClean="0"/>
+            </a:br>
+            <a:r>
+              <a:rPr lang="en-GB" dirty="0" smtClean="0"/>
+              <a:t>Collaboration </a:t>
+            </a:r>
+            <a:r>
+              <a:rPr lang="en-GB" dirty="0" err="1" smtClean="0"/>
+              <a:t>etc</a:t>
+            </a:r>
+            <a:endParaRPr lang="en-GB" dirty="0"/>
           </a:p>
         </p:txBody>
       </p:sp>
@@ -9836,7 +11037,6 @@
               <a:rPr lang="en-GB" b="1" dirty="0"/>
               <a:t>Areas of Interest</a:t>
             </a:r>
-            <a:endParaRPr lang="en-GB" b="1" dirty="0"/>
           </a:p>
         </p:txBody>
       </p:sp>
@@ -9853,7 +11053,7 @@
   <p:timing>
     <p:tnLst>
       <p:par>
-        <p:cTn id="1" dur="indefinite" restart="never" nodeType="tmRoot"/>
+        <p:cTn xmlns:p14="http://schemas.microsoft.com/office/powerpoint/2010/main" id="1" dur="indefinite" restart="never" nodeType="tmRoot"/>
       </p:par>
     </p:tnLst>
   </p:timing>
@@ -9912,33 +11112,45 @@
           </a:p>
           <a:p>
             <a:r>
-              <a:rPr lang="en-GB" dirty="0"/>
-              <a:t>They capture transitions and interactions at a micro-level</a:t>
-            </a:r>
-          </a:p>
-          <a:p>
-            <a:r>
-              <a:rPr lang="en-GB" dirty="0"/>
-              <a:t>It's incredibly boring</a:t>
-            </a:r>
-          </a:p>
-          <a:p>
-            <a:r>
-              <a:rPr lang="en-GB" dirty="0"/>
-              <a:t>Powerful languages can render patterns obsolete</a:t>
-            </a:r>
-          </a:p>
-          <a:p>
-            <a:r>
-              <a:rPr lang="en-GB" dirty="0"/>
-              <a:t>Hopefully you can follow without having read this</a:t>
-            </a:r>
-          </a:p>
-          <a:p>
-            <a:pPr marL="45720" indent="0">
-              <a:buNone/>
-            </a:pPr>
-            <a:endParaRPr lang="en-US" dirty="0" smtClean="0"/>
+              <a:rPr lang="en-GB" dirty="0" smtClean="0"/>
+              <a:t>C</a:t>
+            </a:r>
+            <a:r>
+              <a:rPr lang="en-GB" dirty="0" smtClean="0"/>
+              <a:t>aptures </a:t>
+            </a:r>
+            <a:r>
+              <a:rPr lang="en-GB" dirty="0"/>
+              <a:t>transitions and interactions at a micro-level</a:t>
+            </a:r>
+          </a:p>
+          <a:p>
+            <a:r>
+              <a:rPr lang="en-GB" dirty="0"/>
+              <a:t>It's incredibly </a:t>
+            </a:r>
+            <a:r>
+              <a:rPr lang="en-GB" dirty="0" smtClean="0"/>
+              <a:t>boring</a:t>
+            </a:r>
+          </a:p>
+          <a:p>
+            <a:r>
+              <a:rPr lang="en-GB" dirty="0" smtClean="0"/>
+              <a:t>Prescriptive</a:t>
+            </a:r>
+            <a:endParaRPr lang="en-GB" dirty="0"/>
+          </a:p>
+          <a:p>
+            <a:r>
+              <a:rPr lang="en-GB" dirty="0"/>
+              <a:t>Powerful languages can render patterns </a:t>
+            </a:r>
+            <a:r>
+              <a:rPr lang="en-GB" dirty="0" smtClean="0"/>
+              <a:t>obsolete</a:t>
+            </a:r>
+            <a:endParaRPr lang="en-GB" dirty="0"/>
           </a:p>
         </p:txBody>
       </p:sp>
@@ -9961,7 +11173,6 @@
               <a:rPr lang="en-GB" b="1" dirty="0"/>
               <a:t>Enterprise Integration Patterns</a:t>
             </a:r>
-            <a:endParaRPr lang="en-GB" b="1" dirty="0"/>
           </a:p>
         </p:txBody>
       </p:sp>
@@ -9996,7 +11207,7 @@
           </a:prstGeom>
           <a:noFill/>
           <a:extLst>
-            <a:ext uri="{909E8E84-426E-40DD-AFC4-6F175D3DCCD1}">
+            <a:ext uri="{909E8E84-426E-40dd-AFC4-6F175D3DCCD1}">
               <a14:hiddenFill xmlns:a14="http://schemas.microsoft.com/office/drawing/2010/main">
                 <a:solidFill>
                   <a:srgbClr val="FFFFFF"/>
@@ -10019,7 +11230,7 @@
   <p:timing>
     <p:tnLst>
       <p:par>
-        <p:cTn id="1" dur="indefinite" restart="never" nodeType="tmRoot"/>
+        <p:cTn xmlns:p14="http://schemas.microsoft.com/office/powerpoint/2010/main" id="1" dur="indefinite" restart="never" nodeType="tmRoot"/>
       </p:par>
     </p:tnLst>
   </p:timing>
@@ -10094,8 +11305,8 @@
               <a:t>Delivery is </a:t>
             </a:r>
             <a:r>
-              <a:rPr lang="en-GB" dirty="0" err="1" smtClean="0"/>
-              <a:t>critica</a:t>
+              <a:rPr lang="en-GB" dirty="0" smtClean="0"/>
+              <a:t>critical</a:t>
             </a:r>
             <a:endParaRPr lang="en-GB" dirty="0"/>
           </a:p>
@@ -10120,7 +11331,6 @@
               <a:rPr lang="en-GB" b="1" dirty="0"/>
               <a:t>Case Study</a:t>
             </a:r>
-            <a:endParaRPr lang="en-GB" b="1" dirty="0"/>
           </a:p>
         </p:txBody>
       </p:sp>
@@ -10137,7 +11347,7 @@
   <p:timing>
     <p:tnLst>
       <p:par>
-        <p:cTn id="1" dur="indefinite" restart="never" nodeType="tmRoot"/>
+        <p:cTn xmlns:p14="http://schemas.microsoft.com/office/powerpoint/2010/main" id="1" dur="indefinite" restart="never" nodeType="tmRoot"/>
       </p:par>
     </p:tnLst>
   </p:timing>
@@ -10180,7 +11390,6 @@
               <a:rPr lang="en-GB" b="1" dirty="0"/>
               <a:t>Component View</a:t>
             </a:r>
-            <a:endParaRPr lang="en-GB" b="1" dirty="0"/>
           </a:p>
         </p:txBody>
       </p:sp>
@@ -10215,7 +11424,7 @@
           </a:prstGeom>
           <a:noFill/>
           <a:extLst>
-            <a:ext uri="{909E8E84-426E-40DD-AFC4-6F175D3DCCD1}">
+            <a:ext uri="{909E8E84-426E-40dd-AFC4-6F175D3DCCD1}">
               <a14:hiddenFill xmlns:a14="http://schemas.microsoft.com/office/drawing/2010/main">
                 <a:solidFill>
                   <a:srgbClr val="FFFFFF"/>
@@ -10238,7 +11447,7 @@
   <p:timing>
     <p:tnLst>
       <p:par>
-        <p:cTn id="1" dur="indefinite" restart="never" nodeType="tmRoot"/>
+        <p:cTn xmlns:p14="http://schemas.microsoft.com/office/powerpoint/2010/main" id="1" dur="indefinite" restart="never" nodeType="tmRoot"/>
       </p:par>
     </p:tnLst>
   </p:timing>
@@ -10281,7 +11490,6 @@
               <a:rPr lang="en-GB" b="1" dirty="0"/>
               <a:t>EIP View</a:t>
             </a:r>
-            <a:endParaRPr lang="en-GB" b="1" dirty="0"/>
           </a:p>
         </p:txBody>
       </p:sp>
@@ -10316,7 +11524,7 @@
           </a:prstGeom>
           <a:noFill/>
           <a:extLst>
-            <a:ext uri="{909E8E84-426E-40DD-AFC4-6F175D3DCCD1}">
+            <a:ext uri="{909E8E84-426E-40dd-AFC4-6F175D3DCCD1}">
               <a14:hiddenFill xmlns:a14="http://schemas.microsoft.com/office/drawing/2010/main">
                 <a:solidFill>
                   <a:srgbClr val="FFFFFF"/>
@@ -10339,7 +11547,7 @@
   <p:timing>
     <p:tnLst>
       <p:par>
-        <p:cTn id="1" dur="indefinite" restart="never" nodeType="tmRoot"/>
+        <p:cTn xmlns:p14="http://schemas.microsoft.com/office/powerpoint/2010/main" id="1" dur="indefinite" restart="never" nodeType="tmRoot"/>
       </p:par>
     </p:tnLst>
   </p:timing>
@@ -10465,7 +11673,6 @@
               <a:rPr lang="en-GB" b="1" dirty="0"/>
               <a:t>Pattern Analysis</a:t>
             </a:r>
-            <a:endParaRPr lang="en-GB" b="1" dirty="0"/>
           </a:p>
         </p:txBody>
       </p:sp>
@@ -10482,7 +11689,7 @@
   <p:timing>
     <p:tnLst>
       <p:par>
-        <p:cTn id="1" dur="indefinite" restart="never" nodeType="tmRoot"/>
+        <p:cTn xmlns:p14="http://schemas.microsoft.com/office/powerpoint/2010/main" id="1" dur="indefinite" restart="never" nodeType="tmRoot"/>
       </p:par>
     </p:tnLst>
   </p:timing>
@@ -10569,57 +11776,10 @@
           </a:p>
           <a:p>
             <a:r>
-              <a:rPr lang="en-GB" dirty="0" err="1"/>
-              <a:t>Esper</a:t>
+              <a:rPr lang="en-GB" dirty="0" smtClean="0"/>
+              <a:t>Twitter Storm</a:t>
             </a:r>
             <a:endParaRPr lang="en-GB" dirty="0"/>
-          </a:p>
-          <a:p>
-            <a:r>
-              <a:rPr lang="en-GB" dirty="0"/>
-              <a:t>Twitter Storm</a:t>
-            </a:r>
-          </a:p>
-          <a:p>
-            <a:r>
-              <a:rPr lang="en-GB" dirty="0"/>
-              <a:t>Honourable Mentions</a:t>
-            </a:r>
-          </a:p>
-          <a:p>
-            <a:pPr lvl="1"/>
-            <a:r>
-              <a:rPr lang="en-GB" dirty="0" err="1"/>
-              <a:t>core.async</a:t>
-            </a:r>
-            <a:endParaRPr lang="en-GB" dirty="0"/>
-          </a:p>
-          <a:p>
-            <a:pPr lvl="1"/>
-            <a:r>
-              <a:rPr lang="en-GB" dirty="0" err="1"/>
-              <a:t>pipeseq</a:t>
-            </a:r>
-            <a:endParaRPr lang="en-GB" dirty="0"/>
-          </a:p>
-          <a:p>
-            <a:pPr lvl="1"/>
-            <a:r>
-              <a:rPr lang="en-GB" dirty="0" err="1"/>
-              <a:t>pipejine</a:t>
-            </a:r>
-            <a:endParaRPr lang="en-GB" dirty="0"/>
-          </a:p>
-          <a:p>
-            <a:pPr lvl="1"/>
-            <a:r>
-              <a:rPr lang="en-GB" dirty="0" err="1"/>
-              <a:t>ClamQ</a:t>
-            </a:r>
-            <a:endParaRPr lang="en-GB" dirty="0"/>
-          </a:p>
-          <a:p>
-            <a:endParaRPr lang="en-US" dirty="0" smtClean="0"/>
           </a:p>
         </p:txBody>
       </p:sp>
@@ -10642,7 +11802,6 @@
               <a:rPr lang="en-GB" b="1" dirty="0"/>
               <a:t>The Products</a:t>
             </a:r>
-            <a:endParaRPr lang="en-GB" b="1" dirty="0"/>
           </a:p>
         </p:txBody>
       </p:sp>
@@ -10659,7 +11818,7 @@
   <p:timing>
     <p:tnLst>
       <p:par>
-        <p:cTn id="1" dur="indefinite" restart="never" nodeType="tmRoot"/>
+        <p:cTn xmlns:p14="http://schemas.microsoft.com/office/powerpoint/2010/main" id="1" dur="indefinite" restart="never" nodeType="tmRoot"/>
       </p:par>
     </p:tnLst>
   </p:timing>
@@ -10943,7 +12102,7 @@
     </a:clrScheme>
     <a:fontScheme name="Office">
       <a:majorFont>
-        <a:latin typeface="Calibri Light" panose="020F0302020204030204"/>
+        <a:latin typeface="Calibri Light"/>
         <a:ea typeface=""/>
         <a:cs typeface=""/>
         <a:font script="Jpan" typeface="ＭＳ Ｐゴシック"/>
@@ -10978,7 +12137,7 @@
         <a:font script="Geor" typeface="Sylfaen"/>
       </a:majorFont>
       <a:minorFont>
-        <a:latin typeface="Calibri" panose="020F0502020204030204"/>
+        <a:latin typeface="Calibri"/>
         <a:ea typeface=""/>
         <a:cs typeface=""/>
         <a:font script="Jpan" typeface="ＭＳ Ｐゴシック"/>
@@ -11155,7 +12314,7 @@
   <a:extraClrSchemeLst/>
   <a:extLst>
     <a:ext uri="{05A4C25C-085E-4340-85A3-A5531E510DB2}">
-      <thm15:themeFamily xmlns:thm15="http://schemas.microsoft.com/office/thememl/2012/main" name="Office Theme" id="{62F939B6-93AF-4DB8-9C6B-D6C7DFDC589F}" vid="{4A3C46E8-61CC-4603-A589-7422A47A8E4A}"/>
+      <thm15:themeFamily xmlns:thm15="http://schemas.microsoft.com/office/thememl/2012/main" xmlns="" name="Office Theme" id="{62F939B6-93AF-4DB8-9C6B-D6C7DFDC589F}" vid="{4A3C46E8-61CC-4603-A589-7422A47A8E4A}"/>
     </a:ext>
   </a:extLst>
 </a:theme>

--- a/SLIDES.pptx
+++ b/SLIDES.pptx
@@ -6039,7 +6039,7 @@
         </p:nvSpPr>
         <p:spPr>
           <a:xfrm>
-            <a:off x="380999" y="1732719"/>
+            <a:off x="380999" y="1750862"/>
             <a:ext cx="8191767" cy="535138"/>
           </a:xfrm>
         </p:spPr>
@@ -6720,7 +6720,7 @@
           <a:p>
             <a:r>
               <a:rPr lang="en-GB" dirty="0" smtClean="0"/>
-              <a:t>Mature framework</a:t>
+              <a:t>Constrains thinking</a:t>
             </a:r>
           </a:p>
           <a:p>
@@ -6739,1051 +6739,18 @@
           </a:p>
         </p:txBody>
       </p:sp>
-    </p:spTree>
-    <p:extLst>
-      <p:ext uri="{BB962C8B-B14F-4D97-AF65-F5344CB8AC3E}">
-        <p14:creationId xmlns:p14="http://schemas.microsoft.com/office/powerpoint/2010/main" val="3077950799"/>
-      </p:ext>
-    </p:extLst>
-  </p:cSld>
-  <p:clrMapOvr>
-    <a:masterClrMapping/>
-  </p:clrMapOvr>
-  <p:timing>
-    <p:tnLst>
-      <p:par>
-        <p:cTn xmlns:p14="http://schemas.microsoft.com/office/powerpoint/2010/main" id="1" dur="indefinite" restart="never" nodeType="tmRoot"/>
-      </p:par>
-    </p:tnLst>
-  </p:timing>
-</p:sld>
-</file>
-
-<file path=ppt/slides/slide12.xml><?xml version="1.0" encoding="utf-8"?>
-<p:sld xmlns:a="http://schemas.openxmlformats.org/drawingml/2006/main" xmlns:r="http://schemas.openxmlformats.org/officeDocument/2006/relationships" xmlns:p="http://schemas.openxmlformats.org/presentationml/2006/main">
-  <p:cSld>
-    <p:spTree>
-      <p:nvGrpSpPr>
-        <p:cNvPr id="1" name=""/>
-        <p:cNvGrpSpPr/>
-        <p:nvPr/>
-      </p:nvGrpSpPr>
-      <p:grpSpPr>
-        <a:xfrm>
-          <a:off x="0" y="0"/>
-          <a:ext cx="0" cy="0"/>
-          <a:chOff x="0" y="0"/>
-          <a:chExt cx="0" cy="0"/>
-        </a:xfrm>
-      </p:grpSpPr>
-      <p:sp>
-        <p:nvSpPr>
-          <p:cNvPr id="2" name="Content Placeholder 1"/>
-          <p:cNvSpPr>
-            <a:spLocks noGrp="1"/>
-          </p:cNvSpPr>
-          <p:nvPr>
-            <p:ph idx="1"/>
-          </p:nvPr>
+      <p:sp>
+        <p:nvSpPr>
+          <p:cNvPr id="7" name="Content Placeholder 1"/>
+          <p:cNvSpPr txBox="1">
+            <a:spLocks/>
+          </p:cNvSpPr>
+          <p:nvPr/>
         </p:nvSpPr>
         <p:spPr>
           <a:xfrm>
-            <a:off x="380999" y="1732719"/>
-            <a:ext cx="8191767" cy="4170776"/>
-          </a:xfrm>
-        </p:spPr>
-        <p:txBody>
-          <a:bodyPr>
-            <a:normAutofit/>
-          </a:bodyPr>
-          <a:lstStyle/>
-          <a:p>
-            <a:r>
-              <a:rPr lang="en-GB" dirty="0"/>
-              <a:t>Lot's of adaptors</a:t>
-            </a:r>
-          </a:p>
-          <a:p>
-            <a:r>
-              <a:rPr lang="en-GB" dirty="0"/>
-              <a:t>It will satisfy most message </a:t>
-            </a:r>
-            <a:r>
-              <a:rPr lang="en-GB" dirty="0" smtClean="0"/>
-              <a:t>brokers</a:t>
-            </a:r>
-            <a:endParaRPr lang="en-GB" dirty="0"/>
-          </a:p>
-          <a:p>
-            <a:r>
-              <a:rPr lang="en-GB" dirty="0"/>
-              <a:t>Has a number of built-in adaptors for HTTP send/receive, file system </a:t>
-            </a:r>
-            <a:r>
-              <a:rPr lang="en-GB" dirty="0" err="1" smtClean="0"/>
-              <a:t>etc</a:t>
-            </a:r>
-            <a:endParaRPr lang="en-GB" dirty="0" smtClean="0"/>
-          </a:p>
-          <a:p>
-            <a:r>
-              <a:rPr lang="en-GB" dirty="0" smtClean="0"/>
-              <a:t>Can reify </a:t>
-            </a:r>
-            <a:r>
-              <a:rPr lang="en-GB" dirty="0" err="1" smtClean="0"/>
-              <a:t>EndPoint</a:t>
-            </a:r>
-            <a:r>
-              <a:rPr lang="en-GB" dirty="0" smtClean="0"/>
-              <a:t> </a:t>
-            </a:r>
-            <a:r>
-              <a:rPr lang="en-GB" dirty="0" err="1" smtClean="0"/>
-              <a:t>iface</a:t>
-            </a:r>
-            <a:r>
-              <a:rPr lang="en-GB" dirty="0" smtClean="0"/>
-              <a:t> to make your own</a:t>
-            </a:r>
-          </a:p>
-          <a:p>
-            <a:r>
-              <a:rPr lang="en-GB" dirty="0" smtClean="0"/>
-              <a:t>Quite mature </a:t>
-            </a:r>
-          </a:p>
-          <a:p>
-            <a:pPr marL="45720" indent="0">
-              <a:buNone/>
-            </a:pPr>
-            <a:endParaRPr lang="en-GB" dirty="0" smtClean="0"/>
-          </a:p>
-          <a:p>
-            <a:endParaRPr lang="en-GB" b="1" dirty="0"/>
-          </a:p>
-          <a:p>
-            <a:pPr marL="45720" indent="0">
-              <a:buNone/>
-            </a:pPr>
-            <a:endParaRPr lang="en-GB" dirty="0" smtClean="0"/>
-          </a:p>
-        </p:txBody>
-      </p:sp>
-      <p:sp>
-        <p:nvSpPr>
-          <p:cNvPr id="3" name="Title 2"/>
-          <p:cNvSpPr>
-            <a:spLocks noGrp="1"/>
-          </p:cNvSpPr>
-          <p:nvPr>
-            <p:ph type="title"/>
-          </p:nvPr>
-        </p:nvSpPr>
-        <p:spPr/>
-        <p:txBody>
-          <a:bodyPr/>
-          <a:lstStyle/>
-          <a:p>
-            <a:r>
-              <a:rPr lang="en-GB" b="1" dirty="0"/>
-              <a:t>Apache </a:t>
-            </a:r>
-            <a:r>
-              <a:rPr lang="en-GB" b="1" dirty="0" smtClean="0"/>
-              <a:t>Camel: </a:t>
-            </a:r>
-            <a:r>
-              <a:rPr lang="en-GB" b="1" dirty="0"/>
-              <a:t>Systems Integration</a:t>
-            </a:r>
-          </a:p>
-        </p:txBody>
-      </p:sp>
-    </p:spTree>
-    <p:extLst>
-      <p:ext uri="{BB962C8B-B14F-4D97-AF65-F5344CB8AC3E}">
-        <p14:creationId xmlns:p14="http://schemas.microsoft.com/office/powerpoint/2010/main" val="3639255610"/>
-      </p:ext>
-    </p:extLst>
-  </p:cSld>
-  <p:clrMapOvr>
-    <a:masterClrMapping/>
-  </p:clrMapOvr>
-  <p:timing>
-    <p:tnLst>
-      <p:par>
-        <p:cTn xmlns:p14="http://schemas.microsoft.com/office/powerpoint/2010/main" id="1" dur="indefinite" restart="never" nodeType="tmRoot"/>
-      </p:par>
-    </p:tnLst>
-  </p:timing>
-</p:sld>
-</file>
-
-<file path=ppt/slides/slide13.xml><?xml version="1.0" encoding="utf-8"?>
-<p:sld xmlns:a="http://schemas.openxmlformats.org/drawingml/2006/main" xmlns:r="http://schemas.openxmlformats.org/officeDocument/2006/relationships" xmlns:p="http://schemas.openxmlformats.org/presentationml/2006/main">
-  <p:cSld>
-    <p:spTree>
-      <p:nvGrpSpPr>
-        <p:cNvPr id="1" name=""/>
-        <p:cNvGrpSpPr/>
-        <p:nvPr/>
-      </p:nvGrpSpPr>
-      <p:grpSpPr>
-        <a:xfrm>
-          <a:off x="0" y="0"/>
-          <a:ext cx="0" cy="0"/>
-          <a:chOff x="0" y="0"/>
-          <a:chExt cx="0" cy="0"/>
-        </a:xfrm>
-      </p:grpSpPr>
-      <p:sp>
-        <p:nvSpPr>
-          <p:cNvPr id="2" name="Content Placeholder 1"/>
-          <p:cNvSpPr>
-            <a:spLocks noGrp="1"/>
-          </p:cNvSpPr>
-          <p:nvPr>
-            <p:ph idx="1"/>
-          </p:nvPr>
-        </p:nvSpPr>
-        <p:spPr>
-          <a:xfrm>
-            <a:off x="380999" y="1732719"/>
-            <a:ext cx="8191767" cy="4170776"/>
-          </a:xfrm>
-        </p:spPr>
-        <p:txBody>
-          <a:bodyPr>
-            <a:normAutofit/>
-          </a:bodyPr>
-          <a:lstStyle/>
-          <a:p>
-            <a:r>
-              <a:rPr lang="en-GB" dirty="0"/>
-              <a:t>Not bad</a:t>
-            </a:r>
-          </a:p>
-          <a:p>
-            <a:r>
-              <a:rPr lang="en-GB" dirty="0" err="1"/>
-              <a:t>HolyGrail</a:t>
-            </a:r>
-            <a:r>
-              <a:rPr lang="en-GB" dirty="0"/>
-              <a:t> transforms method chaining DSL into </a:t>
-            </a:r>
-            <a:r>
-              <a:rPr lang="en-GB" dirty="0" err="1"/>
-              <a:t>clojure</a:t>
-            </a:r>
-            <a:r>
-              <a:rPr lang="en-GB" dirty="0"/>
-              <a:t> like </a:t>
-            </a:r>
-            <a:r>
-              <a:rPr lang="en-GB" dirty="0" smtClean="0"/>
-              <a:t>syntax</a:t>
-            </a:r>
-            <a:br>
-              <a:rPr lang="en-GB" dirty="0" smtClean="0"/>
-            </a:br>
-            <a:r>
-              <a:rPr lang="en-GB" dirty="0" smtClean="0"/>
-              <a:t>from(“source”).process(</a:t>
-            </a:r>
-            <a:r>
-              <a:rPr lang="en-GB" dirty="0" err="1" smtClean="0"/>
-              <a:t>MyBean.class</a:t>
-            </a:r>
-            <a:r>
-              <a:rPr lang="en-GB" dirty="0" smtClean="0"/>
-              <a:t>).to(“</a:t>
-            </a:r>
-            <a:r>
-              <a:rPr lang="en-GB" dirty="0" err="1" smtClean="0"/>
-              <a:t>dest</a:t>
-            </a:r>
-            <a:r>
-              <a:rPr lang="en-GB" dirty="0" smtClean="0"/>
-              <a:t>)</a:t>
-            </a:r>
-            <a:br>
-              <a:rPr lang="en-GB" dirty="0" smtClean="0"/>
-            </a:br>
-            <a:r>
-              <a:rPr lang="en-GB" dirty="0" smtClean="0"/>
-              <a:t>(from “source”) (process (processor </a:t>
-            </a:r>
-            <a:r>
-              <a:rPr lang="en-US" dirty="0" smtClean="0"/>
-              <a:t>…</a:t>
-            </a:r>
-            <a:r>
-              <a:rPr lang="en-GB" dirty="0" smtClean="0"/>
-              <a:t>)) (to “</a:t>
-            </a:r>
-            <a:r>
-              <a:rPr lang="en-GB" dirty="0" err="1" smtClean="0"/>
-              <a:t>dest</a:t>
-            </a:r>
-            <a:r>
-              <a:rPr lang="en-GB" dirty="0" smtClean="0"/>
-              <a:t>”)</a:t>
-            </a:r>
-            <a:endParaRPr lang="en-GB" dirty="0"/>
-          </a:p>
-          <a:p>
-            <a:r>
-              <a:rPr lang="en-GB" dirty="0" err="1" smtClean="0"/>
-              <a:t>HolyGrail</a:t>
-            </a:r>
-            <a:r>
-              <a:rPr lang="en-GB" dirty="0" smtClean="0"/>
-              <a:t> DSL is </a:t>
-            </a:r>
-            <a:r>
-              <a:rPr lang="en-GB" dirty="0" err="1" smtClean="0"/>
-              <a:t>EDNish</a:t>
-            </a:r>
-            <a:r>
-              <a:rPr lang="en-GB" dirty="0" smtClean="0"/>
-              <a:t> </a:t>
-            </a:r>
-            <a:r>
-              <a:rPr lang="en-GB" dirty="0" smtClean="0"/>
-              <a:t>so you can build visualisations on top of it</a:t>
-            </a:r>
-          </a:p>
-          <a:p>
-            <a:r>
-              <a:rPr lang="en-GB" dirty="0" smtClean="0"/>
-              <a:t>No </a:t>
-            </a:r>
-            <a:r>
-              <a:rPr lang="en-GB" dirty="0"/>
-              <a:t>killer visualisation without a spring </a:t>
-            </a:r>
-            <a:r>
-              <a:rPr lang="en-GB" dirty="0" smtClean="0"/>
-              <a:t>configuration</a:t>
-            </a:r>
-            <a:endParaRPr lang="en-GB" dirty="0"/>
-          </a:p>
-        </p:txBody>
-      </p:sp>
-      <p:sp>
-        <p:nvSpPr>
-          <p:cNvPr id="3" name="Title 2"/>
-          <p:cNvSpPr>
-            <a:spLocks noGrp="1"/>
-          </p:cNvSpPr>
-          <p:nvPr>
-            <p:ph type="title"/>
-          </p:nvPr>
-        </p:nvSpPr>
-        <p:spPr/>
-        <p:txBody>
-          <a:bodyPr/>
-          <a:lstStyle/>
-          <a:p>
-            <a:r>
-              <a:rPr lang="en-GB" b="1" dirty="0"/>
-              <a:t>Apache </a:t>
-            </a:r>
-            <a:r>
-              <a:rPr lang="en-GB" b="1" dirty="0" smtClean="0"/>
-              <a:t>Camel</a:t>
-            </a:r>
-            <a:r>
-              <a:rPr lang="en-GB" b="1" dirty="0"/>
-              <a:t>: Business rules </a:t>
-            </a:r>
-            <a:r>
-              <a:rPr lang="en-GB" b="1" dirty="0" smtClean="0"/>
-              <a:t>capture</a:t>
-            </a:r>
-            <a:endParaRPr lang="en-GB" b="1" dirty="0"/>
-          </a:p>
-        </p:txBody>
-      </p:sp>
-    </p:spTree>
-    <p:extLst>
-      <p:ext uri="{BB962C8B-B14F-4D97-AF65-F5344CB8AC3E}">
-        <p14:creationId xmlns:p14="http://schemas.microsoft.com/office/powerpoint/2010/main" val="3997196967"/>
-      </p:ext>
-    </p:extLst>
-  </p:cSld>
-  <p:clrMapOvr>
-    <a:masterClrMapping/>
-  </p:clrMapOvr>
-  <p:timing>
-    <p:tnLst>
-      <p:par>
-        <p:cTn xmlns:p14="http://schemas.microsoft.com/office/powerpoint/2010/main" id="1" dur="indefinite" restart="never" nodeType="tmRoot"/>
-      </p:par>
-    </p:tnLst>
-  </p:timing>
-</p:sld>
-</file>
-
-<file path=ppt/slides/slide14.xml><?xml version="1.0" encoding="utf-8"?>
-<p:sld xmlns:a="http://schemas.openxmlformats.org/drawingml/2006/main" xmlns:r="http://schemas.openxmlformats.org/officeDocument/2006/relationships" xmlns:p="http://schemas.openxmlformats.org/presentationml/2006/main">
-  <p:cSld>
-    <p:spTree>
-      <p:nvGrpSpPr>
-        <p:cNvPr id="1" name=""/>
-        <p:cNvGrpSpPr/>
-        <p:nvPr/>
-      </p:nvGrpSpPr>
-      <p:grpSpPr>
-        <a:xfrm>
-          <a:off x="0" y="0"/>
-          <a:ext cx="0" cy="0"/>
-          <a:chOff x="0" y="0"/>
-          <a:chExt cx="0" cy="0"/>
-        </a:xfrm>
-      </p:grpSpPr>
-      <p:sp>
-        <p:nvSpPr>
-          <p:cNvPr id="2" name="Content Placeholder 1"/>
-          <p:cNvSpPr>
-            <a:spLocks noGrp="1"/>
-          </p:cNvSpPr>
-          <p:nvPr>
-            <p:ph idx="1"/>
-          </p:nvPr>
-        </p:nvSpPr>
-        <p:spPr>
-          <a:xfrm>
-            <a:off x="380999" y="1732719"/>
-            <a:ext cx="8191767" cy="4170776"/>
-          </a:xfrm>
-        </p:spPr>
-        <p:txBody>
-          <a:bodyPr>
-            <a:normAutofit fontScale="77500" lnSpcReduction="20000"/>
-          </a:bodyPr>
-          <a:lstStyle/>
-          <a:p>
-            <a:r>
-              <a:rPr lang="en-GB" dirty="0"/>
-              <a:t>Message</a:t>
-            </a:r>
-          </a:p>
-          <a:p>
-            <a:pPr lvl="1"/>
-            <a:r>
-              <a:rPr lang="en-GB" dirty="0" err="1"/>
-              <a:t>MessageInterface</a:t>
-            </a:r>
-            <a:endParaRPr lang="en-GB" dirty="0"/>
-          </a:p>
-          <a:p>
-            <a:r>
-              <a:rPr lang="en-GB" dirty="0"/>
-              <a:t>Message Channel</a:t>
-            </a:r>
-          </a:p>
-          <a:p>
-            <a:pPr lvl="1"/>
-            <a:r>
-              <a:rPr lang="en-US" dirty="0" smtClean="0"/>
-              <a:t>S</a:t>
-            </a:r>
-            <a:r>
-              <a:rPr lang="en-GB" dirty="0" err="1" smtClean="0"/>
-              <a:t>imple</a:t>
-            </a:r>
-            <a:r>
-              <a:rPr lang="en-GB" dirty="0" smtClean="0"/>
-              <a:t> as URLs</a:t>
-            </a:r>
-            <a:r>
-              <a:rPr lang="en-GB" dirty="0"/>
-              <a:t>, provides </a:t>
-            </a:r>
-            <a:r>
-              <a:rPr lang="en-GB" dirty="0" smtClean="0"/>
-              <a:t>stream </a:t>
-            </a:r>
-            <a:r>
-              <a:rPr lang="en-GB" dirty="0"/>
-              <a:t>merging</a:t>
-            </a:r>
-            <a:endParaRPr lang="en-GB" dirty="0"/>
-          </a:p>
-          <a:p>
-            <a:r>
-              <a:rPr lang="en-GB" dirty="0"/>
-              <a:t>Message Broker</a:t>
-            </a:r>
-          </a:p>
-          <a:p>
-            <a:pPr lvl="1"/>
-            <a:r>
-              <a:rPr lang="en-GB" dirty="0"/>
-              <a:t>required for distributed </a:t>
-            </a:r>
-            <a:r>
-              <a:rPr lang="en-GB" dirty="0" smtClean="0"/>
-              <a:t>processing</a:t>
-            </a:r>
-            <a:endParaRPr lang="en-GB" dirty="0"/>
-          </a:p>
-          <a:p>
-            <a:r>
-              <a:rPr lang="en-GB" dirty="0"/>
-              <a:t>Message Router</a:t>
-            </a:r>
-          </a:p>
-          <a:p>
-            <a:pPr lvl="1"/>
-            <a:r>
-              <a:rPr lang="en-GB" dirty="0"/>
-              <a:t>via when </a:t>
-            </a:r>
-            <a:r>
-              <a:rPr lang="en-GB" dirty="0" smtClean="0"/>
-              <a:t>construct, recipient list</a:t>
-            </a:r>
-            <a:endParaRPr lang="en-GB" dirty="0"/>
-          </a:p>
-          <a:p>
-            <a:r>
-              <a:rPr lang="en-GB" dirty="0"/>
-              <a:t>Content Enricher</a:t>
-            </a:r>
-          </a:p>
-          <a:p>
-            <a:pPr lvl="1"/>
-            <a:r>
-              <a:rPr lang="en-GB" dirty="0"/>
-              <a:t>via custom processor</a:t>
-            </a:r>
-          </a:p>
-          <a:p>
-            <a:r>
-              <a:rPr lang="en-GB" dirty="0"/>
-              <a:t>Pipeline</a:t>
-            </a:r>
-          </a:p>
-          <a:p>
-            <a:pPr lvl="1"/>
-            <a:r>
-              <a:rPr lang="en-US" dirty="0" smtClean="0"/>
-              <a:t>T</a:t>
-            </a:r>
-            <a:r>
-              <a:rPr lang="en-GB" dirty="0" smtClean="0"/>
-              <a:t>op to bottom in the topology</a:t>
-            </a:r>
-            <a:endParaRPr lang="en-GB" dirty="0"/>
-          </a:p>
-          <a:p>
-            <a:r>
-              <a:rPr lang="en-GB" dirty="0"/>
-              <a:t>Splitter</a:t>
-            </a:r>
-          </a:p>
-          <a:p>
-            <a:pPr lvl="1"/>
-            <a:r>
-              <a:rPr lang="en-US" dirty="0" smtClean="0"/>
-              <a:t>(s</a:t>
-            </a:r>
-            <a:r>
-              <a:rPr lang="en-GB" dirty="0" err="1" smtClean="0"/>
-              <a:t>plit</a:t>
-            </a:r>
-            <a:r>
-              <a:rPr lang="en-GB" dirty="0" smtClean="0"/>
-              <a:t> &lt;expression&gt;)</a:t>
-            </a:r>
-            <a:endParaRPr lang="en-GB" dirty="0"/>
-          </a:p>
-          <a:p>
-            <a:r>
-              <a:rPr lang="en-GB" dirty="0"/>
-              <a:t>Aggregator</a:t>
-            </a:r>
-          </a:p>
-          <a:p>
-            <a:pPr lvl="1"/>
-            <a:r>
-              <a:rPr lang="en-GB" dirty="0"/>
-              <a:t>Not shown, </a:t>
-            </a:r>
-            <a:r>
-              <a:rPr lang="en-GB" dirty="0" smtClean="0"/>
-              <a:t>because it doesn’t help our </a:t>
-            </a:r>
-            <a:r>
-              <a:rPr lang="en-GB" dirty="0" err="1" smtClean="0"/>
-              <a:t>problm</a:t>
-            </a:r>
-            <a:endParaRPr lang="en-GB" dirty="0"/>
-          </a:p>
-          <a:p>
-            <a:r>
-              <a:rPr lang="en-GB" dirty="0"/>
-              <a:t>Dead Letter Channel</a:t>
-            </a:r>
-          </a:p>
-          <a:p>
-            <a:pPr lvl="1"/>
-            <a:r>
-              <a:rPr lang="en-GB" dirty="0"/>
-              <a:t>error handler comes for </a:t>
-            </a:r>
-            <a:r>
-              <a:rPr lang="en-GB" dirty="0" smtClean="0"/>
-              <a:t>free</a:t>
-            </a:r>
-            <a:endParaRPr lang="en-GB" dirty="0"/>
-          </a:p>
-        </p:txBody>
-      </p:sp>
-      <p:sp>
-        <p:nvSpPr>
-          <p:cNvPr id="3" name="Title 2"/>
-          <p:cNvSpPr>
-            <a:spLocks noGrp="1"/>
-          </p:cNvSpPr>
-          <p:nvPr>
-            <p:ph type="title"/>
-          </p:nvPr>
-        </p:nvSpPr>
-        <p:spPr/>
-        <p:txBody>
-          <a:bodyPr/>
-          <a:lstStyle/>
-          <a:p>
-            <a:r>
-              <a:rPr lang="en-GB" b="1" dirty="0"/>
-              <a:t>Apache </a:t>
-            </a:r>
-            <a:r>
-              <a:rPr lang="en-GB" b="1" dirty="0" smtClean="0"/>
-              <a:t>Camel</a:t>
-            </a:r>
-            <a:r>
-              <a:rPr lang="en-GB" b="1" dirty="0"/>
-              <a:t>: Distributed Systems orchestration</a:t>
-            </a:r>
-          </a:p>
-        </p:txBody>
-      </p:sp>
-    </p:spTree>
-    <p:extLst>
-      <p:ext uri="{BB962C8B-B14F-4D97-AF65-F5344CB8AC3E}">
-        <p14:creationId xmlns:p14="http://schemas.microsoft.com/office/powerpoint/2010/main" val="123610373"/>
-      </p:ext>
-    </p:extLst>
-  </p:cSld>
-  <p:clrMapOvr>
-    <a:masterClrMapping/>
-  </p:clrMapOvr>
-  <p:timing>
-    <p:tnLst>
-      <p:par>
-        <p:cTn xmlns:p14="http://schemas.microsoft.com/office/powerpoint/2010/main" id="1" dur="indefinite" restart="never" nodeType="tmRoot"/>
-      </p:par>
-    </p:tnLst>
-  </p:timing>
-</p:sld>
-</file>
-
-<file path=ppt/slides/slide15.xml><?xml version="1.0" encoding="utf-8"?>
-<p:sld xmlns:a="http://schemas.openxmlformats.org/drawingml/2006/main" xmlns:r="http://schemas.openxmlformats.org/officeDocument/2006/relationships" xmlns:p="http://schemas.openxmlformats.org/presentationml/2006/main">
-  <p:cSld>
-    <p:spTree>
-      <p:nvGrpSpPr>
-        <p:cNvPr id="1" name=""/>
-        <p:cNvGrpSpPr/>
-        <p:nvPr/>
-      </p:nvGrpSpPr>
-      <p:grpSpPr>
-        <a:xfrm>
-          <a:off x="0" y="0"/>
-          <a:ext cx="0" cy="0"/>
-          <a:chOff x="0" y="0"/>
-          <a:chExt cx="0" cy="0"/>
-        </a:xfrm>
-      </p:grpSpPr>
-      <p:sp>
-        <p:nvSpPr>
-          <p:cNvPr id="2" name="Content Placeholder 1"/>
-          <p:cNvSpPr>
-            <a:spLocks noGrp="1"/>
-          </p:cNvSpPr>
-          <p:nvPr>
-            <p:ph idx="1"/>
-          </p:nvPr>
-        </p:nvSpPr>
-        <p:spPr>
-          <a:xfrm>
-            <a:off x="380999" y="1732719"/>
-            <a:ext cx="8191767" cy="4170776"/>
-          </a:xfrm>
-        </p:spPr>
-        <p:txBody>
-          <a:bodyPr vert="horz" lIns="91440" tIns="45720" rIns="91440" bIns="45720" rtlCol="0">
-            <a:normAutofit/>
-          </a:bodyPr>
-          <a:lstStyle/>
-          <a:p>
-            <a:r>
-              <a:rPr lang="en-GB" dirty="0"/>
-              <a:t>An elegant approach using idiomatic </a:t>
-            </a:r>
-            <a:r>
-              <a:rPr lang="en-GB" dirty="0" err="1" smtClean="0"/>
-              <a:t>Clojure</a:t>
-            </a:r>
-            <a:endParaRPr lang="en-GB" dirty="0"/>
-          </a:p>
-          <a:p>
-            <a:r>
-              <a:rPr lang="en-GB" dirty="0"/>
-              <a:t>Leverages the power of </a:t>
-            </a:r>
-            <a:r>
-              <a:rPr lang="en-GB" dirty="0" err="1"/>
-              <a:t>clojure.core</a:t>
-            </a:r>
-            <a:r>
-              <a:rPr lang="en-GB" dirty="0"/>
-              <a:t> rather than </a:t>
-            </a:r>
-            <a:r>
-              <a:rPr lang="en-GB" dirty="0" err="1"/>
-              <a:t>adherance</a:t>
-            </a:r>
-            <a:r>
-              <a:rPr lang="en-GB" dirty="0"/>
-              <a:t> to patterns</a:t>
-            </a:r>
-          </a:p>
-          <a:p>
-            <a:r>
-              <a:rPr lang="en-GB" dirty="0"/>
-              <a:t>Well documented, seems like a strong </a:t>
-            </a:r>
-            <a:r>
-              <a:rPr lang="en-GB" dirty="0" smtClean="0"/>
-              <a:t>community</a:t>
-            </a:r>
-            <a:endParaRPr lang="en-GB" dirty="0"/>
-          </a:p>
-          <a:p>
-            <a:pPr marL="45720" indent="0">
-              <a:buNone/>
-            </a:pPr>
-            <a:endParaRPr lang="en-GB" dirty="0"/>
-          </a:p>
-        </p:txBody>
-      </p:sp>
-      <p:sp>
-        <p:nvSpPr>
-          <p:cNvPr id="3" name="Title 2"/>
-          <p:cNvSpPr>
-            <a:spLocks noGrp="1"/>
-          </p:cNvSpPr>
-          <p:nvPr>
-            <p:ph type="title"/>
-          </p:nvPr>
-        </p:nvSpPr>
-        <p:spPr/>
-        <p:txBody>
-          <a:bodyPr/>
-          <a:lstStyle/>
-          <a:p>
-            <a:r>
-              <a:rPr lang="en-GB" b="1" dirty="0"/>
-              <a:t>Lamina</a:t>
-            </a:r>
-          </a:p>
-        </p:txBody>
-      </p:sp>
-    </p:spTree>
-    <p:extLst>
-      <p:ext uri="{BB962C8B-B14F-4D97-AF65-F5344CB8AC3E}">
-        <p14:creationId xmlns:p14="http://schemas.microsoft.com/office/powerpoint/2010/main" val="1484282607"/>
-      </p:ext>
-    </p:extLst>
-  </p:cSld>
-  <p:clrMapOvr>
-    <a:masterClrMapping/>
-  </p:clrMapOvr>
-  <p:timing>
-    <p:tnLst>
-      <p:par>
-        <p:cTn xmlns:p14="http://schemas.microsoft.com/office/powerpoint/2010/main" id="1" dur="indefinite" restart="never" nodeType="tmRoot"/>
-      </p:par>
-    </p:tnLst>
-  </p:timing>
-</p:sld>
-</file>
-
-<file path=ppt/slides/slide16.xml><?xml version="1.0" encoding="utf-8"?>
-<p:sld xmlns:a="http://schemas.openxmlformats.org/drawingml/2006/main" xmlns:r="http://schemas.openxmlformats.org/officeDocument/2006/relationships" xmlns:p="http://schemas.openxmlformats.org/presentationml/2006/main">
-  <p:cSld>
-    <p:spTree>
-      <p:nvGrpSpPr>
-        <p:cNvPr id="1" name=""/>
-        <p:cNvGrpSpPr/>
-        <p:nvPr/>
-      </p:nvGrpSpPr>
-      <p:grpSpPr>
-        <a:xfrm>
-          <a:off x="0" y="0"/>
-          <a:ext cx="0" cy="0"/>
-          <a:chOff x="0" y="0"/>
-          <a:chExt cx="0" cy="0"/>
-        </a:xfrm>
-      </p:grpSpPr>
-      <p:sp>
-        <p:nvSpPr>
-          <p:cNvPr id="2" name="Content Placeholder 1"/>
-          <p:cNvSpPr>
-            <a:spLocks noGrp="1"/>
-          </p:cNvSpPr>
-          <p:nvPr>
-            <p:ph idx="1"/>
-          </p:nvPr>
-        </p:nvSpPr>
-        <p:spPr>
-          <a:xfrm>
-            <a:off x="380999" y="1732719"/>
-            <a:ext cx="8191767" cy="4170776"/>
-          </a:xfrm>
-        </p:spPr>
-        <p:txBody>
-          <a:bodyPr>
-            <a:normAutofit/>
-          </a:bodyPr>
-          <a:lstStyle/>
-          <a:p>
-            <a:r>
-              <a:rPr lang="en-GB" dirty="0"/>
-              <a:t>Aleph, built on top of </a:t>
-            </a:r>
-            <a:r>
-              <a:rPr lang="en-GB" dirty="0" smtClean="0"/>
-              <a:t>Lamina</a:t>
-            </a:r>
-            <a:endParaRPr lang="en-GB" dirty="0"/>
-          </a:p>
-          <a:p>
-            <a:r>
-              <a:rPr lang="en-GB" dirty="0"/>
-              <a:t>Provides adaptors based on Lamina channels</a:t>
-            </a:r>
-          </a:p>
-          <a:p>
-            <a:r>
-              <a:rPr lang="en-GB" dirty="0"/>
-              <a:t>A bit lightweight right now</a:t>
-            </a:r>
-          </a:p>
-          <a:p>
-            <a:r>
-              <a:rPr lang="en-GB" dirty="0"/>
-              <a:t>I've used </a:t>
-            </a:r>
-            <a:r>
-              <a:rPr lang="en-GB" dirty="0" err="1"/>
-              <a:t>clamq</a:t>
-            </a:r>
-            <a:r>
-              <a:rPr lang="en-GB" dirty="0"/>
-              <a:t>, </a:t>
-            </a:r>
-            <a:r>
-              <a:rPr lang="en-GB" dirty="0" err="1"/>
-              <a:t>compojure</a:t>
-            </a:r>
-            <a:r>
-              <a:rPr lang="en-GB" dirty="0"/>
-              <a:t> and quartzite</a:t>
-            </a:r>
-          </a:p>
-          <a:p>
-            <a:pPr marL="45720" indent="0">
-              <a:buNone/>
-            </a:pPr>
-            <a:r>
-              <a:rPr lang="en-GB" b="1" dirty="0" smtClean="0"/>
-              <a:t> </a:t>
-            </a:r>
-            <a:endParaRPr lang="en-GB" b="1" dirty="0"/>
-          </a:p>
-          <a:p>
-            <a:pPr marL="45720" indent="0">
-              <a:buNone/>
-            </a:pPr>
-            <a:endParaRPr lang="en-GB" dirty="0" smtClean="0"/>
-          </a:p>
-        </p:txBody>
-      </p:sp>
-      <p:sp>
-        <p:nvSpPr>
-          <p:cNvPr id="3" name="Title 2"/>
-          <p:cNvSpPr>
-            <a:spLocks noGrp="1"/>
-          </p:cNvSpPr>
-          <p:nvPr>
-            <p:ph type="title"/>
-          </p:nvPr>
-        </p:nvSpPr>
-        <p:spPr/>
-        <p:txBody>
-          <a:bodyPr/>
-          <a:lstStyle/>
-          <a:p>
-            <a:r>
-              <a:rPr lang="en-GB" b="1" dirty="0" smtClean="0"/>
-              <a:t>Lamina: System integration</a:t>
-            </a:r>
-            <a:endParaRPr lang="en-GB" b="1" dirty="0"/>
-          </a:p>
-        </p:txBody>
-      </p:sp>
-    </p:spTree>
-    <p:extLst>
-      <p:ext uri="{BB962C8B-B14F-4D97-AF65-F5344CB8AC3E}">
-        <p14:creationId xmlns:p14="http://schemas.microsoft.com/office/powerpoint/2010/main" val="4243604117"/>
-      </p:ext>
-    </p:extLst>
-  </p:cSld>
-  <p:clrMapOvr>
-    <a:masterClrMapping/>
-  </p:clrMapOvr>
-  <p:timing>
-    <p:tnLst>
-      <p:par>
-        <p:cTn xmlns:p14="http://schemas.microsoft.com/office/powerpoint/2010/main" id="1" dur="indefinite" restart="never" nodeType="tmRoot"/>
-      </p:par>
-    </p:tnLst>
-  </p:timing>
-</p:sld>
-</file>
-
-<file path=ppt/slides/slide17.xml><?xml version="1.0" encoding="utf-8"?>
-<p:sld xmlns:a="http://schemas.openxmlformats.org/drawingml/2006/main" xmlns:r="http://schemas.openxmlformats.org/officeDocument/2006/relationships" xmlns:p="http://schemas.openxmlformats.org/presentationml/2006/main">
-  <p:cSld>
-    <p:spTree>
-      <p:nvGrpSpPr>
-        <p:cNvPr id="1" name=""/>
-        <p:cNvGrpSpPr/>
-        <p:nvPr/>
-      </p:nvGrpSpPr>
-      <p:grpSpPr>
-        <a:xfrm>
-          <a:off x="0" y="0"/>
-          <a:ext cx="0" cy="0"/>
-          <a:chOff x="0" y="0"/>
-          <a:chExt cx="0" cy="0"/>
-        </a:xfrm>
-      </p:grpSpPr>
-      <p:sp>
-        <p:nvSpPr>
-          <p:cNvPr id="2" name="Content Placeholder 1"/>
-          <p:cNvSpPr>
-            <a:spLocks noGrp="1"/>
-          </p:cNvSpPr>
-          <p:nvPr>
-            <p:ph idx="1"/>
-          </p:nvPr>
-        </p:nvSpPr>
-        <p:spPr>
-          <a:xfrm>
-            <a:off x="380999" y="1732719"/>
-            <a:ext cx="8191767" cy="914947"/>
-          </a:xfrm>
-        </p:spPr>
-        <p:txBody>
-          <a:bodyPr>
-            <a:normAutofit/>
-          </a:bodyPr>
-          <a:lstStyle/>
-          <a:p>
-            <a:r>
-              <a:rPr lang="en-GB" dirty="0"/>
-              <a:t>Routes are very nicely captured in succinct </a:t>
-            </a:r>
-            <a:r>
-              <a:rPr lang="en-GB" dirty="0" err="1" smtClean="0"/>
-              <a:t>Clojure</a:t>
-            </a:r>
-            <a:r>
-              <a:rPr lang="en-GB" dirty="0" smtClean="0"/>
-              <a:t> </a:t>
-            </a:r>
-            <a:r>
-              <a:rPr lang="en-GB" dirty="0"/>
-              <a:t>blocks</a:t>
-            </a:r>
-          </a:p>
-          <a:p>
-            <a:r>
-              <a:rPr lang="en-GB" dirty="0"/>
-              <a:t>has nice integration with </a:t>
-            </a:r>
-            <a:r>
-              <a:rPr lang="en-GB" dirty="0" err="1" smtClean="0"/>
-              <a:t>graphviz</a:t>
-            </a:r>
-            <a:r>
-              <a:rPr lang="en-GB" b="1" dirty="0" smtClean="0"/>
-              <a:t> </a:t>
-            </a:r>
-            <a:endParaRPr lang="en-GB" b="1" dirty="0"/>
-          </a:p>
-          <a:p>
-            <a:pPr marL="45720" indent="0">
-              <a:buNone/>
-            </a:pPr>
-            <a:endParaRPr lang="en-GB" dirty="0" smtClean="0"/>
-          </a:p>
-        </p:txBody>
-      </p:sp>
-      <p:sp>
-        <p:nvSpPr>
-          <p:cNvPr id="3" name="Title 2"/>
-          <p:cNvSpPr>
-            <a:spLocks noGrp="1"/>
-          </p:cNvSpPr>
-          <p:nvPr>
-            <p:ph type="title"/>
-          </p:nvPr>
-        </p:nvSpPr>
-        <p:spPr/>
-        <p:txBody>
-          <a:bodyPr/>
-          <a:lstStyle/>
-          <a:p>
-            <a:r>
-              <a:rPr lang="en-GB" b="1" dirty="0" smtClean="0"/>
-              <a:t>Lamina: business rule capture</a:t>
-            </a:r>
-            <a:endParaRPr lang="en-GB" b="1" dirty="0"/>
-          </a:p>
-        </p:txBody>
-      </p:sp>
-      <p:sp>
-        <p:nvSpPr>
-          <p:cNvPr id="6" name="Content Placeholder 1"/>
-          <p:cNvSpPr txBox="1">
-            <a:spLocks/>
-          </p:cNvSpPr>
-          <p:nvPr/>
-        </p:nvSpPr>
-        <p:spPr>
-          <a:xfrm>
-            <a:off x="383271" y="4805747"/>
-            <a:ext cx="8191767" cy="914947"/>
+            <a:off x="381000" y="4452771"/>
+            <a:ext cx="8191767" cy="535138"/>
           </a:xfrm>
           <a:prstGeom prst="rect">
             <a:avLst/>
@@ -7959,405 +6926,20 @@
           </a:lstStyle>
           <a:p>
             <a:r>
-              <a:rPr lang="en-GB" dirty="0"/>
-              <a:t>Breaks down a bit with the proliferation of anon </a:t>
-            </a:r>
-            <a:r>
-              <a:rPr lang="en-GB" dirty="0" smtClean="0"/>
-              <a:t>function</a:t>
-            </a:r>
-            <a:endParaRPr lang="en-GB" dirty="0"/>
-          </a:p>
-        </p:txBody>
-      </p:sp>
-      <p:pic>
-        <p:nvPicPr>
-          <p:cNvPr id="5124" name="Picture 4" descr="Alt text"/>
-          <p:cNvPicPr>
-            <a:picLocks noChangeAspect="1" noChangeArrowheads="1"/>
-          </p:cNvPicPr>
-          <p:nvPr/>
-        </p:nvPicPr>
-        <p:blipFill>
-          <a:blip r:embed="rId3">
-            <a:extLst>
-              <a:ext uri="{28A0092B-C50C-407E-A947-70E740481C1C}">
-                <a14:useLocalDpi xmlns:a14="http://schemas.microsoft.com/office/drawing/2010/main" val="0"/>
-              </a:ext>
-            </a:extLst>
-          </a:blip>
-          <a:srcRect/>
-          <a:stretch>
-            <a:fillRect/>
-          </a:stretch>
-        </p:blipFill>
-        <p:spPr bwMode="auto">
-          <a:xfrm>
-            <a:off x="1992573" y="2590124"/>
-            <a:ext cx="4185495" cy="2104706"/>
-          </a:xfrm>
-          <a:prstGeom prst="rect">
-            <a:avLst/>
-          </a:prstGeom>
-          <a:noFill/>
-        </p:spPr>
-      </p:pic>
-    </p:spTree>
-    <p:extLst>
-      <p:ext uri="{BB962C8B-B14F-4D97-AF65-F5344CB8AC3E}">
-        <p14:creationId xmlns:p14="http://schemas.microsoft.com/office/powerpoint/2010/main" val="2611263500"/>
-      </p:ext>
-    </p:extLst>
-  </p:cSld>
-  <p:clrMapOvr>
-    <a:masterClrMapping/>
-  </p:clrMapOvr>
-  <p:timing>
-    <p:tnLst>
-      <p:par>
-        <p:cTn xmlns:p14="http://schemas.microsoft.com/office/powerpoint/2010/main" id="1" dur="indefinite" restart="never" nodeType="tmRoot"/>
-      </p:par>
-    </p:tnLst>
-  </p:timing>
-</p:sld>
-</file>
-
-<file path=ppt/slides/slide18.xml><?xml version="1.0" encoding="utf-8"?>
-<p:sld xmlns:a="http://schemas.openxmlformats.org/drawingml/2006/main" xmlns:r="http://schemas.openxmlformats.org/officeDocument/2006/relationships" xmlns:p="http://schemas.openxmlformats.org/presentationml/2006/main">
-  <p:cSld>
-    <p:spTree>
-      <p:nvGrpSpPr>
-        <p:cNvPr id="1" name=""/>
-        <p:cNvGrpSpPr/>
-        <p:nvPr/>
-      </p:nvGrpSpPr>
-      <p:grpSpPr>
-        <a:xfrm>
-          <a:off x="0" y="0"/>
-          <a:ext cx="0" cy="0"/>
-          <a:chOff x="0" y="0"/>
-          <a:chExt cx="0" cy="0"/>
-        </a:xfrm>
-      </p:grpSpPr>
-      <p:sp>
-        <p:nvSpPr>
-          <p:cNvPr id="2" name="Content Placeholder 1"/>
-          <p:cNvSpPr>
-            <a:spLocks noGrp="1"/>
-          </p:cNvSpPr>
-          <p:nvPr>
-            <p:ph idx="1"/>
-          </p:nvPr>
-        </p:nvSpPr>
-        <p:spPr>
-          <a:xfrm>
-            <a:off x="380999" y="1732718"/>
-            <a:ext cx="8191767" cy="4913741"/>
-          </a:xfrm>
-        </p:spPr>
-        <p:txBody>
-          <a:bodyPr>
-            <a:normAutofit fontScale="92500"/>
-          </a:bodyPr>
-          <a:lstStyle/>
-          <a:p>
-            <a:r>
-              <a:rPr lang="en-GB" dirty="0"/>
-              <a:t>Message Channel</a:t>
-            </a:r>
-          </a:p>
-          <a:p>
-            <a:pPr lvl="1"/>
-            <a:r>
-              <a:rPr lang="en-GB" dirty="0"/>
-              <a:t>Lamina provides it's own </a:t>
-            </a:r>
-            <a:r>
-              <a:rPr lang="en-GB" dirty="0" smtClean="0"/>
-              <a:t>channel construct</a:t>
-            </a:r>
-          </a:p>
-          <a:p>
-            <a:pPr lvl="1"/>
-            <a:r>
-              <a:rPr lang="en-GB" dirty="0" smtClean="0"/>
-              <a:t>Memory only</a:t>
-            </a:r>
-            <a:endParaRPr lang="en-GB" dirty="0"/>
-          </a:p>
-          <a:p>
-            <a:r>
-              <a:rPr lang="en-GB" dirty="0"/>
-              <a:t>Message Broker</a:t>
-            </a:r>
-          </a:p>
-          <a:p>
-            <a:pPr lvl="1"/>
-            <a:r>
-              <a:rPr lang="en-GB" dirty="0" smtClean="0"/>
-              <a:t>Without this, we’re not distributed</a:t>
-            </a:r>
-          </a:p>
-          <a:p>
-            <a:pPr lvl="1"/>
-            <a:r>
-              <a:rPr lang="en-GB" dirty="0" smtClean="0"/>
-              <a:t>Used </a:t>
-            </a:r>
-            <a:r>
-              <a:rPr lang="en-GB" dirty="0" err="1" smtClean="0"/>
-              <a:t>Clamq</a:t>
-            </a:r>
-            <a:r>
-              <a:rPr lang="en-GB" dirty="0" smtClean="0"/>
-              <a:t> to get us out of a jiffy</a:t>
-            </a:r>
-            <a:endParaRPr lang="en-GB" dirty="0" smtClean="0"/>
-          </a:p>
-          <a:p>
-            <a:r>
-              <a:rPr lang="en-GB" dirty="0" smtClean="0"/>
-              <a:t>Pipeline</a:t>
-            </a:r>
-            <a:endParaRPr lang="en-GB" dirty="0"/>
-          </a:p>
-          <a:p>
-            <a:pPr lvl="1"/>
-            <a:r>
-              <a:rPr lang="en-US" dirty="0" smtClean="0"/>
-              <a:t>S</a:t>
-            </a:r>
-            <a:r>
-              <a:rPr lang="en-GB" dirty="0" err="1" smtClean="0"/>
-              <a:t>ee</a:t>
-            </a:r>
-            <a:r>
-              <a:rPr lang="en-GB" dirty="0" smtClean="0"/>
-              <a:t> (pipeline) </a:t>
-            </a:r>
-            <a:r>
-              <a:rPr lang="en-US" dirty="0" smtClean="0">
-                <a:sym typeface="Wingdings"/>
-              </a:rPr>
-              <a:t></a:t>
-            </a:r>
-            <a:endParaRPr lang="en-GB" dirty="0"/>
-          </a:p>
-          <a:p>
-            <a:r>
-              <a:rPr lang="en-GB" dirty="0" smtClean="0"/>
-              <a:t>Dead </a:t>
-            </a:r>
-            <a:r>
-              <a:rPr lang="en-GB" dirty="0"/>
-              <a:t>Letter Channel</a:t>
-            </a:r>
-          </a:p>
-          <a:p>
-            <a:pPr lvl="1"/>
-            <a:r>
-              <a:rPr lang="en-GB" dirty="0"/>
-              <a:t>via the :error-handler</a:t>
-            </a:r>
-          </a:p>
-          <a:p>
-            <a:pPr lvl="1"/>
-            <a:r>
-              <a:rPr lang="en-GB" dirty="0"/>
-              <a:t>but handling resubmission, incremental </a:t>
-            </a:r>
-            <a:r>
-              <a:rPr lang="en-GB" dirty="0" err="1"/>
-              <a:t>backoff</a:t>
-            </a:r>
-            <a:r>
-              <a:rPr lang="en-GB" dirty="0"/>
-              <a:t> is all on the </a:t>
-            </a:r>
-            <a:r>
-              <a:rPr lang="en-GB" dirty="0" smtClean="0"/>
-              <a:t>developer</a:t>
-            </a:r>
-          </a:p>
-          <a:p>
-            <a:r>
-              <a:rPr lang="en-GB" dirty="0" smtClean="0"/>
-              <a:t>Not needed</a:t>
-            </a:r>
-          </a:p>
-          <a:p>
-            <a:pPr lvl="1"/>
-            <a:r>
-              <a:rPr lang="en-GB" dirty="0"/>
-              <a:t>Content Enricher</a:t>
-            </a:r>
-          </a:p>
-          <a:p>
-            <a:pPr lvl="1"/>
-            <a:r>
-              <a:rPr lang="en-GB" dirty="0" smtClean="0"/>
-              <a:t>Splitter</a:t>
-            </a:r>
-          </a:p>
-          <a:p>
-            <a:pPr lvl="1"/>
-            <a:r>
-              <a:rPr lang="en-GB" dirty="0" smtClean="0"/>
-              <a:t>Message Router</a:t>
-            </a:r>
-            <a:endParaRPr lang="en-GB" dirty="0"/>
-          </a:p>
-        </p:txBody>
-      </p:sp>
-      <p:sp>
-        <p:nvSpPr>
-          <p:cNvPr id="3" name="Title 2"/>
-          <p:cNvSpPr>
-            <a:spLocks noGrp="1"/>
-          </p:cNvSpPr>
-          <p:nvPr>
-            <p:ph type="title"/>
-          </p:nvPr>
-        </p:nvSpPr>
-        <p:spPr/>
-        <p:txBody>
-          <a:bodyPr/>
-          <a:lstStyle/>
-          <a:p>
-            <a:r>
-              <a:rPr lang="en-GB" b="1" dirty="0" smtClean="0"/>
-              <a:t>Lamina: </a:t>
-            </a:r>
-            <a:r>
-              <a:rPr lang="en-GB" b="1" dirty="0"/>
-              <a:t>Distributed Systems Orchestration</a:t>
-            </a:r>
-          </a:p>
-        </p:txBody>
-      </p:sp>
-    </p:spTree>
-    <p:extLst>
-      <p:ext uri="{BB962C8B-B14F-4D97-AF65-F5344CB8AC3E}">
-        <p14:creationId xmlns:p14="http://schemas.microsoft.com/office/powerpoint/2010/main" val="3125864291"/>
-      </p:ext>
-    </p:extLst>
-  </p:cSld>
-  <p:clrMapOvr>
-    <a:masterClrMapping/>
-  </p:clrMapOvr>
-  <p:timing>
-    <p:tnLst>
-      <p:par>
-        <p:cTn xmlns:p14="http://schemas.microsoft.com/office/powerpoint/2010/main" id="1" dur="indefinite" restart="never" nodeType="tmRoot"/>
-      </p:par>
-    </p:tnLst>
-  </p:timing>
-</p:sld>
-</file>
-
-<file path=ppt/slides/slide19.xml><?xml version="1.0" encoding="utf-8"?>
-<p:sld xmlns:a="http://schemas.openxmlformats.org/drawingml/2006/main" xmlns:r="http://schemas.openxmlformats.org/officeDocument/2006/relationships" xmlns:p="http://schemas.openxmlformats.org/presentationml/2006/main">
-  <p:cSld>
-    <p:spTree>
-      <p:nvGrpSpPr>
-        <p:cNvPr id="1" name=""/>
-        <p:cNvGrpSpPr/>
-        <p:nvPr/>
-      </p:nvGrpSpPr>
-      <p:grpSpPr>
-        <a:xfrm>
-          <a:off x="0" y="0"/>
-          <a:ext cx="0" cy="0"/>
-          <a:chOff x="0" y="0"/>
-          <a:chExt cx="0" cy="0"/>
-        </a:xfrm>
-      </p:grpSpPr>
-      <p:sp>
-        <p:nvSpPr>
-          <p:cNvPr id="2" name="Content Placeholder 1"/>
-          <p:cNvSpPr>
-            <a:spLocks noGrp="1"/>
-          </p:cNvSpPr>
-          <p:nvPr>
-            <p:ph idx="1"/>
-          </p:nvPr>
-        </p:nvSpPr>
-        <p:spPr>
-          <a:xfrm>
-            <a:off x="380999" y="1732719"/>
-            <a:ext cx="8191767" cy="4170776"/>
-          </a:xfrm>
-        </p:spPr>
-        <p:txBody>
-          <a:bodyPr>
-            <a:normAutofit/>
-          </a:bodyPr>
-          <a:lstStyle/>
-          <a:p>
-            <a:r>
-              <a:rPr lang="en-GB" dirty="0"/>
-              <a:t>A quite young framework</a:t>
-            </a:r>
-          </a:p>
-          <a:p>
-            <a:r>
-              <a:rPr lang="en-GB" dirty="0"/>
-              <a:t>Idiomatic </a:t>
-            </a:r>
-            <a:r>
-              <a:rPr lang="en-GB" dirty="0" err="1"/>
-              <a:t>C</a:t>
-            </a:r>
-            <a:r>
-              <a:rPr lang="en-GB" dirty="0" err="1" smtClean="0"/>
-              <a:t>lojure</a:t>
-            </a:r>
-            <a:r>
-              <a:rPr lang="en-GB" dirty="0" smtClean="0"/>
-              <a:t> </a:t>
-            </a:r>
-            <a:r>
-              <a:rPr lang="en-GB" dirty="0"/>
-              <a:t>again, no yucky </a:t>
-            </a:r>
-            <a:r>
-              <a:rPr lang="en-GB" dirty="0" err="1"/>
-              <a:t>interop</a:t>
-            </a:r>
-            <a:endParaRPr lang="en-GB" dirty="0"/>
-          </a:p>
-          <a:p>
-            <a:r>
-              <a:rPr lang="en-GB" dirty="0"/>
-              <a:t>Not advertised as an integration solution</a:t>
-            </a:r>
-          </a:p>
-          <a:p>
-            <a:r>
-              <a:rPr lang="en-GB" dirty="0"/>
-              <a:t>But there's </a:t>
-            </a:r>
-            <a:r>
-              <a:rPr lang="en-GB" dirty="0" smtClean="0"/>
-              <a:t>overlap</a:t>
-            </a:r>
-          </a:p>
-          <a:p>
-            <a:r>
-              <a:rPr lang="en-GB" dirty="0" smtClean="0"/>
-              <a:t>See also Riemann </a:t>
-            </a:r>
-            <a:r>
-              <a:rPr lang="en-GB" dirty="0" err="1" smtClean="0"/>
-              <a:t>etc</a:t>
-            </a:r>
-            <a:endParaRPr lang="en-GB" dirty="0"/>
-          </a:p>
-          <a:p>
-            <a:endParaRPr lang="en-GB" b="1" dirty="0"/>
+              <a:rPr lang="en-GB" dirty="0" smtClean="0"/>
+              <a:t>Mature framework</a:t>
+            </a:r>
           </a:p>
           <a:p>
             <a:pPr marL="45720" indent="0">
+              <a:buFont typeface="Wingdings 2" pitchFamily="18" charset="2"/>
+              <a:buNone/>
+            </a:pPr>
+            <a:endParaRPr lang="en-GB" b="1" dirty="0" smtClean="0"/>
+          </a:p>
+          <a:p>
+            <a:pPr marL="45720" indent="0">
+              <a:buFont typeface="Wingdings 2" pitchFamily="18" charset="2"/>
               <a:buNone/>
             </a:pPr>
             <a:endParaRPr lang="en-GB" dirty="0" smtClean="0"/>
@@ -8366,168 +6948,6 @@
       </p:sp>
       <p:sp>
         <p:nvSpPr>
-          <p:cNvPr id="3" name="Title 2"/>
-          <p:cNvSpPr>
-            <a:spLocks noGrp="1"/>
-          </p:cNvSpPr>
-          <p:nvPr>
-            <p:ph type="title"/>
-          </p:nvPr>
-        </p:nvSpPr>
-        <p:spPr/>
-        <p:txBody>
-          <a:bodyPr/>
-          <a:lstStyle/>
-          <a:p>
-            <a:r>
-              <a:rPr lang="en-GB" b="1" dirty="0"/>
-              <a:t>EEP</a:t>
-            </a:r>
-          </a:p>
-        </p:txBody>
-      </p:sp>
-    </p:spTree>
-    <p:extLst>
-      <p:ext uri="{BB962C8B-B14F-4D97-AF65-F5344CB8AC3E}">
-        <p14:creationId xmlns:p14="http://schemas.microsoft.com/office/powerpoint/2010/main" val="3764844731"/>
-      </p:ext>
-    </p:extLst>
-  </p:cSld>
-  <p:clrMapOvr>
-    <a:masterClrMapping/>
-  </p:clrMapOvr>
-  <p:timing>
-    <p:tnLst>
-      <p:par>
-        <p:cTn xmlns:p14="http://schemas.microsoft.com/office/powerpoint/2010/main" id="1" dur="indefinite" restart="never" nodeType="tmRoot"/>
-      </p:par>
-    </p:tnLst>
-  </p:timing>
-</p:sld>
-</file>
-
-<file path=ppt/slides/slide2.xml><?xml version="1.0" encoding="utf-8"?>
-<p:sld xmlns:a="http://schemas.openxmlformats.org/drawingml/2006/main" xmlns:r="http://schemas.openxmlformats.org/officeDocument/2006/relationships" xmlns:p="http://schemas.openxmlformats.org/presentationml/2006/main">
-  <p:cSld>
-    <p:spTree>
-      <p:nvGrpSpPr>
-        <p:cNvPr id="1" name=""/>
-        <p:cNvGrpSpPr/>
-        <p:nvPr/>
-      </p:nvGrpSpPr>
-      <p:grpSpPr>
-        <a:xfrm>
-          <a:off x="0" y="0"/>
-          <a:ext cx="0" cy="0"/>
-          <a:chOff x="0" y="0"/>
-          <a:chExt cx="0" cy="0"/>
-        </a:xfrm>
-      </p:grpSpPr>
-      <p:sp>
-        <p:nvSpPr>
-          <p:cNvPr id="2" name="Content Placeholder 1"/>
-          <p:cNvSpPr>
-            <a:spLocks noGrp="1"/>
-          </p:cNvSpPr>
-          <p:nvPr>
-            <p:ph idx="1"/>
-          </p:nvPr>
-        </p:nvSpPr>
-        <p:spPr>
-          <a:xfrm>
-            <a:off x="380999" y="1719071"/>
-            <a:ext cx="8191767" cy="514953"/>
-          </a:xfrm>
-        </p:spPr>
-        <p:txBody>
-          <a:bodyPr>
-            <a:noAutofit/>
-          </a:bodyPr>
-          <a:lstStyle/>
-          <a:p>
-            <a:r>
-              <a:rPr lang="en-US" dirty="0" smtClean="0"/>
-              <a:t>http://</a:t>
-            </a:r>
-            <a:r>
-              <a:rPr lang="en-US" dirty="0" err="1" smtClean="0"/>
-              <a:t>github.com</a:t>
-            </a:r>
-            <a:r>
-              <a:rPr lang="en-US" dirty="0" smtClean="0"/>
-              <a:t>/</a:t>
-            </a:r>
-            <a:r>
-              <a:rPr lang="en-US" dirty="0" err="1" smtClean="0"/>
-              <a:t>clumsyjedi</a:t>
-            </a:r>
-            <a:r>
-              <a:rPr lang="en-US" dirty="0" smtClean="0"/>
-              <a:t>/euroclojure2013</a:t>
-            </a:r>
-          </a:p>
-          <a:p>
-            <a:r>
-              <a:rPr lang="en-US" dirty="0" smtClean="0"/>
-              <a:t>A</a:t>
-            </a:r>
-            <a:r>
-              <a:rPr lang="en-GB" dirty="0" err="1" smtClean="0"/>
-              <a:t>ims</a:t>
-            </a:r>
-            <a:r>
-              <a:rPr lang="en-GB" dirty="0" smtClean="0"/>
-              <a:t> to connect and combines people, processes, systems, and technologies to ensure that the right people and the right processes have the right information at the right time </a:t>
-            </a:r>
-            <a:r>
-              <a:rPr lang="en-US" dirty="0" smtClean="0"/>
-              <a:t>–</a:t>
-            </a:r>
-            <a:r>
-              <a:rPr lang="en-GB" dirty="0" smtClean="0"/>
-              <a:t> </a:t>
-            </a:r>
-            <a:r>
-              <a:rPr lang="en-GB" dirty="0" err="1" smtClean="0"/>
-              <a:t>Brosey</a:t>
-            </a:r>
-            <a:r>
-              <a:rPr lang="en-GB" dirty="0" smtClean="0"/>
-              <a:t> et al</a:t>
-            </a:r>
-            <a:r>
-              <a:rPr lang="en-GB" dirty="0" smtClean="0"/>
-              <a:t>.</a:t>
-            </a:r>
-            <a:endParaRPr lang="en-US" dirty="0" smtClean="0"/>
-          </a:p>
-        </p:txBody>
-      </p:sp>
-      <p:sp>
-        <p:nvSpPr>
-          <p:cNvPr id="3" name="Title 2"/>
-          <p:cNvSpPr>
-            <a:spLocks noGrp="1"/>
-          </p:cNvSpPr>
-          <p:nvPr>
-            <p:ph type="title"/>
-          </p:nvPr>
-        </p:nvSpPr>
-        <p:spPr/>
-        <p:txBody>
-          <a:bodyPr/>
-          <a:lstStyle/>
-          <a:p>
-            <a:r>
-              <a:rPr lang="en-US" dirty="0" smtClean="0"/>
-              <a:t>Intro</a:t>
-            </a:r>
-            <a:endParaRPr lang="en-US" dirty="0"/>
-          </a:p>
-        </p:txBody>
-      </p:sp>
-      <p:sp>
-        <p:nvSpPr>
           <p:cNvPr id="8" name="Content Placeholder 1"/>
           <p:cNvSpPr txBox="1">
             <a:spLocks/>
@@ -8536,8 +6956,8 @@
         </p:nvSpPr>
         <p:spPr>
           <a:xfrm>
-            <a:off x="385979" y="3214260"/>
-            <a:ext cx="8191767" cy="514953"/>
+            <a:off x="381000" y="3866069"/>
+            <a:ext cx="8191767" cy="535138"/>
           </a:xfrm>
           <a:prstGeom prst="rect">
             <a:avLst/>
@@ -8712,6 +7132,2005 @@
             </a:lvl9pPr>
           </a:lstStyle>
           <a:p>
+            <a:r>
+              <a:rPr lang="en-GB" dirty="0" smtClean="0"/>
+              <a:t>Hard things are hard</a:t>
+            </a:r>
+          </a:p>
+          <a:p>
+            <a:pPr marL="45720" indent="0">
+              <a:buFont typeface="Wingdings 2" pitchFamily="18" charset="2"/>
+              <a:buNone/>
+            </a:pPr>
+            <a:endParaRPr lang="en-GB" b="1" dirty="0" smtClean="0"/>
+          </a:p>
+          <a:p>
+            <a:pPr marL="45720" indent="0">
+              <a:buFont typeface="Wingdings 2" pitchFamily="18" charset="2"/>
+              <a:buNone/>
+            </a:pPr>
+            <a:endParaRPr lang="en-GB" dirty="0" smtClean="0"/>
+          </a:p>
+        </p:txBody>
+      </p:sp>
+    </p:spTree>
+    <p:extLst>
+      <p:ext uri="{BB962C8B-B14F-4D97-AF65-F5344CB8AC3E}">
+        <p14:creationId xmlns:p14="http://schemas.microsoft.com/office/powerpoint/2010/main" val="3077950799"/>
+      </p:ext>
+    </p:extLst>
+  </p:cSld>
+  <p:clrMapOvr>
+    <a:masterClrMapping/>
+  </p:clrMapOvr>
+  <p:timing>
+    <p:tnLst>
+      <p:par>
+        <p:cTn xmlns:p14="http://schemas.microsoft.com/office/powerpoint/2010/main" id="1" dur="indefinite" restart="never" nodeType="tmRoot"/>
+      </p:par>
+    </p:tnLst>
+  </p:timing>
+</p:sld>
+</file>
+
+<file path=ppt/slides/slide12.xml><?xml version="1.0" encoding="utf-8"?>
+<p:sld xmlns:a="http://schemas.openxmlformats.org/drawingml/2006/main" xmlns:r="http://schemas.openxmlformats.org/officeDocument/2006/relationships" xmlns:p="http://schemas.openxmlformats.org/presentationml/2006/main">
+  <p:cSld>
+    <p:spTree>
+      <p:nvGrpSpPr>
+        <p:cNvPr id="1" name=""/>
+        <p:cNvGrpSpPr/>
+        <p:nvPr/>
+      </p:nvGrpSpPr>
+      <p:grpSpPr>
+        <a:xfrm>
+          <a:off x="0" y="0"/>
+          <a:ext cx="0" cy="0"/>
+          <a:chOff x="0" y="0"/>
+          <a:chExt cx="0" cy="0"/>
+        </a:xfrm>
+      </p:grpSpPr>
+      <p:sp>
+        <p:nvSpPr>
+          <p:cNvPr id="2" name="Content Placeholder 1"/>
+          <p:cNvSpPr>
+            <a:spLocks noGrp="1"/>
+          </p:cNvSpPr>
+          <p:nvPr>
+            <p:ph idx="1"/>
+          </p:nvPr>
+        </p:nvSpPr>
+        <p:spPr>
+          <a:xfrm>
+            <a:off x="380999" y="1732719"/>
+            <a:ext cx="8191767" cy="4170776"/>
+          </a:xfrm>
+        </p:spPr>
+        <p:txBody>
+          <a:bodyPr>
+            <a:normAutofit/>
+          </a:bodyPr>
+          <a:lstStyle/>
+          <a:p>
+            <a:r>
+              <a:rPr lang="en-GB" dirty="0"/>
+              <a:t>Lot's of adaptors</a:t>
+            </a:r>
+          </a:p>
+          <a:p>
+            <a:r>
+              <a:rPr lang="en-GB" dirty="0"/>
+              <a:t>It will satisfy most message </a:t>
+            </a:r>
+            <a:r>
+              <a:rPr lang="en-GB" dirty="0" smtClean="0"/>
+              <a:t>brokers</a:t>
+            </a:r>
+            <a:endParaRPr lang="en-GB" dirty="0"/>
+          </a:p>
+          <a:p>
+            <a:r>
+              <a:rPr lang="en-GB" dirty="0"/>
+              <a:t>Has a number of built-in adaptors for HTTP send/receive, file system </a:t>
+            </a:r>
+            <a:r>
+              <a:rPr lang="en-GB" dirty="0" err="1" smtClean="0"/>
+              <a:t>etc</a:t>
+            </a:r>
+            <a:endParaRPr lang="en-GB" dirty="0" smtClean="0"/>
+          </a:p>
+          <a:p>
+            <a:r>
+              <a:rPr lang="en-GB" dirty="0" smtClean="0"/>
+              <a:t>Can reify </a:t>
+            </a:r>
+            <a:r>
+              <a:rPr lang="en-GB" dirty="0" err="1" smtClean="0"/>
+              <a:t>EndPoint</a:t>
+            </a:r>
+            <a:r>
+              <a:rPr lang="en-GB" dirty="0" smtClean="0"/>
+              <a:t> </a:t>
+            </a:r>
+            <a:r>
+              <a:rPr lang="en-GB" dirty="0" err="1" smtClean="0"/>
+              <a:t>iface</a:t>
+            </a:r>
+            <a:r>
+              <a:rPr lang="en-GB" dirty="0" smtClean="0"/>
+              <a:t> to make your own</a:t>
+            </a:r>
+          </a:p>
+        </p:txBody>
+      </p:sp>
+      <p:sp>
+        <p:nvSpPr>
+          <p:cNvPr id="3" name="Title 2"/>
+          <p:cNvSpPr>
+            <a:spLocks noGrp="1"/>
+          </p:cNvSpPr>
+          <p:nvPr>
+            <p:ph type="title"/>
+          </p:nvPr>
+        </p:nvSpPr>
+        <p:spPr/>
+        <p:txBody>
+          <a:bodyPr/>
+          <a:lstStyle/>
+          <a:p>
+            <a:r>
+              <a:rPr lang="en-GB" b="1" dirty="0"/>
+              <a:t>Apache </a:t>
+            </a:r>
+            <a:r>
+              <a:rPr lang="en-GB" b="1" dirty="0" smtClean="0"/>
+              <a:t>Camel: </a:t>
+            </a:r>
+            <a:r>
+              <a:rPr lang="en-GB" b="1" dirty="0"/>
+              <a:t>Systems Integration</a:t>
+            </a:r>
+          </a:p>
+        </p:txBody>
+      </p:sp>
+    </p:spTree>
+    <p:extLst>
+      <p:ext uri="{BB962C8B-B14F-4D97-AF65-F5344CB8AC3E}">
+        <p14:creationId xmlns:p14="http://schemas.microsoft.com/office/powerpoint/2010/main" val="3639255610"/>
+      </p:ext>
+    </p:extLst>
+  </p:cSld>
+  <p:clrMapOvr>
+    <a:masterClrMapping/>
+  </p:clrMapOvr>
+  <p:timing>
+    <p:tnLst>
+      <p:par>
+        <p:cTn xmlns:p14="http://schemas.microsoft.com/office/powerpoint/2010/main" id="1" dur="indefinite" restart="never" nodeType="tmRoot"/>
+      </p:par>
+    </p:tnLst>
+  </p:timing>
+</p:sld>
+</file>
+
+<file path=ppt/slides/slide13.xml><?xml version="1.0" encoding="utf-8"?>
+<p:sld xmlns:a="http://schemas.openxmlformats.org/drawingml/2006/main" xmlns:r="http://schemas.openxmlformats.org/officeDocument/2006/relationships" xmlns:p="http://schemas.openxmlformats.org/presentationml/2006/main">
+  <p:cSld>
+    <p:spTree>
+      <p:nvGrpSpPr>
+        <p:cNvPr id="1" name=""/>
+        <p:cNvGrpSpPr/>
+        <p:nvPr/>
+      </p:nvGrpSpPr>
+      <p:grpSpPr>
+        <a:xfrm>
+          <a:off x="0" y="0"/>
+          <a:ext cx="0" cy="0"/>
+          <a:chOff x="0" y="0"/>
+          <a:chExt cx="0" cy="0"/>
+        </a:xfrm>
+      </p:grpSpPr>
+      <p:sp>
+        <p:nvSpPr>
+          <p:cNvPr id="2" name="Content Placeholder 1"/>
+          <p:cNvSpPr>
+            <a:spLocks noGrp="1"/>
+          </p:cNvSpPr>
+          <p:nvPr>
+            <p:ph idx="1"/>
+          </p:nvPr>
+        </p:nvSpPr>
+        <p:spPr>
+          <a:xfrm>
+            <a:off x="380999" y="1732719"/>
+            <a:ext cx="8191767" cy="4170776"/>
+          </a:xfrm>
+        </p:spPr>
+        <p:txBody>
+          <a:bodyPr>
+            <a:normAutofit/>
+          </a:bodyPr>
+          <a:lstStyle/>
+          <a:p>
+            <a:r>
+              <a:rPr lang="en-GB" dirty="0" smtClean="0"/>
+              <a:t>Meh</a:t>
+            </a:r>
+            <a:endParaRPr lang="en-GB" dirty="0"/>
+          </a:p>
+          <a:p>
+            <a:r>
+              <a:rPr lang="en-GB" dirty="0" err="1"/>
+              <a:t>HolyGrail</a:t>
+            </a:r>
+            <a:r>
+              <a:rPr lang="en-GB" dirty="0"/>
+              <a:t> transforms method chaining DSL into </a:t>
+            </a:r>
+            <a:r>
+              <a:rPr lang="en-GB" dirty="0" err="1"/>
+              <a:t>clojure</a:t>
+            </a:r>
+            <a:r>
+              <a:rPr lang="en-GB" dirty="0"/>
+              <a:t> like </a:t>
+            </a:r>
+            <a:r>
+              <a:rPr lang="en-GB" dirty="0" smtClean="0"/>
+              <a:t>syntax</a:t>
+            </a:r>
+            <a:br>
+              <a:rPr lang="en-GB" dirty="0" smtClean="0"/>
+            </a:br>
+            <a:r>
+              <a:rPr lang="en-GB" dirty="0" smtClean="0"/>
+              <a:t>from(“source”).process(</a:t>
+            </a:r>
+            <a:r>
+              <a:rPr lang="en-GB" dirty="0" err="1" smtClean="0"/>
+              <a:t>MyBean.class</a:t>
+            </a:r>
+            <a:r>
+              <a:rPr lang="en-GB" dirty="0" smtClean="0"/>
+              <a:t>).to(“</a:t>
+            </a:r>
+            <a:r>
+              <a:rPr lang="en-GB" dirty="0" err="1" smtClean="0"/>
+              <a:t>dest</a:t>
+            </a:r>
+            <a:r>
+              <a:rPr lang="en-GB" dirty="0" smtClean="0"/>
+              <a:t>”)</a:t>
+            </a:r>
+            <a:br>
+              <a:rPr lang="en-GB" dirty="0" smtClean="0"/>
+            </a:br>
+            <a:r>
+              <a:rPr lang="en-GB" dirty="0" smtClean="0"/>
+              <a:t>(from “source”) (process (processor </a:t>
+            </a:r>
+            <a:r>
+              <a:rPr lang="en-US" dirty="0" smtClean="0"/>
+              <a:t>…</a:t>
+            </a:r>
+            <a:r>
+              <a:rPr lang="en-GB" dirty="0" smtClean="0"/>
+              <a:t>)) (to “</a:t>
+            </a:r>
+            <a:r>
+              <a:rPr lang="en-GB" dirty="0" err="1" smtClean="0"/>
+              <a:t>dest</a:t>
+            </a:r>
+            <a:r>
+              <a:rPr lang="en-GB" dirty="0" smtClean="0"/>
+              <a:t>”)</a:t>
+            </a:r>
+          </a:p>
+          <a:p>
+            <a:r>
+              <a:rPr lang="en-GB" dirty="0" err="1" smtClean="0"/>
+              <a:t>Englishy</a:t>
+            </a:r>
+            <a:endParaRPr lang="en-GB" dirty="0"/>
+          </a:p>
+          <a:p>
+            <a:r>
+              <a:rPr lang="en-GB" dirty="0" err="1" smtClean="0"/>
+              <a:t>HolyGrail</a:t>
+            </a:r>
+            <a:r>
+              <a:rPr lang="en-GB" dirty="0" smtClean="0"/>
+              <a:t> DSL is </a:t>
+            </a:r>
+            <a:r>
+              <a:rPr lang="en-GB" dirty="0" err="1" smtClean="0"/>
+              <a:t>EDNish</a:t>
+            </a:r>
+            <a:r>
+              <a:rPr lang="en-GB" dirty="0" smtClean="0"/>
+              <a:t> </a:t>
+            </a:r>
+            <a:r>
+              <a:rPr lang="en-GB" dirty="0" smtClean="0"/>
+              <a:t>so you could feasibly build visualisations on top of it</a:t>
+            </a:r>
+          </a:p>
+          <a:p>
+            <a:r>
+              <a:rPr lang="en-GB" dirty="0" smtClean="0"/>
+              <a:t>No </a:t>
+            </a:r>
+            <a:r>
+              <a:rPr lang="en-GB" dirty="0"/>
+              <a:t>killer visualisation without a spring </a:t>
+            </a:r>
+            <a:r>
+              <a:rPr lang="en-GB" dirty="0" smtClean="0"/>
+              <a:t>configuration</a:t>
+            </a:r>
+            <a:endParaRPr lang="en-GB" dirty="0"/>
+          </a:p>
+        </p:txBody>
+      </p:sp>
+      <p:sp>
+        <p:nvSpPr>
+          <p:cNvPr id="3" name="Title 2"/>
+          <p:cNvSpPr>
+            <a:spLocks noGrp="1"/>
+          </p:cNvSpPr>
+          <p:nvPr>
+            <p:ph type="title"/>
+          </p:nvPr>
+        </p:nvSpPr>
+        <p:spPr/>
+        <p:txBody>
+          <a:bodyPr/>
+          <a:lstStyle/>
+          <a:p>
+            <a:r>
+              <a:rPr lang="en-GB" b="1" dirty="0"/>
+              <a:t>Apache </a:t>
+            </a:r>
+            <a:r>
+              <a:rPr lang="en-GB" b="1" dirty="0" smtClean="0"/>
+              <a:t>Camel</a:t>
+            </a:r>
+            <a:r>
+              <a:rPr lang="en-GB" b="1" dirty="0"/>
+              <a:t>: Business rules </a:t>
+            </a:r>
+            <a:r>
+              <a:rPr lang="en-GB" b="1" dirty="0" smtClean="0"/>
+              <a:t>capture</a:t>
+            </a:r>
+            <a:endParaRPr lang="en-GB" b="1" dirty="0"/>
+          </a:p>
+        </p:txBody>
+      </p:sp>
+    </p:spTree>
+    <p:extLst>
+      <p:ext uri="{BB962C8B-B14F-4D97-AF65-F5344CB8AC3E}">
+        <p14:creationId xmlns:p14="http://schemas.microsoft.com/office/powerpoint/2010/main" val="3997196967"/>
+      </p:ext>
+    </p:extLst>
+  </p:cSld>
+  <p:clrMapOvr>
+    <a:masterClrMapping/>
+  </p:clrMapOvr>
+  <p:timing>
+    <p:tnLst>
+      <p:par>
+        <p:cTn xmlns:p14="http://schemas.microsoft.com/office/powerpoint/2010/main" id="1" dur="indefinite" restart="never" nodeType="tmRoot"/>
+      </p:par>
+    </p:tnLst>
+  </p:timing>
+</p:sld>
+</file>
+
+<file path=ppt/slides/slide14.xml><?xml version="1.0" encoding="utf-8"?>
+<p:sld xmlns:a="http://schemas.openxmlformats.org/drawingml/2006/main" xmlns:r="http://schemas.openxmlformats.org/officeDocument/2006/relationships" xmlns:p="http://schemas.openxmlformats.org/presentationml/2006/main">
+  <p:cSld>
+    <p:spTree>
+      <p:nvGrpSpPr>
+        <p:cNvPr id="1" name=""/>
+        <p:cNvGrpSpPr/>
+        <p:nvPr/>
+      </p:nvGrpSpPr>
+      <p:grpSpPr>
+        <a:xfrm>
+          <a:off x="0" y="0"/>
+          <a:ext cx="0" cy="0"/>
+          <a:chOff x="0" y="0"/>
+          <a:chExt cx="0" cy="0"/>
+        </a:xfrm>
+      </p:grpSpPr>
+      <p:sp>
+        <p:nvSpPr>
+          <p:cNvPr id="2" name="Content Placeholder 1"/>
+          <p:cNvSpPr>
+            <a:spLocks noGrp="1"/>
+          </p:cNvSpPr>
+          <p:nvPr>
+            <p:ph idx="1"/>
+          </p:nvPr>
+        </p:nvSpPr>
+        <p:spPr>
+          <a:xfrm>
+            <a:off x="380999" y="1732719"/>
+            <a:ext cx="8191767" cy="4170776"/>
+          </a:xfrm>
+        </p:spPr>
+        <p:txBody>
+          <a:bodyPr>
+            <a:normAutofit fontScale="85000" lnSpcReduction="20000"/>
+          </a:bodyPr>
+          <a:lstStyle/>
+          <a:p>
+            <a:r>
+              <a:rPr lang="en-GB" dirty="0"/>
+              <a:t>Message</a:t>
+            </a:r>
+          </a:p>
+          <a:p>
+            <a:pPr lvl="1"/>
+            <a:r>
+              <a:rPr lang="en-GB" dirty="0" err="1"/>
+              <a:t>MessageInterface</a:t>
+            </a:r>
+            <a:endParaRPr lang="en-GB" dirty="0"/>
+          </a:p>
+          <a:p>
+            <a:r>
+              <a:rPr lang="en-GB" dirty="0"/>
+              <a:t>Message </a:t>
+            </a:r>
+            <a:r>
+              <a:rPr lang="en-GB" dirty="0" smtClean="0"/>
+              <a:t>Channel/Endpoint</a:t>
+            </a:r>
+            <a:endParaRPr lang="en-GB" dirty="0"/>
+          </a:p>
+          <a:p>
+            <a:pPr lvl="1"/>
+            <a:r>
+              <a:rPr lang="en-US" dirty="0" smtClean="0"/>
+              <a:t>S</a:t>
+            </a:r>
+            <a:r>
+              <a:rPr lang="en-GB" dirty="0" err="1" smtClean="0"/>
+              <a:t>imple</a:t>
+            </a:r>
+            <a:r>
+              <a:rPr lang="en-GB" dirty="0" smtClean="0"/>
+              <a:t> as URLs</a:t>
+            </a:r>
+            <a:r>
+              <a:rPr lang="en-GB" dirty="0"/>
+              <a:t>, provides </a:t>
+            </a:r>
+            <a:r>
+              <a:rPr lang="en-GB" dirty="0" smtClean="0"/>
+              <a:t>stream </a:t>
+            </a:r>
+            <a:r>
+              <a:rPr lang="en-GB" dirty="0"/>
+              <a:t>merging</a:t>
+            </a:r>
+            <a:endParaRPr lang="en-GB" dirty="0"/>
+          </a:p>
+          <a:p>
+            <a:r>
+              <a:rPr lang="en-GB" dirty="0" smtClean="0"/>
+              <a:t>Message </a:t>
+            </a:r>
+            <a:r>
+              <a:rPr lang="en-GB" dirty="0"/>
+              <a:t>Router</a:t>
+            </a:r>
+          </a:p>
+          <a:p>
+            <a:pPr lvl="1"/>
+            <a:r>
+              <a:rPr lang="en-GB" dirty="0"/>
+              <a:t>via when </a:t>
+            </a:r>
+            <a:r>
+              <a:rPr lang="en-GB" dirty="0" smtClean="0"/>
+              <a:t>construct, recipient list</a:t>
+            </a:r>
+            <a:endParaRPr lang="en-GB" dirty="0"/>
+          </a:p>
+          <a:p>
+            <a:r>
+              <a:rPr lang="en-GB" dirty="0"/>
+              <a:t>Content Enricher</a:t>
+            </a:r>
+          </a:p>
+          <a:p>
+            <a:pPr lvl="1"/>
+            <a:r>
+              <a:rPr lang="en-GB" dirty="0"/>
+              <a:t>via custom processor</a:t>
+            </a:r>
+          </a:p>
+          <a:p>
+            <a:r>
+              <a:rPr lang="en-GB" dirty="0"/>
+              <a:t>Pipeline</a:t>
+            </a:r>
+          </a:p>
+          <a:p>
+            <a:pPr lvl="1"/>
+            <a:r>
+              <a:rPr lang="en-US" dirty="0" smtClean="0"/>
+              <a:t>T</a:t>
+            </a:r>
+            <a:r>
+              <a:rPr lang="en-GB" dirty="0" smtClean="0"/>
+              <a:t>op to bottom in the topology</a:t>
+            </a:r>
+            <a:endParaRPr lang="en-GB" dirty="0"/>
+          </a:p>
+          <a:p>
+            <a:r>
+              <a:rPr lang="en-GB" dirty="0"/>
+              <a:t>Splitter</a:t>
+            </a:r>
+          </a:p>
+          <a:p>
+            <a:pPr lvl="1"/>
+            <a:r>
+              <a:rPr lang="en-US" dirty="0" smtClean="0"/>
+              <a:t>(s</a:t>
+            </a:r>
+            <a:r>
+              <a:rPr lang="en-GB" dirty="0" err="1" smtClean="0"/>
+              <a:t>plit</a:t>
+            </a:r>
+            <a:r>
+              <a:rPr lang="en-GB" dirty="0" smtClean="0"/>
+              <a:t> &lt;expression&gt;)</a:t>
+            </a:r>
+            <a:endParaRPr lang="en-GB" dirty="0"/>
+          </a:p>
+          <a:p>
+            <a:r>
+              <a:rPr lang="en-GB" dirty="0"/>
+              <a:t>Aggregator</a:t>
+            </a:r>
+          </a:p>
+          <a:p>
+            <a:pPr lvl="1"/>
+            <a:r>
+              <a:rPr lang="en-GB" dirty="0"/>
+              <a:t>Not shown, </a:t>
+            </a:r>
+            <a:r>
+              <a:rPr lang="en-GB" dirty="0" smtClean="0"/>
+              <a:t>because it doesn’t help our </a:t>
+            </a:r>
+            <a:r>
+              <a:rPr lang="en-GB" dirty="0" err="1" smtClean="0"/>
+              <a:t>probelm</a:t>
+            </a:r>
+            <a:endParaRPr lang="en-GB" dirty="0"/>
+          </a:p>
+          <a:p>
+            <a:r>
+              <a:rPr lang="en-GB" dirty="0"/>
+              <a:t>Dead Letter Channel</a:t>
+            </a:r>
+          </a:p>
+          <a:p>
+            <a:pPr lvl="1"/>
+            <a:r>
+              <a:rPr lang="en-GB" dirty="0"/>
+              <a:t>error handler comes for </a:t>
+            </a:r>
+            <a:r>
+              <a:rPr lang="en-GB" dirty="0" smtClean="0"/>
+              <a:t>free</a:t>
+            </a:r>
+            <a:endParaRPr lang="en-GB" dirty="0"/>
+          </a:p>
+        </p:txBody>
+      </p:sp>
+      <p:sp>
+        <p:nvSpPr>
+          <p:cNvPr id="3" name="Title 2"/>
+          <p:cNvSpPr>
+            <a:spLocks noGrp="1"/>
+          </p:cNvSpPr>
+          <p:nvPr>
+            <p:ph type="title"/>
+          </p:nvPr>
+        </p:nvSpPr>
+        <p:spPr/>
+        <p:txBody>
+          <a:bodyPr/>
+          <a:lstStyle/>
+          <a:p>
+            <a:r>
+              <a:rPr lang="en-GB" b="1" dirty="0"/>
+              <a:t>Apache </a:t>
+            </a:r>
+            <a:r>
+              <a:rPr lang="en-GB" b="1" dirty="0" smtClean="0"/>
+              <a:t>Camel</a:t>
+            </a:r>
+            <a:r>
+              <a:rPr lang="en-GB" b="1" dirty="0"/>
+              <a:t>: Distributed Systems orchestration</a:t>
+            </a:r>
+          </a:p>
+        </p:txBody>
+      </p:sp>
+    </p:spTree>
+    <p:extLst>
+      <p:ext uri="{BB962C8B-B14F-4D97-AF65-F5344CB8AC3E}">
+        <p14:creationId xmlns:p14="http://schemas.microsoft.com/office/powerpoint/2010/main" val="123610373"/>
+      </p:ext>
+    </p:extLst>
+  </p:cSld>
+  <p:clrMapOvr>
+    <a:masterClrMapping/>
+  </p:clrMapOvr>
+  <p:timing>
+    <p:tnLst>
+      <p:par>
+        <p:cTn xmlns:p14="http://schemas.microsoft.com/office/powerpoint/2010/main" id="1" dur="indefinite" restart="never" nodeType="tmRoot"/>
+      </p:par>
+    </p:tnLst>
+  </p:timing>
+</p:sld>
+</file>
+
+<file path=ppt/slides/slide15.xml><?xml version="1.0" encoding="utf-8"?>
+<p:sld xmlns:a="http://schemas.openxmlformats.org/drawingml/2006/main" xmlns:r="http://schemas.openxmlformats.org/officeDocument/2006/relationships" xmlns:p="http://schemas.openxmlformats.org/presentationml/2006/main">
+  <p:cSld>
+    <p:spTree>
+      <p:nvGrpSpPr>
+        <p:cNvPr id="1" name=""/>
+        <p:cNvGrpSpPr/>
+        <p:nvPr/>
+      </p:nvGrpSpPr>
+      <p:grpSpPr>
+        <a:xfrm>
+          <a:off x="0" y="0"/>
+          <a:ext cx="0" cy="0"/>
+          <a:chOff x="0" y="0"/>
+          <a:chExt cx="0" cy="0"/>
+        </a:xfrm>
+      </p:grpSpPr>
+      <p:sp>
+        <p:nvSpPr>
+          <p:cNvPr id="2" name="Content Placeholder 1"/>
+          <p:cNvSpPr>
+            <a:spLocks noGrp="1"/>
+          </p:cNvSpPr>
+          <p:nvPr>
+            <p:ph idx="1"/>
+          </p:nvPr>
+        </p:nvSpPr>
+        <p:spPr>
+          <a:xfrm>
+            <a:off x="380999" y="1732719"/>
+            <a:ext cx="8191767" cy="4170776"/>
+          </a:xfrm>
+        </p:spPr>
+        <p:txBody>
+          <a:bodyPr vert="horz" lIns="91440" tIns="45720" rIns="91440" bIns="45720" rtlCol="0">
+            <a:normAutofit/>
+          </a:bodyPr>
+          <a:lstStyle/>
+          <a:p>
+            <a:r>
+              <a:rPr lang="en-GB" dirty="0"/>
+              <a:t>An elegant approach using idiomatic </a:t>
+            </a:r>
+            <a:r>
+              <a:rPr lang="en-GB" dirty="0" err="1" smtClean="0"/>
+              <a:t>Clojure</a:t>
+            </a:r>
+            <a:endParaRPr lang="en-GB" dirty="0"/>
+          </a:p>
+          <a:p>
+            <a:r>
+              <a:rPr lang="en-GB" dirty="0"/>
+              <a:t>Leverages the power of </a:t>
+            </a:r>
+            <a:r>
+              <a:rPr lang="en-GB" dirty="0" smtClean="0"/>
+              <a:t>the </a:t>
+            </a:r>
+            <a:r>
+              <a:rPr lang="en-GB" dirty="0" err="1" smtClean="0"/>
+              <a:t>Clojure</a:t>
+            </a:r>
+            <a:r>
+              <a:rPr lang="en-GB" dirty="0" smtClean="0"/>
+              <a:t> language rather </a:t>
+            </a:r>
+            <a:r>
+              <a:rPr lang="en-GB" dirty="0"/>
+              <a:t>than </a:t>
+            </a:r>
+            <a:r>
+              <a:rPr lang="en-GB" dirty="0" smtClean="0"/>
+              <a:t>adhering </a:t>
+            </a:r>
+            <a:r>
+              <a:rPr lang="en-GB" dirty="0"/>
+              <a:t>to patterns</a:t>
+            </a:r>
+          </a:p>
+          <a:p>
+            <a:r>
+              <a:rPr lang="en-GB" dirty="0"/>
+              <a:t>Well documented, seems like a strong </a:t>
+            </a:r>
+            <a:r>
+              <a:rPr lang="en-GB" dirty="0" smtClean="0"/>
+              <a:t>community, good vibes</a:t>
+            </a:r>
+          </a:p>
+          <a:p>
+            <a:r>
+              <a:rPr lang="en-GB" dirty="0" smtClean="0"/>
+              <a:t>First of many “Event Stream Processing” libraries</a:t>
+            </a:r>
+            <a:endParaRPr lang="en-GB" dirty="0"/>
+          </a:p>
+          <a:p>
+            <a:pPr lvl="1"/>
+            <a:r>
+              <a:rPr lang="en-GB" dirty="0"/>
+              <a:t>Are they useful in this </a:t>
+            </a:r>
+            <a:r>
+              <a:rPr lang="en-GB" dirty="0" smtClean="0"/>
+              <a:t>space?</a:t>
+            </a:r>
+          </a:p>
+        </p:txBody>
+      </p:sp>
+      <p:sp>
+        <p:nvSpPr>
+          <p:cNvPr id="3" name="Title 2"/>
+          <p:cNvSpPr>
+            <a:spLocks noGrp="1"/>
+          </p:cNvSpPr>
+          <p:nvPr>
+            <p:ph type="title"/>
+          </p:nvPr>
+        </p:nvSpPr>
+        <p:spPr/>
+        <p:txBody>
+          <a:bodyPr/>
+          <a:lstStyle/>
+          <a:p>
+            <a:r>
+              <a:rPr lang="en-GB" b="1" dirty="0"/>
+              <a:t>Lamina</a:t>
+            </a:r>
+          </a:p>
+        </p:txBody>
+      </p:sp>
+    </p:spTree>
+    <p:extLst>
+      <p:ext uri="{BB962C8B-B14F-4D97-AF65-F5344CB8AC3E}">
+        <p14:creationId xmlns:p14="http://schemas.microsoft.com/office/powerpoint/2010/main" val="1484282607"/>
+      </p:ext>
+    </p:extLst>
+  </p:cSld>
+  <p:clrMapOvr>
+    <a:masterClrMapping/>
+  </p:clrMapOvr>
+  <p:timing>
+    <p:tnLst>
+      <p:par>
+        <p:cTn xmlns:p14="http://schemas.microsoft.com/office/powerpoint/2010/main" id="1" dur="indefinite" restart="never" nodeType="tmRoot"/>
+      </p:par>
+    </p:tnLst>
+  </p:timing>
+</p:sld>
+</file>
+
+<file path=ppt/slides/slide16.xml><?xml version="1.0" encoding="utf-8"?>
+<p:sld xmlns:a="http://schemas.openxmlformats.org/drawingml/2006/main" xmlns:r="http://schemas.openxmlformats.org/officeDocument/2006/relationships" xmlns:p="http://schemas.openxmlformats.org/presentationml/2006/main">
+  <p:cSld>
+    <p:spTree>
+      <p:nvGrpSpPr>
+        <p:cNvPr id="1" name=""/>
+        <p:cNvGrpSpPr/>
+        <p:nvPr/>
+      </p:nvGrpSpPr>
+      <p:grpSpPr>
+        <a:xfrm>
+          <a:off x="0" y="0"/>
+          <a:ext cx="0" cy="0"/>
+          <a:chOff x="0" y="0"/>
+          <a:chExt cx="0" cy="0"/>
+        </a:xfrm>
+      </p:grpSpPr>
+      <p:sp>
+        <p:nvSpPr>
+          <p:cNvPr id="2" name="Content Placeholder 1"/>
+          <p:cNvSpPr>
+            <a:spLocks noGrp="1"/>
+          </p:cNvSpPr>
+          <p:nvPr>
+            <p:ph idx="1"/>
+          </p:nvPr>
+        </p:nvSpPr>
+        <p:spPr>
+          <a:xfrm>
+            <a:off x="380999" y="1732719"/>
+            <a:ext cx="8191767" cy="4170776"/>
+          </a:xfrm>
+        </p:spPr>
+        <p:txBody>
+          <a:bodyPr>
+            <a:normAutofit/>
+          </a:bodyPr>
+          <a:lstStyle/>
+          <a:p>
+            <a:r>
+              <a:rPr lang="en-GB" dirty="0"/>
+              <a:t>Aleph, built on top of </a:t>
+            </a:r>
+            <a:r>
+              <a:rPr lang="en-GB" dirty="0" smtClean="0"/>
+              <a:t>Lamina</a:t>
+            </a:r>
+            <a:endParaRPr lang="en-GB" dirty="0"/>
+          </a:p>
+          <a:p>
+            <a:pPr lvl="1"/>
+            <a:r>
+              <a:rPr lang="en-GB" dirty="0"/>
+              <a:t>Provides adaptors based on Lamina </a:t>
+            </a:r>
+            <a:r>
+              <a:rPr lang="en-GB" dirty="0" smtClean="0"/>
+              <a:t>channels</a:t>
+            </a:r>
+          </a:p>
+          <a:p>
+            <a:pPr lvl="1"/>
+            <a:r>
+              <a:rPr lang="en-GB" dirty="0" smtClean="0"/>
+              <a:t>Feasibly offers alternative to broker </a:t>
+            </a:r>
+            <a:endParaRPr lang="en-GB" dirty="0" smtClean="0"/>
+          </a:p>
+          <a:p>
+            <a:pPr lvl="1"/>
+            <a:r>
+              <a:rPr lang="en-GB" dirty="0" smtClean="0"/>
+              <a:t>Low level adaptors though</a:t>
+            </a:r>
+            <a:endParaRPr lang="en-GB" dirty="0"/>
+          </a:p>
+          <a:p>
+            <a:r>
+              <a:rPr lang="en-GB" dirty="0" smtClean="0"/>
+              <a:t>It’s a place to start and bind </a:t>
+            </a:r>
+            <a:r>
+              <a:rPr lang="en-GB" dirty="0" err="1" smtClean="0"/>
+              <a:t>channles</a:t>
+            </a:r>
+            <a:r>
+              <a:rPr lang="en-GB" dirty="0" smtClean="0"/>
+              <a:t> to </a:t>
+            </a:r>
+            <a:r>
+              <a:rPr lang="en-GB" dirty="0" err="1" smtClean="0"/>
+              <a:t>backends</a:t>
+            </a:r>
+            <a:r>
+              <a:rPr lang="en-GB" dirty="0" smtClean="0"/>
+              <a:t> </a:t>
+            </a:r>
+          </a:p>
+          <a:p>
+            <a:r>
+              <a:rPr lang="en-GB" dirty="0"/>
+              <a:t>A bit lightweight right </a:t>
+            </a:r>
+            <a:r>
+              <a:rPr lang="en-GB" dirty="0" smtClean="0"/>
+              <a:t>now</a:t>
+            </a:r>
+            <a:endParaRPr lang="en-GB" dirty="0"/>
+          </a:p>
+          <a:p>
+            <a:r>
+              <a:rPr lang="en-GB" dirty="0"/>
+              <a:t>I've used </a:t>
+            </a:r>
+            <a:r>
+              <a:rPr lang="en-GB" dirty="0" err="1"/>
+              <a:t>clamq</a:t>
+            </a:r>
+            <a:r>
+              <a:rPr lang="en-GB" dirty="0"/>
+              <a:t>, </a:t>
+            </a:r>
+            <a:r>
+              <a:rPr lang="en-GB" dirty="0" err="1"/>
+              <a:t>compojure</a:t>
+            </a:r>
+            <a:r>
+              <a:rPr lang="en-GB" dirty="0"/>
+              <a:t> and </a:t>
+            </a:r>
+            <a:r>
+              <a:rPr lang="en-GB" dirty="0" smtClean="0"/>
+              <a:t>quartzite</a:t>
+            </a:r>
+            <a:endParaRPr lang="en-GB" dirty="0"/>
+          </a:p>
+        </p:txBody>
+      </p:sp>
+      <p:sp>
+        <p:nvSpPr>
+          <p:cNvPr id="3" name="Title 2"/>
+          <p:cNvSpPr>
+            <a:spLocks noGrp="1"/>
+          </p:cNvSpPr>
+          <p:nvPr>
+            <p:ph type="title"/>
+          </p:nvPr>
+        </p:nvSpPr>
+        <p:spPr/>
+        <p:txBody>
+          <a:bodyPr/>
+          <a:lstStyle/>
+          <a:p>
+            <a:r>
+              <a:rPr lang="en-GB" b="1" dirty="0" smtClean="0"/>
+              <a:t>Lamina: System integration</a:t>
+            </a:r>
+            <a:endParaRPr lang="en-GB" b="1" dirty="0"/>
+          </a:p>
+        </p:txBody>
+      </p:sp>
+    </p:spTree>
+    <p:extLst>
+      <p:ext uri="{BB962C8B-B14F-4D97-AF65-F5344CB8AC3E}">
+        <p14:creationId xmlns:p14="http://schemas.microsoft.com/office/powerpoint/2010/main" val="4243604117"/>
+      </p:ext>
+    </p:extLst>
+  </p:cSld>
+  <p:clrMapOvr>
+    <a:masterClrMapping/>
+  </p:clrMapOvr>
+  <p:timing>
+    <p:tnLst>
+      <p:par>
+        <p:cTn xmlns:p14="http://schemas.microsoft.com/office/powerpoint/2010/main" id="1" dur="indefinite" restart="never" nodeType="tmRoot"/>
+      </p:par>
+    </p:tnLst>
+  </p:timing>
+</p:sld>
+</file>
+
+<file path=ppt/slides/slide17.xml><?xml version="1.0" encoding="utf-8"?>
+<p:sld xmlns:a="http://schemas.openxmlformats.org/drawingml/2006/main" xmlns:r="http://schemas.openxmlformats.org/officeDocument/2006/relationships" xmlns:p="http://schemas.openxmlformats.org/presentationml/2006/main">
+  <p:cSld>
+    <p:spTree>
+      <p:nvGrpSpPr>
+        <p:cNvPr id="1" name=""/>
+        <p:cNvGrpSpPr/>
+        <p:nvPr/>
+      </p:nvGrpSpPr>
+      <p:grpSpPr>
+        <a:xfrm>
+          <a:off x="0" y="0"/>
+          <a:ext cx="0" cy="0"/>
+          <a:chOff x="0" y="0"/>
+          <a:chExt cx="0" cy="0"/>
+        </a:xfrm>
+      </p:grpSpPr>
+      <p:sp>
+        <p:nvSpPr>
+          <p:cNvPr id="2" name="Content Placeholder 1"/>
+          <p:cNvSpPr>
+            <a:spLocks noGrp="1"/>
+          </p:cNvSpPr>
+          <p:nvPr>
+            <p:ph idx="1"/>
+          </p:nvPr>
+        </p:nvSpPr>
+        <p:spPr>
+          <a:xfrm>
+            <a:off x="380999" y="1732719"/>
+            <a:ext cx="8191767" cy="914947"/>
+          </a:xfrm>
+        </p:spPr>
+        <p:txBody>
+          <a:bodyPr>
+            <a:normAutofit/>
+          </a:bodyPr>
+          <a:lstStyle/>
+          <a:p>
+            <a:r>
+              <a:rPr lang="en-GB" dirty="0"/>
+              <a:t>Routes are very nicely captured in succinct </a:t>
+            </a:r>
+            <a:r>
+              <a:rPr lang="en-GB" dirty="0" err="1" smtClean="0"/>
+              <a:t>Clojure</a:t>
+            </a:r>
+            <a:r>
+              <a:rPr lang="en-GB" dirty="0" smtClean="0"/>
+              <a:t> </a:t>
+            </a:r>
+            <a:r>
+              <a:rPr lang="en-GB" dirty="0"/>
+              <a:t>blocks</a:t>
+            </a:r>
+          </a:p>
+          <a:p>
+            <a:r>
+              <a:rPr lang="en-GB" dirty="0"/>
+              <a:t>has nice integration with </a:t>
+            </a:r>
+            <a:r>
+              <a:rPr lang="en-GB" dirty="0" err="1" smtClean="0"/>
+              <a:t>graphviz</a:t>
+            </a:r>
+            <a:endParaRPr lang="en-GB" b="1" dirty="0"/>
+          </a:p>
+          <a:p>
+            <a:pPr marL="45720" indent="0">
+              <a:buNone/>
+            </a:pPr>
+            <a:endParaRPr lang="en-GB" dirty="0" smtClean="0"/>
+          </a:p>
+        </p:txBody>
+      </p:sp>
+      <p:sp>
+        <p:nvSpPr>
+          <p:cNvPr id="3" name="Title 2"/>
+          <p:cNvSpPr>
+            <a:spLocks noGrp="1"/>
+          </p:cNvSpPr>
+          <p:nvPr>
+            <p:ph type="title"/>
+          </p:nvPr>
+        </p:nvSpPr>
+        <p:spPr/>
+        <p:txBody>
+          <a:bodyPr/>
+          <a:lstStyle/>
+          <a:p>
+            <a:r>
+              <a:rPr lang="en-GB" b="1" dirty="0" smtClean="0"/>
+              <a:t>Lamina: business rule capture</a:t>
+            </a:r>
+            <a:endParaRPr lang="en-GB" b="1" dirty="0"/>
+          </a:p>
+        </p:txBody>
+      </p:sp>
+      <p:sp>
+        <p:nvSpPr>
+          <p:cNvPr id="6" name="Content Placeholder 1"/>
+          <p:cNvSpPr txBox="1">
+            <a:spLocks/>
+          </p:cNvSpPr>
+          <p:nvPr/>
+        </p:nvSpPr>
+        <p:spPr>
+          <a:xfrm>
+            <a:off x="383271" y="4805747"/>
+            <a:ext cx="8191767" cy="914947"/>
+          </a:xfrm>
+          <a:prstGeom prst="rect">
+            <a:avLst/>
+          </a:prstGeom>
+        </p:spPr>
+        <p:txBody>
+          <a:bodyPr vert="horz" lIns="91440" tIns="45720" rIns="91440" bIns="45720" rtlCol="0">
+            <a:normAutofit/>
+          </a:bodyPr>
+          <a:lstStyle>
+            <a:lvl1pPr marL="274320" indent="-228600" algn="l" defTabSz="914400" rtl="0" eaLnBrk="1" latinLnBrk="0" hangingPunct="1">
+              <a:spcBef>
+                <a:spcPct val="20000"/>
+              </a:spcBef>
+              <a:buClr>
+                <a:schemeClr val="accent1"/>
+              </a:buClr>
+              <a:buFont typeface="Wingdings 2" pitchFamily="18" charset="2"/>
+              <a:buChar char=""/>
+              <a:defRPr sz="2000" kern="1200" spc="150" baseline="0">
+                <a:solidFill>
+                  <a:schemeClr val="tx2"/>
+                </a:solidFill>
+                <a:latin typeface="+mn-lt"/>
+                <a:ea typeface="+mn-ea"/>
+                <a:cs typeface="+mn-cs"/>
+              </a:defRPr>
+            </a:lvl1pPr>
+            <a:lvl2pPr marL="548640" indent="-182880" algn="l" defTabSz="914400" rtl="0" eaLnBrk="1" latinLnBrk="0" hangingPunct="1">
+              <a:spcBef>
+                <a:spcPct val="20000"/>
+              </a:spcBef>
+              <a:buClr>
+                <a:schemeClr val="accent2"/>
+              </a:buClr>
+              <a:buFont typeface="Wingdings" pitchFamily="2" charset="2"/>
+              <a:buChar char="§"/>
+              <a:defRPr sz="1800" kern="1200" spc="100" baseline="0">
+                <a:solidFill>
+                  <a:schemeClr val="tx2"/>
+                </a:solidFill>
+                <a:latin typeface="+mn-lt"/>
+                <a:ea typeface="+mn-ea"/>
+                <a:cs typeface="+mn-cs"/>
+              </a:defRPr>
+            </a:lvl2pPr>
+            <a:lvl3pPr marL="822960" indent="-182880" algn="l" defTabSz="914400" rtl="0" eaLnBrk="1" latinLnBrk="0" hangingPunct="1">
+              <a:spcBef>
+                <a:spcPct val="20000"/>
+              </a:spcBef>
+              <a:buClr>
+                <a:schemeClr val="accent3"/>
+              </a:buClr>
+              <a:buFont typeface="Wingdings" pitchFamily="2" charset="2"/>
+              <a:buChar char="§"/>
+              <a:defRPr sz="1600" kern="1200" spc="100" baseline="0">
+                <a:solidFill>
+                  <a:schemeClr val="tx2"/>
+                </a:solidFill>
+                <a:latin typeface="+mn-lt"/>
+                <a:ea typeface="+mn-ea"/>
+                <a:cs typeface="+mn-cs"/>
+              </a:defRPr>
+            </a:lvl3pPr>
+            <a:lvl4pPr marL="1097280" indent="-182880" algn="l" defTabSz="914400" rtl="0" eaLnBrk="1" latinLnBrk="0" hangingPunct="1">
+              <a:spcBef>
+                <a:spcPct val="20000"/>
+              </a:spcBef>
+              <a:buClr>
+                <a:schemeClr val="accent4"/>
+              </a:buClr>
+              <a:buFont typeface="Wingdings" pitchFamily="2" charset="2"/>
+              <a:buChar char="§"/>
+              <a:defRPr sz="1400" kern="1200">
+                <a:solidFill>
+                  <a:schemeClr val="tx2"/>
+                </a:solidFill>
+                <a:latin typeface="+mn-lt"/>
+                <a:ea typeface="+mn-ea"/>
+                <a:cs typeface="+mn-cs"/>
+              </a:defRPr>
+            </a:lvl4pPr>
+            <a:lvl5pPr marL="1280160" indent="-182880" algn="l" defTabSz="914400" rtl="0" eaLnBrk="1" latinLnBrk="0" hangingPunct="1">
+              <a:spcBef>
+                <a:spcPct val="20000"/>
+              </a:spcBef>
+              <a:buClr>
+                <a:schemeClr val="accent6"/>
+              </a:buClr>
+              <a:buFont typeface="Wingdings" pitchFamily="2" charset="2"/>
+              <a:buChar char="§"/>
+              <a:defRPr sz="1300" kern="1200" spc="100" baseline="0">
+                <a:solidFill>
+                  <a:schemeClr val="tx2"/>
+                </a:solidFill>
+                <a:latin typeface="+mn-lt"/>
+                <a:ea typeface="+mn-ea"/>
+                <a:cs typeface="+mn-cs"/>
+              </a:defRPr>
+            </a:lvl5pPr>
+            <a:lvl6pPr marL="1554480" indent="-182880" algn="l" defTabSz="914400" rtl="0" eaLnBrk="1" latinLnBrk="0" hangingPunct="1">
+              <a:spcBef>
+                <a:spcPct val="20000"/>
+              </a:spcBef>
+              <a:buClr>
+                <a:schemeClr val="accent1"/>
+              </a:buClr>
+              <a:buFont typeface="Wingdings" pitchFamily="2" charset="2"/>
+              <a:buChar char="§"/>
+              <a:defRPr sz="1200" kern="1200">
+                <a:solidFill>
+                  <a:schemeClr val="tx2"/>
+                </a:solidFill>
+                <a:latin typeface="+mn-lt"/>
+                <a:ea typeface="+mn-ea"/>
+                <a:cs typeface="+mn-cs"/>
+              </a:defRPr>
+            </a:lvl6pPr>
+            <a:lvl7pPr marL="1828800" indent="-182880" algn="l" defTabSz="914400" rtl="0" eaLnBrk="1" latinLnBrk="0" hangingPunct="1">
+              <a:spcBef>
+                <a:spcPct val="20000"/>
+              </a:spcBef>
+              <a:buClr>
+                <a:schemeClr val="accent2"/>
+              </a:buClr>
+              <a:buFont typeface="Wingdings" pitchFamily="2" charset="2"/>
+              <a:buChar char="§"/>
+              <a:defRPr sz="1200" kern="1200">
+                <a:solidFill>
+                  <a:schemeClr val="tx2"/>
+                </a:solidFill>
+                <a:latin typeface="+mn-lt"/>
+                <a:ea typeface="+mn-ea"/>
+                <a:cs typeface="+mn-cs"/>
+              </a:defRPr>
+            </a:lvl7pPr>
+            <a:lvl8pPr marL="2103120" indent="-182880" algn="l" defTabSz="914400" rtl="0" eaLnBrk="1" latinLnBrk="0" hangingPunct="1">
+              <a:spcBef>
+                <a:spcPct val="20000"/>
+              </a:spcBef>
+              <a:buClr>
+                <a:schemeClr val="accent3"/>
+              </a:buClr>
+              <a:buFont typeface="Wingdings" pitchFamily="2" charset="2"/>
+              <a:buChar char="§"/>
+              <a:defRPr sz="1200" kern="1200">
+                <a:solidFill>
+                  <a:schemeClr val="tx2"/>
+                </a:solidFill>
+                <a:latin typeface="+mn-lt"/>
+                <a:ea typeface="+mn-ea"/>
+                <a:cs typeface="+mn-cs"/>
+              </a:defRPr>
+            </a:lvl8pPr>
+            <a:lvl9pPr marL="2377440" indent="-182880" algn="l" defTabSz="914400" rtl="0" eaLnBrk="1" latinLnBrk="0" hangingPunct="1">
+              <a:spcBef>
+                <a:spcPct val="20000"/>
+              </a:spcBef>
+              <a:buClr>
+                <a:schemeClr val="accent5"/>
+              </a:buClr>
+              <a:buFont typeface="Wingdings" pitchFamily="2" charset="2"/>
+              <a:buChar char="§"/>
+              <a:defRPr sz="1200" kern="1200">
+                <a:solidFill>
+                  <a:schemeClr val="tx2"/>
+                </a:solidFill>
+                <a:latin typeface="+mn-lt"/>
+                <a:ea typeface="+mn-ea"/>
+                <a:cs typeface="+mn-cs"/>
+              </a:defRPr>
+            </a:lvl9pPr>
+          </a:lstStyle>
+          <a:p>
+            <a:r>
+              <a:rPr lang="en-GB" dirty="0"/>
+              <a:t>Breaks down a bit with the proliferation of anon </a:t>
+            </a:r>
+            <a:r>
+              <a:rPr lang="en-GB" dirty="0" smtClean="0"/>
+              <a:t>function</a:t>
+            </a:r>
+            <a:endParaRPr lang="en-GB" dirty="0"/>
+          </a:p>
+        </p:txBody>
+      </p:sp>
+      <p:pic>
+        <p:nvPicPr>
+          <p:cNvPr id="5124" name="Picture 4" descr="Alt text"/>
+          <p:cNvPicPr>
+            <a:picLocks noChangeAspect="1" noChangeArrowheads="1"/>
+          </p:cNvPicPr>
+          <p:nvPr/>
+        </p:nvPicPr>
+        <p:blipFill>
+          <a:blip r:embed="rId3">
+            <a:extLst>
+              <a:ext uri="{28A0092B-C50C-407E-A947-70E740481C1C}">
+                <a14:useLocalDpi xmlns:a14="http://schemas.microsoft.com/office/drawing/2010/main" val="0"/>
+              </a:ext>
+            </a:extLst>
+          </a:blip>
+          <a:srcRect/>
+          <a:stretch>
+            <a:fillRect/>
+          </a:stretch>
+        </p:blipFill>
+        <p:spPr bwMode="auto">
+          <a:xfrm>
+            <a:off x="1992573" y="2590124"/>
+            <a:ext cx="4185495" cy="2104706"/>
+          </a:xfrm>
+          <a:prstGeom prst="rect">
+            <a:avLst/>
+          </a:prstGeom>
+          <a:noFill/>
+        </p:spPr>
+      </p:pic>
+    </p:spTree>
+    <p:extLst>
+      <p:ext uri="{BB962C8B-B14F-4D97-AF65-F5344CB8AC3E}">
+        <p14:creationId xmlns:p14="http://schemas.microsoft.com/office/powerpoint/2010/main" val="2611263500"/>
+      </p:ext>
+    </p:extLst>
+  </p:cSld>
+  <p:clrMapOvr>
+    <a:masterClrMapping/>
+  </p:clrMapOvr>
+  <p:timing>
+    <p:tnLst>
+      <p:par>
+        <p:cTn xmlns:p14="http://schemas.microsoft.com/office/powerpoint/2010/main" id="1" dur="indefinite" restart="never" nodeType="tmRoot"/>
+      </p:par>
+    </p:tnLst>
+  </p:timing>
+</p:sld>
+</file>
+
+<file path=ppt/slides/slide18.xml><?xml version="1.0" encoding="utf-8"?>
+<p:sld xmlns:a="http://schemas.openxmlformats.org/drawingml/2006/main" xmlns:r="http://schemas.openxmlformats.org/officeDocument/2006/relationships" xmlns:p="http://schemas.openxmlformats.org/presentationml/2006/main">
+  <p:cSld>
+    <p:spTree>
+      <p:nvGrpSpPr>
+        <p:cNvPr id="1" name=""/>
+        <p:cNvGrpSpPr/>
+        <p:nvPr/>
+      </p:nvGrpSpPr>
+      <p:grpSpPr>
+        <a:xfrm>
+          <a:off x="0" y="0"/>
+          <a:ext cx="0" cy="0"/>
+          <a:chOff x="0" y="0"/>
+          <a:chExt cx="0" cy="0"/>
+        </a:xfrm>
+      </p:grpSpPr>
+      <p:sp>
+        <p:nvSpPr>
+          <p:cNvPr id="2" name="Content Placeholder 1"/>
+          <p:cNvSpPr>
+            <a:spLocks noGrp="1"/>
+          </p:cNvSpPr>
+          <p:nvPr>
+            <p:ph idx="1"/>
+          </p:nvPr>
+        </p:nvSpPr>
+        <p:spPr>
+          <a:xfrm>
+            <a:off x="380999" y="1732718"/>
+            <a:ext cx="8191767" cy="4913741"/>
+          </a:xfrm>
+        </p:spPr>
+        <p:txBody>
+          <a:bodyPr>
+            <a:normAutofit/>
+          </a:bodyPr>
+          <a:lstStyle/>
+          <a:p>
+            <a:r>
+              <a:rPr lang="en-GB" dirty="0"/>
+              <a:t>Message Channel</a:t>
+            </a:r>
+          </a:p>
+          <a:p>
+            <a:pPr lvl="1"/>
+            <a:r>
+              <a:rPr lang="en-GB" dirty="0"/>
+              <a:t>Lamina provides it's own </a:t>
+            </a:r>
+            <a:r>
+              <a:rPr lang="en-GB" dirty="0" smtClean="0"/>
+              <a:t>channel construct</a:t>
+            </a:r>
+          </a:p>
+          <a:p>
+            <a:pPr lvl="1"/>
+            <a:r>
+              <a:rPr lang="en-GB" dirty="0" smtClean="0"/>
+              <a:t>Memory only</a:t>
+            </a:r>
+            <a:endParaRPr lang="en-GB" dirty="0"/>
+          </a:p>
+          <a:p>
+            <a:r>
+              <a:rPr lang="en-GB" dirty="0"/>
+              <a:t>Message </a:t>
+            </a:r>
+            <a:r>
+              <a:rPr lang="en-GB" dirty="0" smtClean="0"/>
+              <a:t>Endpoint</a:t>
+            </a:r>
+            <a:endParaRPr lang="en-GB" dirty="0"/>
+          </a:p>
+          <a:p>
+            <a:pPr lvl="1"/>
+            <a:r>
+              <a:rPr lang="en-GB" dirty="0" smtClean="0"/>
+              <a:t>Without this, we’re not distributed</a:t>
+            </a:r>
+          </a:p>
+          <a:p>
+            <a:pPr lvl="1"/>
+            <a:r>
+              <a:rPr lang="en-GB" dirty="0" smtClean="0"/>
+              <a:t>Used </a:t>
+            </a:r>
+            <a:r>
+              <a:rPr lang="en-GB" dirty="0" err="1" smtClean="0"/>
+              <a:t>Clamq</a:t>
+            </a:r>
+            <a:r>
+              <a:rPr lang="en-GB" dirty="0" smtClean="0"/>
+              <a:t> to get us out of a jiffy</a:t>
+            </a:r>
+            <a:endParaRPr lang="en-GB" dirty="0" smtClean="0"/>
+          </a:p>
+          <a:p>
+            <a:r>
+              <a:rPr lang="en-GB" dirty="0" smtClean="0"/>
+              <a:t>Pipeline</a:t>
+            </a:r>
+            <a:endParaRPr lang="en-GB" dirty="0"/>
+          </a:p>
+          <a:p>
+            <a:pPr lvl="1"/>
+            <a:r>
+              <a:rPr lang="en-US" dirty="0" smtClean="0"/>
+              <a:t>S</a:t>
+            </a:r>
+            <a:r>
+              <a:rPr lang="en-GB" dirty="0" err="1" smtClean="0"/>
+              <a:t>ee</a:t>
+            </a:r>
+            <a:r>
+              <a:rPr lang="en-GB" dirty="0" smtClean="0"/>
+              <a:t> (pipeline) </a:t>
+            </a:r>
+            <a:r>
+              <a:rPr lang="en-US" dirty="0" smtClean="0">
+                <a:sym typeface="Wingdings"/>
+              </a:rPr>
+              <a:t></a:t>
+            </a:r>
+            <a:endParaRPr lang="en-GB" dirty="0"/>
+          </a:p>
+          <a:p>
+            <a:r>
+              <a:rPr lang="en-GB" dirty="0" smtClean="0"/>
+              <a:t>Not needed</a:t>
+            </a:r>
+          </a:p>
+          <a:p>
+            <a:pPr lvl="1"/>
+            <a:r>
+              <a:rPr lang="en-GB" dirty="0"/>
+              <a:t>Content Enricher</a:t>
+            </a:r>
+          </a:p>
+          <a:p>
+            <a:pPr lvl="1"/>
+            <a:r>
+              <a:rPr lang="en-GB" dirty="0" smtClean="0"/>
+              <a:t>Splitter</a:t>
+            </a:r>
+          </a:p>
+          <a:p>
+            <a:pPr lvl="1"/>
+            <a:r>
+              <a:rPr lang="en-GB" dirty="0" smtClean="0"/>
+              <a:t>Message Router</a:t>
+            </a:r>
+          </a:p>
+          <a:p>
+            <a:pPr lvl="1"/>
+            <a:r>
+              <a:rPr lang="en-GB" dirty="0" smtClean="0"/>
+              <a:t>DLQ</a:t>
+            </a:r>
+            <a:endParaRPr lang="en-GB" dirty="0"/>
+          </a:p>
+        </p:txBody>
+      </p:sp>
+      <p:sp>
+        <p:nvSpPr>
+          <p:cNvPr id="3" name="Title 2"/>
+          <p:cNvSpPr>
+            <a:spLocks noGrp="1"/>
+          </p:cNvSpPr>
+          <p:nvPr>
+            <p:ph type="title"/>
+          </p:nvPr>
+        </p:nvSpPr>
+        <p:spPr/>
+        <p:txBody>
+          <a:bodyPr/>
+          <a:lstStyle/>
+          <a:p>
+            <a:r>
+              <a:rPr lang="en-GB" b="1" dirty="0" smtClean="0"/>
+              <a:t>Lamina: </a:t>
+            </a:r>
+            <a:r>
+              <a:rPr lang="en-GB" b="1" dirty="0"/>
+              <a:t>Distributed Systems Orchestration</a:t>
+            </a:r>
+          </a:p>
+        </p:txBody>
+      </p:sp>
+    </p:spTree>
+    <p:extLst>
+      <p:ext uri="{BB962C8B-B14F-4D97-AF65-F5344CB8AC3E}">
+        <p14:creationId xmlns:p14="http://schemas.microsoft.com/office/powerpoint/2010/main" val="3125864291"/>
+      </p:ext>
+    </p:extLst>
+  </p:cSld>
+  <p:clrMapOvr>
+    <a:masterClrMapping/>
+  </p:clrMapOvr>
+  <p:timing>
+    <p:tnLst>
+      <p:par>
+        <p:cTn xmlns:p14="http://schemas.microsoft.com/office/powerpoint/2010/main" id="1" dur="indefinite" restart="never" nodeType="tmRoot"/>
+      </p:par>
+    </p:tnLst>
+  </p:timing>
+</p:sld>
+</file>
+
+<file path=ppt/slides/slide19.xml><?xml version="1.0" encoding="utf-8"?>
+<p:sld xmlns:a="http://schemas.openxmlformats.org/drawingml/2006/main" xmlns:r="http://schemas.openxmlformats.org/officeDocument/2006/relationships" xmlns:p="http://schemas.openxmlformats.org/presentationml/2006/main">
+  <p:cSld>
+    <p:spTree>
+      <p:nvGrpSpPr>
+        <p:cNvPr id="1" name=""/>
+        <p:cNvGrpSpPr/>
+        <p:nvPr/>
+      </p:nvGrpSpPr>
+      <p:grpSpPr>
+        <a:xfrm>
+          <a:off x="0" y="0"/>
+          <a:ext cx="0" cy="0"/>
+          <a:chOff x="0" y="0"/>
+          <a:chExt cx="0" cy="0"/>
+        </a:xfrm>
+      </p:grpSpPr>
+      <p:sp>
+        <p:nvSpPr>
+          <p:cNvPr id="2" name="Content Placeholder 1"/>
+          <p:cNvSpPr>
+            <a:spLocks noGrp="1"/>
+          </p:cNvSpPr>
+          <p:nvPr>
+            <p:ph idx="1"/>
+          </p:nvPr>
+        </p:nvSpPr>
+        <p:spPr>
+          <a:xfrm>
+            <a:off x="380999" y="1732719"/>
+            <a:ext cx="8191767" cy="4170776"/>
+          </a:xfrm>
+        </p:spPr>
+        <p:txBody>
+          <a:bodyPr>
+            <a:normAutofit/>
+          </a:bodyPr>
+          <a:lstStyle/>
+          <a:p>
+            <a:r>
+              <a:rPr lang="en-GB" dirty="0"/>
+              <a:t>A quite young framework</a:t>
+            </a:r>
+          </a:p>
+          <a:p>
+            <a:r>
+              <a:rPr lang="en-GB" dirty="0"/>
+              <a:t>Idiomatic </a:t>
+            </a:r>
+            <a:r>
+              <a:rPr lang="en-GB" dirty="0" err="1"/>
+              <a:t>C</a:t>
+            </a:r>
+            <a:r>
+              <a:rPr lang="en-GB" dirty="0" err="1" smtClean="0"/>
+              <a:t>lojure</a:t>
+            </a:r>
+            <a:r>
+              <a:rPr lang="en-GB" dirty="0" smtClean="0"/>
+              <a:t> </a:t>
+            </a:r>
+            <a:r>
+              <a:rPr lang="en-GB" dirty="0"/>
+              <a:t>again, no yucky </a:t>
+            </a:r>
+            <a:r>
+              <a:rPr lang="en-GB" dirty="0" err="1"/>
+              <a:t>interop</a:t>
+            </a:r>
+            <a:endParaRPr lang="en-GB" dirty="0"/>
+          </a:p>
+          <a:p>
+            <a:r>
+              <a:rPr lang="en-GB" dirty="0"/>
+              <a:t>Not advertised as an integration solution</a:t>
+            </a:r>
+          </a:p>
+          <a:p>
+            <a:r>
+              <a:rPr lang="en-GB" dirty="0"/>
+              <a:t>But there's </a:t>
+            </a:r>
+            <a:r>
+              <a:rPr lang="en-GB" dirty="0" smtClean="0"/>
+              <a:t>overlap</a:t>
+            </a:r>
+          </a:p>
+          <a:p>
+            <a:r>
+              <a:rPr lang="en-GB" dirty="0" smtClean="0"/>
+              <a:t>See also Riemann </a:t>
+            </a:r>
+            <a:r>
+              <a:rPr lang="en-GB" dirty="0" err="1" smtClean="0"/>
+              <a:t>etc</a:t>
+            </a:r>
+            <a:endParaRPr lang="en-GB" dirty="0"/>
+          </a:p>
+          <a:p>
+            <a:endParaRPr lang="en-GB" b="1" dirty="0"/>
+          </a:p>
+          <a:p>
+            <a:pPr marL="45720" indent="0">
+              <a:buNone/>
+            </a:pPr>
+            <a:endParaRPr lang="en-GB" dirty="0" smtClean="0"/>
+          </a:p>
+        </p:txBody>
+      </p:sp>
+      <p:sp>
+        <p:nvSpPr>
+          <p:cNvPr id="3" name="Title 2"/>
+          <p:cNvSpPr>
+            <a:spLocks noGrp="1"/>
+          </p:cNvSpPr>
+          <p:nvPr>
+            <p:ph type="title"/>
+          </p:nvPr>
+        </p:nvSpPr>
+        <p:spPr/>
+        <p:txBody>
+          <a:bodyPr/>
+          <a:lstStyle/>
+          <a:p>
+            <a:r>
+              <a:rPr lang="en-GB" b="1" dirty="0"/>
+              <a:t>EEP</a:t>
+            </a:r>
+          </a:p>
+        </p:txBody>
+      </p:sp>
+    </p:spTree>
+    <p:extLst>
+      <p:ext uri="{BB962C8B-B14F-4D97-AF65-F5344CB8AC3E}">
+        <p14:creationId xmlns:p14="http://schemas.microsoft.com/office/powerpoint/2010/main" val="3764844731"/>
+      </p:ext>
+    </p:extLst>
+  </p:cSld>
+  <p:clrMapOvr>
+    <a:masterClrMapping/>
+  </p:clrMapOvr>
+  <p:timing>
+    <p:tnLst>
+      <p:par>
+        <p:cTn xmlns:p14="http://schemas.microsoft.com/office/powerpoint/2010/main" id="1" dur="indefinite" restart="never" nodeType="tmRoot"/>
+      </p:par>
+    </p:tnLst>
+  </p:timing>
+</p:sld>
+</file>
+
+<file path=ppt/slides/slide2.xml><?xml version="1.0" encoding="utf-8"?>
+<p:sld xmlns:a="http://schemas.openxmlformats.org/drawingml/2006/main" xmlns:r="http://schemas.openxmlformats.org/officeDocument/2006/relationships" xmlns:p="http://schemas.openxmlformats.org/presentationml/2006/main">
+  <p:cSld>
+    <p:spTree>
+      <p:nvGrpSpPr>
+        <p:cNvPr id="1" name=""/>
+        <p:cNvGrpSpPr/>
+        <p:nvPr/>
+      </p:nvGrpSpPr>
+      <p:grpSpPr>
+        <a:xfrm>
+          <a:off x="0" y="0"/>
+          <a:ext cx="0" cy="0"/>
+          <a:chOff x="0" y="0"/>
+          <a:chExt cx="0" cy="0"/>
+        </a:xfrm>
+      </p:grpSpPr>
+      <p:sp>
+        <p:nvSpPr>
+          <p:cNvPr id="2" name="Content Placeholder 1"/>
+          <p:cNvSpPr>
+            <a:spLocks noGrp="1"/>
+          </p:cNvSpPr>
+          <p:nvPr>
+            <p:ph idx="1"/>
+          </p:nvPr>
+        </p:nvSpPr>
+        <p:spPr>
+          <a:xfrm>
+            <a:off x="381000" y="1719071"/>
+            <a:ext cx="8191766" cy="514953"/>
+          </a:xfrm>
+        </p:spPr>
+        <p:txBody>
+          <a:bodyPr>
+            <a:noAutofit/>
+          </a:bodyPr>
+          <a:lstStyle/>
+          <a:p>
+            <a:r>
+              <a:rPr lang="en-US" dirty="0" smtClean="0"/>
+              <a:t>http://</a:t>
+            </a:r>
+            <a:r>
+              <a:rPr lang="en-US" dirty="0" err="1" smtClean="0"/>
+              <a:t>github.com</a:t>
+            </a:r>
+            <a:r>
+              <a:rPr lang="en-US" dirty="0" smtClean="0"/>
+              <a:t>/</a:t>
+            </a:r>
+            <a:r>
+              <a:rPr lang="en-US" dirty="0" err="1" smtClean="0"/>
+              <a:t>clumsyjedi</a:t>
+            </a:r>
+            <a:r>
+              <a:rPr lang="en-US" dirty="0" smtClean="0"/>
+              <a:t>/euroclojure2013</a:t>
+            </a:r>
+          </a:p>
+          <a:p>
+            <a:r>
+              <a:rPr lang="en-US" dirty="0" smtClean="0"/>
+              <a:t>A</a:t>
+            </a:r>
+            <a:r>
+              <a:rPr lang="en-GB" dirty="0" err="1" smtClean="0"/>
+              <a:t>ims</a:t>
+            </a:r>
+            <a:r>
+              <a:rPr lang="en-GB" dirty="0" smtClean="0"/>
+              <a:t> to connect and combines people, processes, systems, and technologies to ensure that the right people and the right processes have the right information at the right time </a:t>
+            </a:r>
+            <a:r>
+              <a:rPr lang="en-US" dirty="0" smtClean="0"/>
+              <a:t>–</a:t>
+            </a:r>
+            <a:r>
+              <a:rPr lang="en-GB" dirty="0" smtClean="0"/>
+              <a:t> </a:t>
+            </a:r>
+            <a:r>
+              <a:rPr lang="en-GB" dirty="0" err="1" smtClean="0"/>
+              <a:t>Brosey</a:t>
+            </a:r>
+            <a:r>
+              <a:rPr lang="en-GB" dirty="0" smtClean="0"/>
+              <a:t> et al</a:t>
+            </a:r>
+            <a:r>
+              <a:rPr lang="en-GB" dirty="0" smtClean="0"/>
+              <a:t>.</a:t>
+            </a:r>
+            <a:endParaRPr lang="en-US" dirty="0" smtClean="0"/>
+          </a:p>
+        </p:txBody>
+      </p:sp>
+      <p:sp>
+        <p:nvSpPr>
+          <p:cNvPr id="3" name="Title 2"/>
+          <p:cNvSpPr>
+            <a:spLocks noGrp="1"/>
+          </p:cNvSpPr>
+          <p:nvPr>
+            <p:ph type="title"/>
+          </p:nvPr>
+        </p:nvSpPr>
+        <p:spPr/>
+        <p:txBody>
+          <a:bodyPr/>
+          <a:lstStyle/>
+          <a:p>
+            <a:r>
+              <a:rPr lang="en-US" dirty="0" smtClean="0"/>
+              <a:t>Intro</a:t>
+            </a:r>
+            <a:endParaRPr lang="en-US" dirty="0"/>
+          </a:p>
+        </p:txBody>
+      </p:sp>
+      <p:sp>
+        <p:nvSpPr>
+          <p:cNvPr id="8" name="Content Placeholder 1"/>
+          <p:cNvSpPr txBox="1">
+            <a:spLocks/>
+          </p:cNvSpPr>
+          <p:nvPr/>
+        </p:nvSpPr>
+        <p:spPr>
+          <a:xfrm>
+            <a:off x="385979" y="3214260"/>
+            <a:ext cx="8191767" cy="514953"/>
+          </a:xfrm>
+          <a:prstGeom prst="rect">
+            <a:avLst/>
+          </a:prstGeom>
+        </p:spPr>
+        <p:txBody>
+          <a:bodyPr vert="horz" lIns="91440" tIns="45720" rIns="91440" bIns="45720" rtlCol="0">
+            <a:normAutofit/>
+          </a:bodyPr>
+          <a:lstStyle>
+            <a:lvl1pPr marL="274320" indent="-228600" algn="l" defTabSz="914400" rtl="0" eaLnBrk="1" latinLnBrk="0" hangingPunct="1">
+              <a:spcBef>
+                <a:spcPct val="20000"/>
+              </a:spcBef>
+              <a:buClr>
+                <a:schemeClr val="accent1"/>
+              </a:buClr>
+              <a:buFont typeface="Wingdings 2" pitchFamily="18" charset="2"/>
+              <a:buChar char=""/>
+              <a:defRPr sz="2000" kern="1200" spc="150" baseline="0">
+                <a:solidFill>
+                  <a:schemeClr val="tx2"/>
+                </a:solidFill>
+                <a:latin typeface="+mn-lt"/>
+                <a:ea typeface="+mn-ea"/>
+                <a:cs typeface="+mn-cs"/>
+              </a:defRPr>
+            </a:lvl1pPr>
+            <a:lvl2pPr marL="548640" indent="-182880" algn="l" defTabSz="914400" rtl="0" eaLnBrk="1" latinLnBrk="0" hangingPunct="1">
+              <a:spcBef>
+                <a:spcPct val="20000"/>
+              </a:spcBef>
+              <a:buClr>
+                <a:schemeClr val="accent2"/>
+              </a:buClr>
+              <a:buFont typeface="Wingdings" pitchFamily="2" charset="2"/>
+              <a:buChar char="§"/>
+              <a:defRPr sz="1800" kern="1200" spc="100" baseline="0">
+                <a:solidFill>
+                  <a:schemeClr val="tx2"/>
+                </a:solidFill>
+                <a:latin typeface="+mn-lt"/>
+                <a:ea typeface="+mn-ea"/>
+                <a:cs typeface="+mn-cs"/>
+              </a:defRPr>
+            </a:lvl2pPr>
+            <a:lvl3pPr marL="822960" indent="-182880" algn="l" defTabSz="914400" rtl="0" eaLnBrk="1" latinLnBrk="0" hangingPunct="1">
+              <a:spcBef>
+                <a:spcPct val="20000"/>
+              </a:spcBef>
+              <a:buClr>
+                <a:schemeClr val="accent3"/>
+              </a:buClr>
+              <a:buFont typeface="Wingdings" pitchFamily="2" charset="2"/>
+              <a:buChar char="§"/>
+              <a:defRPr sz="1600" kern="1200" spc="100" baseline="0">
+                <a:solidFill>
+                  <a:schemeClr val="tx2"/>
+                </a:solidFill>
+                <a:latin typeface="+mn-lt"/>
+                <a:ea typeface="+mn-ea"/>
+                <a:cs typeface="+mn-cs"/>
+              </a:defRPr>
+            </a:lvl3pPr>
+            <a:lvl4pPr marL="1097280" indent="-182880" algn="l" defTabSz="914400" rtl="0" eaLnBrk="1" latinLnBrk="0" hangingPunct="1">
+              <a:spcBef>
+                <a:spcPct val="20000"/>
+              </a:spcBef>
+              <a:buClr>
+                <a:schemeClr val="accent4"/>
+              </a:buClr>
+              <a:buFont typeface="Wingdings" pitchFamily="2" charset="2"/>
+              <a:buChar char="§"/>
+              <a:defRPr sz="1400" kern="1200">
+                <a:solidFill>
+                  <a:schemeClr val="tx2"/>
+                </a:solidFill>
+                <a:latin typeface="+mn-lt"/>
+                <a:ea typeface="+mn-ea"/>
+                <a:cs typeface="+mn-cs"/>
+              </a:defRPr>
+            </a:lvl4pPr>
+            <a:lvl5pPr marL="1280160" indent="-182880" algn="l" defTabSz="914400" rtl="0" eaLnBrk="1" latinLnBrk="0" hangingPunct="1">
+              <a:spcBef>
+                <a:spcPct val="20000"/>
+              </a:spcBef>
+              <a:buClr>
+                <a:schemeClr val="accent6"/>
+              </a:buClr>
+              <a:buFont typeface="Wingdings" pitchFamily="2" charset="2"/>
+              <a:buChar char="§"/>
+              <a:defRPr sz="1300" kern="1200" spc="100" baseline="0">
+                <a:solidFill>
+                  <a:schemeClr val="tx2"/>
+                </a:solidFill>
+                <a:latin typeface="+mn-lt"/>
+                <a:ea typeface="+mn-ea"/>
+                <a:cs typeface="+mn-cs"/>
+              </a:defRPr>
+            </a:lvl5pPr>
+            <a:lvl6pPr marL="1554480" indent="-182880" algn="l" defTabSz="914400" rtl="0" eaLnBrk="1" latinLnBrk="0" hangingPunct="1">
+              <a:spcBef>
+                <a:spcPct val="20000"/>
+              </a:spcBef>
+              <a:buClr>
+                <a:schemeClr val="accent1"/>
+              </a:buClr>
+              <a:buFont typeface="Wingdings" pitchFamily="2" charset="2"/>
+              <a:buChar char="§"/>
+              <a:defRPr sz="1200" kern="1200">
+                <a:solidFill>
+                  <a:schemeClr val="tx2"/>
+                </a:solidFill>
+                <a:latin typeface="+mn-lt"/>
+                <a:ea typeface="+mn-ea"/>
+                <a:cs typeface="+mn-cs"/>
+              </a:defRPr>
+            </a:lvl6pPr>
+            <a:lvl7pPr marL="1828800" indent="-182880" algn="l" defTabSz="914400" rtl="0" eaLnBrk="1" latinLnBrk="0" hangingPunct="1">
+              <a:spcBef>
+                <a:spcPct val="20000"/>
+              </a:spcBef>
+              <a:buClr>
+                <a:schemeClr val="accent2"/>
+              </a:buClr>
+              <a:buFont typeface="Wingdings" pitchFamily="2" charset="2"/>
+              <a:buChar char="§"/>
+              <a:defRPr sz="1200" kern="1200">
+                <a:solidFill>
+                  <a:schemeClr val="tx2"/>
+                </a:solidFill>
+                <a:latin typeface="+mn-lt"/>
+                <a:ea typeface="+mn-ea"/>
+                <a:cs typeface="+mn-cs"/>
+              </a:defRPr>
+            </a:lvl7pPr>
+            <a:lvl8pPr marL="2103120" indent="-182880" algn="l" defTabSz="914400" rtl="0" eaLnBrk="1" latinLnBrk="0" hangingPunct="1">
+              <a:spcBef>
+                <a:spcPct val="20000"/>
+              </a:spcBef>
+              <a:buClr>
+                <a:schemeClr val="accent3"/>
+              </a:buClr>
+              <a:buFont typeface="Wingdings" pitchFamily="2" charset="2"/>
+              <a:buChar char="§"/>
+              <a:defRPr sz="1200" kern="1200">
+                <a:solidFill>
+                  <a:schemeClr val="tx2"/>
+                </a:solidFill>
+                <a:latin typeface="+mn-lt"/>
+                <a:ea typeface="+mn-ea"/>
+                <a:cs typeface="+mn-cs"/>
+              </a:defRPr>
+            </a:lvl8pPr>
+            <a:lvl9pPr marL="2377440" indent="-182880" algn="l" defTabSz="914400" rtl="0" eaLnBrk="1" latinLnBrk="0" hangingPunct="1">
+              <a:spcBef>
+                <a:spcPct val="20000"/>
+              </a:spcBef>
+              <a:buClr>
+                <a:schemeClr val="accent5"/>
+              </a:buClr>
+              <a:buFont typeface="Wingdings" pitchFamily="2" charset="2"/>
+              <a:buChar char="§"/>
+              <a:defRPr sz="1200" kern="1200">
+                <a:solidFill>
+                  <a:schemeClr val="tx2"/>
+                </a:solidFill>
+                <a:latin typeface="+mn-lt"/>
+                <a:ea typeface="+mn-ea"/>
+                <a:cs typeface="+mn-cs"/>
+              </a:defRPr>
+            </a:lvl9pPr>
+          </a:lstStyle>
+          <a:p>
             <a:endParaRPr lang="en-US" dirty="0" smtClean="0"/>
           </a:p>
         </p:txBody>
@@ -8726,7 +9145,7 @@
         </p:nvSpPr>
         <p:spPr>
           <a:xfrm>
-            <a:off x="399142" y="3256996"/>
+            <a:off x="399142" y="3691162"/>
             <a:ext cx="8191767" cy="514953"/>
           </a:xfrm>
           <a:prstGeom prst="rect">
@@ -8920,7 +9339,7 @@
         </p:nvSpPr>
         <p:spPr>
           <a:xfrm>
-            <a:off x="538379" y="4201231"/>
+            <a:off x="399142" y="5492850"/>
             <a:ext cx="8191767" cy="514953"/>
           </a:xfrm>
           <a:prstGeom prst="rect">
@@ -9098,19 +9517,213 @@
           <a:p>
             <a:r>
               <a:rPr lang="en-US" dirty="0" smtClean="0"/>
-              <a:t>It’s just middleware dude – </a:t>
-            </a:r>
-            <a:r>
-              <a:rPr lang="en-US" dirty="0" err="1" smtClean="0"/>
-              <a:t>Lize</a:t>
-            </a:r>
-            <a:r>
-              <a:rPr lang="en-US" dirty="0" smtClean="0"/>
-              <a:t> </a:t>
+              <a:t>It’s just middleware dude – Liz </a:t>
             </a:r>
             <a:r>
               <a:rPr lang="en-US" dirty="0" err="1" smtClean="0"/>
               <a:t>Wize</a:t>
+            </a:r>
+            <a:endParaRPr lang="en-US" dirty="0" smtClean="0"/>
+          </a:p>
+        </p:txBody>
+      </p:sp>
+      <p:sp>
+        <p:nvSpPr>
+          <p:cNvPr id="7" name="Content Placeholder 1"/>
+          <p:cNvSpPr txBox="1">
+            <a:spLocks/>
+          </p:cNvSpPr>
+          <p:nvPr/>
+        </p:nvSpPr>
+        <p:spPr>
+          <a:xfrm>
+            <a:off x="399142" y="4565800"/>
+            <a:ext cx="8191767" cy="514953"/>
+          </a:xfrm>
+          <a:prstGeom prst="rect">
+            <a:avLst/>
+          </a:prstGeom>
+        </p:spPr>
+        <p:txBody>
+          <a:bodyPr vert="horz" lIns="91440" tIns="45720" rIns="91440" bIns="45720" rtlCol="0">
+            <a:noAutofit/>
+          </a:bodyPr>
+          <a:lstStyle>
+            <a:lvl1pPr marL="274320" indent="-228600" algn="l" defTabSz="914400" rtl="0" eaLnBrk="1" latinLnBrk="0" hangingPunct="1">
+              <a:spcBef>
+                <a:spcPct val="20000"/>
+              </a:spcBef>
+              <a:buClr>
+                <a:schemeClr val="accent1"/>
+              </a:buClr>
+              <a:buFont typeface="Wingdings 2" pitchFamily="18" charset="2"/>
+              <a:buChar char=""/>
+              <a:defRPr sz="2000" kern="1200" spc="150" baseline="0">
+                <a:solidFill>
+                  <a:schemeClr val="tx2"/>
+                </a:solidFill>
+                <a:latin typeface="+mn-lt"/>
+                <a:ea typeface="+mn-ea"/>
+                <a:cs typeface="+mn-cs"/>
+              </a:defRPr>
+            </a:lvl1pPr>
+            <a:lvl2pPr marL="548640" indent="-182880" algn="l" defTabSz="914400" rtl="0" eaLnBrk="1" latinLnBrk="0" hangingPunct="1">
+              <a:spcBef>
+                <a:spcPct val="20000"/>
+              </a:spcBef>
+              <a:buClr>
+                <a:schemeClr val="accent2"/>
+              </a:buClr>
+              <a:buFont typeface="Wingdings" pitchFamily="2" charset="2"/>
+              <a:buChar char="§"/>
+              <a:defRPr sz="1800" kern="1200" spc="100" baseline="0">
+                <a:solidFill>
+                  <a:schemeClr val="tx2"/>
+                </a:solidFill>
+                <a:latin typeface="+mn-lt"/>
+                <a:ea typeface="+mn-ea"/>
+                <a:cs typeface="+mn-cs"/>
+              </a:defRPr>
+            </a:lvl2pPr>
+            <a:lvl3pPr marL="822960" indent="-182880" algn="l" defTabSz="914400" rtl="0" eaLnBrk="1" latinLnBrk="0" hangingPunct="1">
+              <a:spcBef>
+                <a:spcPct val="20000"/>
+              </a:spcBef>
+              <a:buClr>
+                <a:schemeClr val="accent3"/>
+              </a:buClr>
+              <a:buFont typeface="Wingdings" pitchFamily="2" charset="2"/>
+              <a:buChar char="§"/>
+              <a:defRPr sz="1600" kern="1200" spc="100" baseline="0">
+                <a:solidFill>
+                  <a:schemeClr val="tx2"/>
+                </a:solidFill>
+                <a:latin typeface="+mn-lt"/>
+                <a:ea typeface="+mn-ea"/>
+                <a:cs typeface="+mn-cs"/>
+              </a:defRPr>
+            </a:lvl3pPr>
+            <a:lvl4pPr marL="1097280" indent="-182880" algn="l" defTabSz="914400" rtl="0" eaLnBrk="1" latinLnBrk="0" hangingPunct="1">
+              <a:spcBef>
+                <a:spcPct val="20000"/>
+              </a:spcBef>
+              <a:buClr>
+                <a:schemeClr val="accent4"/>
+              </a:buClr>
+              <a:buFont typeface="Wingdings" pitchFamily="2" charset="2"/>
+              <a:buChar char="§"/>
+              <a:defRPr sz="1400" kern="1200">
+                <a:solidFill>
+                  <a:schemeClr val="tx2"/>
+                </a:solidFill>
+                <a:latin typeface="+mn-lt"/>
+                <a:ea typeface="+mn-ea"/>
+                <a:cs typeface="+mn-cs"/>
+              </a:defRPr>
+            </a:lvl4pPr>
+            <a:lvl5pPr marL="1280160" indent="-182880" algn="l" defTabSz="914400" rtl="0" eaLnBrk="1" latinLnBrk="0" hangingPunct="1">
+              <a:spcBef>
+                <a:spcPct val="20000"/>
+              </a:spcBef>
+              <a:buClr>
+                <a:schemeClr val="accent6"/>
+              </a:buClr>
+              <a:buFont typeface="Wingdings" pitchFamily="2" charset="2"/>
+              <a:buChar char="§"/>
+              <a:defRPr sz="1300" kern="1200" spc="100" baseline="0">
+                <a:solidFill>
+                  <a:schemeClr val="tx2"/>
+                </a:solidFill>
+                <a:latin typeface="+mn-lt"/>
+                <a:ea typeface="+mn-ea"/>
+                <a:cs typeface="+mn-cs"/>
+              </a:defRPr>
+            </a:lvl5pPr>
+            <a:lvl6pPr marL="1554480" indent="-182880" algn="l" defTabSz="914400" rtl="0" eaLnBrk="1" latinLnBrk="0" hangingPunct="1">
+              <a:spcBef>
+                <a:spcPct val="20000"/>
+              </a:spcBef>
+              <a:buClr>
+                <a:schemeClr val="accent1"/>
+              </a:buClr>
+              <a:buFont typeface="Wingdings" pitchFamily="2" charset="2"/>
+              <a:buChar char="§"/>
+              <a:defRPr sz="1200" kern="1200">
+                <a:solidFill>
+                  <a:schemeClr val="tx2"/>
+                </a:solidFill>
+                <a:latin typeface="+mn-lt"/>
+                <a:ea typeface="+mn-ea"/>
+                <a:cs typeface="+mn-cs"/>
+              </a:defRPr>
+            </a:lvl6pPr>
+            <a:lvl7pPr marL="1828800" indent="-182880" algn="l" defTabSz="914400" rtl="0" eaLnBrk="1" latinLnBrk="0" hangingPunct="1">
+              <a:spcBef>
+                <a:spcPct val="20000"/>
+              </a:spcBef>
+              <a:buClr>
+                <a:schemeClr val="accent2"/>
+              </a:buClr>
+              <a:buFont typeface="Wingdings" pitchFamily="2" charset="2"/>
+              <a:buChar char="§"/>
+              <a:defRPr sz="1200" kern="1200">
+                <a:solidFill>
+                  <a:schemeClr val="tx2"/>
+                </a:solidFill>
+                <a:latin typeface="+mn-lt"/>
+                <a:ea typeface="+mn-ea"/>
+                <a:cs typeface="+mn-cs"/>
+              </a:defRPr>
+            </a:lvl7pPr>
+            <a:lvl8pPr marL="2103120" indent="-182880" algn="l" defTabSz="914400" rtl="0" eaLnBrk="1" latinLnBrk="0" hangingPunct="1">
+              <a:spcBef>
+                <a:spcPct val="20000"/>
+              </a:spcBef>
+              <a:buClr>
+                <a:schemeClr val="accent3"/>
+              </a:buClr>
+              <a:buFont typeface="Wingdings" pitchFamily="2" charset="2"/>
+              <a:buChar char="§"/>
+              <a:defRPr sz="1200" kern="1200">
+                <a:solidFill>
+                  <a:schemeClr val="tx2"/>
+                </a:solidFill>
+                <a:latin typeface="+mn-lt"/>
+                <a:ea typeface="+mn-ea"/>
+                <a:cs typeface="+mn-cs"/>
+              </a:defRPr>
+            </a:lvl8pPr>
+            <a:lvl9pPr marL="2377440" indent="-182880" algn="l" defTabSz="914400" rtl="0" eaLnBrk="1" latinLnBrk="0" hangingPunct="1">
+              <a:spcBef>
+                <a:spcPct val="20000"/>
+              </a:spcBef>
+              <a:buClr>
+                <a:schemeClr val="accent5"/>
+              </a:buClr>
+              <a:buFont typeface="Wingdings" pitchFamily="2" charset="2"/>
+              <a:buChar char="§"/>
+              <a:defRPr sz="1200" kern="1200">
+                <a:solidFill>
+                  <a:schemeClr val="tx2"/>
+                </a:solidFill>
+                <a:latin typeface="+mn-lt"/>
+                <a:ea typeface="+mn-ea"/>
+                <a:cs typeface="+mn-cs"/>
+              </a:defRPr>
+            </a:lvl9pPr>
+          </a:lstStyle>
+          <a:p>
+            <a:r>
+              <a:rPr lang="en-GB" dirty="0" smtClean="0"/>
+              <a:t>Why can’t the sales team see the supplier database yet? What am I paying you for </a:t>
+            </a:r>
+            <a:r>
+              <a:rPr lang="en-US" dirty="0" smtClean="0"/>
+              <a:t>–</a:t>
+            </a:r>
+            <a:r>
+              <a:rPr lang="en-GB" dirty="0" smtClean="0"/>
+              <a:t> Your boss</a:t>
             </a:r>
             <a:endParaRPr lang="en-US" dirty="0" smtClean="0"/>
           </a:p>
@@ -9129,147 +9742,9 @@
   <p:timing>
     <p:tnLst>
       <p:par>
-        <p:cTn xmlns:p14="http://schemas.microsoft.com/office/powerpoint/2010/main" id="1" dur="indefinite" restart="never" nodeType="tmRoot">
-          <p:childTnLst>
-            <p:seq concurrent="1" nextAc="seek">
-              <p:cTn id="2" dur="indefinite" nodeType="mainSeq">
-                <p:childTnLst>
-                  <p:par>
-                    <p:cTn id="3" fill="hold">
-                      <p:stCondLst>
-                        <p:cond delay="indefinite"/>
-                      </p:stCondLst>
-                      <p:childTnLst>
-                        <p:par>
-                          <p:cTn id="4" fill="hold">
-                            <p:stCondLst>
-                              <p:cond delay="0"/>
-                            </p:stCondLst>
-                            <p:childTnLst>
-                              <p:par>
-                                <p:cTn id="5" presetID="9" presetClass="entr" presetSubtype="0" fill="hold" grpId="0" nodeType="clickEffect" nodePh="1">
-                                  <p:stCondLst>
-                                    <p:cond delay="0"/>
-                                  </p:stCondLst>
-                                  <p:endCondLst>
-                                    <p:cond evt="begin" delay="0">
-                                      <p:tn val="5"/>
-                                    </p:cond>
-                                  </p:endCondLst>
-                                  <p:childTnLst>
-                                    <p:set>
-                                      <p:cBhvr>
-                                        <p:cTn id="6" dur="1" fill="hold">
-                                          <p:stCondLst>
-                                            <p:cond delay="0"/>
-                                          </p:stCondLst>
-                                        </p:cTn>
-                                        <p:tgtEl>
-                                          <p:spTgt spid="8"/>
-                                        </p:tgtEl>
-                                        <p:attrNameLst>
-                                          <p:attrName>style.visibility</p:attrName>
-                                        </p:attrNameLst>
-                                      </p:cBhvr>
-                                      <p:to>
-                                        <p:strVal val="visible"/>
-                                      </p:to>
-                                    </p:set>
-                                    <p:animEffect transition="in" filter="dissolve">
-                                      <p:cBhvr>
-                                        <p:cTn id="7" dur="500"/>
-                                        <p:tgtEl>
-                                          <p:spTgt spid="8"/>
-                                        </p:tgtEl>
-                                      </p:cBhvr>
-                                    </p:animEffect>
-                                  </p:childTnLst>
-                                </p:cTn>
-                              </p:par>
-                            </p:childTnLst>
-                          </p:cTn>
-                        </p:par>
-                      </p:childTnLst>
-                    </p:cTn>
-                  </p:par>
-                  <p:par>
-                    <p:cTn id="8" fill="hold">
-                      <p:stCondLst>
-                        <p:cond delay="indefinite"/>
-                      </p:stCondLst>
-                      <p:childTnLst>
-                        <p:par>
-                          <p:cTn id="9" fill="hold">
-                            <p:stCondLst>
-                              <p:cond delay="0"/>
-                            </p:stCondLst>
-                            <p:childTnLst>
-                              <p:par>
-                                <p:cTn id="10" presetID="9" presetClass="entr" presetSubtype="0" fill="hold" grpId="0" nodeType="clickEffect">
-                                  <p:stCondLst>
-                                    <p:cond delay="0"/>
-                                  </p:stCondLst>
-                                  <p:childTnLst>
-                                    <p:set>
-                                      <p:cBhvr>
-                                        <p:cTn id="11" dur="1" fill="hold">
-                                          <p:stCondLst>
-                                            <p:cond delay="0"/>
-                                          </p:stCondLst>
-                                        </p:cTn>
-                                        <p:tgtEl>
-                                          <p:spTgt spid="6"/>
-                                        </p:tgtEl>
-                                        <p:attrNameLst>
-                                          <p:attrName>style.visibility</p:attrName>
-                                        </p:attrNameLst>
-                                      </p:cBhvr>
-                                      <p:to>
-                                        <p:strVal val="visible"/>
-                                      </p:to>
-                                    </p:set>
-                                    <p:animEffect transition="in" filter="dissolve">
-                                      <p:cBhvr>
-                                        <p:cTn id="12" dur="500"/>
-                                        <p:tgtEl>
-                                          <p:spTgt spid="6"/>
-                                        </p:tgtEl>
-                                      </p:cBhvr>
-                                    </p:animEffect>
-                                  </p:childTnLst>
-                                </p:cTn>
-                              </p:par>
-                            </p:childTnLst>
-                          </p:cTn>
-                        </p:par>
-                      </p:childTnLst>
-                    </p:cTn>
-                  </p:par>
-                </p:childTnLst>
-              </p:cTn>
-              <p:prevCondLst>
-                <p:cond evt="onPrev" delay="0">
-                  <p:tgtEl>
-                    <p:sldTgt/>
-                  </p:tgtEl>
-                </p:cond>
-              </p:prevCondLst>
-              <p:nextCondLst>
-                <p:cond evt="onNext" delay="0">
-                  <p:tgtEl>
-                    <p:sldTgt/>
-                  </p:tgtEl>
-                </p:cond>
-              </p:nextCondLst>
-            </p:seq>
-          </p:childTnLst>
-        </p:cTn>
+        <p:cTn xmlns:p14="http://schemas.microsoft.com/office/powerpoint/2010/main" id="1" dur="indefinite" restart="never" nodeType="tmRoot"/>
       </p:par>
     </p:tnLst>
-    <p:bldLst>
-      <p:bldP spid="8" grpId="0"/>
-      <p:bldP spid="6" grpId="0"/>
-    </p:bldLst>
   </p:timing>
 </p:sld>
 </file>
@@ -9374,6 +9849,16 @@
             <a:r>
               <a:rPr lang="en-GB" dirty="0" smtClean="0"/>
               <a:t>quartzite</a:t>
+            </a:r>
+          </a:p>
+          <a:p>
+            <a:r>
+              <a:rPr lang="en-US" b="1" dirty="0" smtClean="0"/>
+              <a:t>C</a:t>
+            </a:r>
+            <a:r>
+              <a:rPr lang="en-GB" b="1" dirty="0" err="1" smtClean="0"/>
+              <a:t>ore.async</a:t>
             </a:r>
             <a:endParaRPr lang="en-GB" b="1" dirty="0"/>
           </a:p>
@@ -9709,12 +10194,9 @@
           <a:p>
             <a:r>
               <a:rPr lang="en-GB" sz="2900" dirty="0" smtClean="0"/>
-              <a:t>Message </a:t>
-            </a:r>
-            <a:r>
-              <a:rPr lang="en-GB" sz="2900" dirty="0"/>
-              <a:t>Broker</a:t>
-            </a:r>
+              <a:t>Message Endpoints</a:t>
+            </a:r>
+            <a:endParaRPr lang="en-GB" sz="2900" dirty="0"/>
           </a:p>
           <a:p>
             <a:pPr lvl="1"/>
@@ -10994,14 +11476,14 @@
             </a:br>
             <a:r>
               <a:rPr lang="en-GB" dirty="0" smtClean="0"/>
-              <a:t>Ensured delivery</a:t>
+              <a:t>Fault tolerance</a:t>
             </a:r>
             <a:br>
               <a:rPr lang="en-GB" dirty="0" smtClean="0"/>
             </a:br>
             <a:r>
               <a:rPr lang="en-GB" dirty="0" smtClean="0"/>
-              <a:t>Distributed workload</a:t>
+              <a:t>Throughput</a:t>
             </a:r>
             <a:br>
               <a:rPr lang="en-GB" dirty="0" smtClean="0"/>
@@ -11589,62 +12071,168 @@
         </p:spPr>
         <p:txBody>
           <a:bodyPr>
-            <a:normAutofit/>
+            <a:normAutofit fontScale="70000" lnSpcReduction="20000"/>
           </a:bodyPr>
           <a:lstStyle/>
           <a:p>
             <a:r>
+              <a:rPr lang="en-GB" dirty="0" smtClean="0"/>
+              <a:t>Message</a:t>
+            </a:r>
+          </a:p>
+          <a:p>
+            <a:pPr lvl="1"/>
+            <a:r>
+              <a:rPr lang="en-GB" dirty="0" smtClean="0"/>
+              <a:t>Discrete event</a:t>
+            </a:r>
+            <a:endParaRPr lang="en-GB" dirty="0"/>
+          </a:p>
+          <a:p>
+            <a:r>
               <a:rPr lang="en-GB" dirty="0"/>
-              <a:t>Message</a:t>
-            </a:r>
+              <a:t>Message </a:t>
+            </a:r>
+            <a:r>
+              <a:rPr lang="en-GB" dirty="0" smtClean="0"/>
+              <a:t>Channel</a:t>
+            </a:r>
+          </a:p>
+          <a:p>
+            <a:pPr lvl="1"/>
+            <a:r>
+              <a:rPr lang="en-GB" dirty="0" smtClean="0"/>
+              <a:t>Logical address</a:t>
+            </a:r>
+            <a:endParaRPr lang="en-GB" dirty="0"/>
           </a:p>
           <a:p>
             <a:r>
               <a:rPr lang="en-GB" dirty="0"/>
-              <a:t>Message Channel</a:t>
-            </a:r>
+              <a:t>Message </a:t>
+            </a:r>
+            <a:r>
+              <a:rPr lang="en-GB" dirty="0" smtClean="0"/>
+              <a:t>Endpoints</a:t>
+            </a:r>
+          </a:p>
+          <a:p>
+            <a:pPr lvl="1"/>
+            <a:r>
+              <a:rPr lang="en-GB" dirty="0" smtClean="0"/>
+              <a:t>Interface to the channel</a:t>
+            </a:r>
+          </a:p>
+          <a:p>
+            <a:pPr lvl="1"/>
+            <a:r>
+              <a:rPr lang="en-GB" dirty="0" smtClean="0"/>
+              <a:t>When networked, these three provide the core of distributed orchestration</a:t>
+            </a:r>
+            <a:endParaRPr lang="en-GB" dirty="0"/>
           </a:p>
           <a:p>
             <a:r>
               <a:rPr lang="en-GB" dirty="0"/>
-              <a:t>Message Broker</a:t>
-            </a:r>
+              <a:t>Message </a:t>
+            </a:r>
+            <a:r>
+              <a:rPr lang="en-GB" dirty="0" smtClean="0"/>
+              <a:t>Router</a:t>
+            </a:r>
+          </a:p>
+          <a:p>
+            <a:pPr lvl="1"/>
+            <a:r>
+              <a:rPr lang="en-GB" dirty="0" smtClean="0"/>
+              <a:t>Branch workflow</a:t>
+            </a:r>
+            <a:endParaRPr lang="en-GB" dirty="0"/>
           </a:p>
           <a:p>
             <a:r>
               <a:rPr lang="en-GB" dirty="0"/>
-              <a:t>Message Router</a:t>
-            </a:r>
+              <a:t>Content </a:t>
+            </a:r>
+            <a:r>
+              <a:rPr lang="en-GB" dirty="0" smtClean="0"/>
+              <a:t>Enricher</a:t>
+            </a:r>
+          </a:p>
+          <a:p>
+            <a:pPr lvl="1"/>
+            <a:r>
+              <a:rPr lang="en-GB" dirty="0" smtClean="0"/>
+              <a:t>Decorate message</a:t>
+            </a:r>
+            <a:endParaRPr lang="en-GB" dirty="0"/>
+          </a:p>
+          <a:p>
+            <a:r>
+              <a:rPr lang="en-GB" dirty="0" smtClean="0"/>
+              <a:t>Pipeline</a:t>
+            </a:r>
+          </a:p>
+          <a:p>
+            <a:pPr lvl="1"/>
+            <a:r>
+              <a:rPr lang="en-GB" dirty="0" smtClean="0"/>
+              <a:t>Sequential processing</a:t>
+            </a:r>
+            <a:endParaRPr lang="en-GB" dirty="0"/>
+          </a:p>
+          <a:p>
+            <a:r>
+              <a:rPr lang="en-GB" dirty="0" smtClean="0"/>
+              <a:t>Splitter</a:t>
+            </a:r>
+          </a:p>
+          <a:p>
+            <a:pPr lvl="1"/>
+            <a:r>
+              <a:rPr lang="en-GB" dirty="0" smtClean="0"/>
+              <a:t>Emit many messages from one</a:t>
+            </a:r>
+            <a:endParaRPr lang="en-GB" dirty="0"/>
+          </a:p>
+          <a:p>
+            <a:r>
+              <a:rPr lang="en-GB" dirty="0" smtClean="0"/>
+              <a:t>Aggregator</a:t>
+            </a:r>
+          </a:p>
+          <a:p>
+            <a:pPr lvl="1"/>
+            <a:r>
+              <a:rPr lang="en-GB" dirty="0" smtClean="0"/>
+              <a:t>Produce one message (or side effect) from many</a:t>
+            </a:r>
+            <a:endParaRPr lang="en-GB" dirty="0"/>
           </a:p>
           <a:p>
             <a:r>
               <a:rPr lang="en-GB" dirty="0"/>
-              <a:t>Content Enricher</a:t>
-            </a:r>
-          </a:p>
-          <a:p>
-            <a:r>
-              <a:rPr lang="en-GB" dirty="0"/>
-              <a:t>Pipeline</a:t>
-            </a:r>
-          </a:p>
-          <a:p>
-            <a:r>
-              <a:rPr lang="en-GB" dirty="0"/>
-              <a:t>Splitter</a:t>
-            </a:r>
-          </a:p>
-          <a:p>
-            <a:r>
-              <a:rPr lang="en-GB" dirty="0"/>
-              <a:t>Aggregator</a:t>
-            </a:r>
-          </a:p>
-          <a:p>
-            <a:r>
-              <a:rPr lang="en-GB" dirty="0"/>
-              <a:t>Dead Letter Channel</a:t>
-            </a:r>
+              <a:t>Dead Letter </a:t>
+            </a:r>
+            <a:r>
+              <a:rPr lang="en-GB" dirty="0" smtClean="0"/>
+              <a:t>Channel</a:t>
+            </a:r>
+          </a:p>
+          <a:p>
+            <a:pPr lvl="1"/>
+            <a:r>
+              <a:rPr lang="en-GB" dirty="0" smtClean="0"/>
+              <a:t>Error handling</a:t>
+            </a:r>
+            <a:endParaRPr lang="en-GB" dirty="0" smtClean="0"/>
+          </a:p>
+          <a:p>
+            <a:r>
+              <a:rPr lang="en-GB" dirty="0" smtClean="0"/>
+              <a:t>And many many more</a:t>
+            </a:r>
+            <a:endParaRPr lang="en-GB" dirty="0"/>
           </a:p>
           <a:p>
             <a:pPr marL="45720" indent="0">
@@ -11741,8 +12329,13 @@
             </a:r>
             <a:r>
               <a:rPr lang="en-GB" dirty="0"/>
-              <a:t> Mule</a:t>
-            </a:r>
+              <a:t> </a:t>
+            </a:r>
+            <a:r>
+              <a:rPr lang="en-GB" dirty="0" smtClean="0"/>
+              <a:t>Mule (Bad Jon, bad)</a:t>
+            </a:r>
+            <a:endParaRPr lang="en-GB" dirty="0"/>
           </a:p>
           <a:p>
             <a:r>
@@ -11778,6 +12371,12 @@
             <a:r>
               <a:rPr lang="en-GB" dirty="0" smtClean="0"/>
               <a:t>Twitter Storm</a:t>
+            </a:r>
+          </a:p>
+          <a:p>
+            <a:r>
+              <a:rPr lang="en-GB" dirty="0" smtClean="0"/>
+              <a:t>Had to trim this list</a:t>
             </a:r>
             <a:endParaRPr lang="en-GB" dirty="0"/>
           </a:p>
